--- a/LES PROBLEMES INVERSES.pptx
+++ b/LES PROBLEMES INVERSES.pptx
@@ -23,8 +23,19 @@
     <p:sldId id="273" r:id="rId17"/>
     <p:sldId id="274" r:id="rId18"/>
     <p:sldId id="275" r:id="rId19"/>
-    <p:sldId id="276" r:id="rId20"/>
-    <p:sldId id="277" r:id="rId21"/>
+    <p:sldId id="288" r:id="rId20"/>
+    <p:sldId id="276" r:id="rId21"/>
+    <p:sldId id="277" r:id="rId22"/>
+    <p:sldId id="278" r:id="rId23"/>
+    <p:sldId id="279" r:id="rId24"/>
+    <p:sldId id="280" r:id="rId25"/>
+    <p:sldId id="281" r:id="rId26"/>
+    <p:sldId id="282" r:id="rId27"/>
+    <p:sldId id="283" r:id="rId28"/>
+    <p:sldId id="284" r:id="rId29"/>
+    <p:sldId id="285" r:id="rId30"/>
+    <p:sldId id="286" r:id="rId31"/>
+    <p:sldId id="287" r:id="rId32"/>
   </p:sldIdLst>
   <p:sldSz cx="12192000" cy="6858000"/>
   <p:notesSz cx="6858000" cy="9144000"/>
@@ -123,6 +134,11 @@
       </a:defRPr>
     </a:lvl9pPr>
   </p:defaultTextStyle>
+  <p:extLst>
+    <p:ext uri="{EFAFB233-063F-42B5-8137-9DF3F51BA10A}">
+      <p15:sldGuideLst xmlns:p15="http://schemas.microsoft.com/office/powerpoint/2012/main"/>
+    </p:ext>
+  </p:extLst>
 </p:presentation>
 </file>
 
@@ -257,7 +273,7 @@
           <a:p>
             <a:fld id="{2EBB294E-278D-496E-97C7-D2F806AB49D4}" type="datetimeFigureOut">
               <a:rPr lang="fr-FR" smtClean="0"/>
-              <a:t>16/01/2024</a:t>
+              <a:t>18/01/2024</a:t>
             </a:fld>
             <a:endParaRPr lang="fr-FR"/>
           </a:p>
@@ -427,7 +443,7 @@
           <a:p>
             <a:fld id="{2EBB294E-278D-496E-97C7-D2F806AB49D4}" type="datetimeFigureOut">
               <a:rPr lang="fr-FR" smtClean="0"/>
-              <a:t>16/01/2024</a:t>
+              <a:t>18/01/2024</a:t>
             </a:fld>
             <a:endParaRPr lang="fr-FR"/>
           </a:p>
@@ -607,7 +623,7 @@
           <a:p>
             <a:fld id="{2EBB294E-278D-496E-97C7-D2F806AB49D4}" type="datetimeFigureOut">
               <a:rPr lang="fr-FR" smtClean="0"/>
-              <a:t>16/01/2024</a:t>
+              <a:t>18/01/2024</a:t>
             </a:fld>
             <a:endParaRPr lang="fr-FR"/>
           </a:p>
@@ -777,7 +793,7 @@
           <a:p>
             <a:fld id="{2EBB294E-278D-496E-97C7-D2F806AB49D4}" type="datetimeFigureOut">
               <a:rPr lang="fr-FR" smtClean="0"/>
-              <a:t>16/01/2024</a:t>
+              <a:t>18/01/2024</a:t>
             </a:fld>
             <a:endParaRPr lang="fr-FR"/>
           </a:p>
@@ -1023,7 +1039,7 @@
           <a:p>
             <a:fld id="{2EBB294E-278D-496E-97C7-D2F806AB49D4}" type="datetimeFigureOut">
               <a:rPr lang="fr-FR" smtClean="0"/>
-              <a:t>16/01/2024</a:t>
+              <a:t>18/01/2024</a:t>
             </a:fld>
             <a:endParaRPr lang="fr-FR"/>
           </a:p>
@@ -1255,7 +1271,7 @@
           <a:p>
             <a:fld id="{2EBB294E-278D-496E-97C7-D2F806AB49D4}" type="datetimeFigureOut">
               <a:rPr lang="fr-FR" smtClean="0"/>
-              <a:t>16/01/2024</a:t>
+              <a:t>18/01/2024</a:t>
             </a:fld>
             <a:endParaRPr lang="fr-FR"/>
           </a:p>
@@ -1622,7 +1638,7 @@
           <a:p>
             <a:fld id="{2EBB294E-278D-496E-97C7-D2F806AB49D4}" type="datetimeFigureOut">
               <a:rPr lang="fr-FR" smtClean="0"/>
-              <a:t>16/01/2024</a:t>
+              <a:t>18/01/2024</a:t>
             </a:fld>
             <a:endParaRPr lang="fr-FR"/>
           </a:p>
@@ -1740,7 +1756,7 @@
           <a:p>
             <a:fld id="{2EBB294E-278D-496E-97C7-D2F806AB49D4}" type="datetimeFigureOut">
               <a:rPr lang="fr-FR" smtClean="0"/>
-              <a:t>16/01/2024</a:t>
+              <a:t>18/01/2024</a:t>
             </a:fld>
             <a:endParaRPr lang="fr-FR"/>
           </a:p>
@@ -1835,7 +1851,7 @@
           <a:p>
             <a:fld id="{2EBB294E-278D-496E-97C7-D2F806AB49D4}" type="datetimeFigureOut">
               <a:rPr lang="fr-FR" smtClean="0"/>
-              <a:t>16/01/2024</a:t>
+              <a:t>18/01/2024</a:t>
             </a:fld>
             <a:endParaRPr lang="fr-FR"/>
           </a:p>
@@ -2112,7 +2128,7 @@
           <a:p>
             <a:fld id="{2EBB294E-278D-496E-97C7-D2F806AB49D4}" type="datetimeFigureOut">
               <a:rPr lang="fr-FR" smtClean="0"/>
-              <a:t>16/01/2024</a:t>
+              <a:t>18/01/2024</a:t>
             </a:fld>
             <a:endParaRPr lang="fr-FR"/>
           </a:p>
@@ -2365,7 +2381,7 @@
           <a:p>
             <a:fld id="{2EBB294E-278D-496E-97C7-D2F806AB49D4}" type="datetimeFigureOut">
               <a:rPr lang="fr-FR" smtClean="0"/>
-              <a:t>16/01/2024</a:t>
+              <a:t>18/01/2024</a:t>
             </a:fld>
             <a:endParaRPr lang="fr-FR"/>
           </a:p>
@@ -2578,7 +2594,7 @@
           <a:p>
             <a:fld id="{2EBB294E-278D-496E-97C7-D2F806AB49D4}" type="datetimeFigureOut">
               <a:rPr lang="fr-FR" smtClean="0"/>
-              <a:t>16/01/2024</a:t>
+              <a:t>18/01/2024</a:t>
             </a:fld>
             <a:endParaRPr lang="fr-FR"/>
           </a:p>
@@ -3262,7 +3278,6 @@
               <a:rPr lang="fr-FR" sz="3200" b="1" dirty="0"/>
               <a:t>Problème mal posé</a:t>
             </a:r>
-            <a:endParaRPr lang="fr-FR" sz="3200" b="1" dirty="0"/>
           </a:p>
         </p:txBody>
       </p:sp>
@@ -3719,7 +3734,19 @@
               <a:rPr lang="fr-FR" sz="2400" b="1" dirty="0" smtClean="0">
                 <a:latin typeface="Consolas" panose="020B0609020204030204" pitchFamily="49" charset="0"/>
               </a:rPr>
-              <a:t>y = M x </a:t>
+              <a:t>y = </a:t>
+            </a:r>
+            <a:r>
+              <a:rPr lang="fr-FR" sz="2400" b="1" dirty="0" err="1" smtClean="0">
+                <a:latin typeface="Consolas" panose="020B0609020204030204" pitchFamily="49" charset="0"/>
+              </a:rPr>
+              <a:t>Mx</a:t>
+            </a:r>
+            <a:r>
+              <a:rPr lang="fr-FR" sz="2400" b="1" dirty="0" smtClean="0">
+                <a:latin typeface="Consolas" panose="020B0609020204030204" pitchFamily="49" charset="0"/>
+              </a:rPr>
+              <a:t> </a:t>
             </a:r>
             <a:r>
               <a:rPr lang="fr-FR" sz="2400" dirty="0" smtClean="0">
@@ -3909,10 +3936,16 @@
                   <a:t>Si on souhaite résoudre </a:t>
                 </a:r>
                 <a:r>
+                  <a:rPr lang="fr-FR" sz="2400" b="1" dirty="0" err="1" smtClean="0">
+                    <a:latin typeface="Consolas" panose="020B0609020204030204" pitchFamily="49" charset="0"/>
+                  </a:rPr>
+                  <a:t>Mx</a:t>
+                </a:r>
+                <a:r>
                   <a:rPr lang="fr-FR" sz="2400" b="1" dirty="0" smtClean="0">
                     <a:latin typeface="Consolas" panose="020B0609020204030204" pitchFamily="49" charset="0"/>
                   </a:rPr>
-                  <a:t>M x = y </a:t>
+                  <a:t> = y </a:t>
                 </a:r>
                 <a:r>
                   <a:rPr lang="fr-FR" sz="2400" dirty="0" smtClean="0">
@@ -3933,16 +3966,22 @@
                   <a:t> est carrée régulière (</a:t>
                 </a:r>
                 <a:r>
-                  <a:rPr lang="fr-FR" sz="2400" b="1" dirty="0" err="1">
+                  <a:rPr lang="fr-FR" sz="2400" b="1" dirty="0" err="1" smtClean="0">
                     <a:latin typeface="Consolas" panose="020B0609020204030204" pitchFamily="49" charset="0"/>
                   </a:rPr>
                   <a:t>det</a:t>
+                </a:r>
+                <a:r>
+                  <a:rPr lang="fr-FR" sz="2400" b="1" dirty="0" smtClean="0">
+                    <a:latin typeface="Consolas" panose="020B0609020204030204" pitchFamily="49" charset="0"/>
+                  </a:rPr>
+                  <a:t>(M)  </a:t>
                 </a:r>
                 <a:r>
                   <a:rPr lang="fr-FR" sz="2400" b="1" dirty="0">
                     <a:latin typeface="Consolas" panose="020B0609020204030204" pitchFamily="49" charset="0"/>
                   </a:rPr>
-                  <a:t>(M )  ≠ 0</a:t>
+                  <a:t>≠ 0</a:t>
                 </a:r>
                 <a:r>
                   <a:rPr lang="fr-FR" sz="2400" dirty="0" smtClean="0">
@@ -3959,10 +3998,16 @@
                   <a:t>la solution unique est simple et </a:t>
                 </a:r>
                 <a:r>
+                  <a:rPr lang="fr-FR" sz="2400" dirty="0">
+                    <a:latin typeface="+mj-lt"/>
+                  </a:rPr>
+                  <a:t>vaut</a:t>
+                </a:r>
+                <a:r>
                   <a:rPr lang="fr-FR" sz="2400" b="1" dirty="0">
                     <a:latin typeface="Consolas" panose="020B0609020204030204" pitchFamily="49" charset="0"/>
                   </a:rPr>
-                  <a:t>vaut x = </a:t>
+                  <a:t> x = </a:t>
                 </a:r>
                 <a14:m>
                   <m:oMath xmlns:m="http://schemas.openxmlformats.org/officeDocument/2006/math">
@@ -4029,10 +4074,22 @@
                   <a:t>Par contre, si on veut résoudre </a:t>
                 </a:r>
                 <a:r>
+                  <a:rPr lang="fr-FR" sz="2400" b="1" dirty="0" err="1" smtClean="0">
+                    <a:latin typeface="Consolas" panose="020B0609020204030204" pitchFamily="49" charset="0"/>
+                  </a:rPr>
+                  <a:t>Mx</a:t>
+                </a:r>
+                <a:r>
+                  <a:rPr lang="fr-FR" sz="2400" b="1" dirty="0" smtClean="0">
+                    <a:latin typeface="Consolas" panose="020B0609020204030204" pitchFamily="49" charset="0"/>
+                  </a:rPr>
+                  <a:t> </a:t>
+                </a:r>
+                <a:r>
                   <a:rPr lang="fr-FR" sz="2400" b="1" dirty="0">
                     <a:latin typeface="Consolas" panose="020B0609020204030204" pitchFamily="49" charset="0"/>
                   </a:rPr>
-                  <a:t>M x = y </a:t>
+                  <a:t>= y </a:t>
                 </a:r>
                 <a:r>
                   <a:rPr lang="fr-FR" sz="2400" dirty="0" smtClean="0">
@@ -4182,7 +4239,7 @@
               <a:blipFill>
                 <a:blip r:embed="rId2"/>
                 <a:stretch>
-                  <a:fillRect l="-873" t="-1170" r="-1309" b="-2339"/>
+                  <a:fillRect l="-873" t="-1170" r="-436" b="-2339"/>
                 </a:stretch>
               </a:blipFill>
             </p:spPr>
@@ -4342,10 +4399,16 @@
               <a:t>Le système </a:t>
             </a:r>
             <a:r>
+              <a:rPr lang="fr-FR" sz="2400" b="1" dirty="0" err="1" smtClean="0">
+                <a:latin typeface="Consolas" panose="020B0609020204030204" pitchFamily="49" charset="0"/>
+              </a:rPr>
+              <a:t>Mx</a:t>
+            </a:r>
+            <a:r>
               <a:rPr lang="fr-FR" sz="2400" b="1" dirty="0" smtClean="0">
                 <a:latin typeface="Consolas" panose="020B0609020204030204" pitchFamily="49" charset="0"/>
               </a:rPr>
-              <a:t>M x = y </a:t>
+              <a:t> = y </a:t>
             </a:r>
             <a:r>
               <a:rPr lang="fr-FR" sz="2400" dirty="0" smtClean="0">
@@ -4431,17 +4494,50 @@
             </a:r>
             <a:r>
               <a:rPr lang="fr-FR" sz="2400" b="1" i="1" dirty="0" smtClean="0">
-                <a:latin typeface="+mj-lt"/>
-              </a:rPr>
-              <a:t>factorisation de matrices sont applicables lorsque les problèmes, </a:t>
+                <a:solidFill>
+                  <a:srgbClr val="FF0000"/>
+                </a:solidFill>
+                <a:latin typeface="+mj-lt"/>
+              </a:rPr>
+              <a:t>factorisation de matrices sont applicables lorsque les problèmes</a:t>
+            </a:r>
+            <a:r>
+              <a:rPr lang="fr-FR" sz="2400" b="1" i="1" dirty="0" smtClean="0">
+                <a:latin typeface="+mj-lt"/>
+              </a:rPr>
+              <a:t>, </a:t>
             </a:r>
             <a:r>
               <a:rPr lang="fr-FR" sz="2400" dirty="0" smtClean="0">
                 <a:latin typeface="+mj-lt"/>
               </a:rPr>
-              <a:t>bien que mal posés, vérifient la troisième condition au sens de Hadamard i.e. M est bien conditionnée.</a:t>
+              <a:t>bien que mal posés, vérifient la troisième condition au sens de Hadamard i.e. </a:t>
+            </a:r>
+            <a:r>
+              <a:rPr lang="fr-FR" sz="2400" b="1" dirty="0">
+                <a:latin typeface="Consolas" panose="020B0609020204030204" pitchFamily="49" charset="0"/>
+              </a:rPr>
+              <a:t>M </a:t>
+            </a:r>
+            <a:r>
+              <a:rPr lang="fr-FR" sz="2400" dirty="0" smtClean="0">
+                <a:latin typeface="+mj-lt"/>
+              </a:rPr>
+              <a:t>est </a:t>
+            </a:r>
+            <a:r>
+              <a:rPr lang="fr-FR" sz="2400" b="1" dirty="0" smtClean="0">
+                <a:solidFill>
+                  <a:srgbClr val="FF0000"/>
+                </a:solidFill>
+                <a:latin typeface="+mj-lt"/>
+              </a:rPr>
+              <a:t>bien conditionnée.</a:t>
             </a:r>
             <a:endParaRPr lang="fr-FR" sz="2400" b="1" dirty="0">
+              <a:solidFill>
+                <a:srgbClr val="FF0000"/>
+              </a:solidFill>
               <a:latin typeface="+mj-lt"/>
             </a:endParaRPr>
           </a:p>
@@ -4594,17 +4690,15 @@
             </a:r>
             <a:r>
               <a:rPr lang="fr-FR" sz="2400" b="1" dirty="0" smtClean="0"/>
-              <a:t>une facto-</a:t>
-            </a:r>
-          </a:p>
-          <a:p>
-            <a:r>
-              <a:rPr lang="fr-FR" sz="2400" b="1" dirty="0" err="1" smtClean="0"/>
-              <a:t>risation</a:t>
+              <a:t>une </a:t>
             </a:r>
             <a:r>
               <a:rPr lang="fr-FR" sz="2400" b="1" dirty="0" smtClean="0"/>
-              <a:t> de </a:t>
+              <a:t>factorisation </a:t>
+            </a:r>
+            <a:r>
+              <a:rPr lang="fr-FR" sz="2400" b="1" dirty="0" smtClean="0"/>
+              <a:t>de </a:t>
             </a:r>
             <a:r>
               <a:rPr lang="fr-FR" sz="2400" b="1" dirty="0" err="1" smtClean="0"/>
@@ -4819,430 +4913,797 @@
           </a:p>
         </p:txBody>
       </p:sp>
-      <p:sp>
-        <p:nvSpPr>
-          <p:cNvPr id="2" name="Rectangle 1"/>
-          <p:cNvSpPr/>
-          <p:nvPr/>
-        </p:nvSpPr>
-        <p:spPr>
-          <a:xfrm>
-            <a:off x="589280" y="1407612"/>
-            <a:ext cx="11176000" cy="4154984"/>
-          </a:xfrm>
-          <a:prstGeom prst="rect">
-            <a:avLst/>
-          </a:prstGeom>
-        </p:spPr>
-        <p:txBody>
-          <a:bodyPr wrap="square">
-            <a:spAutoFit/>
-          </a:bodyPr>
-          <a:lstStyle/>
-          <a:p>
-            <a:r>
-              <a:rPr lang="fr-FR" sz="2400" dirty="0" smtClean="0">
-                <a:effectLst/>
-                <a:latin typeface="+mj-lt"/>
-              </a:rPr>
-              <a:t/>
-            </a:r>
-            <a:br>
-              <a:rPr lang="fr-FR" sz="2400" dirty="0" smtClean="0">
-                <a:effectLst/>
-                <a:latin typeface="+mj-lt"/>
-              </a:rPr>
-            </a:br>
-            <a:r>
-              <a:rPr lang="fr-FR" sz="2400" dirty="0">
-                <a:latin typeface="+mj-lt"/>
-              </a:rPr>
-              <a:t>Si on veut résoudre </a:t>
-            </a:r>
-            <a:r>
-              <a:rPr lang="fr-FR" sz="2400" b="1" dirty="0">
-                <a:latin typeface="Consolas" panose="020B0609020204030204" pitchFamily="49" charset="0"/>
-              </a:rPr>
-              <a:t>M x = y </a:t>
-            </a:r>
-            <a:r>
-              <a:rPr lang="fr-FR" sz="2400" dirty="0">
-                <a:latin typeface="+mj-lt"/>
-              </a:rPr>
-              <a:t>avec </a:t>
-            </a:r>
-            <a:r>
-              <a:rPr lang="fr-FR" sz="2400" b="1" dirty="0">
-                <a:latin typeface="Consolas" panose="020B0609020204030204" pitchFamily="49" charset="0"/>
-              </a:rPr>
-              <a:t>M ∈ </a:t>
-            </a:r>
-            <a:r>
-              <a:rPr lang="fr-FR" sz="2400" b="1" dirty="0" err="1">
-                <a:latin typeface="Consolas" panose="020B0609020204030204" pitchFamily="49" charset="0"/>
-              </a:rPr>
-              <a:t>IRm×n</a:t>
-            </a:r>
-            <a:r>
-              <a:rPr lang="fr-FR" sz="2400" dirty="0">
-                <a:latin typeface="+mj-lt"/>
-              </a:rPr>
-              <a:t>, si on suppose </a:t>
-            </a:r>
-            <a:r>
-              <a:rPr lang="fr-FR" sz="2400" b="1" dirty="0">
-                <a:latin typeface="Consolas" panose="020B0609020204030204" pitchFamily="49" charset="0"/>
-              </a:rPr>
-              <a:t>m ≥ n, </a:t>
-            </a:r>
-            <a:r>
-              <a:rPr lang="fr-FR" sz="2400" dirty="0">
-                <a:latin typeface="+mj-lt"/>
-              </a:rPr>
-              <a:t>et </a:t>
-            </a:r>
-            <a:r>
-              <a:rPr lang="fr-FR" sz="2400" dirty="0" smtClean="0">
-                <a:latin typeface="+mj-lt"/>
-              </a:rPr>
-              <a:t>si</a:t>
-            </a:r>
-            <a:r>
-              <a:rPr lang="fr-FR" sz="2400" dirty="0">
-                <a:latin typeface="+mj-lt"/>
-              </a:rPr>
-              <a:t> </a:t>
-            </a:r>
-            <a:r>
-              <a:rPr lang="fr-FR" sz="2400" dirty="0" smtClean="0">
-                <a:latin typeface="+mj-lt"/>
-              </a:rPr>
-              <a:t>le </a:t>
-            </a:r>
-            <a:r>
-              <a:rPr lang="fr-FR" sz="2400" dirty="0">
-                <a:latin typeface="+mj-lt"/>
-              </a:rPr>
-              <a:t>problème est mal posé au sens de la première ou la seconde </a:t>
-            </a:r>
-            <a:r>
-              <a:rPr lang="fr-FR" sz="2400" dirty="0" smtClean="0">
-                <a:latin typeface="+mj-lt"/>
-              </a:rPr>
-              <a:t>condition de </a:t>
-            </a:r>
-            <a:r>
-              <a:rPr lang="fr-FR" sz="2400" dirty="0">
-                <a:latin typeface="+mj-lt"/>
-              </a:rPr>
-              <a:t>Hadamard, le problème est reformulé sous la forme des moindres </a:t>
-            </a:r>
-            <a:r>
-              <a:rPr lang="fr-FR" sz="2400" dirty="0" smtClean="0">
-                <a:latin typeface="+mj-lt"/>
-              </a:rPr>
-              <a:t>carrés</a:t>
-            </a:r>
-            <a:r>
-              <a:rPr lang="fr-FR" sz="2400" dirty="0">
-                <a:latin typeface="+mj-lt"/>
-              </a:rPr>
-              <a:t> </a:t>
-            </a:r>
-            <a:r>
-              <a:rPr lang="fr-FR" sz="2400" b="1" dirty="0" err="1">
-                <a:latin typeface="Consolas" panose="020B0609020204030204" pitchFamily="49" charset="0"/>
-              </a:rPr>
-              <a:t>minx</a:t>
-            </a:r>
-            <a:r>
-              <a:rPr lang="fr-FR" sz="2400" b="1" dirty="0">
-                <a:latin typeface="Consolas" panose="020B0609020204030204" pitchFamily="49" charset="0"/>
-              </a:rPr>
-              <a:t> ‖M x−y‖2 </a:t>
-            </a:r>
-            <a:r>
-              <a:rPr lang="fr-FR" sz="2400" dirty="0">
-                <a:latin typeface="+mj-lt"/>
-              </a:rPr>
-              <a:t>avec </a:t>
-            </a:r>
-            <a:r>
-              <a:rPr lang="fr-FR" sz="2400" b="1" dirty="0">
-                <a:latin typeface="Consolas" panose="020B0609020204030204" pitchFamily="49" charset="0"/>
-              </a:rPr>
-              <a:t>x </a:t>
-            </a:r>
-            <a:r>
-              <a:rPr lang="fr-FR" sz="2400" dirty="0">
-                <a:latin typeface="+mj-lt"/>
-              </a:rPr>
-              <a:t>solution de </a:t>
-            </a:r>
-            <a:r>
-              <a:rPr lang="fr-FR" sz="2400" dirty="0" smtClean="0">
-                <a:latin typeface="+mj-lt"/>
-              </a:rPr>
-              <a:t>ce problème </a:t>
-            </a:r>
-            <a:r>
-              <a:rPr lang="fr-FR" sz="2400" dirty="0">
-                <a:latin typeface="+mj-lt"/>
-              </a:rPr>
-              <a:t>si et seulement si </a:t>
-            </a:r>
-            <a:r>
-              <a:rPr lang="fr-FR" sz="2400" b="1" dirty="0">
-                <a:latin typeface="Consolas" panose="020B0609020204030204" pitchFamily="49" charset="0"/>
-              </a:rPr>
-              <a:t>M T M x = M T y, </a:t>
-            </a:r>
-            <a:r>
-              <a:rPr lang="fr-FR" sz="2400" dirty="0">
-                <a:latin typeface="+mj-lt"/>
-              </a:rPr>
-              <a:t>appelée équation normale</a:t>
-            </a:r>
-            <a:r>
-              <a:rPr lang="fr-FR" sz="2400" dirty="0" smtClean="0">
-                <a:latin typeface="+mj-lt"/>
-              </a:rPr>
-              <a:t>.</a:t>
-            </a:r>
-          </a:p>
-          <a:p>
-            <a:r>
-              <a:rPr lang="fr-FR" sz="2400" dirty="0" smtClean="0">
-                <a:latin typeface="+mj-lt"/>
-              </a:rPr>
-              <a:t/>
-            </a:r>
-            <a:br>
-              <a:rPr lang="fr-FR" sz="2400" dirty="0" smtClean="0">
-                <a:latin typeface="+mj-lt"/>
-              </a:rPr>
-            </a:br>
-            <a:r>
-              <a:rPr lang="fr-FR" sz="2400" dirty="0">
-                <a:latin typeface="+mj-lt"/>
-              </a:rPr>
-              <a:t>Supposons </a:t>
-            </a:r>
-            <a:r>
-              <a:rPr lang="fr-FR" sz="2400" b="1" dirty="0">
-                <a:latin typeface="Consolas" panose="020B0609020204030204" pitchFamily="49" charset="0"/>
-              </a:rPr>
-              <a:t>M </a:t>
-            </a:r>
-            <a:r>
-              <a:rPr lang="fr-FR" sz="2400" dirty="0">
-                <a:latin typeface="+mj-lt"/>
-              </a:rPr>
-              <a:t>de rang </a:t>
-            </a:r>
-            <a:r>
-              <a:rPr lang="fr-FR" sz="2400" b="1" dirty="0">
-                <a:latin typeface="Consolas" panose="020B0609020204030204" pitchFamily="49" charset="0"/>
-              </a:rPr>
-              <a:t>n</a:t>
-            </a:r>
-            <a:r>
-              <a:rPr lang="fr-FR" sz="2400" dirty="0">
-                <a:latin typeface="+mj-lt"/>
-              </a:rPr>
-              <a:t>, la matrice </a:t>
-            </a:r>
-            <a:r>
-              <a:rPr lang="fr-FR" sz="2400" b="1" dirty="0">
-                <a:latin typeface="Consolas" panose="020B0609020204030204" pitchFamily="49" charset="0"/>
-              </a:rPr>
-              <a:t>M T M </a:t>
-            </a:r>
-            <a:r>
-              <a:rPr lang="fr-FR" sz="2400" dirty="0">
-                <a:latin typeface="+mj-lt"/>
-              </a:rPr>
-              <a:t>est </a:t>
-            </a:r>
-            <a:r>
-              <a:rPr lang="fr-FR" sz="2400" dirty="0" err="1">
-                <a:latin typeface="+mj-lt"/>
-              </a:rPr>
-              <a:t>déﬁnie</a:t>
-            </a:r>
-            <a:r>
-              <a:rPr lang="fr-FR" sz="2400" dirty="0">
-                <a:latin typeface="+mj-lt"/>
-              </a:rPr>
-              <a:t> positive et </a:t>
-            </a:r>
-            <a:r>
-              <a:rPr lang="fr-FR" sz="2400" dirty="0" smtClean="0">
-                <a:latin typeface="+mj-lt"/>
-              </a:rPr>
-              <a:t>d’ordre</a:t>
-            </a:r>
-            <a:r>
-              <a:rPr lang="fr-FR" sz="2400" dirty="0">
-                <a:latin typeface="+mj-lt"/>
-              </a:rPr>
-              <a:t> </a:t>
-            </a:r>
-            <a:r>
-              <a:rPr lang="fr-FR" sz="2400" b="1" dirty="0">
-                <a:latin typeface="Consolas" panose="020B0609020204030204" pitchFamily="49" charset="0"/>
-              </a:rPr>
-              <a:t>n</a:t>
-            </a:r>
-            <a:r>
-              <a:rPr lang="fr-FR" sz="2400" dirty="0">
-                <a:latin typeface="+mj-lt"/>
-              </a:rPr>
-              <a:t>. </a:t>
-            </a:r>
-            <a:endParaRPr lang="fr-FR" sz="2400" dirty="0" smtClean="0">
-              <a:latin typeface="+mj-lt"/>
-            </a:endParaRPr>
-          </a:p>
-          <a:p>
-            <a:r>
-              <a:rPr lang="fr-FR" sz="2400" dirty="0" smtClean="0">
-                <a:latin typeface="+mj-lt"/>
-              </a:rPr>
-              <a:t>Tout </a:t>
-            </a:r>
-            <a:r>
-              <a:rPr lang="fr-FR" sz="2400" dirty="0">
-                <a:latin typeface="+mj-lt"/>
-              </a:rPr>
-              <a:t>d’abord, on constate que l’équation normale représente dans </a:t>
-            </a:r>
-            <a:r>
-              <a:rPr lang="fr-FR" sz="2400" dirty="0" smtClean="0">
-                <a:latin typeface="+mj-lt"/>
-              </a:rPr>
-              <a:t>ce</a:t>
-            </a:r>
-            <a:r>
-              <a:rPr lang="fr-FR" sz="2400" dirty="0">
-                <a:latin typeface="+mj-lt"/>
-              </a:rPr>
-              <a:t> </a:t>
-            </a:r>
-            <a:r>
-              <a:rPr lang="fr-FR" sz="2400" dirty="0" smtClean="0">
-                <a:latin typeface="+mj-lt"/>
-              </a:rPr>
-              <a:t>cas </a:t>
-            </a:r>
-            <a:r>
-              <a:rPr lang="fr-FR" sz="2400" dirty="0">
-                <a:latin typeface="+mj-lt"/>
-              </a:rPr>
-              <a:t>une </a:t>
-            </a:r>
-            <a:r>
-              <a:rPr lang="fr-FR" sz="2400" dirty="0" smtClean="0">
-                <a:latin typeface="+mj-lt"/>
-              </a:rPr>
-              <a:t>compression d’information </a:t>
-            </a:r>
-            <a:r>
-              <a:rPr lang="fr-FR" sz="2400" dirty="0">
-                <a:latin typeface="+mj-lt"/>
-              </a:rPr>
-              <a:t>puisque</a:t>
-            </a:r>
-            <a:r>
-              <a:rPr lang="fr-FR" sz="2400" b="1" dirty="0">
-                <a:latin typeface="Consolas" panose="020B0609020204030204" pitchFamily="49" charset="0"/>
-              </a:rPr>
-              <a:t> n &lt; m</a:t>
-            </a:r>
-            <a:r>
-              <a:rPr lang="fr-FR" sz="2400" dirty="0">
-                <a:latin typeface="+mj-lt"/>
-              </a:rPr>
-              <a:t>. Ensuite, </a:t>
-            </a:r>
-            <a:r>
-              <a:rPr lang="fr-FR" sz="2400" b="1" dirty="0">
-                <a:latin typeface="Consolas" panose="020B0609020204030204" pitchFamily="49" charset="0"/>
-              </a:rPr>
-              <a:t>M T M </a:t>
-            </a:r>
-            <a:r>
-              <a:rPr lang="fr-FR" sz="2400" dirty="0" smtClean="0">
-                <a:latin typeface="+mj-lt"/>
-              </a:rPr>
-              <a:t>étant</a:t>
-            </a:r>
-            <a:r>
-              <a:rPr lang="fr-FR" sz="2400" dirty="0">
-                <a:latin typeface="+mj-lt"/>
-              </a:rPr>
-              <a:t> </a:t>
-            </a:r>
-            <a:r>
-              <a:rPr lang="fr-FR" sz="2400" dirty="0" err="1" smtClean="0">
-                <a:latin typeface="+mj-lt"/>
-              </a:rPr>
-              <a:t>déﬁnie</a:t>
-            </a:r>
-            <a:r>
-              <a:rPr lang="fr-FR" sz="2400" dirty="0" smtClean="0">
-                <a:latin typeface="+mj-lt"/>
-              </a:rPr>
-              <a:t> </a:t>
-            </a:r>
-            <a:r>
-              <a:rPr lang="fr-FR" sz="2400" dirty="0">
-                <a:latin typeface="+mj-lt"/>
-              </a:rPr>
-              <a:t>positive, le système </a:t>
-            </a:r>
-            <a:r>
-              <a:rPr lang="fr-FR" sz="2400" b="1" dirty="0">
-                <a:latin typeface="Consolas" panose="020B0609020204030204" pitchFamily="49" charset="0"/>
-              </a:rPr>
-              <a:t>M T M x = M T y</a:t>
-            </a:r>
-            <a:r>
-              <a:rPr lang="fr-FR" sz="2400" dirty="0">
-                <a:latin typeface="+mj-lt"/>
-              </a:rPr>
-              <a:t> peut être résolu par la </a:t>
-            </a:r>
-            <a:r>
-              <a:rPr lang="fr-FR" sz="2400" b="1" dirty="0" smtClean="0">
-                <a:latin typeface="+mj-lt"/>
-              </a:rPr>
-              <a:t>factorisation </a:t>
-            </a:r>
-            <a:r>
-              <a:rPr lang="fr-FR" sz="2400" b="1" dirty="0">
-                <a:latin typeface="+mj-lt"/>
-              </a:rPr>
-              <a:t>de </a:t>
-            </a:r>
-            <a:r>
-              <a:rPr lang="fr-FR" sz="2400" b="1" dirty="0" err="1">
-                <a:latin typeface="+mj-lt"/>
-              </a:rPr>
-              <a:t>Cholesky</a:t>
-            </a:r>
-            <a:r>
-              <a:rPr lang="fr-FR" sz="2400" b="1" dirty="0">
-                <a:latin typeface="+mj-lt"/>
-              </a:rPr>
-              <a:t>. </a:t>
-            </a:r>
-            <a:endParaRPr lang="fr-FR" sz="2400" b="1" dirty="0" smtClean="0">
-              <a:latin typeface="+mj-lt"/>
-            </a:endParaRPr>
-          </a:p>
-        </p:txBody>
-      </p:sp>
+      <mc:AlternateContent xmlns:mc="http://schemas.openxmlformats.org/markup-compatibility/2006" xmlns:a14="http://schemas.microsoft.com/office/drawing/2010/main">
+        <mc:Choice Requires="a14">
+          <p:sp>
+            <p:nvSpPr>
+              <p:cNvPr id="2" name="Rectangle 1"/>
+              <p:cNvSpPr/>
+              <p:nvPr/>
+            </p:nvSpPr>
+            <p:spPr>
+              <a:xfrm>
+                <a:off x="589280" y="1407612"/>
+                <a:ext cx="11176000" cy="3785652"/>
+              </a:xfrm>
+              <a:prstGeom prst="rect">
+                <a:avLst/>
+              </a:prstGeom>
+            </p:spPr>
+            <p:txBody>
+              <a:bodyPr wrap="square">
+                <a:spAutoFit/>
+              </a:bodyPr>
+              <a:lstStyle/>
+              <a:p>
+                <a:r>
+                  <a:rPr lang="fr-FR" sz="2400" dirty="0" smtClean="0">
+                    <a:effectLst/>
+                    <a:latin typeface="+mj-lt"/>
+                  </a:rPr>
+                  <a:t/>
+                </a:r>
+                <a:br>
+                  <a:rPr lang="fr-FR" sz="2400" dirty="0" smtClean="0">
+                    <a:effectLst/>
+                    <a:latin typeface="+mj-lt"/>
+                  </a:rPr>
+                </a:br>
+                <a:r>
+                  <a:rPr lang="fr-FR" sz="2400" dirty="0">
+                    <a:latin typeface="+mj-lt"/>
+                  </a:rPr>
+                  <a:t>Si on veut résoudre </a:t>
+                </a:r>
+                <a:r>
+                  <a:rPr lang="fr-FR" sz="2400" b="1" dirty="0" err="1" smtClean="0">
+                    <a:latin typeface="Consolas" panose="020B0609020204030204" pitchFamily="49" charset="0"/>
+                  </a:rPr>
+                  <a:t>Mx</a:t>
+                </a:r>
+                <a:r>
+                  <a:rPr lang="fr-FR" sz="2400" b="1" dirty="0" smtClean="0">
+                    <a:latin typeface="Consolas" panose="020B0609020204030204" pitchFamily="49" charset="0"/>
+                  </a:rPr>
+                  <a:t> </a:t>
+                </a:r>
+                <a:r>
+                  <a:rPr lang="fr-FR" sz="2400" b="1" dirty="0">
+                    <a:latin typeface="Consolas" panose="020B0609020204030204" pitchFamily="49" charset="0"/>
+                  </a:rPr>
+                  <a:t>= y </a:t>
+                </a:r>
+                <a:r>
+                  <a:rPr lang="fr-FR" sz="2400" dirty="0">
+                    <a:latin typeface="+mj-lt"/>
+                  </a:rPr>
+                  <a:t>avec </a:t>
+                </a:r>
+                <a:r>
+                  <a:rPr lang="fr-FR" sz="2400" b="1" dirty="0">
+                    <a:latin typeface="Consolas" panose="020B0609020204030204" pitchFamily="49" charset="0"/>
+                  </a:rPr>
+                  <a:t>M ∈ </a:t>
+                </a:r>
+                <a:r>
+                  <a:rPr lang="fr-FR" sz="2400" b="1" dirty="0" err="1">
+                    <a:latin typeface="Consolas" panose="020B0609020204030204" pitchFamily="49" charset="0"/>
+                  </a:rPr>
+                  <a:t>IRm×n</a:t>
+                </a:r>
+                <a:r>
+                  <a:rPr lang="fr-FR" sz="2400" dirty="0">
+                    <a:latin typeface="+mj-lt"/>
+                  </a:rPr>
+                  <a:t>, si on suppose </a:t>
+                </a:r>
+                <a:r>
+                  <a:rPr lang="fr-FR" sz="2400" b="1" dirty="0">
+                    <a:latin typeface="Consolas" panose="020B0609020204030204" pitchFamily="49" charset="0"/>
+                  </a:rPr>
+                  <a:t>m ≥ n, </a:t>
+                </a:r>
+                <a:r>
+                  <a:rPr lang="fr-FR" sz="2400" dirty="0">
+                    <a:latin typeface="+mj-lt"/>
+                  </a:rPr>
+                  <a:t>et </a:t>
+                </a:r>
+                <a:r>
+                  <a:rPr lang="fr-FR" sz="2400" dirty="0" smtClean="0">
+                    <a:latin typeface="+mj-lt"/>
+                  </a:rPr>
+                  <a:t>si</a:t>
+                </a:r>
+                <a:r>
+                  <a:rPr lang="fr-FR" sz="2400" dirty="0">
+                    <a:latin typeface="+mj-lt"/>
+                  </a:rPr>
+                  <a:t> </a:t>
+                </a:r>
+                <a:r>
+                  <a:rPr lang="fr-FR" sz="2400" dirty="0" smtClean="0">
+                    <a:latin typeface="+mj-lt"/>
+                  </a:rPr>
+                  <a:t>le </a:t>
+                </a:r>
+                <a:r>
+                  <a:rPr lang="fr-FR" sz="2400" dirty="0">
+                    <a:latin typeface="+mj-lt"/>
+                  </a:rPr>
+                  <a:t>problème est mal posé au sens de la première ou la seconde </a:t>
+                </a:r>
+                <a:r>
+                  <a:rPr lang="fr-FR" sz="2400" dirty="0" smtClean="0">
+                    <a:latin typeface="+mj-lt"/>
+                  </a:rPr>
+                  <a:t>condition de </a:t>
+                </a:r>
+                <a:r>
+                  <a:rPr lang="fr-FR" sz="2400" dirty="0">
+                    <a:latin typeface="+mj-lt"/>
+                  </a:rPr>
+                  <a:t>Hadamard, le problème est reformulé sous la forme des moindres </a:t>
+                </a:r>
+                <a:r>
+                  <a:rPr lang="fr-FR" sz="2400" dirty="0" smtClean="0">
+                    <a:latin typeface="+mj-lt"/>
+                  </a:rPr>
+                  <a:t>carrés</a:t>
+                </a:r>
+                <a:r>
+                  <a:rPr lang="fr-FR" sz="2400" dirty="0">
+                    <a:latin typeface="+mj-lt"/>
+                  </a:rPr>
+                  <a:t> </a:t>
+                </a:r>
+                <a:r>
+                  <a:rPr lang="fr-FR" sz="2400" b="1" dirty="0" err="1" smtClean="0">
+                    <a:latin typeface="Consolas" panose="020B0609020204030204" pitchFamily="49" charset="0"/>
+                  </a:rPr>
+                  <a:t>minx</a:t>
+                </a:r>
+                <a14:m>
+                  <m:oMath xmlns:m="http://schemas.openxmlformats.org/officeDocument/2006/math">
+                    <m:sSubSup>
+                      <m:sSubSupPr>
+                        <m:ctrlPr>
+                          <a:rPr lang="fr-FR" sz="2400" b="1" i="1" smtClean="0">
+                            <a:latin typeface="Cambria Math" panose="02040503050406030204" pitchFamily="18" charset="0"/>
+                          </a:rPr>
+                        </m:ctrlPr>
+                      </m:sSubSupPr>
+                      <m:e>
+                        <m:r>
+                          <m:rPr>
+                            <m:nor/>
+                          </m:rPr>
+                          <a:rPr lang="fr-FR" sz="2400" b="1" dirty="0" smtClean="0">
+                            <a:latin typeface="Consolas" panose="020B0609020204030204" pitchFamily="49" charset="0"/>
+                          </a:rPr>
+                          <m:t>‖</m:t>
+                        </m:r>
+                        <m:r>
+                          <m:rPr>
+                            <m:nor/>
+                          </m:rPr>
+                          <a:rPr lang="fr-FR" sz="2400" b="1" i="0" dirty="0" smtClean="0">
+                            <a:latin typeface="Consolas" panose="020B0609020204030204" pitchFamily="49" charset="0"/>
+                          </a:rPr>
+                          <m:t>M</m:t>
+                        </m:r>
+                        <m:r>
+                          <m:rPr>
+                            <m:nor/>
+                          </m:rPr>
+                          <a:rPr lang="fr-FR" sz="2400" b="1" dirty="0" smtClean="0">
+                            <a:latin typeface="Consolas" panose="020B0609020204030204" pitchFamily="49" charset="0"/>
+                          </a:rPr>
+                          <m:t>x</m:t>
+                        </m:r>
+                        <m:r>
+                          <m:rPr>
+                            <m:nor/>
+                          </m:rPr>
+                          <a:rPr lang="fr-FR" sz="2400" b="1" dirty="0" smtClean="0">
+                            <a:latin typeface="Consolas" panose="020B0609020204030204" pitchFamily="49" charset="0"/>
+                          </a:rPr>
+                          <m:t> − </m:t>
+                        </m:r>
+                        <m:r>
+                          <m:rPr>
+                            <m:nor/>
+                          </m:rPr>
+                          <a:rPr lang="fr-FR" sz="2400" b="1" i="0" dirty="0" smtClean="0">
+                            <a:latin typeface="Consolas" panose="020B0609020204030204" pitchFamily="49" charset="0"/>
+                          </a:rPr>
+                          <m:t>y</m:t>
+                        </m:r>
+                        <m:r>
+                          <m:rPr>
+                            <m:nor/>
+                          </m:rPr>
+                          <a:rPr lang="fr-FR" sz="2400" b="1" dirty="0" smtClean="0">
+                            <a:latin typeface="Consolas" panose="020B0609020204030204" pitchFamily="49" charset="0"/>
+                          </a:rPr>
+                          <m:t>‖</m:t>
+                        </m:r>
+                      </m:e>
+                      <m:sub>
+                        <m:r>
+                          <a:rPr lang="fr-FR" sz="2400" b="1" i="1" smtClean="0">
+                            <a:latin typeface="Cambria Math" panose="02040503050406030204" pitchFamily="18" charset="0"/>
+                          </a:rPr>
+                          <m:t>𝟐</m:t>
+                        </m:r>
+                      </m:sub>
+                      <m:sup>
+                        <m:r>
+                          <a:rPr lang="fr-FR" sz="2400" b="1" i="1" smtClean="0">
+                            <a:latin typeface="Cambria Math" panose="02040503050406030204" pitchFamily="18" charset="0"/>
+                          </a:rPr>
+                          <m:t>𝟐</m:t>
+                        </m:r>
+                      </m:sup>
+                    </m:sSubSup>
+                  </m:oMath>
+                </a14:m>
+                <a:r>
+                  <a:rPr lang="fr-FR" sz="2400" b="1" dirty="0" smtClean="0">
+                    <a:latin typeface="Consolas" panose="020B0609020204030204" pitchFamily="49" charset="0"/>
+                  </a:rPr>
+                  <a:t> </a:t>
+                </a:r>
+                <a:r>
+                  <a:rPr lang="fr-FR" sz="2400" dirty="0">
+                    <a:latin typeface="+mj-lt"/>
+                  </a:rPr>
+                  <a:t>avec </a:t>
+                </a:r>
+                <a:r>
+                  <a:rPr lang="fr-FR" sz="2400" b="1" dirty="0">
+                    <a:latin typeface="Consolas" panose="020B0609020204030204" pitchFamily="49" charset="0"/>
+                  </a:rPr>
+                  <a:t>x </a:t>
+                </a:r>
+                <a:r>
+                  <a:rPr lang="fr-FR" sz="2400" dirty="0">
+                    <a:latin typeface="+mj-lt"/>
+                  </a:rPr>
+                  <a:t>solution de </a:t>
+                </a:r>
+                <a:r>
+                  <a:rPr lang="fr-FR" sz="2400" dirty="0" smtClean="0">
+                    <a:latin typeface="+mj-lt"/>
+                  </a:rPr>
+                  <a:t>ce problème </a:t>
+                </a:r>
+                <a:r>
+                  <a:rPr lang="fr-FR" sz="2400" dirty="0">
+                    <a:latin typeface="+mj-lt"/>
+                  </a:rPr>
+                  <a:t>si et seulement si </a:t>
+                </a:r>
+                <a14:m>
+                  <m:oMath xmlns:m="http://schemas.openxmlformats.org/officeDocument/2006/math">
+                    <m:sSup>
+                      <m:sSupPr>
+                        <m:ctrlPr>
+                          <a:rPr lang="fr-FR" sz="2400" i="1" smtClean="0">
+                            <a:latin typeface="Cambria Math" panose="02040503050406030204" pitchFamily="18" charset="0"/>
+                          </a:rPr>
+                        </m:ctrlPr>
+                      </m:sSupPr>
+                      <m:e>
+                        <m:r>
+                          <m:rPr>
+                            <m:nor/>
+                          </m:rPr>
+                          <a:rPr lang="fr-FR" sz="2400" b="1" i="0" smtClean="0">
+                            <a:latin typeface="Cambria Math" panose="02040503050406030204" pitchFamily="18" charset="0"/>
+                          </a:rPr>
+                          <m:t>M</m:t>
+                        </m:r>
+                      </m:e>
+                      <m:sup>
+                        <m:r>
+                          <a:rPr lang="fr-FR" sz="2400" b="0" i="1" smtClean="0">
+                            <a:latin typeface="Cambria Math" panose="02040503050406030204" pitchFamily="18" charset="0"/>
+                          </a:rPr>
+                          <m:t>𝑇</m:t>
+                        </m:r>
+                      </m:sup>
+                    </m:sSup>
+                  </m:oMath>
+                </a14:m>
+                <a:r>
+                  <a:rPr lang="fr-FR" sz="2400" b="1" dirty="0" smtClean="0">
+                    <a:latin typeface="Consolas" panose="020B0609020204030204" pitchFamily="49" charset="0"/>
+                  </a:rPr>
+                  <a:t>M </a:t>
+                </a:r>
+                <a:r>
+                  <a:rPr lang="fr-FR" sz="2400" b="1" dirty="0">
+                    <a:latin typeface="Consolas" panose="020B0609020204030204" pitchFamily="49" charset="0"/>
+                  </a:rPr>
+                  <a:t>x = </a:t>
+                </a:r>
+                <a14:m>
+                  <m:oMath xmlns:m="http://schemas.openxmlformats.org/officeDocument/2006/math">
+                    <m:sSup>
+                      <m:sSupPr>
+                        <m:ctrlPr>
+                          <a:rPr lang="fr-FR" sz="2400" i="1" smtClean="0">
+                            <a:latin typeface="Cambria Math" panose="02040503050406030204" pitchFamily="18" charset="0"/>
+                          </a:rPr>
+                        </m:ctrlPr>
+                      </m:sSupPr>
+                      <m:e>
+                        <m:r>
+                          <m:rPr>
+                            <m:nor/>
+                          </m:rPr>
+                          <a:rPr lang="fr-FR" sz="2400" b="1" i="0" smtClean="0">
+                            <a:latin typeface="Cambria Math" panose="02040503050406030204" pitchFamily="18" charset="0"/>
+                          </a:rPr>
+                          <m:t>M</m:t>
+                        </m:r>
+                      </m:e>
+                      <m:sup>
+                        <m:r>
+                          <a:rPr lang="fr-FR" sz="2400" b="0" i="1" smtClean="0">
+                            <a:latin typeface="Cambria Math" panose="02040503050406030204" pitchFamily="18" charset="0"/>
+                          </a:rPr>
+                          <m:t>𝑇</m:t>
+                        </m:r>
+                      </m:sup>
+                    </m:sSup>
+                  </m:oMath>
+                </a14:m>
+                <a:r>
+                  <a:rPr lang="fr-FR" sz="2400" b="1" dirty="0" smtClean="0">
+                    <a:latin typeface="Consolas" panose="020B0609020204030204" pitchFamily="49" charset="0"/>
+                  </a:rPr>
+                  <a:t>y</a:t>
+                </a:r>
+                <a:r>
+                  <a:rPr lang="fr-FR" sz="2400" b="1" dirty="0">
+                    <a:latin typeface="Consolas" panose="020B0609020204030204" pitchFamily="49" charset="0"/>
+                  </a:rPr>
+                  <a:t>, </a:t>
+                </a:r>
+                <a:r>
+                  <a:rPr lang="fr-FR" sz="2400" dirty="0">
+                    <a:latin typeface="+mj-lt"/>
+                  </a:rPr>
+                  <a:t>appelée équation normale</a:t>
+                </a:r>
+                <a:r>
+                  <a:rPr lang="fr-FR" sz="2400" dirty="0" smtClean="0">
+                    <a:latin typeface="+mj-lt"/>
+                  </a:rPr>
+                  <a:t>.</a:t>
+                </a:r>
+              </a:p>
+              <a:p>
+                <a:r>
+                  <a:rPr lang="fr-FR" sz="2400" dirty="0" smtClean="0">
+                    <a:latin typeface="+mj-lt"/>
+                  </a:rPr>
+                  <a:t/>
+                </a:r>
+                <a:br>
+                  <a:rPr lang="fr-FR" sz="2400" dirty="0" smtClean="0">
+                    <a:latin typeface="+mj-lt"/>
+                  </a:rPr>
+                </a:br>
+                <a:r>
+                  <a:rPr lang="fr-FR" sz="2400" dirty="0">
+                    <a:latin typeface="+mj-lt"/>
+                  </a:rPr>
+                  <a:t>Supposons </a:t>
+                </a:r>
+                <a:r>
+                  <a:rPr lang="fr-FR" sz="2400" b="1" dirty="0">
+                    <a:latin typeface="Consolas" panose="020B0609020204030204" pitchFamily="49" charset="0"/>
+                  </a:rPr>
+                  <a:t>M </a:t>
+                </a:r>
+                <a:r>
+                  <a:rPr lang="fr-FR" sz="2400" dirty="0">
+                    <a:latin typeface="+mj-lt"/>
+                  </a:rPr>
+                  <a:t>de rang </a:t>
+                </a:r>
+                <a:r>
+                  <a:rPr lang="fr-FR" sz="2400" b="1" dirty="0">
+                    <a:latin typeface="Consolas" panose="020B0609020204030204" pitchFamily="49" charset="0"/>
+                  </a:rPr>
+                  <a:t>n</a:t>
+                </a:r>
+                <a:r>
+                  <a:rPr lang="fr-FR" sz="2400" dirty="0">
+                    <a:latin typeface="+mj-lt"/>
+                  </a:rPr>
+                  <a:t>, la matrice </a:t>
+                </a:r>
+                <a14:m>
+                  <m:oMath xmlns:m="http://schemas.openxmlformats.org/officeDocument/2006/math">
+                    <m:sSup>
+                      <m:sSupPr>
+                        <m:ctrlPr>
+                          <a:rPr lang="fr-FR" sz="2400" i="1" smtClean="0">
+                            <a:latin typeface="Cambria Math" panose="02040503050406030204" pitchFamily="18" charset="0"/>
+                          </a:rPr>
+                        </m:ctrlPr>
+                      </m:sSupPr>
+                      <m:e>
+                        <m:r>
+                          <m:rPr>
+                            <m:nor/>
+                          </m:rPr>
+                          <a:rPr lang="fr-FR" sz="2400" b="1" i="0" smtClean="0">
+                            <a:latin typeface="Cambria Math" panose="02040503050406030204" pitchFamily="18" charset="0"/>
+                          </a:rPr>
+                          <m:t>M</m:t>
+                        </m:r>
+                      </m:e>
+                      <m:sup>
+                        <m:r>
+                          <a:rPr lang="fr-FR" sz="2400" b="0" i="1" smtClean="0">
+                            <a:latin typeface="Cambria Math" panose="02040503050406030204" pitchFamily="18" charset="0"/>
+                          </a:rPr>
+                          <m:t>𝑇</m:t>
+                        </m:r>
+                      </m:sup>
+                    </m:sSup>
+                  </m:oMath>
+                </a14:m>
+                <a:r>
+                  <a:rPr lang="fr-FR" sz="2400" b="1" dirty="0" smtClean="0">
+                    <a:latin typeface="Consolas" panose="020B0609020204030204" pitchFamily="49" charset="0"/>
+                  </a:rPr>
+                  <a:t>M </a:t>
+                </a:r>
+                <a:r>
+                  <a:rPr lang="fr-FR" sz="2400" dirty="0">
+                    <a:latin typeface="+mj-lt"/>
+                  </a:rPr>
+                  <a:t>est </a:t>
+                </a:r>
+                <a:r>
+                  <a:rPr lang="fr-FR" sz="2400" dirty="0" err="1">
+                    <a:latin typeface="+mj-lt"/>
+                  </a:rPr>
+                  <a:t>déﬁnie</a:t>
+                </a:r>
+                <a:r>
+                  <a:rPr lang="fr-FR" sz="2400" dirty="0">
+                    <a:latin typeface="+mj-lt"/>
+                  </a:rPr>
+                  <a:t> positive et </a:t>
+                </a:r>
+                <a:r>
+                  <a:rPr lang="fr-FR" sz="2400" dirty="0" smtClean="0">
+                    <a:latin typeface="+mj-lt"/>
+                  </a:rPr>
+                  <a:t>d’ordre</a:t>
+                </a:r>
+                <a:r>
+                  <a:rPr lang="fr-FR" sz="2400" dirty="0">
+                    <a:latin typeface="+mj-lt"/>
+                  </a:rPr>
+                  <a:t> </a:t>
+                </a:r>
+                <a:r>
+                  <a:rPr lang="fr-FR" sz="2400" b="1" dirty="0">
+                    <a:latin typeface="Consolas" panose="020B0609020204030204" pitchFamily="49" charset="0"/>
+                  </a:rPr>
+                  <a:t>n</a:t>
+                </a:r>
+                <a:r>
+                  <a:rPr lang="fr-FR" sz="2400" dirty="0">
+                    <a:latin typeface="+mj-lt"/>
+                  </a:rPr>
+                  <a:t>. </a:t>
+                </a:r>
+                <a:endParaRPr lang="fr-FR" sz="2400" dirty="0" smtClean="0">
+                  <a:latin typeface="+mj-lt"/>
+                </a:endParaRPr>
+              </a:p>
+              <a:p>
+                <a:r>
+                  <a:rPr lang="fr-FR" sz="2400" dirty="0" smtClean="0">
+                    <a:latin typeface="+mj-lt"/>
+                  </a:rPr>
+                  <a:t>Tout </a:t>
+                </a:r>
+                <a:r>
+                  <a:rPr lang="fr-FR" sz="2400" dirty="0">
+                    <a:latin typeface="+mj-lt"/>
+                  </a:rPr>
+                  <a:t>d’abord, on constate que l’équation normale représente dans </a:t>
+                </a:r>
+                <a:r>
+                  <a:rPr lang="fr-FR" sz="2400" dirty="0" smtClean="0">
+                    <a:latin typeface="+mj-lt"/>
+                  </a:rPr>
+                  <a:t>ce</a:t>
+                </a:r>
+                <a:r>
+                  <a:rPr lang="fr-FR" sz="2400" dirty="0">
+                    <a:latin typeface="+mj-lt"/>
+                  </a:rPr>
+                  <a:t> </a:t>
+                </a:r>
+                <a:r>
+                  <a:rPr lang="fr-FR" sz="2400" dirty="0" smtClean="0">
+                    <a:latin typeface="+mj-lt"/>
+                  </a:rPr>
+                  <a:t>cas </a:t>
+                </a:r>
+                <a:r>
+                  <a:rPr lang="fr-FR" sz="2400" dirty="0">
+                    <a:latin typeface="+mj-lt"/>
+                  </a:rPr>
+                  <a:t>une </a:t>
+                </a:r>
+                <a:r>
+                  <a:rPr lang="fr-FR" sz="2400" dirty="0" smtClean="0">
+                    <a:latin typeface="+mj-lt"/>
+                  </a:rPr>
+                  <a:t>compression d’information </a:t>
+                </a:r>
+                <a:r>
+                  <a:rPr lang="fr-FR" sz="2400" dirty="0">
+                    <a:latin typeface="+mj-lt"/>
+                  </a:rPr>
+                  <a:t>puisque</a:t>
+                </a:r>
+                <a:r>
+                  <a:rPr lang="fr-FR" sz="2400" b="1" dirty="0">
+                    <a:latin typeface="Consolas" panose="020B0609020204030204" pitchFamily="49" charset="0"/>
+                  </a:rPr>
+                  <a:t> n &lt; m</a:t>
+                </a:r>
+                <a:r>
+                  <a:rPr lang="fr-FR" sz="2400" dirty="0">
+                    <a:latin typeface="+mj-lt"/>
+                  </a:rPr>
+                  <a:t>. Ensuite, </a:t>
+                </a:r>
+                <a14:m>
+                  <m:oMath xmlns:m="http://schemas.openxmlformats.org/officeDocument/2006/math">
+                    <m:sSup>
+                      <m:sSupPr>
+                        <m:ctrlPr>
+                          <a:rPr lang="fr-FR" sz="2400" i="1" smtClean="0">
+                            <a:latin typeface="Cambria Math" panose="02040503050406030204" pitchFamily="18" charset="0"/>
+                          </a:rPr>
+                        </m:ctrlPr>
+                      </m:sSupPr>
+                      <m:e>
+                        <m:r>
+                          <m:rPr>
+                            <m:nor/>
+                          </m:rPr>
+                          <a:rPr lang="fr-FR" sz="2400" b="1" i="0" smtClean="0">
+                            <a:latin typeface="Cambria Math" panose="02040503050406030204" pitchFamily="18" charset="0"/>
+                          </a:rPr>
+                          <m:t>M</m:t>
+                        </m:r>
+                      </m:e>
+                      <m:sup>
+                        <m:r>
+                          <a:rPr lang="fr-FR" sz="2400" b="0" i="1" smtClean="0">
+                            <a:latin typeface="Cambria Math" panose="02040503050406030204" pitchFamily="18" charset="0"/>
+                          </a:rPr>
+                          <m:t>𝑇</m:t>
+                        </m:r>
+                      </m:sup>
+                    </m:sSup>
+                  </m:oMath>
+                </a14:m>
+                <a:r>
+                  <a:rPr lang="fr-FR" sz="2400" b="1" dirty="0" smtClean="0">
+                    <a:latin typeface="Consolas" panose="020B0609020204030204" pitchFamily="49" charset="0"/>
+                  </a:rPr>
+                  <a:t>M </a:t>
+                </a:r>
+                <a:r>
+                  <a:rPr lang="fr-FR" sz="2400" dirty="0" smtClean="0">
+                    <a:latin typeface="+mj-lt"/>
+                  </a:rPr>
+                  <a:t>étant</a:t>
+                </a:r>
+                <a:r>
+                  <a:rPr lang="fr-FR" sz="2400" dirty="0">
+                    <a:latin typeface="+mj-lt"/>
+                  </a:rPr>
+                  <a:t> </a:t>
+                </a:r>
+                <a:r>
+                  <a:rPr lang="fr-FR" sz="2400" dirty="0" err="1" smtClean="0">
+                    <a:latin typeface="+mj-lt"/>
+                  </a:rPr>
+                  <a:t>déﬁnie</a:t>
+                </a:r>
+                <a:r>
+                  <a:rPr lang="fr-FR" sz="2400" dirty="0" smtClean="0">
+                    <a:latin typeface="+mj-lt"/>
+                  </a:rPr>
+                  <a:t> </a:t>
+                </a:r>
+                <a:r>
+                  <a:rPr lang="fr-FR" sz="2400" dirty="0">
+                    <a:latin typeface="+mj-lt"/>
+                  </a:rPr>
+                  <a:t>positive, le système </a:t>
+                </a:r>
+                <a14:m>
+                  <m:oMath xmlns:m="http://schemas.openxmlformats.org/officeDocument/2006/math">
+                    <m:sSup>
+                      <m:sSupPr>
+                        <m:ctrlPr>
+                          <a:rPr lang="fr-FR" sz="2400" i="1" smtClean="0">
+                            <a:latin typeface="Cambria Math" panose="02040503050406030204" pitchFamily="18" charset="0"/>
+                          </a:rPr>
+                        </m:ctrlPr>
+                      </m:sSupPr>
+                      <m:e>
+                        <m:r>
+                          <m:rPr>
+                            <m:nor/>
+                          </m:rPr>
+                          <a:rPr lang="fr-FR" sz="2400" b="1" i="0" smtClean="0">
+                            <a:latin typeface="Cambria Math" panose="02040503050406030204" pitchFamily="18" charset="0"/>
+                          </a:rPr>
+                          <m:t>M</m:t>
+                        </m:r>
+                      </m:e>
+                      <m:sup>
+                        <m:r>
+                          <a:rPr lang="fr-FR" sz="2400" b="0" i="1" smtClean="0">
+                            <a:latin typeface="Cambria Math" panose="02040503050406030204" pitchFamily="18" charset="0"/>
+                          </a:rPr>
+                          <m:t>𝑇</m:t>
+                        </m:r>
+                      </m:sup>
+                    </m:sSup>
+                  </m:oMath>
+                </a14:m>
+                <a:r>
+                  <a:rPr lang="fr-FR" sz="2400" b="1" dirty="0" smtClean="0">
+                    <a:latin typeface="Consolas" panose="020B0609020204030204" pitchFamily="49" charset="0"/>
+                  </a:rPr>
+                  <a:t>M </a:t>
+                </a:r>
+                <a:r>
+                  <a:rPr lang="fr-FR" sz="2400" b="1" dirty="0">
+                    <a:latin typeface="Consolas" panose="020B0609020204030204" pitchFamily="49" charset="0"/>
+                  </a:rPr>
+                  <a:t>x = </a:t>
+                </a:r>
+                <a14:m>
+                  <m:oMath xmlns:m="http://schemas.openxmlformats.org/officeDocument/2006/math">
+                    <m:sSup>
+                      <m:sSupPr>
+                        <m:ctrlPr>
+                          <a:rPr lang="fr-FR" sz="2400" i="1" smtClean="0">
+                            <a:latin typeface="Cambria Math" panose="02040503050406030204" pitchFamily="18" charset="0"/>
+                          </a:rPr>
+                        </m:ctrlPr>
+                      </m:sSupPr>
+                      <m:e>
+                        <m:r>
+                          <m:rPr>
+                            <m:nor/>
+                          </m:rPr>
+                          <a:rPr lang="fr-FR" sz="2400" b="1" i="0" smtClean="0">
+                            <a:latin typeface="Cambria Math" panose="02040503050406030204" pitchFamily="18" charset="0"/>
+                          </a:rPr>
+                          <m:t>M</m:t>
+                        </m:r>
+                      </m:e>
+                      <m:sup>
+                        <m:r>
+                          <a:rPr lang="fr-FR" sz="2400" b="0" i="1" smtClean="0">
+                            <a:latin typeface="Cambria Math" panose="02040503050406030204" pitchFamily="18" charset="0"/>
+                          </a:rPr>
+                          <m:t>𝑇</m:t>
+                        </m:r>
+                      </m:sup>
+                    </m:sSup>
+                  </m:oMath>
+                </a14:m>
+                <a:r>
+                  <a:rPr lang="fr-FR" sz="2400" b="1" dirty="0" smtClean="0">
+                    <a:latin typeface="Consolas" panose="020B0609020204030204" pitchFamily="49" charset="0"/>
+                  </a:rPr>
+                  <a:t>y</a:t>
+                </a:r>
+                <a:r>
+                  <a:rPr lang="fr-FR" sz="2400" dirty="0" smtClean="0">
+                    <a:latin typeface="+mj-lt"/>
+                  </a:rPr>
+                  <a:t> </a:t>
+                </a:r>
+                <a:r>
+                  <a:rPr lang="fr-FR" sz="2400" dirty="0">
+                    <a:latin typeface="+mj-lt"/>
+                  </a:rPr>
+                  <a:t>peut être résolu par la </a:t>
+                </a:r>
+                <a:r>
+                  <a:rPr lang="fr-FR" sz="2400" b="1" dirty="0" smtClean="0">
+                    <a:latin typeface="+mj-lt"/>
+                  </a:rPr>
+                  <a:t>factorisation </a:t>
+                </a:r>
+                <a:r>
+                  <a:rPr lang="fr-FR" sz="2400" b="1" dirty="0">
+                    <a:latin typeface="+mj-lt"/>
+                  </a:rPr>
+                  <a:t>de </a:t>
+                </a:r>
+                <a:r>
+                  <a:rPr lang="fr-FR" sz="2400" b="1" dirty="0" err="1">
+                    <a:latin typeface="+mj-lt"/>
+                  </a:rPr>
+                  <a:t>Cholesky</a:t>
+                </a:r>
+                <a:r>
+                  <a:rPr lang="fr-FR" sz="2400" b="1" dirty="0">
+                    <a:latin typeface="+mj-lt"/>
+                  </a:rPr>
+                  <a:t>. </a:t>
+                </a:r>
+                <a:endParaRPr lang="fr-FR" sz="2400" b="1" dirty="0" smtClean="0">
+                  <a:latin typeface="+mj-lt"/>
+                </a:endParaRPr>
+              </a:p>
+            </p:txBody>
+          </p:sp>
+        </mc:Choice>
+        <mc:Fallback xmlns="">
+          <p:sp>
+            <p:nvSpPr>
+              <p:cNvPr id="2" name="Rectangle 1"/>
+              <p:cNvSpPr>
+                <a:spLocks noRot="1" noChangeAspect="1" noMove="1" noResize="1" noEditPoints="1" noAdjustHandles="1" noChangeArrowheads="1" noChangeShapeType="1" noTextEdit="1"/>
+              </p:cNvSpPr>
+              <p:nvPr/>
+            </p:nvSpPr>
+            <p:spPr>
+              <a:xfrm>
+                <a:off x="589280" y="1407612"/>
+                <a:ext cx="11176000" cy="3785652"/>
+              </a:xfrm>
+              <a:prstGeom prst="rect">
+                <a:avLst/>
+              </a:prstGeom>
+              <a:blipFill>
+                <a:blip r:embed="rId2"/>
+                <a:stretch>
+                  <a:fillRect l="-873" r="-1037" b="-3382"/>
+                </a:stretch>
+              </a:blipFill>
+            </p:spPr>
+            <p:txBody>
+              <a:bodyPr/>
+              <a:lstStyle/>
+              <a:p>
+                <a:r>
+                  <a:rPr lang="fr-FR">
+                    <a:noFill/>
+                  </a:rPr>
+                  <a:t> </a:t>
+                </a:r>
+              </a:p>
+            </p:txBody>
+          </p:sp>
+        </mc:Fallback>
+      </mc:AlternateContent>
     </p:spTree>
     <p:extLst>
       <p:ext uri="{BB962C8B-B14F-4D97-AF65-F5344CB8AC3E}">
@@ -5350,279 +5811,482 @@
           </a:p>
         </p:txBody>
       </p:sp>
-      <p:sp>
-        <p:nvSpPr>
-          <p:cNvPr id="2" name="Rectangle 1"/>
-          <p:cNvSpPr/>
-          <p:nvPr/>
-        </p:nvSpPr>
-        <p:spPr>
-          <a:xfrm>
-            <a:off x="589280" y="1407612"/>
-            <a:ext cx="11176000" cy="4031873"/>
-          </a:xfrm>
-          <a:prstGeom prst="rect">
-            <a:avLst/>
-          </a:prstGeom>
-        </p:spPr>
-        <p:txBody>
-          <a:bodyPr wrap="square">
-            <a:spAutoFit/>
-          </a:bodyPr>
-          <a:lstStyle/>
-          <a:p>
-            <a:r>
-              <a:rPr lang="fr-FR" sz="2400" dirty="0" smtClean="0">
-                <a:effectLst/>
-                <a:latin typeface="+mj-lt"/>
-              </a:rPr>
-              <a:t/>
-            </a:r>
-            <a:br>
-              <a:rPr lang="fr-FR" sz="2400" dirty="0" smtClean="0">
-                <a:effectLst/>
-                <a:latin typeface="+mj-lt"/>
-              </a:rPr>
-            </a:br>
-            <a:r>
-              <a:rPr lang="fr-FR" sz="2400" dirty="0" smtClean="0">
-                <a:latin typeface="+mj-lt"/>
-              </a:rPr>
-              <a:t>Cette méthode bien connue se base sur le théorème</a:t>
-            </a:r>
-            <a:br>
-              <a:rPr lang="fr-FR" sz="2400" dirty="0" smtClean="0">
-                <a:latin typeface="+mj-lt"/>
-              </a:rPr>
-            </a:br>
-            <a:r>
-              <a:rPr lang="fr-FR" sz="2400" dirty="0" smtClean="0">
-                <a:latin typeface="+mj-lt"/>
-              </a:rPr>
-              <a:t>suivant : « </a:t>
-            </a:r>
-            <a:r>
-              <a:rPr lang="fr-FR" sz="2000" b="1" i="1" dirty="0" smtClean="0">
-                <a:latin typeface="Consolas" panose="020B0609020204030204" pitchFamily="49" charset="0"/>
-                <a:cs typeface="Times New Roman" panose="02020603050405020304" pitchFamily="18" charset="0"/>
-              </a:rPr>
-              <a:t>Si </a:t>
-            </a:r>
-            <a:r>
-              <a:rPr lang="fr-FR" sz="2000" b="1" i="1" dirty="0">
-                <a:latin typeface="Consolas" panose="020B0609020204030204" pitchFamily="49" charset="0"/>
-                <a:cs typeface="Times New Roman" panose="02020603050405020304" pitchFamily="18" charset="0"/>
-              </a:rPr>
-              <a:t>A</a:t>
-            </a:r>
-            <a:r>
-              <a:rPr lang="fr-FR" sz="2000" b="1" i="1" dirty="0" smtClean="0">
-                <a:latin typeface="Consolas" panose="020B0609020204030204" pitchFamily="49" charset="0"/>
-                <a:cs typeface="Times New Roman" panose="02020603050405020304" pitchFamily="18" charset="0"/>
-              </a:rPr>
-              <a:t> est une matrice symétrique et </a:t>
-            </a:r>
-            <a:r>
-              <a:rPr lang="fr-FR" sz="2000" b="1" i="1" dirty="0" err="1" smtClean="0">
-                <a:latin typeface="Consolas" panose="020B0609020204030204" pitchFamily="49" charset="0"/>
-                <a:cs typeface="Times New Roman" panose="02020603050405020304" pitchFamily="18" charset="0"/>
-              </a:rPr>
-              <a:t>déﬁnie</a:t>
-            </a:r>
-            <a:r>
-              <a:rPr lang="fr-FR" sz="2000" b="1" i="1" dirty="0" smtClean="0">
-                <a:latin typeface="Consolas" panose="020B0609020204030204" pitchFamily="49" charset="0"/>
-                <a:cs typeface="Times New Roman" panose="02020603050405020304" pitchFamily="18" charset="0"/>
-              </a:rPr>
-              <a:t> positive, il existe une unique matrice </a:t>
-            </a:r>
-            <a:r>
-              <a:rPr lang="fr-FR" sz="2000" b="1" i="1" dirty="0">
-                <a:latin typeface="Consolas" panose="020B0609020204030204" pitchFamily="49" charset="0"/>
-                <a:cs typeface="Times New Roman" panose="02020603050405020304" pitchFamily="18" charset="0"/>
-              </a:rPr>
-              <a:t>R</a:t>
-            </a:r>
-            <a:r>
-              <a:rPr lang="fr-FR" sz="2000" b="1" i="1" dirty="0" smtClean="0">
-                <a:latin typeface="Consolas" panose="020B0609020204030204" pitchFamily="49" charset="0"/>
-                <a:cs typeface="Times New Roman" panose="02020603050405020304" pitchFamily="18" charset="0"/>
-              </a:rPr>
-              <a:t> triangulaire supérieure, à éléments diagonaux strictement positifs, telle que </a:t>
-            </a:r>
-            <a:r>
-              <a:rPr lang="fr-FR" sz="2000" b="1" i="1" dirty="0">
-                <a:latin typeface="Consolas" panose="020B0609020204030204" pitchFamily="49" charset="0"/>
-                <a:cs typeface="Times New Roman" panose="02020603050405020304" pitchFamily="18" charset="0"/>
-              </a:rPr>
-              <a:t>A = RT </a:t>
-            </a:r>
-            <a:r>
-              <a:rPr lang="fr-FR" sz="2000" b="1" i="1" dirty="0" smtClean="0">
-                <a:latin typeface="Consolas" panose="020B0609020204030204" pitchFamily="49" charset="0"/>
-                <a:cs typeface="Times New Roman" panose="02020603050405020304" pitchFamily="18" charset="0"/>
-              </a:rPr>
-              <a:t>R ». </a:t>
-            </a:r>
-          </a:p>
-          <a:p>
-            <a:endParaRPr lang="fr-FR" sz="2400" dirty="0" smtClean="0">
-              <a:latin typeface="+mj-lt"/>
-            </a:endParaRPr>
-          </a:p>
-          <a:p>
-            <a:pPr marL="342900" indent="-342900">
-              <a:buFont typeface="Wingdings" panose="05000000000000000000" pitchFamily="2" charset="2"/>
-              <a:buChar char="§"/>
-            </a:pPr>
-            <a:r>
-              <a:rPr lang="fr-FR" sz="2400" dirty="0" smtClean="0">
-                <a:latin typeface="+mj-lt"/>
-              </a:rPr>
-              <a:t>Dans notre cas, nous appliquons la factorisation de </a:t>
-            </a:r>
-            <a:r>
-              <a:rPr lang="fr-FR" sz="2400" dirty="0" err="1" smtClean="0">
-                <a:latin typeface="+mj-lt"/>
-              </a:rPr>
-              <a:t>Cholesky</a:t>
-            </a:r>
-            <a:r>
-              <a:rPr lang="fr-FR" sz="2400" dirty="0" smtClean="0">
-                <a:latin typeface="+mj-lt"/>
-              </a:rPr>
-              <a:t> à </a:t>
-            </a:r>
-            <a:r>
-              <a:rPr lang="fr-FR" sz="2400" b="1" dirty="0">
-                <a:latin typeface="Consolas" panose="020B0609020204030204" pitchFamily="49" charset="0"/>
-              </a:rPr>
-              <a:t>M T M </a:t>
-            </a:r>
-            <a:r>
-              <a:rPr lang="fr-FR" sz="2400" b="1" dirty="0" smtClean="0">
-                <a:latin typeface="Consolas" panose="020B0609020204030204" pitchFamily="49" charset="0"/>
-              </a:rPr>
-              <a:t>:</a:t>
-            </a:r>
-          </a:p>
-          <a:p>
-            <a:r>
-              <a:rPr lang="fr-FR" sz="2400" b="1" dirty="0" smtClean="0">
-                <a:latin typeface="Consolas" panose="020B0609020204030204" pitchFamily="49" charset="0"/>
-              </a:rPr>
-              <a:t> </a:t>
-            </a:r>
-            <a:r>
-              <a:rPr lang="fr-FR" sz="2400" b="1" dirty="0">
-                <a:latin typeface="Consolas" panose="020B0609020204030204" pitchFamily="49" charset="0"/>
-              </a:rPr>
-              <a:t>M T M = RT R </a:t>
-            </a:r>
-            <a:r>
-              <a:rPr lang="fr-FR" sz="2400" dirty="0" smtClean="0">
-                <a:latin typeface="+mj-lt"/>
-              </a:rPr>
-              <a:t>avec </a:t>
-            </a:r>
-            <a:r>
-              <a:rPr lang="fr-FR" sz="2400" b="1" dirty="0">
-                <a:latin typeface="Consolas" panose="020B0609020204030204" pitchFamily="49" charset="0"/>
-              </a:rPr>
-              <a:t>R</a:t>
-            </a:r>
-            <a:r>
-              <a:rPr lang="fr-FR" sz="2400" dirty="0" smtClean="0">
-                <a:latin typeface="+mj-lt"/>
-              </a:rPr>
-              <a:t> triangulaire supérieure. </a:t>
-            </a:r>
-          </a:p>
-          <a:p>
-            <a:r>
-              <a:rPr lang="fr-FR" sz="2400" dirty="0" smtClean="0">
-                <a:latin typeface="+mj-lt"/>
-              </a:rPr>
-              <a:t>Il </a:t>
-            </a:r>
-            <a:r>
-              <a:rPr lang="fr-FR" sz="2400" dirty="0" err="1" smtClean="0">
-                <a:latin typeface="+mj-lt"/>
-              </a:rPr>
-              <a:t>suﬃt</a:t>
-            </a:r>
-            <a:r>
-              <a:rPr lang="fr-FR" sz="2400" dirty="0" smtClean="0">
-                <a:latin typeface="+mj-lt"/>
-              </a:rPr>
-              <a:t> alors de résoudre </a:t>
-            </a:r>
-            <a:r>
-              <a:rPr lang="fr-FR" sz="2400" b="1" dirty="0">
-                <a:latin typeface="Consolas" panose="020B0609020204030204" pitchFamily="49" charset="0"/>
-              </a:rPr>
-              <a:t>RT z = M T y </a:t>
-            </a:r>
-            <a:r>
-              <a:rPr lang="fr-FR" sz="2400" dirty="0" smtClean="0">
-                <a:latin typeface="+mj-lt"/>
-              </a:rPr>
-              <a:t>et puis </a:t>
-            </a:r>
-            <a:r>
-              <a:rPr lang="fr-FR" sz="2400" b="1" dirty="0" err="1">
-                <a:latin typeface="Consolas" panose="020B0609020204030204" pitchFamily="49" charset="0"/>
-              </a:rPr>
-              <a:t>Rx</a:t>
-            </a:r>
-            <a:r>
-              <a:rPr lang="fr-FR" sz="2400" b="1" dirty="0">
-                <a:latin typeface="Consolas" panose="020B0609020204030204" pitchFamily="49" charset="0"/>
-              </a:rPr>
-              <a:t> = </a:t>
-            </a:r>
-            <a:r>
-              <a:rPr lang="fr-FR" sz="2400" dirty="0" smtClean="0">
-                <a:latin typeface="+mj-lt"/>
-              </a:rPr>
-              <a:t>z pour</a:t>
-            </a:r>
-            <a:r>
-              <a:rPr lang="fr-FR" sz="2400" dirty="0">
-                <a:latin typeface="+mj-lt"/>
-              </a:rPr>
-              <a:t> </a:t>
-            </a:r>
-            <a:r>
-              <a:rPr lang="fr-FR" sz="2400" dirty="0" smtClean="0">
-                <a:latin typeface="+mj-lt"/>
-              </a:rPr>
-              <a:t>obtenir la solution. </a:t>
-            </a:r>
-          </a:p>
-          <a:p>
-            <a:pPr marL="342900" indent="-342900">
-              <a:buFont typeface="Wingdings" panose="05000000000000000000" pitchFamily="2" charset="2"/>
-              <a:buChar char="§"/>
-            </a:pPr>
-            <a:endParaRPr lang="fr-FR" sz="2400" dirty="0" smtClean="0">
-              <a:latin typeface="+mj-lt"/>
-            </a:endParaRPr>
-          </a:p>
-          <a:p>
-            <a:pPr marL="342900" indent="-342900">
-              <a:buFont typeface="Wingdings" panose="05000000000000000000" pitchFamily="2" charset="2"/>
-              <a:buChar char="§"/>
-            </a:pPr>
-            <a:r>
-              <a:rPr lang="fr-FR" sz="2400" dirty="0" smtClean="0">
-                <a:latin typeface="+mj-lt"/>
-              </a:rPr>
-              <a:t>Les deux systèmes sont triangulaires, leur résolution est donc immédiate</a:t>
-            </a:r>
-          </a:p>
-        </p:txBody>
-      </p:sp>
+      <mc:AlternateContent xmlns:mc="http://schemas.openxmlformats.org/markup-compatibility/2006" xmlns:a14="http://schemas.microsoft.com/office/drawing/2010/main">
+        <mc:Choice Requires="a14">
+          <p:sp>
+            <p:nvSpPr>
+              <p:cNvPr id="2" name="Rectangle 1"/>
+              <p:cNvSpPr/>
+              <p:nvPr/>
+            </p:nvSpPr>
+            <p:spPr>
+              <a:xfrm>
+                <a:off x="589280" y="1407612"/>
+                <a:ext cx="11176000" cy="3751733"/>
+              </a:xfrm>
+              <a:prstGeom prst="rect">
+                <a:avLst/>
+              </a:prstGeom>
+            </p:spPr>
+            <p:txBody>
+              <a:bodyPr wrap="square">
+                <a:spAutoFit/>
+              </a:bodyPr>
+              <a:lstStyle/>
+              <a:p>
+                <a:r>
+                  <a:rPr lang="fr-FR" sz="2400" dirty="0" smtClean="0">
+                    <a:effectLst/>
+                    <a:latin typeface="+mj-lt"/>
+                  </a:rPr>
+                  <a:t/>
+                </a:r>
+                <a:br>
+                  <a:rPr lang="fr-FR" sz="2400" dirty="0" smtClean="0">
+                    <a:effectLst/>
+                    <a:latin typeface="+mj-lt"/>
+                  </a:rPr>
+                </a:br>
+                <a:r>
+                  <a:rPr lang="fr-FR" sz="2400" dirty="0" smtClean="0">
+                    <a:latin typeface="+mj-lt"/>
+                  </a:rPr>
+                  <a:t>Cette méthode bien connue se base sur le théorème suivant : « </a:t>
+                </a:r>
+                <a:r>
+                  <a:rPr lang="fr-FR" sz="2000" b="1" i="1" dirty="0" smtClean="0">
+                    <a:latin typeface="Consolas" panose="020B0609020204030204" pitchFamily="49" charset="0"/>
+                    <a:cs typeface="Times New Roman" panose="02020603050405020304" pitchFamily="18" charset="0"/>
+                  </a:rPr>
+                  <a:t>Si </a:t>
+                </a:r>
+                <a:r>
+                  <a:rPr lang="fr-FR" sz="2000" b="1" i="1" dirty="0">
+                    <a:latin typeface="Consolas" panose="020B0609020204030204" pitchFamily="49" charset="0"/>
+                    <a:cs typeface="Times New Roman" panose="02020603050405020304" pitchFamily="18" charset="0"/>
+                  </a:rPr>
+                  <a:t>A</a:t>
+                </a:r>
+                <a:r>
+                  <a:rPr lang="fr-FR" sz="2000" b="1" i="1" dirty="0" smtClean="0">
+                    <a:latin typeface="Consolas" panose="020B0609020204030204" pitchFamily="49" charset="0"/>
+                    <a:cs typeface="Times New Roman" panose="02020603050405020304" pitchFamily="18" charset="0"/>
+                  </a:rPr>
+                  <a:t> est une matrice symétrique et </a:t>
+                </a:r>
+                <a:r>
+                  <a:rPr lang="fr-FR" sz="2000" b="1" i="1" dirty="0" err="1" smtClean="0">
+                    <a:latin typeface="Consolas" panose="020B0609020204030204" pitchFamily="49" charset="0"/>
+                    <a:cs typeface="Times New Roman" panose="02020603050405020304" pitchFamily="18" charset="0"/>
+                  </a:rPr>
+                  <a:t>déﬁnie</a:t>
+                </a:r>
+                <a:r>
+                  <a:rPr lang="fr-FR" sz="2000" b="1" i="1" dirty="0" smtClean="0">
+                    <a:latin typeface="Consolas" panose="020B0609020204030204" pitchFamily="49" charset="0"/>
+                    <a:cs typeface="Times New Roman" panose="02020603050405020304" pitchFamily="18" charset="0"/>
+                  </a:rPr>
+                  <a:t> positive, il existe une unique matrice </a:t>
+                </a:r>
+                <a:r>
+                  <a:rPr lang="fr-FR" sz="2000" b="1" i="1" dirty="0">
+                    <a:latin typeface="Consolas" panose="020B0609020204030204" pitchFamily="49" charset="0"/>
+                    <a:cs typeface="Times New Roman" panose="02020603050405020304" pitchFamily="18" charset="0"/>
+                  </a:rPr>
+                  <a:t>R</a:t>
+                </a:r>
+                <a:r>
+                  <a:rPr lang="fr-FR" sz="2000" b="1" i="1" dirty="0" smtClean="0">
+                    <a:latin typeface="Consolas" panose="020B0609020204030204" pitchFamily="49" charset="0"/>
+                    <a:cs typeface="Times New Roman" panose="02020603050405020304" pitchFamily="18" charset="0"/>
+                  </a:rPr>
+                  <a:t> triangulaire supérieure, à éléments diagonaux strictement positifs, telle que </a:t>
+                </a:r>
+                <a:r>
+                  <a:rPr lang="fr-FR" sz="2000" b="1" i="1" dirty="0">
+                    <a:latin typeface="Consolas" panose="020B0609020204030204" pitchFamily="49" charset="0"/>
+                    <a:cs typeface="Times New Roman" panose="02020603050405020304" pitchFamily="18" charset="0"/>
+                  </a:rPr>
+                  <a:t>A = </a:t>
+                </a:r>
+                <a:r>
+                  <a:rPr lang="fr-FR" sz="2000" b="1" i="1" dirty="0" smtClean="0">
+                    <a:latin typeface="Consolas" panose="020B0609020204030204" pitchFamily="49" charset="0"/>
+                    <a:cs typeface="Times New Roman" panose="02020603050405020304" pitchFamily="18" charset="0"/>
+                  </a:rPr>
+                  <a:t>RTR ». </a:t>
+                </a:r>
+              </a:p>
+              <a:p>
+                <a:endParaRPr lang="fr-FR" sz="2400" dirty="0" smtClean="0">
+                  <a:latin typeface="+mj-lt"/>
+                </a:endParaRPr>
+              </a:p>
+              <a:p>
+                <a:pPr marL="342900" indent="-342900">
+                  <a:buFont typeface="Wingdings" panose="05000000000000000000" pitchFamily="2" charset="2"/>
+                  <a:buChar char="§"/>
+                </a:pPr>
+                <a:r>
+                  <a:rPr lang="fr-FR" sz="2400" dirty="0" smtClean="0">
+                    <a:latin typeface="+mj-lt"/>
+                  </a:rPr>
+                  <a:t>Dans notre cas, nous appliquons la factorisation de </a:t>
+                </a:r>
+                <a:r>
+                  <a:rPr lang="fr-FR" sz="2400" dirty="0" err="1" smtClean="0">
+                    <a:latin typeface="+mj-lt"/>
+                  </a:rPr>
+                  <a:t>Cholesky</a:t>
+                </a:r>
+                <a:r>
+                  <a:rPr lang="fr-FR" sz="2400" dirty="0" smtClean="0">
+                    <a:latin typeface="+mj-lt"/>
+                  </a:rPr>
+                  <a:t> à </a:t>
+                </a:r>
+                <a14:m>
+                  <m:oMath xmlns:m="http://schemas.openxmlformats.org/officeDocument/2006/math">
+                    <m:sSup>
+                      <m:sSupPr>
+                        <m:ctrlPr>
+                          <a:rPr lang="fr-FR" sz="2400" i="1" smtClean="0">
+                            <a:latin typeface="Cambria Math" panose="02040503050406030204" pitchFamily="18" charset="0"/>
+                          </a:rPr>
+                        </m:ctrlPr>
+                      </m:sSupPr>
+                      <m:e>
+                        <m:r>
+                          <m:rPr>
+                            <m:nor/>
+                          </m:rPr>
+                          <a:rPr lang="fr-FR" sz="2400" b="1" i="0" smtClean="0">
+                            <a:latin typeface="Cambria Math" panose="02040503050406030204" pitchFamily="18" charset="0"/>
+                          </a:rPr>
+                          <m:t>M</m:t>
+                        </m:r>
+                      </m:e>
+                      <m:sup>
+                        <m:r>
+                          <a:rPr lang="fr-FR" sz="2400" b="0" i="1" smtClean="0">
+                            <a:latin typeface="Cambria Math" panose="02040503050406030204" pitchFamily="18" charset="0"/>
+                          </a:rPr>
+                          <m:t>𝑇</m:t>
+                        </m:r>
+                      </m:sup>
+                    </m:sSup>
+                  </m:oMath>
+                </a14:m>
+                <a:r>
+                  <a:rPr lang="fr-FR" sz="2400" b="1" dirty="0" smtClean="0">
+                    <a:latin typeface="Consolas" panose="020B0609020204030204" pitchFamily="49" charset="0"/>
+                  </a:rPr>
+                  <a:t>M :</a:t>
+                </a:r>
+              </a:p>
+              <a:p>
+                <a:r>
+                  <a:rPr lang="fr-FR" sz="2400" b="1" dirty="0" smtClean="0">
+                    <a:latin typeface="Consolas" panose="020B0609020204030204" pitchFamily="49" charset="0"/>
+                  </a:rPr>
+                  <a:t> </a:t>
+                </a:r>
+                <a14:m>
+                  <m:oMath xmlns:m="http://schemas.openxmlformats.org/officeDocument/2006/math">
+                    <m:sSup>
+                      <m:sSupPr>
+                        <m:ctrlPr>
+                          <a:rPr lang="fr-FR" sz="2400" i="1" smtClean="0">
+                            <a:latin typeface="Cambria Math" panose="02040503050406030204" pitchFamily="18" charset="0"/>
+                          </a:rPr>
+                        </m:ctrlPr>
+                      </m:sSupPr>
+                      <m:e>
+                        <m:r>
+                          <m:rPr>
+                            <m:nor/>
+                          </m:rPr>
+                          <a:rPr lang="fr-FR" sz="2400" b="1" i="0" smtClean="0">
+                            <a:latin typeface="Cambria Math" panose="02040503050406030204" pitchFamily="18" charset="0"/>
+                          </a:rPr>
+                          <m:t>M</m:t>
+                        </m:r>
+                      </m:e>
+                      <m:sup>
+                        <m:r>
+                          <a:rPr lang="fr-FR" sz="2400" b="0" i="1" smtClean="0">
+                            <a:latin typeface="Cambria Math" panose="02040503050406030204" pitchFamily="18" charset="0"/>
+                          </a:rPr>
+                          <m:t>𝑇</m:t>
+                        </m:r>
+                      </m:sup>
+                    </m:sSup>
+                  </m:oMath>
+                </a14:m>
+                <a:r>
+                  <a:rPr lang="fr-FR" sz="2400" b="1" dirty="0" smtClean="0">
+                    <a:latin typeface="Consolas" panose="020B0609020204030204" pitchFamily="49" charset="0"/>
+                  </a:rPr>
+                  <a:t>M = </a:t>
+                </a:r>
+                <a14:m>
+                  <m:oMath xmlns:m="http://schemas.openxmlformats.org/officeDocument/2006/math">
+                    <m:sSup>
+                      <m:sSupPr>
+                        <m:ctrlPr>
+                          <a:rPr lang="fr-FR" sz="2400" i="1" smtClean="0">
+                            <a:latin typeface="Cambria Math" panose="02040503050406030204" pitchFamily="18" charset="0"/>
+                          </a:rPr>
+                        </m:ctrlPr>
+                      </m:sSupPr>
+                      <m:e>
+                        <m:r>
+                          <m:rPr>
+                            <m:nor/>
+                          </m:rPr>
+                          <a:rPr lang="fr-FR" sz="2400" b="1" dirty="0" smtClean="0">
+                            <a:latin typeface="Consolas" panose="020B0609020204030204" pitchFamily="49" charset="0"/>
+                          </a:rPr>
+                          <m:t>R</m:t>
+                        </m:r>
+                      </m:e>
+                      <m:sup>
+                        <m:r>
+                          <a:rPr lang="fr-FR" sz="2400" b="0" i="1" smtClean="0">
+                            <a:latin typeface="Cambria Math" panose="02040503050406030204" pitchFamily="18" charset="0"/>
+                          </a:rPr>
+                          <m:t>𝑇</m:t>
+                        </m:r>
+                      </m:sup>
+                    </m:sSup>
+                  </m:oMath>
+                </a14:m>
+                <a:r>
+                  <a:rPr lang="fr-FR" sz="2400" b="1" dirty="0" smtClean="0">
+                    <a:latin typeface="Consolas" panose="020B0609020204030204" pitchFamily="49" charset="0"/>
+                  </a:rPr>
+                  <a:t>R </a:t>
+                </a:r>
+                <a:r>
+                  <a:rPr lang="fr-FR" sz="2400" dirty="0" smtClean="0">
+                    <a:latin typeface="+mj-lt"/>
+                  </a:rPr>
+                  <a:t>avec </a:t>
+                </a:r>
+                <a:r>
+                  <a:rPr lang="fr-FR" sz="2400" b="1" dirty="0">
+                    <a:latin typeface="Consolas" panose="020B0609020204030204" pitchFamily="49" charset="0"/>
+                  </a:rPr>
+                  <a:t>R</a:t>
+                </a:r>
+                <a:r>
+                  <a:rPr lang="fr-FR" sz="2400" dirty="0" smtClean="0">
+                    <a:latin typeface="+mj-lt"/>
+                  </a:rPr>
+                  <a:t> triangulaire supérieure. </a:t>
+                </a:r>
+              </a:p>
+              <a:p>
+                <a:r>
+                  <a:rPr lang="fr-FR" sz="2400" dirty="0" smtClean="0">
+                    <a:latin typeface="+mj-lt"/>
+                  </a:rPr>
+                  <a:t>Il </a:t>
+                </a:r>
+                <a:r>
+                  <a:rPr lang="fr-FR" sz="2400" dirty="0" err="1" smtClean="0">
+                    <a:latin typeface="+mj-lt"/>
+                  </a:rPr>
+                  <a:t>suﬃt</a:t>
+                </a:r>
+                <a:r>
+                  <a:rPr lang="fr-FR" sz="2400" dirty="0" smtClean="0">
+                    <a:latin typeface="+mj-lt"/>
+                  </a:rPr>
+                  <a:t> alors de résoudre </a:t>
+                </a:r>
+                <a14:m>
+                  <m:oMath xmlns:m="http://schemas.openxmlformats.org/officeDocument/2006/math">
+                    <m:sSup>
+                      <m:sSupPr>
+                        <m:ctrlPr>
+                          <a:rPr lang="fr-FR" sz="2400" i="1" smtClean="0">
+                            <a:latin typeface="Cambria Math" panose="02040503050406030204" pitchFamily="18" charset="0"/>
+                          </a:rPr>
+                        </m:ctrlPr>
+                      </m:sSupPr>
+                      <m:e>
+                        <m:r>
+                          <m:rPr>
+                            <m:nor/>
+                          </m:rPr>
+                          <a:rPr lang="fr-FR" sz="2400" b="1" dirty="0" smtClean="0">
+                            <a:latin typeface="Consolas" panose="020B0609020204030204" pitchFamily="49" charset="0"/>
+                          </a:rPr>
+                          <m:t>R</m:t>
+                        </m:r>
+                      </m:e>
+                      <m:sup>
+                        <m:r>
+                          <a:rPr lang="fr-FR" sz="2400" b="0" i="1" smtClean="0">
+                            <a:latin typeface="Cambria Math" panose="02040503050406030204" pitchFamily="18" charset="0"/>
+                          </a:rPr>
+                          <m:t>𝑇</m:t>
+                        </m:r>
+                      </m:sup>
+                    </m:sSup>
+                  </m:oMath>
+                </a14:m>
+                <a:r>
+                  <a:rPr lang="fr-FR" sz="2400" b="1" dirty="0" smtClean="0">
+                    <a:latin typeface="Consolas" panose="020B0609020204030204" pitchFamily="49" charset="0"/>
+                  </a:rPr>
+                  <a:t>z </a:t>
+                </a:r>
+                <a:r>
+                  <a:rPr lang="fr-FR" sz="2400" b="1" dirty="0">
+                    <a:latin typeface="Consolas" panose="020B0609020204030204" pitchFamily="49" charset="0"/>
+                  </a:rPr>
+                  <a:t>= </a:t>
+                </a:r>
+                <a14:m>
+                  <m:oMath xmlns:m="http://schemas.openxmlformats.org/officeDocument/2006/math">
+                    <m:sSup>
+                      <m:sSupPr>
+                        <m:ctrlPr>
+                          <a:rPr lang="fr-FR" sz="2400" i="1" smtClean="0">
+                            <a:latin typeface="Cambria Math" panose="02040503050406030204" pitchFamily="18" charset="0"/>
+                          </a:rPr>
+                        </m:ctrlPr>
+                      </m:sSupPr>
+                      <m:e>
+                        <m:r>
+                          <m:rPr>
+                            <m:nor/>
+                          </m:rPr>
+                          <a:rPr lang="fr-FR" sz="2400" b="1" i="0" smtClean="0">
+                            <a:latin typeface="Cambria Math" panose="02040503050406030204" pitchFamily="18" charset="0"/>
+                          </a:rPr>
+                          <m:t>M</m:t>
+                        </m:r>
+                      </m:e>
+                      <m:sup>
+                        <m:r>
+                          <a:rPr lang="fr-FR" sz="2400" b="0" i="1" smtClean="0">
+                            <a:latin typeface="Cambria Math" panose="02040503050406030204" pitchFamily="18" charset="0"/>
+                          </a:rPr>
+                          <m:t>𝑇</m:t>
+                        </m:r>
+                      </m:sup>
+                    </m:sSup>
+                  </m:oMath>
+                </a14:m>
+                <a:r>
+                  <a:rPr lang="fr-FR" sz="2400" b="1" dirty="0" smtClean="0">
+                    <a:latin typeface="Consolas" panose="020B0609020204030204" pitchFamily="49" charset="0"/>
+                  </a:rPr>
+                  <a:t>y </a:t>
+                </a:r>
+                <a:r>
+                  <a:rPr lang="fr-FR" sz="2400" dirty="0" smtClean="0">
+                    <a:latin typeface="+mj-lt"/>
+                  </a:rPr>
+                  <a:t>et puis </a:t>
+                </a:r>
+                <a:r>
+                  <a:rPr lang="fr-FR" sz="2400" b="1" dirty="0" err="1">
+                    <a:latin typeface="Consolas" panose="020B0609020204030204" pitchFamily="49" charset="0"/>
+                  </a:rPr>
+                  <a:t>Rx</a:t>
+                </a:r>
+                <a:r>
+                  <a:rPr lang="fr-FR" sz="2400" b="1" dirty="0">
+                    <a:latin typeface="Consolas" panose="020B0609020204030204" pitchFamily="49" charset="0"/>
+                  </a:rPr>
+                  <a:t> = z</a:t>
+                </a:r>
+                <a:r>
+                  <a:rPr lang="fr-FR" sz="2400" dirty="0" smtClean="0">
+                    <a:latin typeface="+mj-lt"/>
+                  </a:rPr>
+                  <a:t> pour</a:t>
+                </a:r>
+                <a:r>
+                  <a:rPr lang="fr-FR" sz="2400" dirty="0">
+                    <a:latin typeface="+mj-lt"/>
+                  </a:rPr>
+                  <a:t> </a:t>
+                </a:r>
+                <a:r>
+                  <a:rPr lang="fr-FR" sz="2400" dirty="0" smtClean="0">
+                    <a:latin typeface="+mj-lt"/>
+                  </a:rPr>
+                  <a:t>obtenir la solution. </a:t>
+                </a:r>
+              </a:p>
+              <a:p>
+                <a:pPr marL="342900" indent="-342900">
+                  <a:buFont typeface="Wingdings" panose="05000000000000000000" pitchFamily="2" charset="2"/>
+                  <a:buChar char="§"/>
+                </a:pPr>
+                <a:endParaRPr lang="fr-FR" sz="2400" dirty="0" smtClean="0">
+                  <a:latin typeface="+mj-lt"/>
+                </a:endParaRPr>
+              </a:p>
+              <a:p>
+                <a:pPr marL="342900" indent="-342900">
+                  <a:buFont typeface="Wingdings" panose="05000000000000000000" pitchFamily="2" charset="2"/>
+                  <a:buChar char="§"/>
+                </a:pPr>
+                <a:r>
+                  <a:rPr lang="fr-FR" sz="2400" dirty="0" smtClean="0">
+                    <a:latin typeface="+mj-lt"/>
+                  </a:rPr>
+                  <a:t>Les deux systèmes sont triangulaires, leur résolution est donc immédiate</a:t>
+                </a:r>
+              </a:p>
+            </p:txBody>
+          </p:sp>
+        </mc:Choice>
+        <mc:Fallback xmlns="">
+          <p:sp>
+            <p:nvSpPr>
+              <p:cNvPr id="2" name="Rectangle 1"/>
+              <p:cNvSpPr>
+                <a:spLocks noRot="1" noChangeAspect="1" noMove="1" noResize="1" noEditPoints="1" noAdjustHandles="1" noChangeArrowheads="1" noChangeShapeType="1" noTextEdit="1"/>
+              </p:cNvSpPr>
+              <p:nvPr/>
+            </p:nvSpPr>
+            <p:spPr>
+              <a:xfrm>
+                <a:off x="589280" y="1407612"/>
+                <a:ext cx="11176000" cy="3751733"/>
+              </a:xfrm>
+              <a:prstGeom prst="rect">
+                <a:avLst/>
+              </a:prstGeom>
+              <a:blipFill>
+                <a:blip r:embed="rId2"/>
+                <a:stretch>
+                  <a:fillRect l="-873" b="-488"/>
+                </a:stretch>
+              </a:blipFill>
+            </p:spPr>
+            <p:txBody>
+              <a:bodyPr/>
+              <a:lstStyle/>
+              <a:p>
+                <a:r>
+                  <a:rPr lang="fr-FR">
+                    <a:noFill/>
+                  </a:rPr>
+                  <a:t> </a:t>
+                </a:r>
+              </a:p>
+            </p:txBody>
+          </p:sp>
+        </mc:Fallback>
+      </mc:AlternateContent>
     </p:spTree>
     <p:extLst>
       <p:ext uri="{BB962C8B-B14F-4D97-AF65-F5344CB8AC3E}">
@@ -5730,163 +6394,269 @@
           </a:p>
         </p:txBody>
       </p:sp>
-      <p:sp>
-        <p:nvSpPr>
-          <p:cNvPr id="2" name="Rectangle 1"/>
-          <p:cNvSpPr/>
-          <p:nvPr/>
-        </p:nvSpPr>
-        <p:spPr>
-          <a:xfrm>
-            <a:off x="589280" y="1407612"/>
-            <a:ext cx="11176000" cy="3785652"/>
-          </a:xfrm>
-          <a:prstGeom prst="rect">
-            <a:avLst/>
-          </a:prstGeom>
-        </p:spPr>
-        <p:txBody>
-          <a:bodyPr wrap="square">
-            <a:spAutoFit/>
-          </a:bodyPr>
-          <a:lstStyle/>
-          <a:p>
-            <a:pPr marL="342900" indent="-342900">
-              <a:buFontTx/>
-              <a:buChar char="-"/>
-            </a:pPr>
-            <a:r>
-              <a:rPr lang="fr-FR" sz="2400" b="1" dirty="0" smtClean="0">
-                <a:effectLst/>
-              </a:rPr>
-              <a:t>Avantages et inconvénients</a:t>
-            </a:r>
-          </a:p>
-          <a:p>
-            <a:r>
-              <a:rPr lang="fr-FR" sz="2400" dirty="0" smtClean="0">
-                <a:effectLst/>
-                <a:latin typeface="+mj-lt"/>
-              </a:rPr>
-              <a:t/>
-            </a:r>
-            <a:br>
-              <a:rPr lang="fr-FR" sz="2400" dirty="0" smtClean="0">
-                <a:effectLst/>
-                <a:latin typeface="+mj-lt"/>
-              </a:rPr>
-            </a:br>
-            <a:r>
-              <a:rPr lang="fr-FR" sz="2400" dirty="0" smtClean="0">
-                <a:effectLst/>
-                <a:latin typeface="+mj-lt"/>
-              </a:rPr>
-              <a:t>En dépit de sa simplicité, et de son coût raisonnable, la méthode des équations normales n’est pas recommandée pour des raisons de stabilité. </a:t>
-            </a:r>
-          </a:p>
-          <a:p>
-            <a:endParaRPr lang="fr-FR" sz="2400" dirty="0" smtClean="0">
-              <a:effectLst/>
-              <a:latin typeface="+mj-lt"/>
-            </a:endParaRPr>
-          </a:p>
-          <a:p>
-            <a:r>
-              <a:rPr lang="fr-FR" sz="2400" dirty="0" smtClean="0">
-                <a:effectLst/>
-                <a:latin typeface="+mj-lt"/>
-              </a:rPr>
-              <a:t>Elle cumule deux inconvénients :</a:t>
-            </a:r>
-          </a:p>
-          <a:p>
-            <a:pPr marL="457200" indent="-457200">
-              <a:buAutoNum type="alphaLcParenBoth"/>
-            </a:pPr>
-            <a:r>
-              <a:rPr lang="fr-FR" sz="2400" b="1" dirty="0" smtClean="0">
-                <a:effectLst/>
-                <a:latin typeface="+mj-lt"/>
-              </a:rPr>
-              <a:t>Le simple fait de former la matrice </a:t>
-            </a:r>
-            <a:r>
-              <a:rPr lang="fr-FR" sz="2400" b="1" dirty="0" smtClean="0">
-                <a:effectLst/>
-                <a:latin typeface="Consolas" panose="020B0609020204030204" pitchFamily="49" charset="0"/>
-              </a:rPr>
-              <a:t>M T M </a:t>
-            </a:r>
-            <a:r>
-              <a:rPr lang="fr-FR" sz="2400" b="1" dirty="0" smtClean="0">
-                <a:effectLst/>
-                <a:latin typeface="+mj-lt"/>
-              </a:rPr>
-              <a:t>peut faire perdre de l’information sur les petits coefficients de la matrice </a:t>
-            </a:r>
-            <a:r>
-              <a:rPr lang="fr-FR" sz="2400" b="1" dirty="0">
-                <a:latin typeface="Consolas" panose="020B0609020204030204" pitchFamily="49" charset="0"/>
-              </a:rPr>
-              <a:t>M</a:t>
-            </a:r>
-            <a:r>
-              <a:rPr lang="fr-FR" sz="2400" b="1" dirty="0" smtClean="0">
-                <a:effectLst/>
-                <a:latin typeface="+mj-lt"/>
-              </a:rPr>
-              <a:t> , ce qui peut avoir des conséquences désastreuses.</a:t>
-            </a:r>
-          </a:p>
-          <a:p>
-            <a:pPr marL="457200" indent="-457200">
-              <a:buAutoNum type="alphaLcParenBoth"/>
-            </a:pPr>
-            <a:endParaRPr lang="fr-FR" sz="2400" b="1" dirty="0" smtClean="0">
-              <a:effectLst/>
-              <a:latin typeface="+mj-lt"/>
-            </a:endParaRPr>
-          </a:p>
-          <a:p>
-            <a:r>
-              <a:rPr lang="fr-FR" sz="2400" b="1" dirty="0" smtClean="0">
-                <a:effectLst/>
-                <a:latin typeface="+mj-lt"/>
-              </a:rPr>
-              <a:t>(b) Le conditionnement de la matrice </a:t>
-            </a:r>
-            <a:r>
-              <a:rPr lang="fr-FR" sz="2400" b="1" dirty="0">
-                <a:latin typeface="Consolas" panose="020B0609020204030204" pitchFamily="49" charset="0"/>
-              </a:rPr>
-              <a:t>M T M </a:t>
-            </a:r>
-            <a:r>
-              <a:rPr lang="fr-FR" sz="2400" b="1" dirty="0" smtClean="0">
-                <a:effectLst/>
-                <a:latin typeface="+mj-lt"/>
-              </a:rPr>
-              <a:t>est le carré de celui de </a:t>
-            </a:r>
-            <a:r>
-              <a:rPr lang="fr-FR" sz="2400" b="1" dirty="0">
-                <a:latin typeface="Consolas" panose="020B0609020204030204" pitchFamily="49" charset="0"/>
-              </a:rPr>
-              <a:t>M</a:t>
-            </a:r>
-            <a:r>
-              <a:rPr lang="fr-FR" sz="2400" b="1" dirty="0" smtClean="0">
-                <a:effectLst/>
-                <a:latin typeface="+mj-lt"/>
-              </a:rPr>
-              <a:t> .</a:t>
-            </a:r>
-            <a:endParaRPr lang="fr-FR" sz="2400" b="1" dirty="0" smtClean="0">
-              <a:latin typeface="+mj-lt"/>
-            </a:endParaRPr>
-          </a:p>
-        </p:txBody>
-      </p:sp>
+      <mc:AlternateContent xmlns:mc="http://schemas.openxmlformats.org/markup-compatibility/2006" xmlns:a14="http://schemas.microsoft.com/office/drawing/2010/main">
+        <mc:Choice Requires="a14">
+          <p:sp>
+            <p:nvSpPr>
+              <p:cNvPr id="2" name="Rectangle 1"/>
+              <p:cNvSpPr/>
+              <p:nvPr/>
+            </p:nvSpPr>
+            <p:spPr>
+              <a:xfrm>
+                <a:off x="589280" y="1407612"/>
+                <a:ext cx="11176000" cy="3785652"/>
+              </a:xfrm>
+              <a:prstGeom prst="rect">
+                <a:avLst/>
+              </a:prstGeom>
+            </p:spPr>
+            <p:txBody>
+              <a:bodyPr wrap="square">
+                <a:spAutoFit/>
+              </a:bodyPr>
+              <a:lstStyle/>
+              <a:p>
+                <a:pPr marL="342900" indent="-342900">
+                  <a:buFontTx/>
+                  <a:buChar char="-"/>
+                </a:pPr>
+                <a:r>
+                  <a:rPr lang="fr-FR" sz="2400" b="1" dirty="0" smtClean="0">
+                    <a:effectLst/>
+                  </a:rPr>
+                  <a:t>Avantages et inconvénients</a:t>
+                </a:r>
+              </a:p>
+              <a:p>
+                <a:r>
+                  <a:rPr lang="fr-FR" sz="2400" dirty="0" smtClean="0">
+                    <a:effectLst/>
+                    <a:latin typeface="+mj-lt"/>
+                  </a:rPr>
+                  <a:t/>
+                </a:r>
+                <a:br>
+                  <a:rPr lang="fr-FR" sz="2400" dirty="0" smtClean="0">
+                    <a:effectLst/>
+                    <a:latin typeface="+mj-lt"/>
+                  </a:rPr>
+                </a:br>
+                <a:r>
+                  <a:rPr lang="fr-FR" sz="2400" dirty="0" smtClean="0">
+                    <a:effectLst/>
+                    <a:latin typeface="+mj-lt"/>
+                  </a:rPr>
+                  <a:t>En dépit de sa simplicité, et de son coût raisonnable, la méthode des équations normales n’est pas recommandée pour des raisons de stabilité. </a:t>
+                </a:r>
+              </a:p>
+              <a:p>
+                <a:endParaRPr lang="fr-FR" sz="2400" dirty="0" smtClean="0">
+                  <a:effectLst/>
+                  <a:latin typeface="+mj-lt"/>
+                </a:endParaRPr>
+              </a:p>
+              <a:p>
+                <a:r>
+                  <a:rPr lang="fr-FR" sz="2400" dirty="0" smtClean="0">
+                    <a:effectLst/>
+                    <a:latin typeface="+mj-lt"/>
+                  </a:rPr>
+                  <a:t>Elle cumule deux inconvénients :</a:t>
+                </a:r>
+              </a:p>
+              <a:p>
+                <a:pPr marL="457200" indent="-457200">
+                  <a:buAutoNum type="alphaLcParenBoth"/>
+                </a:pPr>
+                <a:r>
+                  <a:rPr lang="fr-FR" sz="2400" b="1" dirty="0" smtClean="0">
+                    <a:effectLst/>
+                    <a:latin typeface="+mj-lt"/>
+                  </a:rPr>
+                  <a:t>Le simple fait de former la matrice </a:t>
+                </a:r>
+                <a14:m>
+                  <m:oMath xmlns:m="http://schemas.openxmlformats.org/officeDocument/2006/math">
+                    <m:sSup>
+                      <m:sSupPr>
+                        <m:ctrlPr>
+                          <a:rPr lang="fr-FR" sz="2400" i="1" smtClean="0">
+                            <a:latin typeface="Cambria Math" panose="02040503050406030204" pitchFamily="18" charset="0"/>
+                          </a:rPr>
+                        </m:ctrlPr>
+                      </m:sSupPr>
+                      <m:e>
+                        <m:r>
+                          <m:rPr>
+                            <m:nor/>
+                          </m:rPr>
+                          <a:rPr lang="fr-FR" sz="2400" b="1" i="0" smtClean="0">
+                            <a:latin typeface="Cambria Math" panose="02040503050406030204" pitchFamily="18" charset="0"/>
+                          </a:rPr>
+                          <m:t>M</m:t>
+                        </m:r>
+                      </m:e>
+                      <m:sup>
+                        <m:r>
+                          <a:rPr lang="fr-FR" sz="2400" b="0" i="1" smtClean="0">
+                            <a:latin typeface="Cambria Math" panose="02040503050406030204" pitchFamily="18" charset="0"/>
+                          </a:rPr>
+                          <m:t>𝑇</m:t>
+                        </m:r>
+                      </m:sup>
+                    </m:sSup>
+                  </m:oMath>
+                </a14:m>
+                <a:r>
+                  <a:rPr lang="fr-FR" sz="2400" b="1" dirty="0" smtClean="0">
+                    <a:effectLst/>
+                    <a:latin typeface="Consolas" panose="020B0609020204030204" pitchFamily="49" charset="0"/>
+                  </a:rPr>
+                  <a:t>M </a:t>
+                </a:r>
+                <a:r>
+                  <a:rPr lang="fr-FR" sz="2400" b="1" dirty="0" smtClean="0">
+                    <a:effectLst/>
+                    <a:latin typeface="+mj-lt"/>
+                  </a:rPr>
+                  <a:t>peut faire perdre de l’information sur les petits coefficients de la matrice </a:t>
+                </a:r>
+                <a:r>
+                  <a:rPr lang="fr-FR" sz="2400" b="1" dirty="0">
+                    <a:latin typeface="Consolas" panose="020B0609020204030204" pitchFamily="49" charset="0"/>
+                  </a:rPr>
+                  <a:t>M</a:t>
+                </a:r>
+                <a:r>
+                  <a:rPr lang="fr-FR" sz="2400" b="1" dirty="0" smtClean="0">
+                    <a:effectLst/>
+                    <a:latin typeface="+mj-lt"/>
+                  </a:rPr>
+                  <a:t> , ce qui peut avoir des conséquences désastreuses.</a:t>
+                </a:r>
+              </a:p>
+              <a:p>
+                <a:pPr marL="457200" indent="-457200">
+                  <a:buAutoNum type="alphaLcParenBoth"/>
+                </a:pPr>
+                <a:endParaRPr lang="fr-FR" sz="2400" b="1" dirty="0" smtClean="0">
+                  <a:effectLst/>
+                  <a:latin typeface="+mj-lt"/>
+                </a:endParaRPr>
+              </a:p>
+              <a:p>
+                <a:r>
+                  <a:rPr lang="fr-FR" sz="2400" b="1" dirty="0" smtClean="0">
+                    <a:effectLst/>
+                    <a:latin typeface="+mj-lt"/>
+                  </a:rPr>
+                  <a:t>(b) Le conditionnement de la matrice </a:t>
+                </a:r>
+                <a14:m>
+                  <m:oMath xmlns:m="http://schemas.openxmlformats.org/officeDocument/2006/math">
+                    <m:sSup>
+                      <m:sSupPr>
+                        <m:ctrlPr>
+                          <a:rPr lang="fr-FR" sz="2400" i="1" smtClean="0">
+                            <a:latin typeface="Cambria Math" panose="02040503050406030204" pitchFamily="18" charset="0"/>
+                          </a:rPr>
+                        </m:ctrlPr>
+                      </m:sSupPr>
+                      <m:e>
+                        <m:r>
+                          <m:rPr>
+                            <m:nor/>
+                          </m:rPr>
+                          <a:rPr lang="fr-FR" sz="2400" b="1" i="0" smtClean="0">
+                            <a:latin typeface="Cambria Math" panose="02040503050406030204" pitchFamily="18" charset="0"/>
+                          </a:rPr>
+                          <m:t>M</m:t>
+                        </m:r>
+                      </m:e>
+                      <m:sup>
+                        <m:r>
+                          <a:rPr lang="fr-FR" sz="2400" b="0" i="1" smtClean="0">
+                            <a:latin typeface="Cambria Math" panose="02040503050406030204" pitchFamily="18" charset="0"/>
+                          </a:rPr>
+                          <m:t>𝑇</m:t>
+                        </m:r>
+                      </m:sup>
+                    </m:sSup>
+                  </m:oMath>
+                </a14:m>
+                <a:r>
+                  <a:rPr lang="fr-FR" sz="2400" b="1" dirty="0" smtClean="0">
+                    <a:latin typeface="Consolas" panose="020B0609020204030204" pitchFamily="49" charset="0"/>
+                  </a:rPr>
+                  <a:t>M </a:t>
+                </a:r>
+                <a:r>
+                  <a:rPr lang="fr-FR" sz="2400" b="1" dirty="0" smtClean="0">
+                    <a:effectLst/>
+                    <a:latin typeface="+mj-lt"/>
+                  </a:rPr>
+                  <a:t>est le carré de celui de </a:t>
+                </a:r>
+                <a:r>
+                  <a:rPr lang="fr-FR" sz="2400" b="1" dirty="0">
+                    <a:latin typeface="Consolas" panose="020B0609020204030204" pitchFamily="49" charset="0"/>
+                  </a:rPr>
+                  <a:t>M</a:t>
+                </a:r>
+                <a:r>
+                  <a:rPr lang="fr-FR" sz="2400" b="1" dirty="0" smtClean="0">
+                    <a:effectLst/>
+                    <a:latin typeface="+mj-lt"/>
+                  </a:rPr>
+                  <a:t> .</a:t>
+                </a:r>
+                <a:endParaRPr lang="fr-FR" sz="2400" b="1" dirty="0" smtClean="0">
+                  <a:latin typeface="+mj-lt"/>
+                </a:endParaRPr>
+              </a:p>
+            </p:txBody>
+          </p:sp>
+        </mc:Choice>
+        <mc:Fallback xmlns="">
+          <p:sp>
+            <p:nvSpPr>
+              <p:cNvPr id="2" name="Rectangle 1"/>
+              <p:cNvSpPr>
+                <a:spLocks noRot="1" noChangeAspect="1" noMove="1" noResize="1" noEditPoints="1" noAdjustHandles="1" noChangeArrowheads="1" noChangeShapeType="1" noTextEdit="1"/>
+              </p:cNvSpPr>
+              <p:nvPr/>
+            </p:nvSpPr>
+            <p:spPr>
+              <a:xfrm>
+                <a:off x="589280" y="1407612"/>
+                <a:ext cx="11176000" cy="3785652"/>
+              </a:xfrm>
+              <a:prstGeom prst="rect">
+                <a:avLst/>
+              </a:prstGeom>
+              <a:blipFill>
+                <a:blip r:embed="rId2"/>
+                <a:stretch>
+                  <a:fillRect l="-873" t="-1449" r="-164" b="-2738"/>
+                </a:stretch>
+              </a:blipFill>
+            </p:spPr>
+            <p:txBody>
+              <a:bodyPr/>
+              <a:lstStyle/>
+              <a:p>
+                <a:r>
+                  <a:rPr lang="fr-FR">
+                    <a:noFill/>
+                  </a:rPr>
+                  <a:t> </a:t>
+                </a:r>
+              </a:p>
+            </p:txBody>
+          </p:sp>
+        </mc:Fallback>
+      </mc:AlternateContent>
     </p:spTree>
     <p:extLst>
       <p:ext uri="{BB962C8B-B14F-4D97-AF65-F5344CB8AC3E}">
@@ -5990,271 +6760,375 @@
           </a:p>
         </p:txBody>
       </p:sp>
-      <p:sp>
-        <p:nvSpPr>
-          <p:cNvPr id="2" name="Rectangle 1"/>
-          <p:cNvSpPr/>
-          <p:nvPr/>
-        </p:nvSpPr>
-        <p:spPr>
-          <a:xfrm>
-            <a:off x="589280" y="1407612"/>
-            <a:ext cx="11176000" cy="4893647"/>
-          </a:xfrm>
-          <a:prstGeom prst="rect">
-            <a:avLst/>
-          </a:prstGeom>
-        </p:spPr>
-        <p:txBody>
-          <a:bodyPr wrap="square">
-            <a:spAutoFit/>
-          </a:bodyPr>
-          <a:lstStyle/>
-          <a:p>
-            <a:endParaRPr lang="fr-FR" sz="2400" dirty="0" smtClean="0">
-              <a:effectLst/>
-              <a:latin typeface="+mj-lt"/>
-            </a:endParaRPr>
-          </a:p>
-          <a:p>
-            <a:r>
-              <a:rPr lang="fr-FR" sz="2400" dirty="0" smtClean="0">
-                <a:effectLst/>
-                <a:latin typeface="+mj-lt"/>
-              </a:rPr>
-              <a:t>La méthode moderne pour résoudre </a:t>
-            </a:r>
-            <a:r>
-              <a:rPr lang="fr-FR" sz="2400" b="1" dirty="0">
-                <a:latin typeface="Consolas" panose="020B0609020204030204" pitchFamily="49" charset="0"/>
-              </a:rPr>
-              <a:t>M x = y </a:t>
-            </a:r>
-            <a:r>
-              <a:rPr lang="fr-FR" sz="2400" dirty="0" smtClean="0">
-                <a:effectLst/>
-                <a:latin typeface="+mj-lt"/>
-              </a:rPr>
-              <a:t>est basée sur la factorisation </a:t>
-            </a:r>
-            <a:r>
-              <a:rPr lang="fr-FR" sz="2400" b="1" dirty="0">
-                <a:latin typeface="Consolas" panose="020B0609020204030204" pitchFamily="49" charset="0"/>
-              </a:rPr>
-              <a:t>QR</a:t>
-            </a:r>
-            <a:r>
-              <a:rPr lang="fr-FR" sz="2400" dirty="0" smtClean="0">
-                <a:effectLst/>
-                <a:latin typeface="+mj-lt"/>
-              </a:rPr>
-              <a:t> de la matrice </a:t>
-            </a:r>
-            <a:r>
-              <a:rPr lang="fr-FR" sz="2400" b="1" dirty="0">
-                <a:latin typeface="Consolas" panose="020B0609020204030204" pitchFamily="49" charset="0"/>
-              </a:rPr>
-              <a:t>M</a:t>
-            </a:r>
-            <a:r>
-              <a:rPr lang="fr-FR" sz="2400" dirty="0" smtClean="0">
-                <a:effectLst/>
-                <a:latin typeface="+mj-lt"/>
-              </a:rPr>
-              <a:t> de dimension </a:t>
-            </a:r>
-            <a:r>
-              <a:rPr lang="fr-FR" sz="2400" b="1" dirty="0">
-                <a:latin typeface="Consolas" panose="020B0609020204030204" pitchFamily="49" charset="0"/>
-              </a:rPr>
-              <a:t>m × n </a:t>
-            </a:r>
-            <a:r>
-              <a:rPr lang="fr-FR" sz="2400" dirty="0" smtClean="0">
-                <a:effectLst/>
-                <a:latin typeface="+mj-lt"/>
-              </a:rPr>
-              <a:t>avec </a:t>
-            </a:r>
-            <a:r>
-              <a:rPr lang="fr-FR" sz="2400" b="1" dirty="0">
-                <a:latin typeface="Consolas" panose="020B0609020204030204" pitchFamily="49" charset="0"/>
-              </a:rPr>
-              <a:t>m ≥ n, </a:t>
-            </a:r>
-            <a:r>
-              <a:rPr lang="fr-FR" sz="2400" dirty="0" smtClean="0">
-                <a:effectLst/>
-                <a:latin typeface="+mj-lt"/>
-              </a:rPr>
-              <a:t>où </a:t>
-            </a:r>
-            <a:r>
-              <a:rPr lang="fr-FR" sz="2400" b="1" dirty="0" smtClean="0">
-                <a:effectLst/>
-                <a:latin typeface="Consolas" panose="020B0609020204030204" pitchFamily="49" charset="0"/>
-              </a:rPr>
-              <a:t>Q</a:t>
-            </a:r>
-            <a:r>
-              <a:rPr lang="fr-FR" sz="2400" dirty="0" smtClean="0">
-                <a:effectLst/>
-                <a:latin typeface="+mj-lt"/>
-              </a:rPr>
-              <a:t> est une matrice orthogonale d’ordre </a:t>
-            </a:r>
-            <a:r>
-              <a:rPr lang="fr-FR" sz="2400" b="1" dirty="0">
-                <a:latin typeface="Consolas" panose="020B0609020204030204" pitchFamily="49" charset="0"/>
-              </a:rPr>
-              <a:t>m</a:t>
-            </a:r>
-            <a:r>
-              <a:rPr lang="fr-FR" sz="2400" dirty="0" smtClean="0">
-                <a:effectLst/>
-                <a:latin typeface="+mj-lt"/>
-              </a:rPr>
-              <a:t>, et </a:t>
-            </a:r>
-            <a:r>
-              <a:rPr lang="fr-FR" sz="2400" b="1" dirty="0">
-                <a:latin typeface="Consolas" panose="020B0609020204030204" pitchFamily="49" charset="0"/>
-              </a:rPr>
-              <a:t>R </a:t>
-            </a:r>
-            <a:r>
-              <a:rPr lang="fr-FR" sz="2400" dirty="0" smtClean="0">
-                <a:effectLst/>
-                <a:latin typeface="+mj-lt"/>
-              </a:rPr>
-              <a:t>est triangulaire supérieure d’ordre </a:t>
-            </a:r>
-            <a:r>
-              <a:rPr lang="fr-FR" sz="2400" b="1" dirty="0">
-                <a:latin typeface="Consolas" panose="020B0609020204030204" pitchFamily="49" charset="0"/>
-              </a:rPr>
-              <a:t>n</a:t>
-            </a:r>
-            <a:r>
-              <a:rPr lang="fr-FR" sz="2400" dirty="0" smtClean="0">
-                <a:effectLst/>
-                <a:latin typeface="+mj-lt"/>
-              </a:rPr>
-              <a:t>. </a:t>
-            </a:r>
-          </a:p>
-          <a:p>
-            <a:endParaRPr lang="fr-FR" sz="2400" dirty="0">
-              <a:latin typeface="+mj-lt"/>
-            </a:endParaRPr>
-          </a:p>
-          <a:p>
-            <a:r>
-              <a:rPr lang="fr-FR" sz="2400" dirty="0" smtClean="0">
-                <a:effectLst/>
-                <a:latin typeface="+mj-lt"/>
-              </a:rPr>
-              <a:t>Pour résoudre </a:t>
-            </a:r>
-            <a:r>
-              <a:rPr lang="fr-FR" sz="2400" b="1" dirty="0">
-                <a:latin typeface="Consolas" panose="020B0609020204030204" pitchFamily="49" charset="0"/>
-              </a:rPr>
-              <a:t>M x = y, </a:t>
-            </a:r>
-            <a:r>
-              <a:rPr lang="fr-FR" sz="2400" dirty="0" smtClean="0">
-                <a:effectLst/>
-                <a:latin typeface="+mj-lt"/>
-              </a:rPr>
-              <a:t>nous décomposons </a:t>
-            </a:r>
-            <a:r>
-              <a:rPr lang="fr-FR" sz="2400" b="1" dirty="0">
-                <a:latin typeface="Consolas" panose="020B0609020204030204" pitchFamily="49" charset="0"/>
-              </a:rPr>
-              <a:t>M</a:t>
-            </a:r>
-            <a:r>
-              <a:rPr lang="fr-FR" sz="2400" dirty="0" smtClean="0">
-                <a:effectLst/>
-                <a:latin typeface="+mj-lt"/>
-              </a:rPr>
-              <a:t> en </a:t>
-            </a:r>
-            <a:r>
-              <a:rPr lang="fr-FR" sz="2400" b="1" dirty="0">
-                <a:latin typeface="Consolas" panose="020B0609020204030204" pitchFamily="49" charset="0"/>
-              </a:rPr>
-              <a:t>Q(R; 0). </a:t>
-            </a:r>
-          </a:p>
-          <a:p>
-            <a:r>
-              <a:rPr lang="fr-FR" sz="2400" dirty="0" smtClean="0">
-                <a:effectLst/>
-                <a:latin typeface="+mj-lt"/>
-              </a:rPr>
-              <a:t>Nous résolvons </a:t>
-            </a:r>
-            <a:r>
-              <a:rPr lang="fr-FR" sz="2400" b="1" dirty="0" err="1" smtClean="0">
-                <a:effectLst/>
-                <a:latin typeface="Consolas" panose="020B0609020204030204" pitchFamily="49" charset="0"/>
-              </a:rPr>
-              <a:t>Rx</a:t>
-            </a:r>
-            <a:r>
-              <a:rPr lang="fr-FR" sz="2400" b="1" dirty="0" smtClean="0">
-                <a:effectLst/>
-                <a:latin typeface="Consolas" panose="020B0609020204030204" pitchFamily="49" charset="0"/>
-              </a:rPr>
-              <a:t> = z1 </a:t>
-            </a:r>
-            <a:r>
-              <a:rPr lang="fr-FR" sz="2400" dirty="0" smtClean="0">
-                <a:effectLst/>
-                <a:latin typeface="+mj-lt"/>
-              </a:rPr>
-              <a:t>avec </a:t>
-            </a:r>
-            <a:r>
-              <a:rPr lang="fr-FR" sz="2400" b="1" dirty="0">
-                <a:latin typeface="Consolas" panose="020B0609020204030204" pitchFamily="49" charset="0"/>
-              </a:rPr>
-              <a:t>QT y = (z1; z2). </a:t>
-            </a:r>
-          </a:p>
-          <a:p>
-            <a:endParaRPr lang="fr-FR" sz="2400" dirty="0" smtClean="0">
-              <a:latin typeface="+mj-lt"/>
-            </a:endParaRPr>
-          </a:p>
-          <a:p>
-            <a:r>
-              <a:rPr lang="fr-FR" sz="2400" b="1" dirty="0" smtClean="0">
-                <a:effectLst/>
-              </a:rPr>
-              <a:t>Avantages et inconvénients</a:t>
-            </a:r>
-            <a:endParaRPr lang="fr-FR" sz="2400" dirty="0">
-              <a:latin typeface="+mj-lt"/>
-            </a:endParaRPr>
-          </a:p>
-          <a:p>
-            <a:r>
-              <a:rPr lang="fr-FR" sz="2400" dirty="0" smtClean="0">
-                <a:effectLst/>
-                <a:latin typeface="+mj-lt"/>
-              </a:rPr>
-              <a:t>Cette méthode, bien que plus coûteuse que la précédente, est plus robuste au niveau algorithmique, et constitue la méthode de choix pour résoudre les problèmes inverses linéaires non aveugles de taille raisonnable (quelques centaines) avec un bon conditionnement.</a:t>
-            </a:r>
-            <a:endParaRPr lang="fr-FR" sz="2400" b="1" dirty="0" smtClean="0">
-              <a:latin typeface="+mj-lt"/>
-            </a:endParaRPr>
-          </a:p>
-        </p:txBody>
-      </p:sp>
+      <mc:AlternateContent xmlns:mc="http://schemas.openxmlformats.org/markup-compatibility/2006">
+        <mc:Choice xmlns:a14="http://schemas.microsoft.com/office/drawing/2010/main" Requires="a14">
+          <p:sp>
+            <p:nvSpPr>
+              <p:cNvPr id="2" name="Rectangle 1"/>
+              <p:cNvSpPr/>
+              <p:nvPr/>
+            </p:nvSpPr>
+            <p:spPr>
+              <a:xfrm>
+                <a:off x="589280" y="1407612"/>
+                <a:ext cx="11176000" cy="4950330"/>
+              </a:xfrm>
+              <a:prstGeom prst="rect">
+                <a:avLst/>
+              </a:prstGeom>
+            </p:spPr>
+            <p:txBody>
+              <a:bodyPr wrap="square">
+                <a:spAutoFit/>
+              </a:bodyPr>
+              <a:lstStyle/>
+              <a:p>
+                <a:endParaRPr lang="fr-FR" sz="2400" dirty="0" smtClean="0">
+                  <a:effectLst/>
+                  <a:latin typeface="+mj-lt"/>
+                </a:endParaRPr>
+              </a:p>
+              <a:p>
+                <a:r>
+                  <a:rPr lang="fr-FR" sz="2400" dirty="0" smtClean="0">
+                    <a:effectLst/>
+                    <a:latin typeface="+mj-lt"/>
+                  </a:rPr>
+                  <a:t>La méthode moderne pour résoudre </a:t>
+                </a:r>
+                <a:r>
+                  <a:rPr lang="fr-FR" sz="2400" b="1" dirty="0" err="1" smtClean="0">
+                    <a:latin typeface="Consolas" panose="020B0609020204030204" pitchFamily="49" charset="0"/>
+                  </a:rPr>
+                  <a:t>Mx</a:t>
+                </a:r>
+                <a:r>
+                  <a:rPr lang="fr-FR" sz="2400" b="1" dirty="0" smtClean="0">
+                    <a:latin typeface="Consolas" panose="020B0609020204030204" pitchFamily="49" charset="0"/>
+                  </a:rPr>
+                  <a:t> </a:t>
+                </a:r>
+                <a:r>
+                  <a:rPr lang="fr-FR" sz="2400" b="1" dirty="0">
+                    <a:latin typeface="Consolas" panose="020B0609020204030204" pitchFamily="49" charset="0"/>
+                  </a:rPr>
+                  <a:t>= y </a:t>
+                </a:r>
+                <a:r>
+                  <a:rPr lang="fr-FR" sz="2400" dirty="0" smtClean="0">
+                    <a:effectLst/>
+                    <a:latin typeface="+mj-lt"/>
+                  </a:rPr>
+                  <a:t>est basée sur la factorisation </a:t>
+                </a:r>
+                <a:r>
+                  <a:rPr lang="fr-FR" sz="2400" b="1" dirty="0">
+                    <a:latin typeface="Consolas" panose="020B0609020204030204" pitchFamily="49" charset="0"/>
+                  </a:rPr>
+                  <a:t>QR</a:t>
+                </a:r>
+                <a:r>
+                  <a:rPr lang="fr-FR" sz="2400" dirty="0" smtClean="0">
+                    <a:effectLst/>
+                    <a:latin typeface="+mj-lt"/>
+                  </a:rPr>
+                  <a:t> de la matrice </a:t>
+                </a:r>
+                <a:r>
+                  <a:rPr lang="fr-FR" sz="2400" b="1" dirty="0">
+                    <a:latin typeface="Consolas" panose="020B0609020204030204" pitchFamily="49" charset="0"/>
+                  </a:rPr>
+                  <a:t>M</a:t>
+                </a:r>
+                <a:r>
+                  <a:rPr lang="fr-FR" sz="2400" dirty="0" smtClean="0">
+                    <a:effectLst/>
+                    <a:latin typeface="+mj-lt"/>
+                  </a:rPr>
+                  <a:t> de dimension </a:t>
+                </a:r>
+                <a:r>
+                  <a:rPr lang="fr-FR" sz="2400" b="1" dirty="0">
+                    <a:latin typeface="Consolas" panose="020B0609020204030204" pitchFamily="49" charset="0"/>
+                  </a:rPr>
+                  <a:t>m × n </a:t>
+                </a:r>
+                <a:r>
+                  <a:rPr lang="fr-FR" sz="2400" dirty="0" smtClean="0">
+                    <a:effectLst/>
+                    <a:latin typeface="+mj-lt"/>
+                  </a:rPr>
+                  <a:t>avec </a:t>
+                </a:r>
+                <a:r>
+                  <a:rPr lang="fr-FR" sz="2400" b="1" dirty="0">
+                    <a:latin typeface="Consolas" panose="020B0609020204030204" pitchFamily="49" charset="0"/>
+                  </a:rPr>
+                  <a:t>m ≥ n, </a:t>
+                </a:r>
+                <a:r>
+                  <a:rPr lang="fr-FR" sz="2400" dirty="0" smtClean="0">
+                    <a:effectLst/>
+                    <a:latin typeface="+mj-lt"/>
+                  </a:rPr>
+                  <a:t>où </a:t>
+                </a:r>
+                <a:r>
+                  <a:rPr lang="fr-FR" sz="2400" b="1" dirty="0" smtClean="0">
+                    <a:effectLst/>
+                    <a:latin typeface="Consolas" panose="020B0609020204030204" pitchFamily="49" charset="0"/>
+                  </a:rPr>
+                  <a:t>Q</a:t>
+                </a:r>
+                <a:r>
+                  <a:rPr lang="fr-FR" sz="2400" dirty="0" smtClean="0">
+                    <a:effectLst/>
+                    <a:latin typeface="+mj-lt"/>
+                  </a:rPr>
+                  <a:t> est une matrice orthogonale d’ordre </a:t>
+                </a:r>
+                <a:r>
+                  <a:rPr lang="fr-FR" sz="2400" b="1" dirty="0">
+                    <a:latin typeface="Consolas" panose="020B0609020204030204" pitchFamily="49" charset="0"/>
+                  </a:rPr>
+                  <a:t>m</a:t>
+                </a:r>
+                <a:r>
+                  <a:rPr lang="fr-FR" sz="2400" dirty="0" smtClean="0">
+                    <a:effectLst/>
+                    <a:latin typeface="+mj-lt"/>
+                  </a:rPr>
+                  <a:t>, et </a:t>
+                </a:r>
+                <a:r>
+                  <a:rPr lang="fr-FR" sz="2400" b="1" dirty="0">
+                    <a:latin typeface="Consolas" panose="020B0609020204030204" pitchFamily="49" charset="0"/>
+                  </a:rPr>
+                  <a:t>R </a:t>
+                </a:r>
+                <a:r>
+                  <a:rPr lang="fr-FR" sz="2400" dirty="0" smtClean="0">
+                    <a:effectLst/>
+                    <a:latin typeface="+mj-lt"/>
+                  </a:rPr>
+                  <a:t>est triangulaire supérieure d’ordre </a:t>
+                </a:r>
+                <a:r>
+                  <a:rPr lang="fr-FR" sz="2400" b="1" dirty="0">
+                    <a:latin typeface="Consolas" panose="020B0609020204030204" pitchFamily="49" charset="0"/>
+                  </a:rPr>
+                  <a:t>n</a:t>
+                </a:r>
+                <a:r>
+                  <a:rPr lang="fr-FR" sz="2400" dirty="0" smtClean="0">
+                    <a:effectLst/>
+                    <a:latin typeface="+mj-lt"/>
+                  </a:rPr>
+                  <a:t>. </a:t>
+                </a:r>
+              </a:p>
+              <a:p>
+                <a:endParaRPr lang="fr-FR" sz="2400" dirty="0">
+                  <a:latin typeface="+mj-lt"/>
+                </a:endParaRPr>
+              </a:p>
+              <a:p>
+                <a:r>
+                  <a:rPr lang="fr-FR" sz="2400" dirty="0" smtClean="0">
+                    <a:effectLst/>
+                    <a:latin typeface="+mj-lt"/>
+                  </a:rPr>
+                  <a:t>Pour résoudre </a:t>
+                </a:r>
+                <a:r>
+                  <a:rPr lang="fr-FR" sz="2400" b="1" dirty="0" err="1" smtClean="0">
+                    <a:latin typeface="Consolas" panose="020B0609020204030204" pitchFamily="49" charset="0"/>
+                  </a:rPr>
+                  <a:t>Mx</a:t>
+                </a:r>
+                <a:r>
+                  <a:rPr lang="fr-FR" sz="2400" b="1" dirty="0" smtClean="0">
+                    <a:latin typeface="Consolas" panose="020B0609020204030204" pitchFamily="49" charset="0"/>
+                  </a:rPr>
+                  <a:t> </a:t>
+                </a:r>
+                <a:r>
+                  <a:rPr lang="fr-FR" sz="2400" b="1" dirty="0">
+                    <a:latin typeface="Consolas" panose="020B0609020204030204" pitchFamily="49" charset="0"/>
+                  </a:rPr>
+                  <a:t>= y, </a:t>
+                </a:r>
+                <a:r>
+                  <a:rPr lang="fr-FR" sz="2400" dirty="0" smtClean="0">
+                    <a:effectLst/>
+                    <a:latin typeface="+mj-lt"/>
+                  </a:rPr>
+                  <a:t>nous décomposons </a:t>
+                </a:r>
+                <a:r>
+                  <a:rPr lang="fr-FR" sz="2400" b="1" dirty="0">
+                    <a:latin typeface="Consolas" panose="020B0609020204030204" pitchFamily="49" charset="0"/>
+                  </a:rPr>
+                  <a:t>M</a:t>
+                </a:r>
+                <a:r>
+                  <a:rPr lang="fr-FR" sz="2400" dirty="0" smtClean="0">
+                    <a:effectLst/>
+                    <a:latin typeface="+mj-lt"/>
+                  </a:rPr>
+                  <a:t> en </a:t>
+                </a:r>
+                <a:r>
+                  <a:rPr lang="fr-FR" sz="2400" b="1" dirty="0">
+                    <a:latin typeface="Consolas" panose="020B0609020204030204" pitchFamily="49" charset="0"/>
+                  </a:rPr>
+                  <a:t>Q(R; 0). </a:t>
+                </a:r>
+              </a:p>
+              <a:p>
+                <a:r>
+                  <a:rPr lang="fr-FR" sz="2400" dirty="0" smtClean="0">
+                    <a:effectLst/>
+                    <a:latin typeface="+mj-lt"/>
+                  </a:rPr>
+                  <a:t>Nous résolvons </a:t>
+                </a:r>
+                <a:r>
+                  <a:rPr lang="fr-FR" sz="2400" b="1" dirty="0" err="1" smtClean="0">
+                    <a:effectLst/>
+                    <a:latin typeface="Consolas" panose="020B0609020204030204" pitchFamily="49" charset="0"/>
+                  </a:rPr>
+                  <a:t>Rx</a:t>
+                </a:r>
+                <a:r>
+                  <a:rPr lang="fr-FR" sz="2400" b="1" dirty="0" smtClean="0">
+                    <a:effectLst/>
+                    <a:latin typeface="Consolas" panose="020B0609020204030204" pitchFamily="49" charset="0"/>
+                  </a:rPr>
+                  <a:t> = z1 </a:t>
+                </a:r>
+                <a:r>
+                  <a:rPr lang="fr-FR" sz="2400" dirty="0" smtClean="0">
+                    <a:effectLst/>
+                    <a:latin typeface="+mj-lt"/>
+                  </a:rPr>
+                  <a:t>avec </a:t>
+                </a:r>
+                <a14:m>
+                  <m:oMath xmlns:m="http://schemas.openxmlformats.org/officeDocument/2006/math">
+                    <m:sSup>
+                      <m:sSupPr>
+                        <m:ctrlPr>
+                          <a:rPr lang="fr-FR" sz="2400" i="1" smtClean="0">
+                            <a:latin typeface="Cambria Math" panose="02040503050406030204" pitchFamily="18" charset="0"/>
+                          </a:rPr>
+                        </m:ctrlPr>
+                      </m:sSupPr>
+                      <m:e>
+                        <m:r>
+                          <m:rPr>
+                            <m:nor/>
+                          </m:rPr>
+                          <a:rPr lang="fr-FR" sz="2400" b="1" i="0" smtClean="0">
+                            <a:latin typeface="Cambria Math" panose="02040503050406030204" pitchFamily="18" charset="0"/>
+                          </a:rPr>
+                          <m:t>Q</m:t>
+                        </m:r>
+                      </m:e>
+                      <m:sup>
+                        <m:r>
+                          <a:rPr lang="fr-FR" sz="2400" b="0" i="1" smtClean="0">
+                            <a:latin typeface="Cambria Math" panose="02040503050406030204" pitchFamily="18" charset="0"/>
+                          </a:rPr>
+                          <m:t>𝑇</m:t>
+                        </m:r>
+                      </m:sup>
+                    </m:sSup>
+                  </m:oMath>
+                </a14:m>
+                <a:r>
+                  <a:rPr lang="fr-FR" sz="2400" b="1" dirty="0" smtClean="0">
+                    <a:latin typeface="Consolas" panose="020B0609020204030204" pitchFamily="49" charset="0"/>
+                  </a:rPr>
+                  <a:t>y </a:t>
+                </a:r>
+                <a:r>
+                  <a:rPr lang="fr-FR" sz="2400" b="1" dirty="0">
+                    <a:latin typeface="Consolas" panose="020B0609020204030204" pitchFamily="49" charset="0"/>
+                  </a:rPr>
+                  <a:t>= (z1; z2). </a:t>
+                </a:r>
+              </a:p>
+              <a:p>
+                <a:endParaRPr lang="fr-FR" sz="2400" dirty="0" smtClean="0">
+                  <a:latin typeface="+mj-lt"/>
+                </a:endParaRPr>
+              </a:p>
+              <a:p>
+                <a:r>
+                  <a:rPr lang="fr-FR" sz="2400" b="1" dirty="0" smtClean="0">
+                    <a:effectLst/>
+                  </a:rPr>
+                  <a:t>Avantages et inconvénients</a:t>
+                </a:r>
+                <a:endParaRPr lang="fr-FR" sz="2400" dirty="0">
+                  <a:latin typeface="+mj-lt"/>
+                </a:endParaRPr>
+              </a:p>
+              <a:p>
+                <a:r>
+                  <a:rPr lang="fr-FR" sz="2400" dirty="0" smtClean="0">
+                    <a:effectLst/>
+                    <a:latin typeface="+mj-lt"/>
+                  </a:rPr>
+                  <a:t>Cette méthode, bien que plus coûteuse que la précédente, est plus robuste au niveau algorithmique, et constitue la méthode de choix pour résoudre les problèmes inverses linéaires non aveugles de taille raisonnable (quelques centaines) avec un bon conditionnement.</a:t>
+                </a:r>
+                <a:endParaRPr lang="fr-FR" sz="2400" b="1" dirty="0" smtClean="0">
+                  <a:latin typeface="+mj-lt"/>
+                </a:endParaRPr>
+              </a:p>
+            </p:txBody>
+          </p:sp>
+        </mc:Choice>
+        <mc:Fallback>
+          <p:sp>
+            <p:nvSpPr>
+              <p:cNvPr id="2" name="Rectangle 1"/>
+              <p:cNvSpPr>
+                <a:spLocks noRot="1" noChangeAspect="1" noMove="1" noResize="1" noEditPoints="1" noAdjustHandles="1" noChangeArrowheads="1" noChangeShapeType="1" noTextEdit="1"/>
+              </p:cNvSpPr>
+              <p:nvPr/>
+            </p:nvSpPr>
+            <p:spPr>
+              <a:xfrm>
+                <a:off x="589280" y="1407612"/>
+                <a:ext cx="11176000" cy="4950330"/>
+              </a:xfrm>
+              <a:prstGeom prst="rect">
+                <a:avLst/>
+              </a:prstGeom>
+              <a:blipFill>
+                <a:blip r:embed="rId2"/>
+                <a:stretch>
+                  <a:fillRect l="-873" b="-739"/>
+                </a:stretch>
+              </a:blipFill>
+            </p:spPr>
+            <p:txBody>
+              <a:bodyPr/>
+              <a:lstStyle/>
+              <a:p>
+                <a:r>
+                  <a:rPr lang="fr-FR">
+                    <a:noFill/>
+                  </a:rPr>
+                  <a:t> </a:t>
+                </a:r>
+              </a:p>
+            </p:txBody>
+          </p:sp>
+        </mc:Fallback>
+      </mc:AlternateContent>
     </p:spTree>
     <p:extLst>
       <p:ext uri="{BB962C8B-B14F-4D97-AF65-F5344CB8AC3E}">
@@ -6330,6 +7204,253 @@
         <p:spPr>
           <a:xfrm>
             <a:off x="1117999" y="822837"/>
+            <a:ext cx="4128246" cy="584775"/>
+          </a:xfrm>
+          <a:prstGeom prst="rect">
+            <a:avLst/>
+          </a:prstGeom>
+        </p:spPr>
+        <p:txBody>
+          <a:bodyPr wrap="none">
+            <a:spAutoFit/>
+          </a:bodyPr>
+          <a:lstStyle/>
+          <a:p>
+            <a:r>
+              <a:rPr lang="fr-FR" sz="3200" b="1" dirty="0" smtClean="0"/>
+              <a:t>3.1</a:t>
+            </a:r>
+            <a:r>
+              <a:rPr lang="fr-FR" sz="3200" dirty="0" smtClean="0"/>
+              <a:t>. </a:t>
+            </a:r>
+            <a:r>
+              <a:rPr lang="fr-FR" sz="3200" b="1" dirty="0" smtClean="0"/>
+              <a:t>2. Factorisation QR</a:t>
+            </a:r>
+            <a:endParaRPr lang="fr-FR" sz="3200" b="1" dirty="0"/>
+          </a:p>
+        </p:txBody>
+      </p:sp>
+      <p:pic>
+        <p:nvPicPr>
+          <p:cNvPr id="4" name="Image 3"/>
+          <p:cNvPicPr>
+            <a:picLocks noChangeAspect="1"/>
+          </p:cNvPicPr>
+          <p:nvPr/>
+        </p:nvPicPr>
+        <p:blipFill>
+          <a:blip r:embed="rId2"/>
+          <a:stretch>
+            <a:fillRect/>
+          </a:stretch>
+        </p:blipFill>
+        <p:spPr>
+          <a:xfrm>
+            <a:off x="2032000" y="1659890"/>
+            <a:ext cx="8067675" cy="4229100"/>
+          </a:xfrm>
+          <a:prstGeom prst="rect">
+            <a:avLst/>
+          </a:prstGeom>
+        </p:spPr>
+      </p:pic>
+    </p:spTree>
+    <p:extLst>
+      <p:ext uri="{BB962C8B-B14F-4D97-AF65-F5344CB8AC3E}">
+        <p14:creationId xmlns:p14="http://schemas.microsoft.com/office/powerpoint/2010/main" val="2916394758"/>
+      </p:ext>
+    </p:extLst>
+  </p:cSld>
+  <p:clrMapOvr>
+    <a:masterClrMapping/>
+  </p:clrMapOvr>
+</p:sld>
+</file>
+
+<file path=ppt/slides/slide2.xml><?xml version="1.0" encoding="utf-8"?>
+<p:sld xmlns:a="http://schemas.openxmlformats.org/drawingml/2006/main" xmlns:r="http://schemas.openxmlformats.org/officeDocument/2006/relationships" xmlns:p="http://schemas.openxmlformats.org/presentationml/2006/main">
+  <p:cSld>
+    <p:spTree>
+      <p:nvGrpSpPr>
+        <p:cNvPr id="1" name=""/>
+        <p:cNvGrpSpPr/>
+        <p:nvPr/>
+      </p:nvGrpSpPr>
+      <p:grpSpPr>
+        <a:xfrm>
+          <a:off x="0" y="0"/>
+          <a:ext cx="0" cy="0"/>
+          <a:chOff x="0" y="0"/>
+          <a:chExt cx="0" cy="0"/>
+        </a:xfrm>
+      </p:grpSpPr>
+      <p:sp>
+        <p:nvSpPr>
+          <p:cNvPr id="2" name="Titre 1"/>
+          <p:cNvSpPr>
+            <a:spLocks noGrp="1"/>
+          </p:cNvSpPr>
+          <p:nvPr>
+            <p:ph type="ctrTitle"/>
+          </p:nvPr>
+        </p:nvSpPr>
+        <p:spPr>
+          <a:xfrm>
+            <a:off x="1524000" y="1046480"/>
+            <a:ext cx="9144000" cy="1823321"/>
+          </a:xfrm>
+          <a:ln w="3175">
+            <a:solidFill>
+              <a:schemeClr val="tx1"/>
+            </a:solidFill>
+          </a:ln>
+        </p:spPr>
+        <p:txBody>
+          <a:bodyPr>
+            <a:normAutofit/>
+          </a:bodyPr>
+          <a:lstStyle/>
+          <a:p>
+            <a:r>
+              <a:rPr lang="fr-FR" sz="4800" b="1" dirty="0" smtClean="0"/>
+              <a:t>Chapitre 1</a:t>
+            </a:r>
+            <a:r>
+              <a:rPr lang="fr-FR" b="1" dirty="0"/>
+              <a:t/>
+            </a:r>
+            <a:br>
+              <a:rPr lang="fr-FR" b="1" dirty="0"/>
+            </a:br>
+            <a:r>
+              <a:rPr lang="fr-FR" b="1" dirty="0" smtClean="0"/>
+              <a:t>LES PROBLEMES INVERSES</a:t>
+            </a:r>
+            <a:endParaRPr lang="fr-FR" b="1" dirty="0"/>
+          </a:p>
+        </p:txBody>
+      </p:sp>
+      <p:sp>
+        <p:nvSpPr>
+          <p:cNvPr id="3" name="Sous-titre 2"/>
+          <p:cNvSpPr>
+            <a:spLocks noGrp="1"/>
+          </p:cNvSpPr>
+          <p:nvPr>
+            <p:ph type="subTitle" idx="1"/>
+          </p:nvPr>
+        </p:nvSpPr>
+        <p:spPr/>
+        <p:txBody>
+          <a:bodyPr/>
+          <a:lstStyle/>
+          <a:p>
+            <a:r>
+              <a:rPr lang="fr-FR" dirty="0" smtClean="0"/>
+              <a:t>Notions générales sur les Problèmes Inverses;</a:t>
+            </a:r>
+          </a:p>
+          <a:p>
+            <a:r>
+              <a:rPr lang="fr-FR" dirty="0" smtClean="0"/>
+              <a:t>Quelques méthodes de résolutions des problèmes inverses</a:t>
+            </a:r>
+          </a:p>
+          <a:p>
+            <a:r>
+              <a:rPr lang="fr-FR" dirty="0" smtClean="0"/>
+              <a:t>Lien avec le ML</a:t>
+            </a:r>
+          </a:p>
+          <a:p>
+            <a:endParaRPr lang="fr-FR" dirty="0"/>
+          </a:p>
+        </p:txBody>
+      </p:sp>
+    </p:spTree>
+    <p:extLst>
+      <p:ext uri="{BB962C8B-B14F-4D97-AF65-F5344CB8AC3E}">
+        <p14:creationId xmlns:p14="http://schemas.microsoft.com/office/powerpoint/2010/main" val="1458400685"/>
+      </p:ext>
+    </p:extLst>
+  </p:cSld>
+  <p:clrMapOvr>
+    <a:masterClrMapping/>
+  </p:clrMapOvr>
+  <p:timing>
+    <p:tnLst>
+      <p:par>
+        <p:cTn id="1" dur="indefinite" restart="never" nodeType="tmRoot"/>
+      </p:par>
+    </p:tnLst>
+  </p:timing>
+</p:sld>
+</file>
+
+<file path=ppt/slides/slide20.xml><?xml version="1.0" encoding="utf-8"?>
+<p:sld xmlns:a="http://schemas.openxmlformats.org/drawingml/2006/main" xmlns:r="http://schemas.openxmlformats.org/officeDocument/2006/relationships" xmlns:p="http://schemas.openxmlformats.org/presentationml/2006/main">
+  <p:cSld>
+    <p:spTree>
+      <p:nvGrpSpPr>
+        <p:cNvPr id="1" name=""/>
+        <p:cNvGrpSpPr/>
+        <p:nvPr/>
+      </p:nvGrpSpPr>
+      <p:grpSpPr>
+        <a:xfrm>
+          <a:off x="0" y="0"/>
+          <a:ext cx="0" cy="0"/>
+          <a:chOff x="0" y="0"/>
+          <a:chExt cx="0" cy="0"/>
+        </a:xfrm>
+      </p:grpSpPr>
+      <p:sp>
+        <p:nvSpPr>
+          <p:cNvPr id="5" name="Rectangle 4"/>
+          <p:cNvSpPr/>
+          <p:nvPr/>
+        </p:nvSpPr>
+        <p:spPr>
+          <a:xfrm>
+            <a:off x="2032000" y="96819"/>
+            <a:ext cx="8260080" cy="1077218"/>
+          </a:xfrm>
+          <a:prstGeom prst="rect">
+            <a:avLst/>
+          </a:prstGeom>
+        </p:spPr>
+        <p:txBody>
+          <a:bodyPr wrap="square">
+            <a:spAutoFit/>
+          </a:bodyPr>
+          <a:lstStyle/>
+          <a:p>
+            <a:r>
+              <a:rPr lang="fr-FR" sz="3200" b="1" dirty="0" smtClean="0"/>
+              <a:t>3. METHODES DE RESOLUTION DES PI</a:t>
+            </a:r>
+            <a:r>
+              <a:rPr lang="fr-FR" sz="3200" b="1" dirty="0"/>
+              <a:t/>
+            </a:r>
+            <a:br>
+              <a:rPr lang="fr-FR" sz="3200" b="1" dirty="0"/>
+            </a:br>
+            <a:endParaRPr lang="fr-FR" sz="3200" b="1" dirty="0"/>
+          </a:p>
+        </p:txBody>
+      </p:sp>
+      <p:sp>
+        <p:nvSpPr>
+          <p:cNvPr id="6" name="Rectangle 5"/>
+          <p:cNvSpPr/>
+          <p:nvPr/>
+        </p:nvSpPr>
+        <p:spPr>
+          <a:xfrm>
+            <a:off x="1117999" y="822837"/>
             <a:ext cx="4679679" cy="584775"/>
           </a:xfrm>
           <a:prstGeom prst="rect">
@@ -6356,18 +7477,14 @@
             </a:r>
             <a:r>
               <a:rPr lang="fr-FR" sz="3200" b="1" dirty="0" smtClean="0"/>
-              <a:t>. </a:t>
-            </a:r>
-            <a:r>
-              <a:rPr lang="fr-FR" sz="3200" b="1" dirty="0" smtClean="0"/>
-              <a:t>Décomposition SVD</a:t>
+              <a:t>. Décomposition SVD</a:t>
             </a:r>
             <a:endParaRPr lang="fr-FR" sz="3200" b="1" dirty="0"/>
           </a:p>
         </p:txBody>
       </p:sp>
-      <mc:AlternateContent xmlns:mc="http://schemas.openxmlformats.org/markup-compatibility/2006">
-        <mc:Choice xmlns:a14="http://schemas.microsoft.com/office/drawing/2010/main" Requires="a14">
+      <mc:AlternateContent xmlns:mc="http://schemas.openxmlformats.org/markup-compatibility/2006" xmlns:a14="http://schemas.microsoft.com/office/drawing/2010/main">
+        <mc:Choice Requires="a14">
           <p:sp>
             <p:nvSpPr>
               <p:cNvPr id="2" name="Rectangle 1"/>
@@ -6453,7 +7570,19 @@
                   <a:rPr lang="fr-FR" sz="2400" b="1" dirty="0">
                     <a:latin typeface="Consolas" panose="020B0609020204030204" pitchFamily="49" charset="0"/>
                   </a:rPr>
-                  <a:t>M = U ΣV T </a:t>
+                  <a:t>M = </a:t>
+                </a:r>
+                <a:r>
+                  <a:rPr lang="fr-FR" sz="2400" b="1" dirty="0" smtClean="0">
+                    <a:latin typeface="Consolas" panose="020B0609020204030204" pitchFamily="49" charset="0"/>
+                  </a:rPr>
+                  <a:t>UΣV </a:t>
+                </a:r>
+                <a:r>
+                  <a:rPr lang="fr-FR" sz="2400" b="1" dirty="0">
+                    <a:latin typeface="Consolas" panose="020B0609020204030204" pitchFamily="49" charset="0"/>
+                  </a:rPr>
+                  <a:t>T </a:t>
                 </a:r>
                 <a:r>
                   <a:rPr lang="fr-FR" sz="2400" dirty="0" smtClean="0">
@@ -6590,6 +7719,7 @@
                 </a:endParaRPr>
               </a:p>
               <a:p>
+                <a:pPr/>
                 <a14:m>
                   <m:oMathPara xmlns:m="http://schemas.openxmlformats.org/officeDocument/2006/math">
                     <m:oMathParaPr>
@@ -6599,8 +7729,8 @@
                       <m:sSubSup>
                         <m:sSubSupPr>
                           <m:ctrlPr>
-                            <a:rPr lang="fr-FR" sz="2400" b="1">
-                              <a:latin typeface="Consolas" panose="020B0609020204030204" pitchFamily="49" charset="0"/>
+                            <a:rPr lang="fr-FR" sz="2400" b="1" i="1">
+                              <a:latin typeface="Cambria Math" panose="02040503050406030204" pitchFamily="18" charset="0"/>
                             </a:rPr>
                           </m:ctrlPr>
                         </m:sSubSupPr>
@@ -6672,7 +7802,7 @@
                         <m:sub>
                           <m:r>
                             <a:rPr lang="fr-FR" sz="2400" b="1">
-                              <a:latin typeface="Consolas" panose="020B0609020204030204" pitchFamily="49" charset="0"/>
+                              <a:latin typeface="Cambria Math" panose="02040503050406030204" pitchFamily="18" charset="0"/>
                             </a:rPr>
                             <m:t>𝟐</m:t>
                           </m:r>
@@ -6680,7 +7810,7 @@
                         <m:sup>
                           <m:r>
                             <a:rPr lang="fr-FR" sz="2400" b="1">
-                              <a:latin typeface="Consolas" panose="020B0609020204030204" pitchFamily="49" charset="0"/>
+                              <a:latin typeface="Cambria Math" panose="02040503050406030204" pitchFamily="18" charset="0"/>
                             </a:rPr>
                             <m:t>𝟐</m:t>
                           </m:r>
@@ -6688,15 +7818,15 @@
                       </m:sSubSup>
                       <m:r>
                         <a:rPr lang="fr-FR" sz="2400" b="1">
-                          <a:latin typeface="Consolas" panose="020B0609020204030204" pitchFamily="49" charset="0"/>
+                          <a:latin typeface="Cambria Math" panose="02040503050406030204" pitchFamily="18" charset="0"/>
                         </a:rPr>
                         <m:t>=</m:t>
                       </m:r>
                       <m:sSubSup>
                         <m:sSubSupPr>
                           <m:ctrlPr>
-                            <a:rPr lang="fr-FR" sz="2400" b="1">
-                              <a:latin typeface="Consolas" panose="020B0609020204030204" pitchFamily="49" charset="0"/>
+                            <a:rPr lang="fr-FR" sz="2400" b="1" i="1">
+                              <a:latin typeface="Cambria Math" panose="02040503050406030204" pitchFamily="18" charset="0"/>
                             </a:rPr>
                           </m:ctrlPr>
                         </m:sSubSupPr>
@@ -6804,7 +7934,7 @@
                         <m:sub>
                           <m:r>
                             <a:rPr lang="fr-FR" sz="2400" b="1">
-                              <a:latin typeface="Consolas" panose="020B0609020204030204" pitchFamily="49" charset="0"/>
+                              <a:latin typeface="Cambria Math" panose="02040503050406030204" pitchFamily="18" charset="0"/>
                             </a:rPr>
                             <m:t>𝟐</m:t>
                           </m:r>
@@ -6812,7 +7942,7 @@
                         <m:sup>
                           <m:r>
                             <a:rPr lang="fr-FR" sz="2400" b="1">
-                              <a:latin typeface="Consolas" panose="020B0609020204030204" pitchFamily="49" charset="0"/>
+                              <a:latin typeface="Cambria Math" panose="02040503050406030204" pitchFamily="18" charset="0"/>
                             </a:rPr>
                             <m:t>𝟐</m:t>
                           </m:r>
@@ -6820,15 +7950,15 @@
                       </m:sSubSup>
                       <m:r>
                         <a:rPr lang="fr-FR" sz="2400" b="1">
-                          <a:latin typeface="Consolas" panose="020B0609020204030204" pitchFamily="49" charset="0"/>
+                          <a:latin typeface="Cambria Math" panose="02040503050406030204" pitchFamily="18" charset="0"/>
                         </a:rPr>
                         <m:t>=</m:t>
                       </m:r>
                       <m:sSubSup>
                         <m:sSubSupPr>
                           <m:ctrlPr>
-                            <a:rPr lang="fr-FR" sz="2400" b="1">
-                              <a:latin typeface="Consolas" panose="020B0609020204030204" pitchFamily="49" charset="0"/>
+                            <a:rPr lang="fr-FR" sz="2400" b="1" i="1">
+                              <a:latin typeface="Cambria Math" panose="02040503050406030204" pitchFamily="18" charset="0"/>
                             </a:rPr>
                           </m:ctrlPr>
                         </m:sSubSupPr>
@@ -6936,7 +8066,7 @@
                         <m:sub>
                           <m:r>
                             <a:rPr lang="fr-FR" sz="2400" b="1">
-                              <a:latin typeface="Consolas" panose="020B0609020204030204" pitchFamily="49" charset="0"/>
+                              <a:latin typeface="Cambria Math" panose="02040503050406030204" pitchFamily="18" charset="0"/>
                             </a:rPr>
                             <m:t>𝟐</m:t>
                           </m:r>
@@ -6944,7 +8074,7 @@
                         <m:sup>
                           <m:r>
                             <a:rPr lang="fr-FR" sz="2400" b="1">
-                              <a:latin typeface="Consolas" panose="020B0609020204030204" pitchFamily="49" charset="0"/>
+                              <a:latin typeface="Cambria Math" panose="02040503050406030204" pitchFamily="18" charset="0"/>
                             </a:rPr>
                             <m:t>𝟐</m:t>
                           </m:r>
@@ -6960,7 +8090,7 @@
             </p:txBody>
           </p:sp>
         </mc:Choice>
-        <mc:Fallback>
+        <mc:Fallback xmlns="">
           <p:sp>
             <p:nvSpPr>
               <p:cNvPr id="2" name="Rectangle 1"/>
@@ -7012,127 +8142,7 @@
 </p:sld>
 </file>
 
-<file path=ppt/slides/slide2.xml><?xml version="1.0" encoding="utf-8"?>
-<p:sld xmlns:a="http://schemas.openxmlformats.org/drawingml/2006/main" xmlns:r="http://schemas.openxmlformats.org/officeDocument/2006/relationships" xmlns:p="http://schemas.openxmlformats.org/presentationml/2006/main">
-  <p:cSld>
-    <p:spTree>
-      <p:nvGrpSpPr>
-        <p:cNvPr id="1" name=""/>
-        <p:cNvGrpSpPr/>
-        <p:nvPr/>
-      </p:nvGrpSpPr>
-      <p:grpSpPr>
-        <a:xfrm>
-          <a:off x="0" y="0"/>
-          <a:ext cx="0" cy="0"/>
-          <a:chOff x="0" y="0"/>
-          <a:chExt cx="0" cy="0"/>
-        </a:xfrm>
-      </p:grpSpPr>
-      <p:sp>
-        <p:nvSpPr>
-          <p:cNvPr id="2" name="Titre 1"/>
-          <p:cNvSpPr>
-            <a:spLocks noGrp="1"/>
-          </p:cNvSpPr>
-          <p:nvPr>
-            <p:ph type="ctrTitle"/>
-          </p:nvPr>
-        </p:nvSpPr>
-        <p:spPr>
-          <a:xfrm>
-            <a:off x="1524000" y="1046480"/>
-            <a:ext cx="9144000" cy="1823321"/>
-          </a:xfrm>
-          <a:ln w="3175">
-            <a:solidFill>
-              <a:schemeClr val="tx1"/>
-            </a:solidFill>
-          </a:ln>
-        </p:spPr>
-        <p:txBody>
-          <a:bodyPr>
-            <a:normAutofit/>
-          </a:bodyPr>
-          <a:lstStyle/>
-          <a:p>
-            <a:r>
-              <a:rPr lang="fr-FR" sz="4800" b="1" dirty="0" smtClean="0"/>
-              <a:t>Chapitre 1</a:t>
-            </a:r>
-            <a:r>
-              <a:rPr lang="fr-FR" b="1" dirty="0"/>
-              <a:t/>
-            </a:r>
-            <a:br>
-              <a:rPr lang="fr-FR" b="1" dirty="0"/>
-            </a:br>
-            <a:r>
-              <a:rPr lang="fr-FR" b="1" dirty="0" smtClean="0"/>
-              <a:t>LES PROBLEMES INVERSES</a:t>
-            </a:r>
-            <a:endParaRPr lang="fr-FR" b="1" dirty="0"/>
-          </a:p>
-        </p:txBody>
-      </p:sp>
-      <p:sp>
-        <p:nvSpPr>
-          <p:cNvPr id="3" name="Sous-titre 2"/>
-          <p:cNvSpPr>
-            <a:spLocks noGrp="1"/>
-          </p:cNvSpPr>
-          <p:nvPr>
-            <p:ph type="subTitle" idx="1"/>
-          </p:nvPr>
-        </p:nvSpPr>
-        <p:spPr/>
-        <p:txBody>
-          <a:bodyPr/>
-          <a:lstStyle/>
-          <a:p>
-            <a:r>
-              <a:rPr lang="fr-FR" dirty="0" smtClean="0"/>
-              <a:t>Notions générales sur les Problèmes Inverses;</a:t>
-            </a:r>
-          </a:p>
-          <a:p>
-            <a:r>
-              <a:rPr lang="fr-FR" dirty="0" smtClean="0"/>
-              <a:t>Quelques méthodes de résolutions des problèmes inverses</a:t>
-            </a:r>
-          </a:p>
-          <a:p>
-            <a:r>
-              <a:rPr lang="fr-FR" dirty="0" smtClean="0"/>
-              <a:t>Lien avec le ML</a:t>
-            </a:r>
-          </a:p>
-          <a:p>
-            <a:endParaRPr lang="fr-FR" dirty="0"/>
-          </a:p>
-        </p:txBody>
-      </p:sp>
-    </p:spTree>
-    <p:extLst>
-      <p:ext uri="{BB962C8B-B14F-4D97-AF65-F5344CB8AC3E}">
-        <p14:creationId xmlns:p14="http://schemas.microsoft.com/office/powerpoint/2010/main" val="1458400685"/>
-      </p:ext>
-    </p:extLst>
-  </p:cSld>
-  <p:clrMapOvr>
-    <a:masterClrMapping/>
-  </p:clrMapOvr>
-  <p:timing>
-    <p:tnLst>
-      <p:par>
-        <p:cTn id="1" dur="indefinite" restart="never" nodeType="tmRoot"/>
-      </p:par>
-    </p:tnLst>
-  </p:timing>
-</p:sld>
-</file>
-
-<file path=ppt/slides/slide20.xml><?xml version="1.0" encoding="utf-8"?>
+<file path=ppt/slides/slide21.xml><?xml version="1.0" encoding="utf-8"?>
 <p:sld xmlns:a="http://schemas.openxmlformats.org/drawingml/2006/main" xmlns:r="http://schemas.openxmlformats.org/officeDocument/2006/relationships" xmlns:p="http://schemas.openxmlformats.org/presentationml/2006/main">
   <p:cSld>
     <p:spTree>
@@ -7220,18 +8230,14 @@
             </a:r>
             <a:r>
               <a:rPr lang="fr-FR" sz="3200" b="1" dirty="0" smtClean="0"/>
-              <a:t>. </a:t>
-            </a:r>
-            <a:r>
-              <a:rPr lang="fr-FR" sz="3200" b="1" dirty="0" smtClean="0"/>
-              <a:t>Décomposition SVD</a:t>
+              <a:t>. Décomposition SVD</a:t>
             </a:r>
             <a:endParaRPr lang="fr-FR" sz="3200" b="1" dirty="0"/>
           </a:p>
         </p:txBody>
       </p:sp>
-      <mc:AlternateContent xmlns:mc="http://schemas.openxmlformats.org/markup-compatibility/2006">
-        <mc:Choice xmlns:a14="http://schemas.microsoft.com/office/drawing/2010/main" Requires="a14">
+      <mc:AlternateContent xmlns:mc="http://schemas.openxmlformats.org/markup-compatibility/2006" xmlns:a14="http://schemas.microsoft.com/office/drawing/2010/main">
+        <mc:Choice Requires="a14">
           <p:sp>
             <p:nvSpPr>
               <p:cNvPr id="2" name="Rectangle 1"/>
@@ -7241,7 +8247,7 @@
             <p:spPr>
               <a:xfrm>
                 <a:off x="325120" y="1407612"/>
-                <a:ext cx="11424920" cy="4893647"/>
+                <a:ext cx="11424920" cy="5289140"/>
               </a:xfrm>
               <a:prstGeom prst="rect">
                 <a:avLst/>
@@ -7253,14 +8259,8 @@
               </a:bodyPr>
               <a:lstStyle/>
               <a:p>
-                <a:endParaRPr lang="fr-FR" sz="2400" dirty="0" smtClean="0">
-                  <a:effectLst/>
-                  <a:latin typeface="+mj-lt"/>
-                </a:endParaRPr>
-              </a:p>
-              <a:p>
-                <a:r>
-                  <a:rPr lang="fr-FR" sz="2400" dirty="0">
+                <a:r>
+                  <a:rPr lang="fr-FR" sz="2400" dirty="0" smtClean="0">
                     <a:latin typeface="+mj-lt"/>
                   </a:rPr>
                   <a:t>P</a:t>
@@ -7289,7 +8289,45 @@
                   <a:rPr lang="fr-FR" sz="2400" b="1" dirty="0">
                     <a:latin typeface="Consolas" panose="020B0609020204030204" pitchFamily="49" charset="0"/>
                   </a:rPr>
-                  <a:t>w = U T y</a:t>
+                  <a:t>w = </a:t>
+                </a:r>
+                <a14:m>
+                  <m:oMath xmlns:m="http://schemas.openxmlformats.org/officeDocument/2006/math">
+                    <m:sSup>
+                      <m:sSupPr>
+                        <m:ctrlPr>
+                          <a:rPr lang="fr-FR" sz="2400" i="1" smtClean="0">
+                            <a:latin typeface="Cambria Math" panose="02040503050406030204" pitchFamily="18" charset="0"/>
+                          </a:rPr>
+                        </m:ctrlPr>
+                      </m:sSupPr>
+                      <m:e>
+                        <m:r>
+                          <m:rPr>
+                            <m:nor/>
+                          </m:rPr>
+                          <a:rPr lang="fr-FR" sz="2400" b="1" i="0" smtClean="0">
+                            <a:latin typeface="Cambria Math" panose="02040503050406030204" pitchFamily="18" charset="0"/>
+                          </a:rPr>
+                          <m:t>U</m:t>
+                        </m:r>
+                      </m:e>
+                      <m:sup>
+                        <m:r>
+                          <a:rPr lang="fr-FR" sz="2400" b="0" i="1" smtClean="0">
+                            <a:latin typeface="Cambria Math" panose="02040503050406030204" pitchFamily="18" charset="0"/>
+                          </a:rPr>
+                          <m:t>𝑇</m:t>
+                        </m:r>
+                      </m:sup>
+                    </m:sSup>
+                  </m:oMath>
+                </a14:m>
+                <a:r>
+                  <a:rPr lang="fr-FR" sz="2400" b="1" dirty="0" smtClean="0">
+                    <a:latin typeface="Consolas" panose="020B0609020204030204" pitchFamily="49" charset="0"/>
+                  </a:rPr>
+                  <a:t>y</a:t>
                 </a:r>
                 <a:r>
                   <a:rPr lang="fr-FR" sz="2400" dirty="0" smtClean="0">
@@ -7302,7 +8340,45 @@
                   <a:rPr lang="fr-FR" sz="2400" b="1" dirty="0">
                     <a:latin typeface="Consolas" panose="020B0609020204030204" pitchFamily="49" charset="0"/>
                   </a:rPr>
-                  <a:t>z = V T x</a:t>
+                  <a:t>z = </a:t>
+                </a:r>
+                <a14:m>
+                  <m:oMath xmlns:m="http://schemas.openxmlformats.org/officeDocument/2006/math">
+                    <m:sSup>
+                      <m:sSupPr>
+                        <m:ctrlPr>
+                          <a:rPr lang="fr-FR" sz="2400" i="1" smtClean="0">
+                            <a:latin typeface="Cambria Math" panose="02040503050406030204" pitchFamily="18" charset="0"/>
+                          </a:rPr>
+                        </m:ctrlPr>
+                      </m:sSupPr>
+                      <m:e>
+                        <m:r>
+                          <m:rPr>
+                            <m:nor/>
+                          </m:rPr>
+                          <a:rPr lang="fr-FR" sz="2400" b="1" i="0" smtClean="0">
+                            <a:latin typeface="Cambria Math" panose="02040503050406030204" pitchFamily="18" charset="0"/>
+                          </a:rPr>
+                          <m:t>V</m:t>
+                        </m:r>
+                      </m:e>
+                      <m:sup>
+                        <m:r>
+                          <a:rPr lang="fr-FR" sz="2400" b="0" i="1" smtClean="0">
+                            <a:latin typeface="Cambria Math" panose="02040503050406030204" pitchFamily="18" charset="0"/>
+                          </a:rPr>
+                          <m:t>𝑇</m:t>
+                        </m:r>
+                      </m:sup>
+                    </m:sSup>
+                  </m:oMath>
+                </a14:m>
+                <a:r>
+                  <a:rPr lang="fr-FR" sz="2400" b="1" dirty="0" smtClean="0">
+                    <a:latin typeface="Consolas" panose="020B0609020204030204" pitchFamily="49" charset="0"/>
+                  </a:rPr>
+                  <a:t>x</a:t>
                 </a:r>
                 <a:r>
                   <a:rPr lang="fr-FR" sz="2400" dirty="0" smtClean="0">
@@ -7310,68 +8386,6 @@
                     <a:latin typeface="+mj-lt"/>
                   </a:rPr>
                   <a:t>, nous avons donc</a:t>
-                </a:r>
-              </a:p>
-              <a:p>
-                <a:r>
-                  <a:rPr lang="fr-FR" sz="2400" b="1" dirty="0">
-                    <a:latin typeface="Consolas" panose="020B0609020204030204" pitchFamily="49" charset="0"/>
-                  </a:rPr>
-                  <a:t>‖M x − y‖22 = ‖</a:t>
-                </a:r>
-                <a:r>
-                  <a:rPr lang="fr-FR" sz="2400" b="1" dirty="0" err="1">
-                    <a:latin typeface="Consolas" panose="020B0609020204030204" pitchFamily="49" charset="0"/>
-                  </a:rPr>
-                  <a:t>Σz</a:t>
-                </a:r>
-                <a:r>
-                  <a:rPr lang="fr-FR" sz="2400" b="1" dirty="0">
-                    <a:latin typeface="Consolas" panose="020B0609020204030204" pitchFamily="49" charset="0"/>
-                  </a:rPr>
-                  <a:t> − w‖22 =</a:t>
-                </a:r>
-                <a:r>
-                  <a:rPr lang="fr-FR" sz="2400" b="1" dirty="0" err="1">
-                    <a:latin typeface="Consolas" panose="020B0609020204030204" pitchFamily="49" charset="0"/>
-                  </a:rPr>
-                  <a:t>r∑i</a:t>
-                </a:r>
-                <a:r>
-                  <a:rPr lang="fr-FR" sz="2400" b="1" dirty="0">
-                    <a:latin typeface="Consolas" panose="020B0609020204030204" pitchFamily="49" charset="0"/>
-                  </a:rPr>
-                  <a:t>=1(</a:t>
-                </a:r>
-                <a:r>
-                  <a:rPr lang="fr-FR" sz="2400" b="1" dirty="0" err="1">
-                    <a:latin typeface="Consolas" panose="020B0609020204030204" pitchFamily="49" charset="0"/>
-                  </a:rPr>
-                  <a:t>σizi</a:t>
-                </a:r>
-                <a:r>
-                  <a:rPr lang="fr-FR" sz="2400" b="1" dirty="0">
-                    <a:latin typeface="Consolas" panose="020B0609020204030204" pitchFamily="49" charset="0"/>
-                  </a:rPr>
-                  <a:t> − </a:t>
-                </a:r>
-                <a:r>
-                  <a:rPr lang="fr-FR" sz="2400" b="1" dirty="0" err="1">
-                    <a:latin typeface="Consolas" panose="020B0609020204030204" pitchFamily="49" charset="0"/>
-                  </a:rPr>
-                  <a:t>wi</a:t>
-                </a:r>
-                <a:r>
-                  <a:rPr lang="fr-FR" sz="2400" b="1" dirty="0">
-                    <a:latin typeface="Consolas" panose="020B0609020204030204" pitchFamily="49" charset="0"/>
-                  </a:rPr>
-                  <a:t>)2</a:t>
-                </a:r>
-                <a:r>
-                  <a:rPr lang="fr-FR" sz="2400" b="1" dirty="0" smtClean="0">
-                    <a:latin typeface="Consolas" panose="020B0609020204030204" pitchFamily="49" charset="0"/>
-                  </a:rPr>
-                  <a:t>.</a:t>
                 </a:r>
               </a:p>
               <a:p>
@@ -7402,25 +8416,7 @@
                           <a:rPr lang="fr-FR" sz="2400" b="1" dirty="0">
                             <a:latin typeface="Consolas" panose="020B0609020204030204" pitchFamily="49" charset="0"/>
                           </a:rPr>
-                          <m:t>M</m:t>
-                        </m:r>
-                        <m:r>
-                          <m:rPr>
-                            <m:nor/>
-                          </m:rPr>
-                          <a:rPr lang="fr-FR" sz="2400" b="1" dirty="0">
-                            <a:latin typeface="Consolas" panose="020B0609020204030204" pitchFamily="49" charset="0"/>
-                          </a:rPr>
-                          <m:t> </m:t>
-                        </m:r>
-                        <m:r>
-                          <m:rPr>
-                            <m:nor/>
-                          </m:rPr>
-                          <a:rPr lang="fr-FR" sz="2400" b="1" dirty="0">
-                            <a:latin typeface="Consolas" panose="020B0609020204030204" pitchFamily="49" charset="0"/>
-                          </a:rPr>
-                          <m:t>x</m:t>
+                          <m:t>Mx</m:t>
                         </m:r>
                         <m:r>
                           <m:rPr>
@@ -7556,25 +8552,94 @@
                       </m:sup>
                     </m:sSubSup>
                     <m:r>
-                      <a:rPr lang="fr-FR" sz="2400" b="1">
+                      <a:rPr lang="fr-FR" sz="2400" b="1" i="1" smtClean="0">
                         <a:latin typeface="Cambria Math" panose="02040503050406030204" pitchFamily="18" charset="0"/>
                       </a:rPr>
-                      <m:t>=</m:t>
+                      <m:t>= </m:t>
                     </m:r>
+                    <m:nary>
+                      <m:naryPr>
+                        <m:chr m:val="∑"/>
+                        <m:ctrlPr>
+                          <a:rPr lang="fr-FR" sz="2400" b="1" i="1" smtClean="0">
+                            <a:latin typeface="Cambria Math" panose="02040503050406030204" pitchFamily="18" charset="0"/>
+                          </a:rPr>
+                        </m:ctrlPr>
+                      </m:naryPr>
+                      <m:sub>
+                        <m:r>
+                          <m:rPr>
+                            <m:brk m:alnAt="23"/>
+                          </m:rPr>
+                          <a:rPr lang="fr-FR" sz="2400" b="1" i="1" smtClean="0">
+                            <a:latin typeface="Cambria Math" panose="02040503050406030204" pitchFamily="18" charset="0"/>
+                          </a:rPr>
+                          <m:t>𝒊</m:t>
+                        </m:r>
+                        <m:r>
+                          <a:rPr lang="fr-FR" sz="2400" b="1" i="1" smtClean="0">
+                            <a:latin typeface="Cambria Math" panose="02040503050406030204" pitchFamily="18" charset="0"/>
+                          </a:rPr>
+                          <m:t>=</m:t>
+                        </m:r>
+                        <m:r>
+                          <a:rPr lang="fr-FR" sz="2400" b="1" i="1" smtClean="0">
+                            <a:latin typeface="Cambria Math" panose="02040503050406030204" pitchFamily="18" charset="0"/>
+                          </a:rPr>
+                          <m:t>𝟏</m:t>
+                        </m:r>
+                      </m:sub>
+                      <m:sup>
+                        <m:r>
+                          <a:rPr lang="fr-FR" sz="2400" b="1" i="1" smtClean="0">
+                            <a:latin typeface="Cambria Math" panose="02040503050406030204" pitchFamily="18" charset="0"/>
+                          </a:rPr>
+                          <m:t>𝒓</m:t>
+                        </m:r>
+                      </m:sup>
+                      <m:e>
+                        <m:r>
+                          <a:rPr lang="fr-FR" sz="2400" b="1" i="1" smtClean="0">
+                            <a:latin typeface="Cambria Math" panose="02040503050406030204" pitchFamily="18" charset="0"/>
+                          </a:rPr>
+                          <m:t>(</m:t>
+                        </m:r>
+                        <m:r>
+                          <m:rPr>
+                            <m:nor/>
+                          </m:rPr>
+                          <a:rPr lang="fr-FR" sz="2400" b="1" dirty="0" smtClean="0">
+                            <a:latin typeface="Consolas" panose="020B0609020204030204" pitchFamily="49" charset="0"/>
+                          </a:rPr>
+                          <m:t>σizi</m:t>
+                        </m:r>
+                        <m:r>
+                          <a:rPr lang="fr-FR" sz="2400" b="1" i="1" dirty="0" smtClean="0">
+                            <a:latin typeface="Cambria Math" panose="02040503050406030204" pitchFamily="18" charset="0"/>
+                          </a:rPr>
+                          <m:t> −</m:t>
+                        </m:r>
+                        <m:r>
+                          <a:rPr lang="fr-FR" sz="2400" b="1" i="1" dirty="0" smtClean="0">
+                            <a:latin typeface="Cambria Math" panose="02040503050406030204" pitchFamily="18" charset="0"/>
+                          </a:rPr>
+                          <m:t>𝒘𝒊</m:t>
+                        </m:r>
+                        <m:r>
+                          <a:rPr lang="fr-FR" sz="2400" b="1" i="1" dirty="0" smtClean="0">
+                            <a:latin typeface="Cambria Math" panose="02040503050406030204" pitchFamily="18" charset="0"/>
+                          </a:rPr>
+                          <m:t>)²</m:t>
+                        </m:r>
+                      </m:e>
+                    </m:nary>
                   </m:oMath>
                 </a14:m>
-                <a:r>
-                  <a:rPr lang="fr-FR" sz="2400" b="1" dirty="0" smtClean="0">
-                    <a:latin typeface="Consolas" panose="020B0609020204030204" pitchFamily="49" charset="0"/>
-                  </a:rPr>
-                  <a:t> </a:t>
-                </a:r>
-                <a:r>
-                  <a:rPr lang="fr-FR" sz="2400" b="1" dirty="0" smtClean="0">
-                    <a:latin typeface="Consolas" panose="020B0609020204030204" pitchFamily="49" charset="0"/>
-                  </a:rPr>
-                  <a:t>r∑i=1(σizi − wi)2</a:t>
-                </a:r>
+                <a:endParaRPr lang="fr-FR" sz="2400" b="1" dirty="0" smtClean="0">
+                  <a:latin typeface="Consolas" panose="020B0609020204030204" pitchFamily="49" charset="0"/>
+                </a:endParaRPr>
+              </a:p>
+              <a:p>
                 <a:endParaRPr lang="fr-FR" sz="2400" b="1" dirty="0">
                   <a:latin typeface="Consolas" panose="020B0609020204030204" pitchFamily="49" charset="0"/>
                 </a:endParaRPr>
@@ -7638,44 +8703,3413 @@
                     <a:effectLst/>
                     <a:latin typeface="+mj-lt"/>
                   </a:rPr>
-                  <a:t>Nous trouvons les solutions à partir de z en faisant x = V z. Dans le cas où M est de rang plein, il y a une solution unique. Sinon, il y a une infinité de solutions. Celle de norme minimale est celle avec </a:t>
+                  <a:t>Nous trouvons les solutions à partir de </a:t>
+                </a:r>
+                <a:r>
+                  <a:rPr lang="fr-FR" sz="2400" b="1" dirty="0">
+                    <a:latin typeface="Consolas" panose="020B0609020204030204" pitchFamily="49" charset="0"/>
+                  </a:rPr>
+                  <a:t>z</a:t>
+                </a:r>
+                <a:r>
+                  <a:rPr lang="fr-FR" sz="2400" dirty="0" smtClean="0">
+                    <a:effectLst/>
+                    <a:latin typeface="+mj-lt"/>
+                  </a:rPr>
+                  <a:t> en faisant </a:t>
+                </a:r>
+                <a:r>
+                  <a:rPr lang="fr-FR" sz="2400" b="1" dirty="0">
+                    <a:latin typeface="Consolas" panose="020B0609020204030204" pitchFamily="49" charset="0"/>
+                  </a:rPr>
+                  <a:t>x = </a:t>
+                </a:r>
+                <a:r>
+                  <a:rPr lang="fr-FR" sz="2400" b="1" dirty="0" err="1" smtClean="0">
+                    <a:latin typeface="Consolas" panose="020B0609020204030204" pitchFamily="49" charset="0"/>
+                  </a:rPr>
+                  <a:t>Vz</a:t>
+                </a:r>
+                <a:r>
+                  <a:rPr lang="fr-FR" sz="2400" b="1" dirty="0">
+                    <a:latin typeface="Consolas" panose="020B0609020204030204" pitchFamily="49" charset="0"/>
+                  </a:rPr>
+                  <a:t>. </a:t>
+                </a:r>
+                <a:r>
+                  <a:rPr lang="fr-FR" sz="2400" dirty="0" smtClean="0">
+                    <a:effectLst/>
+                    <a:latin typeface="+mj-lt"/>
+                  </a:rPr>
+                  <a:t>Dans le cas où </a:t>
+                </a:r>
+                <a:r>
+                  <a:rPr lang="fr-FR" sz="2400" b="1" dirty="0">
+                    <a:latin typeface="Consolas" panose="020B0609020204030204" pitchFamily="49" charset="0"/>
+                  </a:rPr>
+                  <a:t>M </a:t>
+                </a:r>
+                <a:r>
+                  <a:rPr lang="fr-FR" sz="2400" dirty="0" smtClean="0">
+                    <a:effectLst/>
+                    <a:latin typeface="+mj-lt"/>
+                  </a:rPr>
+                  <a:t>est de rang plein, il y a une solution unique. Sinon, il y a une infinité de solutions. Celle de norme minimale est celle avec </a:t>
+                </a:r>
+                <a:r>
+                  <a:rPr lang="fr-FR" sz="2400" b="1" dirty="0" err="1">
+                    <a:latin typeface="Consolas" panose="020B0609020204030204" pitchFamily="49" charset="0"/>
+                  </a:rPr>
+                  <a:t>zi</a:t>
+                </a:r>
+                <a:r>
+                  <a:rPr lang="fr-FR" sz="2400" b="1" dirty="0">
+                    <a:latin typeface="Consolas" panose="020B0609020204030204" pitchFamily="49" charset="0"/>
+                  </a:rPr>
+                  <a:t> = 0 </a:t>
+                </a:r>
+                <a:r>
+                  <a:rPr lang="fr-FR" sz="2400" dirty="0" smtClean="0">
+                    <a:effectLst/>
+                    <a:latin typeface="+mj-lt"/>
+                  </a:rPr>
+                  <a:t>pour </a:t>
+                </a:r>
+                <a:r>
+                  <a:rPr lang="fr-FR" sz="2400" b="1" dirty="0">
+                    <a:latin typeface="Consolas" panose="020B0609020204030204" pitchFamily="49" charset="0"/>
+                  </a:rPr>
+                  <a:t>i ≥ r + 1.</a:t>
+                </a:r>
+                <a:r>
+                  <a:rPr lang="fr-FR" sz="2400" dirty="0" smtClean="0">
+                    <a:effectLst/>
+                    <a:latin typeface="+mj-lt"/>
+                  </a:rPr>
+                  <a:t> </a:t>
+                </a:r>
+              </a:p>
+              <a:p>
+                <a:endParaRPr lang="fr-FR" sz="2400" dirty="0">
+                  <a:latin typeface="+mj-lt"/>
+                </a:endParaRPr>
+              </a:p>
+              <a:p>
+                <a:r>
+                  <a:rPr lang="fr-FR" sz="2400" dirty="0" smtClean="0">
+                    <a:effectLst/>
+                    <a:latin typeface="+mj-lt"/>
+                  </a:rPr>
+                  <a:t>La méthode SVD donne une méthode numérique ayant d’excellentes propriétés de stabilité au niveau de l’algorithme. Le seul inconvénient en est son coût, plus élevé que la méthode basée sur la factorisation QR</a:t>
+                </a:r>
+              </a:p>
+              <a:p>
+                <a:r>
+                  <a:rPr lang="fr-FR" sz="2400" dirty="0" smtClean="0">
+                    <a:effectLst/>
+                    <a:latin typeface="+mj-lt"/>
+                  </a:rPr>
+                  <a:t>([</a:t>
                 </a:r>
                 <a:r>
                   <a:rPr lang="fr-FR" sz="2400" dirty="0" err="1" smtClean="0">
                     <a:effectLst/>
                     <a:latin typeface="+mj-lt"/>
                   </a:rPr>
-                  <a:t>zi</a:t>
+                  <a:t>Kern</a:t>
                 </a:r>
                 <a:r>
                   <a:rPr lang="fr-FR" sz="2400" dirty="0" smtClean="0">
                     <a:effectLst/>
                     <a:latin typeface="+mj-lt"/>
                   </a:rPr>
-                  <a:t> = 0 pour i ≥ r + 1. La méthode SVD donne une méthode numérique ayant d’excellentes propriétés de stabilité au niveau de l’algorithme. Le seul inconvénient en est son coût, plus élevé que la méthode basée sur la factorisation QR</a:t>
+                  <a:t>, 2002]).</a:t>
+                </a:r>
+                <a:endParaRPr lang="fr-FR" sz="2400" b="1" dirty="0">
+                  <a:latin typeface="Consolas" panose="020B0609020204030204" pitchFamily="49" charset="0"/>
+                </a:endParaRPr>
+              </a:p>
+            </p:txBody>
+          </p:sp>
+        </mc:Choice>
+        <mc:Fallback xmlns="">
+          <p:sp>
+            <p:nvSpPr>
+              <p:cNvPr id="2" name="Rectangle 1"/>
+              <p:cNvSpPr>
+                <a:spLocks noRot="1" noChangeAspect="1" noMove="1" noResize="1" noEditPoints="1" noAdjustHandles="1" noChangeArrowheads="1" noChangeShapeType="1" noTextEdit="1"/>
+              </p:cNvSpPr>
+              <p:nvPr/>
+            </p:nvSpPr>
+            <p:spPr>
+              <a:xfrm>
+                <a:off x="325120" y="1407612"/>
+                <a:ext cx="11424920" cy="5289140"/>
+              </a:xfrm>
+              <a:prstGeom prst="rect">
+                <a:avLst/>
+              </a:prstGeom>
+              <a:blipFill>
+                <a:blip r:embed="rId2"/>
+                <a:stretch>
+                  <a:fillRect l="-800" t="-922" r="-267" b="-1613"/>
+                </a:stretch>
+              </a:blipFill>
+            </p:spPr>
+            <p:txBody>
+              <a:bodyPr/>
+              <a:lstStyle/>
+              <a:p>
+                <a:r>
+                  <a:rPr lang="fr-FR">
+                    <a:noFill/>
+                  </a:rPr>
+                  <a:t> </a:t>
+                </a:r>
+              </a:p>
+            </p:txBody>
+          </p:sp>
+        </mc:Fallback>
+      </mc:AlternateContent>
+    </p:spTree>
+    <p:extLst>
+      <p:ext uri="{BB962C8B-B14F-4D97-AF65-F5344CB8AC3E}">
+        <p14:creationId xmlns:p14="http://schemas.microsoft.com/office/powerpoint/2010/main" val="3500098887"/>
+      </p:ext>
+    </p:extLst>
+  </p:cSld>
+  <p:clrMapOvr>
+    <a:masterClrMapping/>
+  </p:clrMapOvr>
+</p:sld>
+</file>
+
+<file path=ppt/slides/slide22.xml><?xml version="1.0" encoding="utf-8"?>
+<p:sld xmlns:a="http://schemas.openxmlformats.org/drawingml/2006/main" xmlns:r="http://schemas.openxmlformats.org/officeDocument/2006/relationships" xmlns:p="http://schemas.openxmlformats.org/presentationml/2006/main">
+  <p:cSld>
+    <p:spTree>
+      <p:nvGrpSpPr>
+        <p:cNvPr id="1" name=""/>
+        <p:cNvGrpSpPr/>
+        <p:nvPr/>
+      </p:nvGrpSpPr>
+      <p:grpSpPr>
+        <a:xfrm>
+          <a:off x="0" y="0"/>
+          <a:ext cx="0" cy="0"/>
+          <a:chOff x="0" y="0"/>
+          <a:chExt cx="0" cy="0"/>
+        </a:xfrm>
+      </p:grpSpPr>
+      <p:sp>
+        <p:nvSpPr>
+          <p:cNvPr id="5" name="Rectangle 4"/>
+          <p:cNvSpPr/>
+          <p:nvPr/>
+        </p:nvSpPr>
+        <p:spPr>
+          <a:xfrm>
+            <a:off x="2032000" y="96819"/>
+            <a:ext cx="8260080" cy="1077218"/>
+          </a:xfrm>
+          <a:prstGeom prst="rect">
+            <a:avLst/>
+          </a:prstGeom>
+        </p:spPr>
+        <p:txBody>
+          <a:bodyPr wrap="square">
+            <a:spAutoFit/>
+          </a:bodyPr>
+          <a:lstStyle/>
+          <a:p>
+            <a:r>
+              <a:rPr lang="fr-FR" sz="3200" b="1" dirty="0" smtClean="0"/>
+              <a:t>3. METHODES DE RESOLUTION DES PI</a:t>
+            </a:r>
+            <a:r>
+              <a:rPr lang="fr-FR" sz="3200" b="1" dirty="0"/>
+              <a:t/>
+            </a:r>
+            <a:br>
+              <a:rPr lang="fr-FR" sz="3200" b="1" dirty="0"/>
+            </a:br>
+            <a:endParaRPr lang="fr-FR" sz="3200" b="1" dirty="0"/>
+          </a:p>
+        </p:txBody>
+      </p:sp>
+      <p:sp>
+        <p:nvSpPr>
+          <p:cNvPr id="6" name="Rectangle 5"/>
+          <p:cNvSpPr/>
+          <p:nvPr/>
+        </p:nvSpPr>
+        <p:spPr>
+          <a:xfrm>
+            <a:off x="1117999" y="822837"/>
+            <a:ext cx="2102050" cy="584775"/>
+          </a:xfrm>
+          <a:prstGeom prst="rect">
+            <a:avLst/>
+          </a:prstGeom>
+        </p:spPr>
+        <p:txBody>
+          <a:bodyPr wrap="none">
+            <a:spAutoFit/>
+          </a:bodyPr>
+          <a:lstStyle/>
+          <a:p>
+            <a:r>
+              <a:rPr lang="fr-FR" sz="3200" b="1" dirty="0" smtClean="0">
+                <a:solidFill>
+                  <a:srgbClr val="FF0000"/>
+                </a:solidFill>
+              </a:rPr>
+              <a:t>Remarques</a:t>
+            </a:r>
+            <a:endParaRPr lang="fr-FR" sz="3200" b="1" dirty="0">
+              <a:solidFill>
+                <a:srgbClr val="FF0000"/>
+              </a:solidFill>
+            </a:endParaRPr>
+          </a:p>
+        </p:txBody>
+      </p:sp>
+      <p:sp>
+        <p:nvSpPr>
+          <p:cNvPr id="2" name="Rectangle 1"/>
+          <p:cNvSpPr/>
+          <p:nvPr/>
+        </p:nvSpPr>
+        <p:spPr>
+          <a:xfrm>
+            <a:off x="325120" y="1407612"/>
+            <a:ext cx="11424920" cy="4893647"/>
+          </a:xfrm>
+          <a:prstGeom prst="rect">
+            <a:avLst/>
+          </a:prstGeom>
+        </p:spPr>
+        <p:txBody>
+          <a:bodyPr wrap="square">
+            <a:spAutoFit/>
+          </a:bodyPr>
+          <a:lstStyle/>
+          <a:p>
+            <a:r>
+              <a:rPr lang="fr-FR" sz="2400" dirty="0">
+                <a:latin typeface="+mj-lt"/>
+              </a:rPr>
+              <a:t>Ces trois méthodes permettent de résoudre des problèmes mal posés au </a:t>
+            </a:r>
+            <a:r>
+              <a:rPr lang="fr-FR" sz="2400" dirty="0" smtClean="0">
+                <a:latin typeface="+mj-lt"/>
+              </a:rPr>
+              <a:t>sens où </a:t>
+            </a:r>
+            <a:r>
+              <a:rPr lang="fr-FR" sz="2400" dirty="0">
+                <a:latin typeface="+mj-lt"/>
+              </a:rPr>
+              <a:t>une des deux premières conditions de Hadamard n’est pas satisfaite. </a:t>
+            </a:r>
+            <a:r>
+              <a:rPr lang="fr-FR" sz="2400" dirty="0" smtClean="0">
+                <a:latin typeface="+mj-lt"/>
+              </a:rPr>
+              <a:t>Lorsque c’est </a:t>
+            </a:r>
+            <a:r>
+              <a:rPr lang="fr-FR" sz="2400" dirty="0">
+                <a:latin typeface="+mj-lt"/>
+              </a:rPr>
+              <a:t>la troisième condition de Hadamard qui n’est pas remplie, ces méthodes </a:t>
+            </a:r>
+            <a:r>
+              <a:rPr lang="fr-FR" sz="2400" dirty="0" smtClean="0">
+                <a:latin typeface="+mj-lt"/>
+              </a:rPr>
+              <a:t>ne sont </a:t>
+            </a:r>
+            <a:r>
+              <a:rPr lang="fr-FR" sz="2400" dirty="0">
+                <a:latin typeface="+mj-lt"/>
+              </a:rPr>
+              <a:t>pas satisfaisantes</a:t>
+            </a:r>
+            <a:r>
+              <a:rPr lang="fr-FR" sz="2400" dirty="0" smtClean="0">
+                <a:latin typeface="+mj-lt"/>
+              </a:rPr>
+              <a:t>.</a:t>
+            </a:r>
+          </a:p>
+          <a:p>
+            <a:endParaRPr lang="fr-FR" sz="2400" dirty="0">
+              <a:latin typeface="+mj-lt"/>
+            </a:endParaRPr>
+          </a:p>
+          <a:p>
+            <a:r>
+              <a:rPr lang="fr-FR" sz="2400" dirty="0" smtClean="0">
+                <a:latin typeface="+mj-lt"/>
+              </a:rPr>
+              <a:t> </a:t>
+            </a:r>
+            <a:r>
+              <a:rPr lang="fr-FR" sz="2400" dirty="0">
+                <a:latin typeface="+mj-lt"/>
+              </a:rPr>
+              <a:t>Illustrons ces propos avec la factorisation SVD pour </a:t>
+            </a:r>
+            <a:r>
+              <a:rPr lang="fr-FR" sz="2400" b="1" dirty="0">
+                <a:latin typeface="Consolas" panose="020B0609020204030204" pitchFamily="49" charset="0"/>
+              </a:rPr>
+              <a:t>M</a:t>
+            </a:r>
+            <a:r>
+              <a:rPr lang="fr-FR" sz="2400" dirty="0" smtClean="0">
+                <a:latin typeface="+mj-lt"/>
+              </a:rPr>
+              <a:t> de </a:t>
+            </a:r>
+            <a:r>
+              <a:rPr lang="fr-FR" sz="2400" dirty="0">
+                <a:latin typeface="+mj-lt"/>
+              </a:rPr>
+              <a:t>rang </a:t>
+            </a:r>
+            <a:r>
+              <a:rPr lang="fr-FR" sz="2400" b="1" dirty="0">
+                <a:latin typeface="Consolas" panose="020B0609020204030204" pitchFamily="49" charset="0"/>
+              </a:rPr>
+              <a:t>n</a:t>
+            </a:r>
+            <a:r>
+              <a:rPr lang="fr-FR" sz="2400" dirty="0">
+                <a:latin typeface="+mj-lt"/>
+              </a:rPr>
+              <a:t>. On peut montrer que l’erreur sur la solution x est bornée </a:t>
+            </a:r>
+            <a:r>
+              <a:rPr lang="fr-FR" sz="2400" dirty="0" smtClean="0">
+                <a:latin typeface="+mj-lt"/>
+              </a:rPr>
+              <a:t>supérieurement </a:t>
+            </a:r>
+            <a:r>
+              <a:rPr lang="fr-FR" sz="2400" dirty="0">
+                <a:latin typeface="+mj-lt"/>
+              </a:rPr>
+              <a:t>par l’inverse de la plus petite valeur singulière multipliée par l’erreur </a:t>
+            </a:r>
+            <a:r>
+              <a:rPr lang="fr-FR" sz="2400" dirty="0" smtClean="0">
+                <a:latin typeface="+mj-lt"/>
+              </a:rPr>
+              <a:t>sur la </a:t>
+            </a:r>
+            <a:r>
+              <a:rPr lang="fr-FR" sz="2400" dirty="0">
+                <a:latin typeface="+mj-lt"/>
+              </a:rPr>
+              <a:t>donnée </a:t>
+            </a:r>
+            <a:r>
+              <a:rPr lang="fr-FR" sz="2400" b="1" dirty="0">
+                <a:latin typeface="Consolas" panose="020B0609020204030204" pitchFamily="49" charset="0"/>
+              </a:rPr>
+              <a:t>y</a:t>
+            </a:r>
+            <a:r>
+              <a:rPr lang="fr-FR" sz="2400" dirty="0">
+                <a:latin typeface="+mj-lt"/>
+              </a:rPr>
+              <a:t>. </a:t>
+            </a:r>
+            <a:endParaRPr lang="fr-FR" sz="2400" dirty="0" smtClean="0">
+              <a:latin typeface="+mj-lt"/>
+            </a:endParaRPr>
+          </a:p>
+          <a:p>
+            <a:endParaRPr lang="fr-FR" sz="2400" dirty="0">
+              <a:latin typeface="+mj-lt"/>
+            </a:endParaRPr>
+          </a:p>
+          <a:p>
+            <a:r>
+              <a:rPr lang="fr-FR" sz="2400" dirty="0" smtClean="0">
+                <a:latin typeface="+mj-lt"/>
+              </a:rPr>
+              <a:t>Dans </a:t>
+            </a:r>
+            <a:r>
+              <a:rPr lang="fr-FR" sz="2400" dirty="0">
+                <a:latin typeface="+mj-lt"/>
+              </a:rPr>
+              <a:t>le cas où cette plus petite valeur singulière est petite, </a:t>
+            </a:r>
+            <a:r>
+              <a:rPr lang="fr-FR" sz="2400" dirty="0" smtClean="0">
+                <a:latin typeface="+mj-lt"/>
+              </a:rPr>
+              <a:t>l’amplification </a:t>
+            </a:r>
+            <a:r>
+              <a:rPr lang="fr-FR" sz="2400" dirty="0">
+                <a:latin typeface="+mj-lt"/>
+              </a:rPr>
+              <a:t>peut devenir dramatique. </a:t>
+            </a:r>
+            <a:endParaRPr lang="fr-FR" sz="2400" dirty="0" smtClean="0">
+              <a:latin typeface="+mj-lt"/>
+            </a:endParaRPr>
+          </a:p>
+          <a:p>
+            <a:endParaRPr lang="fr-FR" sz="2400" dirty="0">
+              <a:latin typeface="+mj-lt"/>
+            </a:endParaRPr>
+          </a:p>
+          <a:p>
+            <a:r>
+              <a:rPr lang="fr-FR" sz="2400" dirty="0" smtClean="0">
+                <a:latin typeface="+mj-lt"/>
+              </a:rPr>
+              <a:t>Ainsi</a:t>
+            </a:r>
+            <a:r>
+              <a:rPr lang="fr-FR" sz="2400" dirty="0">
+                <a:latin typeface="+mj-lt"/>
+              </a:rPr>
+              <a:t>, dans le cas où la troisième condition </a:t>
+            </a:r>
+            <a:r>
+              <a:rPr lang="fr-FR" sz="2400" dirty="0" smtClean="0">
+                <a:latin typeface="+mj-lt"/>
+              </a:rPr>
+              <a:t>de Hadamard </a:t>
+            </a:r>
+            <a:r>
+              <a:rPr lang="fr-FR" sz="2400" dirty="0">
+                <a:latin typeface="+mj-lt"/>
+              </a:rPr>
+              <a:t>n’est pas satisfaite, on se tourne vers d’autres méthodes, celles </a:t>
+            </a:r>
+            <a:r>
+              <a:rPr lang="fr-FR" sz="2400" dirty="0" smtClean="0">
+                <a:latin typeface="+mj-lt"/>
+              </a:rPr>
+              <a:t>dites de </a:t>
+            </a:r>
+            <a:r>
+              <a:rPr lang="fr-FR" sz="2400" dirty="0">
+                <a:latin typeface="+mj-lt"/>
+              </a:rPr>
+              <a:t>régularisation.</a:t>
+            </a:r>
+            <a:endParaRPr lang="fr-FR" sz="2400" b="1" dirty="0">
+              <a:latin typeface="Consolas" panose="020B0609020204030204" pitchFamily="49" charset="0"/>
+            </a:endParaRPr>
+          </a:p>
+        </p:txBody>
+      </p:sp>
+    </p:spTree>
+    <p:extLst>
+      <p:ext uri="{BB962C8B-B14F-4D97-AF65-F5344CB8AC3E}">
+        <p14:creationId xmlns:p14="http://schemas.microsoft.com/office/powerpoint/2010/main" val="1356465268"/>
+      </p:ext>
+    </p:extLst>
+  </p:cSld>
+  <p:clrMapOvr>
+    <a:masterClrMapping/>
+  </p:clrMapOvr>
+</p:sld>
+</file>
+
+<file path=ppt/slides/slide23.xml><?xml version="1.0" encoding="utf-8"?>
+<p:sld xmlns:a="http://schemas.openxmlformats.org/drawingml/2006/main" xmlns:r="http://schemas.openxmlformats.org/officeDocument/2006/relationships" xmlns:p="http://schemas.openxmlformats.org/presentationml/2006/main">
+  <p:cSld>
+    <p:spTree>
+      <p:nvGrpSpPr>
+        <p:cNvPr id="1" name=""/>
+        <p:cNvGrpSpPr/>
+        <p:nvPr/>
+      </p:nvGrpSpPr>
+      <p:grpSpPr>
+        <a:xfrm>
+          <a:off x="0" y="0"/>
+          <a:ext cx="0" cy="0"/>
+          <a:chOff x="0" y="0"/>
+          <a:chExt cx="0" cy="0"/>
+        </a:xfrm>
+      </p:grpSpPr>
+      <p:sp>
+        <p:nvSpPr>
+          <p:cNvPr id="5" name="Rectangle 4"/>
+          <p:cNvSpPr/>
+          <p:nvPr/>
+        </p:nvSpPr>
+        <p:spPr>
+          <a:xfrm>
+            <a:off x="2032000" y="96819"/>
+            <a:ext cx="8260080" cy="1077218"/>
+          </a:xfrm>
+          <a:prstGeom prst="rect">
+            <a:avLst/>
+          </a:prstGeom>
+        </p:spPr>
+        <p:txBody>
+          <a:bodyPr wrap="square">
+            <a:spAutoFit/>
+          </a:bodyPr>
+          <a:lstStyle/>
+          <a:p>
+            <a:r>
+              <a:rPr lang="fr-FR" sz="3200" b="1" dirty="0" smtClean="0"/>
+              <a:t>3. METHODES DE RESOLUTION DES PI</a:t>
+            </a:r>
+            <a:r>
+              <a:rPr lang="fr-FR" sz="3200" b="1" dirty="0"/>
+              <a:t/>
+            </a:r>
+            <a:br>
+              <a:rPr lang="fr-FR" sz="3200" b="1" dirty="0"/>
+            </a:br>
+            <a:endParaRPr lang="fr-FR" sz="3200" b="1" dirty="0"/>
+          </a:p>
+        </p:txBody>
+      </p:sp>
+      <p:sp>
+        <p:nvSpPr>
+          <p:cNvPr id="6" name="Rectangle 5"/>
+          <p:cNvSpPr/>
+          <p:nvPr/>
+        </p:nvSpPr>
+        <p:spPr>
+          <a:xfrm>
+            <a:off x="1117999" y="822837"/>
+            <a:ext cx="3353610" cy="1077218"/>
+          </a:xfrm>
+          <a:prstGeom prst="rect">
+            <a:avLst/>
+          </a:prstGeom>
+        </p:spPr>
+        <p:txBody>
+          <a:bodyPr wrap="none">
+            <a:spAutoFit/>
+          </a:bodyPr>
+          <a:lstStyle/>
+          <a:p>
+            <a:r>
+              <a:rPr lang="fr-FR" sz="3200" b="1" dirty="0" smtClean="0"/>
+              <a:t>3.2. </a:t>
+            </a:r>
+            <a:r>
+              <a:rPr lang="fr-FR" sz="3200" b="1" dirty="0" smtClean="0"/>
+              <a:t>Régularisation</a:t>
+            </a:r>
+            <a:endParaRPr lang="fr-FR" sz="3200" b="1" dirty="0"/>
+          </a:p>
+          <a:p>
+            <a:endParaRPr lang="fr-FR" sz="3200" b="1" dirty="0"/>
+          </a:p>
+        </p:txBody>
+      </p:sp>
+      <p:sp>
+        <p:nvSpPr>
+          <p:cNvPr id="2" name="Rectangle 1"/>
+          <p:cNvSpPr/>
+          <p:nvPr/>
+        </p:nvSpPr>
+        <p:spPr>
+          <a:xfrm>
+            <a:off x="325120" y="1407612"/>
+            <a:ext cx="11424920" cy="2677656"/>
+          </a:xfrm>
+          <a:prstGeom prst="rect">
+            <a:avLst/>
+          </a:prstGeom>
+        </p:spPr>
+        <p:txBody>
+          <a:bodyPr wrap="square">
+            <a:spAutoFit/>
+          </a:bodyPr>
+          <a:lstStyle/>
+          <a:p>
+            <a:r>
+              <a:rPr lang="fr-FR" sz="2400" dirty="0" smtClean="0">
+                <a:latin typeface="+mj-lt"/>
+              </a:rPr>
+              <a:t>Régulariser </a:t>
+            </a:r>
+            <a:r>
+              <a:rPr lang="fr-FR" sz="2400" dirty="0">
+                <a:latin typeface="+mj-lt"/>
+              </a:rPr>
+              <a:t>un problème mal posé, c’est le remplacer par un autre, </a:t>
+            </a:r>
+            <a:r>
+              <a:rPr lang="fr-FR" sz="2400" dirty="0" smtClean="0">
+                <a:latin typeface="+mj-lt"/>
+              </a:rPr>
+              <a:t>bien posé</a:t>
+            </a:r>
+            <a:r>
+              <a:rPr lang="fr-FR" sz="2400" dirty="0">
+                <a:latin typeface="+mj-lt"/>
+              </a:rPr>
+              <a:t>, de sorte que l’ </a:t>
+            </a:r>
+            <a:r>
+              <a:rPr lang="fr-FR" sz="2400" dirty="0">
+                <a:solidFill>
+                  <a:srgbClr val="FF0000"/>
+                </a:solidFill>
+                <a:latin typeface="+mj-lt"/>
+              </a:rPr>
+              <a:t>"erreur commise" </a:t>
+            </a:r>
+            <a:r>
+              <a:rPr lang="fr-FR" sz="2400" dirty="0">
+                <a:latin typeface="+mj-lt"/>
+              </a:rPr>
+              <a:t>soit compensée par le gain de stabilité</a:t>
+            </a:r>
+            <a:r>
+              <a:rPr lang="fr-FR" sz="2400" dirty="0" smtClean="0">
+                <a:latin typeface="+mj-lt"/>
+              </a:rPr>
+              <a:t>.</a:t>
+            </a:r>
+          </a:p>
+          <a:p>
+            <a:endParaRPr lang="fr-FR" sz="2400" dirty="0">
+              <a:latin typeface="+mj-lt"/>
+            </a:endParaRPr>
+          </a:p>
+          <a:p>
+            <a:r>
+              <a:rPr lang="fr-FR" sz="2400" dirty="0">
+                <a:latin typeface="+mj-lt"/>
+              </a:rPr>
+              <a:t>Dans ce paragraphe, nous présentons une introduction aux méthodes de </a:t>
+            </a:r>
+            <a:r>
+              <a:rPr lang="fr-FR" sz="2400" dirty="0" smtClean="0">
+                <a:latin typeface="+mj-lt"/>
+              </a:rPr>
+              <a:t>régularisation </a:t>
+            </a:r>
+            <a:r>
+              <a:rPr lang="fr-FR" sz="2400" dirty="0">
+                <a:latin typeface="+mj-lt"/>
+              </a:rPr>
+              <a:t>les plus courantes, à savoir la </a:t>
+            </a:r>
+            <a:r>
+              <a:rPr lang="fr-FR" sz="2400" dirty="0">
+                <a:solidFill>
+                  <a:srgbClr val="FF0000"/>
+                </a:solidFill>
+                <a:latin typeface="+mj-lt"/>
+              </a:rPr>
+              <a:t>méthode de Tikhonov et la </a:t>
+            </a:r>
+            <a:r>
+              <a:rPr lang="fr-FR" sz="2400" dirty="0" smtClean="0">
+                <a:solidFill>
+                  <a:srgbClr val="FF0000"/>
+                </a:solidFill>
+                <a:latin typeface="+mj-lt"/>
+              </a:rPr>
+              <a:t>troncature spectrale </a:t>
+            </a:r>
+            <a:r>
+              <a:rPr lang="fr-FR" sz="2400" dirty="0">
+                <a:solidFill>
+                  <a:srgbClr val="FF0000"/>
+                </a:solidFill>
+                <a:latin typeface="+mj-lt"/>
+              </a:rPr>
+              <a:t>ainsi qu’une méthode itérative, la méthode de </a:t>
+            </a:r>
+            <a:r>
+              <a:rPr lang="fr-FR" sz="2400" dirty="0" err="1">
+                <a:solidFill>
+                  <a:srgbClr val="FF0000"/>
+                </a:solidFill>
+                <a:latin typeface="+mj-lt"/>
+              </a:rPr>
+              <a:t>Landweber</a:t>
+            </a:r>
+            <a:r>
+              <a:rPr lang="fr-FR" sz="2400" dirty="0">
+                <a:solidFill>
+                  <a:srgbClr val="FF0000"/>
+                </a:solidFill>
+                <a:latin typeface="+mj-lt"/>
+              </a:rPr>
+              <a:t>.</a:t>
+            </a:r>
+          </a:p>
+          <a:p>
+            <a:endParaRPr lang="fr-FR" sz="2400" b="1" dirty="0">
+              <a:latin typeface="Consolas" panose="020B0609020204030204" pitchFamily="49" charset="0"/>
+            </a:endParaRPr>
+          </a:p>
+        </p:txBody>
+      </p:sp>
+    </p:spTree>
+    <p:extLst>
+      <p:ext uri="{BB962C8B-B14F-4D97-AF65-F5344CB8AC3E}">
+        <p14:creationId xmlns:p14="http://schemas.microsoft.com/office/powerpoint/2010/main" val="43505937"/>
+      </p:ext>
+    </p:extLst>
+  </p:cSld>
+  <p:clrMapOvr>
+    <a:masterClrMapping/>
+  </p:clrMapOvr>
+</p:sld>
+</file>
+
+<file path=ppt/slides/slide24.xml><?xml version="1.0" encoding="utf-8"?>
+<p:sld xmlns:a="http://schemas.openxmlformats.org/drawingml/2006/main" xmlns:r="http://schemas.openxmlformats.org/officeDocument/2006/relationships" xmlns:p="http://schemas.openxmlformats.org/presentationml/2006/main">
+  <p:cSld>
+    <p:spTree>
+      <p:nvGrpSpPr>
+        <p:cNvPr id="1" name=""/>
+        <p:cNvGrpSpPr/>
+        <p:nvPr/>
+      </p:nvGrpSpPr>
+      <p:grpSpPr>
+        <a:xfrm>
+          <a:off x="0" y="0"/>
+          <a:ext cx="0" cy="0"/>
+          <a:chOff x="0" y="0"/>
+          <a:chExt cx="0" cy="0"/>
+        </a:xfrm>
+      </p:grpSpPr>
+      <p:sp>
+        <p:nvSpPr>
+          <p:cNvPr id="5" name="Rectangle 4"/>
+          <p:cNvSpPr/>
+          <p:nvPr/>
+        </p:nvSpPr>
+        <p:spPr>
+          <a:xfrm>
+            <a:off x="2032000" y="96819"/>
+            <a:ext cx="8260080" cy="1077218"/>
+          </a:xfrm>
+          <a:prstGeom prst="rect">
+            <a:avLst/>
+          </a:prstGeom>
+        </p:spPr>
+        <p:txBody>
+          <a:bodyPr wrap="square">
+            <a:spAutoFit/>
+          </a:bodyPr>
+          <a:lstStyle/>
+          <a:p>
+            <a:r>
+              <a:rPr lang="fr-FR" sz="3200" b="1" dirty="0" smtClean="0"/>
+              <a:t>3. METHODES DE RESOLUTION DES PI</a:t>
+            </a:r>
+            <a:r>
+              <a:rPr lang="fr-FR" sz="3200" b="1" dirty="0"/>
+              <a:t/>
+            </a:r>
+            <a:br>
+              <a:rPr lang="fr-FR" sz="3200" b="1" dirty="0"/>
+            </a:br>
+            <a:endParaRPr lang="fr-FR" sz="3200" b="1" dirty="0"/>
+          </a:p>
+        </p:txBody>
+      </p:sp>
+      <p:sp>
+        <p:nvSpPr>
+          <p:cNvPr id="6" name="Rectangle 5"/>
+          <p:cNvSpPr/>
+          <p:nvPr/>
+        </p:nvSpPr>
+        <p:spPr>
+          <a:xfrm>
+            <a:off x="1117999" y="822837"/>
+            <a:ext cx="5526641" cy="1569660"/>
+          </a:xfrm>
+          <a:prstGeom prst="rect">
+            <a:avLst/>
+          </a:prstGeom>
+        </p:spPr>
+        <p:txBody>
+          <a:bodyPr wrap="none">
+            <a:spAutoFit/>
+          </a:bodyPr>
+          <a:lstStyle/>
+          <a:p>
+            <a:r>
+              <a:rPr lang="fr-FR" sz="3200" b="1" dirty="0" smtClean="0"/>
+              <a:t>3.2. </a:t>
+            </a:r>
+            <a:r>
+              <a:rPr lang="fr-FR" sz="3200" b="1" dirty="0"/>
+              <a:t>1. La méthode de Tikhonov</a:t>
+            </a:r>
+          </a:p>
+          <a:p>
+            <a:endParaRPr lang="fr-FR" sz="3200" b="1" dirty="0"/>
+          </a:p>
+          <a:p>
+            <a:endParaRPr lang="fr-FR" sz="3200" b="1" dirty="0"/>
+          </a:p>
+        </p:txBody>
+      </p:sp>
+      <mc:AlternateContent xmlns:mc="http://schemas.openxmlformats.org/markup-compatibility/2006">
+        <mc:Choice xmlns:a14="http://schemas.microsoft.com/office/drawing/2010/main" Requires="a14">
+          <p:sp>
+            <p:nvSpPr>
+              <p:cNvPr id="2" name="Rectangle 1"/>
+              <p:cNvSpPr/>
+              <p:nvPr/>
+            </p:nvSpPr>
+            <p:spPr>
+              <a:xfrm>
+                <a:off x="325120" y="1407612"/>
+                <a:ext cx="11424920" cy="1621278"/>
+              </a:xfrm>
+              <a:prstGeom prst="rect">
+                <a:avLst/>
+              </a:prstGeom>
+            </p:spPr>
+            <p:txBody>
+              <a:bodyPr wrap="square">
+                <a:spAutoFit/>
+              </a:bodyPr>
+              <a:lstStyle/>
+              <a:p>
+                <a:r>
+                  <a:rPr lang="fr-FR" sz="2400" dirty="0" smtClean="0">
+                    <a:latin typeface="+mj-lt"/>
+                  </a:rPr>
+                  <a:t>Pour </a:t>
+                </a:r>
+                <a:r>
+                  <a:rPr lang="fr-FR" sz="2400" dirty="0">
+                    <a:latin typeface="+mj-lt"/>
+                  </a:rPr>
+                  <a:t>résoudre l’instabilité d’un problème </a:t>
+                </a:r>
+                <a:r>
+                  <a:rPr lang="fr-FR" sz="2400" b="1" dirty="0" err="1" smtClean="0">
+                    <a:latin typeface="Consolas" panose="020B0609020204030204" pitchFamily="49" charset="0"/>
+                  </a:rPr>
+                  <a:t>Mx</a:t>
+                </a:r>
+                <a:r>
+                  <a:rPr lang="fr-FR" sz="2400" b="1" dirty="0" smtClean="0">
+                    <a:latin typeface="Consolas" panose="020B0609020204030204" pitchFamily="49" charset="0"/>
+                  </a:rPr>
+                  <a:t> </a:t>
+                </a:r>
+                <a:r>
+                  <a:rPr lang="fr-FR" sz="2400" b="1" dirty="0">
+                    <a:latin typeface="Consolas" panose="020B0609020204030204" pitchFamily="49" charset="0"/>
+                  </a:rPr>
+                  <a:t>= y </a:t>
+                </a:r>
+                <a:r>
+                  <a:rPr lang="fr-FR" sz="2400" dirty="0">
+                    <a:latin typeface="+mj-lt"/>
+                  </a:rPr>
+                  <a:t>mal posé au sens </a:t>
+                </a:r>
+                <a:r>
+                  <a:rPr lang="fr-FR" sz="2400" dirty="0">
+                    <a:latin typeface="+mj-lt"/>
+                  </a:rPr>
+                  <a:t>de la </a:t>
+                </a:r>
+                <a:r>
+                  <a:rPr lang="fr-FR" sz="2400" dirty="0">
+                    <a:latin typeface="+mj-lt"/>
+                  </a:rPr>
+                  <a:t>troisième condition de Hadamard, nous introduisons une </a:t>
+                </a:r>
+                <a:r>
+                  <a:rPr lang="fr-FR" sz="2400" dirty="0">
+                    <a:latin typeface="+mj-lt"/>
+                  </a:rPr>
+                  <a:t>information a </a:t>
+                </a:r>
+                <a:r>
+                  <a:rPr lang="fr-FR" sz="2400" dirty="0">
+                    <a:latin typeface="+mj-lt"/>
+                  </a:rPr>
+                  <a:t>priori : un estimé a priori </a:t>
+                </a:r>
+                <a:r>
+                  <a:rPr lang="fr-FR" sz="2400" b="1" dirty="0">
+                    <a:solidFill>
+                      <a:srgbClr val="FF0000"/>
+                    </a:solidFill>
+                    <a:latin typeface="Consolas" panose="020B0609020204030204" pitchFamily="49" charset="0"/>
+                  </a:rPr>
+                  <a:t>x0</a:t>
+                </a:r>
+                <a:r>
+                  <a:rPr lang="fr-FR" sz="2400" dirty="0"/>
+                  <a:t>. </a:t>
+                </a:r>
+                <a:r>
+                  <a:rPr lang="fr-FR" sz="2400" dirty="0">
+                    <a:latin typeface="+mj-lt"/>
+                  </a:rPr>
+                  <a:t>Pour un nombre </a:t>
+                </a:r>
+                <a14:m>
+                  <m:oMath xmlns:m="http://schemas.openxmlformats.org/officeDocument/2006/math">
+                    <m:r>
+                      <a:rPr lang="fr-FR" sz="2400" b="1" i="1">
+                        <a:latin typeface="Cambria Math" panose="02040503050406030204" pitchFamily="18" charset="0"/>
+                        <a:ea typeface="Cambria Math" panose="02040503050406030204" pitchFamily="18" charset="0"/>
+                      </a:rPr>
+                      <m:t>𝜺</m:t>
+                    </m:r>
+                  </m:oMath>
+                </a14:m>
+                <a:r>
+                  <a:rPr lang="fr-FR" sz="2400" b="1" dirty="0" smtClean="0">
+                    <a:latin typeface="Consolas" panose="020B0609020204030204" pitchFamily="49" charset="0"/>
+                  </a:rPr>
+                  <a:t> </a:t>
+                </a:r>
+                <a:r>
+                  <a:rPr lang="fr-FR" sz="2400" b="1" dirty="0">
+                    <a:latin typeface="Consolas" panose="020B0609020204030204" pitchFamily="49" charset="0"/>
+                  </a:rPr>
+                  <a:t>&gt; 0 </a:t>
+                </a:r>
+                <a:r>
+                  <a:rPr lang="fr-FR" sz="2400" dirty="0"/>
+                  <a:t>(</a:t>
+                </a:r>
+                <a:r>
+                  <a:rPr lang="fr-FR" sz="2400" dirty="0">
+                    <a:latin typeface="+mj-lt"/>
+                  </a:rPr>
+                  <a:t>le coefficient </a:t>
+                </a:r>
+                <a:r>
+                  <a:rPr lang="fr-FR" sz="2400" dirty="0">
+                    <a:latin typeface="+mj-lt"/>
+                  </a:rPr>
+                  <a:t>de régularisation</a:t>
+                </a:r>
+                <a:r>
+                  <a:rPr lang="fr-FR" sz="2400" dirty="0">
+                    <a:latin typeface="+mj-lt"/>
+                  </a:rPr>
+                  <a:t>), nous remplaçons le problème de départ</a:t>
+                </a:r>
+                <a:r>
+                  <a:rPr lang="fr-FR" sz="2400" dirty="0"/>
+                  <a:t> </a:t>
+                </a:r>
+                <a:r>
+                  <a:rPr lang="fr-FR" sz="2400" b="1" dirty="0" err="1" smtClean="0">
+                    <a:latin typeface="Consolas" panose="020B0609020204030204" pitchFamily="49" charset="0"/>
+                  </a:rPr>
+                  <a:t>Mx</a:t>
+                </a:r>
+                <a:r>
+                  <a:rPr lang="fr-FR" sz="2400" b="1" dirty="0" smtClean="0">
+                    <a:latin typeface="Consolas" panose="020B0609020204030204" pitchFamily="49" charset="0"/>
+                  </a:rPr>
+                  <a:t> </a:t>
+                </a:r>
+                <a:r>
+                  <a:rPr lang="fr-FR" sz="2400" b="1" dirty="0">
+                    <a:latin typeface="Consolas" panose="020B0609020204030204" pitchFamily="49" charset="0"/>
+                  </a:rPr>
+                  <a:t>= y </a:t>
+                </a:r>
+                <a:r>
+                  <a:rPr lang="fr-FR" sz="2400" dirty="0">
+                    <a:latin typeface="+mj-lt"/>
+                  </a:rPr>
+                  <a:t>par </a:t>
+                </a:r>
+                <a:r>
+                  <a:rPr lang="fr-FR" sz="2400" dirty="0">
+                    <a:latin typeface="+mj-lt"/>
+                  </a:rPr>
+                  <a:t>le problème </a:t>
+                </a:r>
+                <a:r>
+                  <a:rPr lang="fr-FR" sz="2400" dirty="0">
+                    <a:latin typeface="+mj-lt"/>
+                  </a:rPr>
+                  <a:t>régularisé </a:t>
+                </a:r>
+                <a:r>
+                  <a:rPr lang="fr-FR" sz="2400" dirty="0" smtClean="0"/>
+                  <a:t>:</a:t>
+                </a:r>
+                <a:endParaRPr lang="fr-FR" sz="2400" dirty="0"/>
+              </a:p>
+            </p:txBody>
+          </p:sp>
+        </mc:Choice>
+        <mc:Fallback>
+          <p:sp>
+            <p:nvSpPr>
+              <p:cNvPr id="2" name="Rectangle 1"/>
+              <p:cNvSpPr>
+                <a:spLocks noRot="1" noChangeAspect="1" noMove="1" noResize="1" noEditPoints="1" noAdjustHandles="1" noChangeArrowheads="1" noChangeShapeType="1" noTextEdit="1"/>
+              </p:cNvSpPr>
+              <p:nvPr/>
+            </p:nvSpPr>
+            <p:spPr>
+              <a:xfrm>
+                <a:off x="325120" y="1407612"/>
+                <a:ext cx="11424920" cy="1621278"/>
+              </a:xfrm>
+              <a:prstGeom prst="rect">
+                <a:avLst/>
+              </a:prstGeom>
+              <a:blipFill>
+                <a:blip r:embed="rId2"/>
+                <a:stretch>
+                  <a:fillRect l="-800" t="-3008" b="-4511"/>
+                </a:stretch>
+              </a:blipFill>
+            </p:spPr>
+            <p:txBody>
+              <a:bodyPr/>
+              <a:lstStyle/>
+              <a:p>
+                <a:r>
+                  <a:rPr lang="fr-FR">
+                    <a:noFill/>
+                  </a:rPr>
+                  <a:t> </a:t>
+                </a:r>
+              </a:p>
+            </p:txBody>
+          </p:sp>
+        </mc:Fallback>
+      </mc:AlternateContent>
+      <mc:AlternateContent xmlns:mc="http://schemas.openxmlformats.org/markup-compatibility/2006">
+        <mc:Choice xmlns:a14="http://schemas.microsoft.com/office/drawing/2010/main" Requires="a14">
+          <p:sp>
+            <p:nvSpPr>
+              <p:cNvPr id="3" name="ZoneTexte 2"/>
+              <p:cNvSpPr txBox="1"/>
+              <p:nvPr/>
+            </p:nvSpPr>
+            <p:spPr>
+              <a:xfrm>
+                <a:off x="1483360" y="3370456"/>
+                <a:ext cx="7660640" cy="858568"/>
+              </a:xfrm>
+              <a:prstGeom prst="rect">
+                <a:avLst/>
+              </a:prstGeom>
+              <a:noFill/>
+            </p:spPr>
+            <p:txBody>
+              <a:bodyPr wrap="square" lIns="0" tIns="0" rIns="0" bIns="0" rtlCol="0">
+                <a:spAutoFit/>
+              </a:bodyPr>
+              <a:lstStyle/>
+              <a:p>
+                <a14:m>
+                  <m:oMathPara xmlns:m="http://schemas.openxmlformats.org/officeDocument/2006/math">
+                    <m:oMathParaPr>
+                      <m:jc m:val="centerGroup"/>
+                    </m:oMathParaPr>
+                    <m:oMath xmlns:m="http://schemas.openxmlformats.org/officeDocument/2006/math">
+                      <m:sSub>
+                        <m:sSubPr>
+                          <m:ctrlPr>
+                            <a:rPr lang="fr-FR" sz="2800" b="1" i="1" smtClean="0">
+                              <a:latin typeface="Cambria Math" panose="02040503050406030204" pitchFamily="18" charset="0"/>
+                            </a:rPr>
+                          </m:ctrlPr>
+                        </m:sSubPr>
+                        <m:e>
+                          <m:r>
+                            <a:rPr lang="fr-FR" sz="2800" b="1" i="1" smtClean="0">
+                              <a:latin typeface="Cambria Math" panose="02040503050406030204" pitchFamily="18" charset="0"/>
+                            </a:rPr>
+                            <m:t>𝒎𝒊𝒏</m:t>
+                          </m:r>
+                        </m:e>
+                        <m:sub>
+                          <m:r>
+                            <a:rPr lang="fr-FR" sz="2800" b="1" i="1" smtClean="0">
+                              <a:latin typeface="Cambria Math" panose="02040503050406030204" pitchFamily="18" charset="0"/>
+                            </a:rPr>
+                            <m:t>𝒙</m:t>
+                          </m:r>
+                        </m:sub>
+                      </m:sSub>
+                      <m:r>
+                        <m:rPr>
+                          <m:nor/>
+                        </m:rPr>
+                        <a:rPr lang="fr-FR" sz="2800" b="1" dirty="0">
+                          <a:latin typeface="Consolas" panose="020B0609020204030204" pitchFamily="49" charset="0"/>
+                        </a:rPr>
+                        <m:t>‖</m:t>
+                      </m:r>
+                      <m:r>
+                        <m:rPr>
+                          <m:nor/>
+                        </m:rPr>
+                        <a:rPr lang="fr-FR" sz="2800" b="1" dirty="0">
+                          <a:latin typeface="Consolas" panose="020B0609020204030204" pitchFamily="49" charset="0"/>
+                        </a:rPr>
+                        <m:t>M</m:t>
+                      </m:r>
+                      <m:r>
+                        <m:rPr>
+                          <m:nor/>
+                        </m:rPr>
+                        <a:rPr lang="fr-FR" sz="2800" b="1" dirty="0">
+                          <a:latin typeface="Consolas" panose="020B0609020204030204" pitchFamily="49" charset="0"/>
+                        </a:rPr>
+                        <m:t> </m:t>
+                      </m:r>
+                      <m:r>
+                        <m:rPr>
+                          <m:nor/>
+                        </m:rPr>
+                        <a:rPr lang="fr-FR" sz="2800" b="1" dirty="0">
+                          <a:latin typeface="Consolas" panose="020B0609020204030204" pitchFamily="49" charset="0"/>
+                        </a:rPr>
+                        <m:t>x</m:t>
+                      </m:r>
+                      <m:r>
+                        <m:rPr>
+                          <m:nor/>
+                        </m:rPr>
+                        <a:rPr lang="fr-FR" sz="2800" b="1" dirty="0">
+                          <a:latin typeface="Consolas" panose="020B0609020204030204" pitchFamily="49" charset="0"/>
+                        </a:rPr>
+                        <m:t> − </m:t>
+                      </m:r>
+                      <m:r>
+                        <m:rPr>
+                          <m:nor/>
+                        </m:rPr>
+                        <a:rPr lang="fr-FR" sz="2800" b="1" dirty="0">
+                          <a:latin typeface="Consolas" panose="020B0609020204030204" pitchFamily="49" charset="0"/>
+                        </a:rPr>
+                        <m:t>y</m:t>
+                      </m:r>
+                      <m:r>
+                        <m:rPr>
+                          <m:nor/>
+                        </m:rPr>
+                        <a:rPr lang="fr-FR" sz="2800" b="1" dirty="0" smtClean="0">
+                          <a:latin typeface="Consolas" panose="020B0609020204030204" pitchFamily="49" charset="0"/>
+                        </a:rPr>
+                        <m:t>‖</m:t>
+                      </m:r>
+                      <m:r>
+                        <a:rPr lang="fr-FR" sz="2800" b="1" i="1" dirty="0" smtClean="0">
+                          <a:latin typeface="Cambria Math" panose="02040503050406030204" pitchFamily="18" charset="0"/>
+                        </a:rPr>
+                        <m:t>²</m:t>
+                      </m:r>
+                      <m:r>
+                        <a:rPr lang="fr-FR" sz="2800" b="1" i="1" smtClean="0">
+                          <a:latin typeface="Cambria Math" panose="02040503050406030204" pitchFamily="18" charset="0"/>
+                        </a:rPr>
+                        <m:t>= </m:t>
+                      </m:r>
+                      <m:f>
+                        <m:fPr>
+                          <m:ctrlPr>
+                            <a:rPr lang="fr-FR" sz="2800" b="1" i="1" smtClean="0">
+                              <a:latin typeface="Cambria Math" panose="02040503050406030204" pitchFamily="18" charset="0"/>
+                            </a:rPr>
+                          </m:ctrlPr>
+                        </m:fPr>
+                        <m:num>
+                          <m:r>
+                            <a:rPr lang="fr-FR" sz="2800" b="1" i="1" smtClean="0">
+                              <a:latin typeface="Cambria Math" panose="02040503050406030204" pitchFamily="18" charset="0"/>
+                              <a:ea typeface="Cambria Math" panose="02040503050406030204" pitchFamily="18" charset="0"/>
+                            </a:rPr>
+                            <m:t>𝜺</m:t>
+                          </m:r>
+                          <m:r>
+                            <a:rPr lang="fr-FR" sz="2800" b="1" i="1" smtClean="0">
+                              <a:latin typeface="Cambria Math" panose="02040503050406030204" pitchFamily="18" charset="0"/>
+                              <a:ea typeface="Cambria Math" panose="02040503050406030204" pitchFamily="18" charset="0"/>
+                            </a:rPr>
+                            <m:t>²</m:t>
+                          </m:r>
+                        </m:num>
+                        <m:den>
+                          <m:r>
+                            <a:rPr lang="fr-FR" sz="2800" b="1" i="1" smtClean="0">
+                              <a:latin typeface="Cambria Math" panose="02040503050406030204" pitchFamily="18" charset="0"/>
+                            </a:rPr>
+                            <m:t>𝟐</m:t>
+                          </m:r>
+                        </m:den>
+                      </m:f>
+                      <m:r>
+                        <m:rPr>
+                          <m:nor/>
+                        </m:rPr>
+                        <a:rPr lang="fr-FR" sz="2800" b="1" dirty="0">
+                          <a:latin typeface="Consolas" panose="020B0609020204030204" pitchFamily="49" charset="0"/>
+                        </a:rPr>
+                        <m:t>‖</m:t>
+                      </m:r>
+                      <m:r>
+                        <m:rPr>
+                          <m:nor/>
+                        </m:rPr>
+                        <a:rPr lang="fr-FR" sz="2800" b="1" dirty="0">
+                          <a:latin typeface="Consolas" panose="020B0609020204030204" pitchFamily="49" charset="0"/>
+                        </a:rPr>
+                        <m:t>x</m:t>
+                      </m:r>
+                      <m:r>
+                        <m:rPr>
+                          <m:nor/>
+                        </m:rPr>
+                        <a:rPr lang="fr-FR" sz="2800" b="1" dirty="0">
+                          <a:latin typeface="Consolas" panose="020B0609020204030204" pitchFamily="49" charset="0"/>
+                        </a:rPr>
+                        <m:t> − </m:t>
+                      </m:r>
+                      <m:r>
+                        <m:rPr>
+                          <m:nor/>
+                        </m:rPr>
+                        <a:rPr lang="fr-FR" sz="2800" b="1" i="0" dirty="0" smtClean="0">
+                          <a:latin typeface="Consolas" panose="020B0609020204030204" pitchFamily="49" charset="0"/>
+                        </a:rPr>
+                        <m:t>x</m:t>
+                      </m:r>
+                      <m:r>
+                        <m:rPr>
+                          <m:nor/>
+                        </m:rPr>
+                        <a:rPr lang="fr-FR" sz="2800" b="1" i="0" dirty="0" smtClean="0">
+                          <a:latin typeface="Consolas" panose="020B0609020204030204" pitchFamily="49" charset="0"/>
+                        </a:rPr>
+                        <m:t>0‖²</m:t>
+                      </m:r>
+                    </m:oMath>
+                  </m:oMathPara>
+                </a14:m>
+                <a:endParaRPr lang="fr-FR" sz="2800" b="1" dirty="0">
+                  <a:latin typeface="Consolas" panose="020B0609020204030204" pitchFamily="49" charset="0"/>
+                </a:endParaRPr>
+              </a:p>
+            </p:txBody>
+          </p:sp>
+        </mc:Choice>
+        <mc:Fallback>
+          <p:sp>
+            <p:nvSpPr>
+              <p:cNvPr id="3" name="ZoneTexte 2"/>
+              <p:cNvSpPr txBox="1">
+                <a:spLocks noRot="1" noChangeAspect="1" noMove="1" noResize="1" noEditPoints="1" noAdjustHandles="1" noChangeArrowheads="1" noChangeShapeType="1" noTextEdit="1"/>
+              </p:cNvSpPr>
+              <p:nvPr/>
+            </p:nvSpPr>
+            <p:spPr>
+              <a:xfrm>
+                <a:off x="1483360" y="3370456"/>
+                <a:ext cx="7660640" cy="858568"/>
+              </a:xfrm>
+              <a:prstGeom prst="rect">
+                <a:avLst/>
+              </a:prstGeom>
+              <a:blipFill>
+                <a:blip r:embed="rId3"/>
+                <a:stretch>
+                  <a:fillRect/>
+                </a:stretch>
+              </a:blipFill>
+            </p:spPr>
+            <p:txBody>
+              <a:bodyPr/>
+              <a:lstStyle/>
+              <a:p>
+                <a:r>
+                  <a:rPr lang="fr-FR">
+                    <a:noFill/>
+                  </a:rPr>
+                  <a:t> </a:t>
+                </a:r>
+              </a:p>
+            </p:txBody>
+          </p:sp>
+        </mc:Fallback>
+      </mc:AlternateContent>
+    </p:spTree>
+    <p:extLst>
+      <p:ext uri="{BB962C8B-B14F-4D97-AF65-F5344CB8AC3E}">
+        <p14:creationId xmlns:p14="http://schemas.microsoft.com/office/powerpoint/2010/main" val="4224389771"/>
+      </p:ext>
+    </p:extLst>
+  </p:cSld>
+  <p:clrMapOvr>
+    <a:masterClrMapping/>
+  </p:clrMapOvr>
+</p:sld>
+</file>
+
+<file path=ppt/slides/slide25.xml><?xml version="1.0" encoding="utf-8"?>
+<p:sld xmlns:a="http://schemas.openxmlformats.org/drawingml/2006/main" xmlns:r="http://schemas.openxmlformats.org/officeDocument/2006/relationships" xmlns:p="http://schemas.openxmlformats.org/presentationml/2006/main">
+  <p:cSld>
+    <p:spTree>
+      <p:nvGrpSpPr>
+        <p:cNvPr id="1" name=""/>
+        <p:cNvGrpSpPr/>
+        <p:nvPr/>
+      </p:nvGrpSpPr>
+      <p:grpSpPr>
+        <a:xfrm>
+          <a:off x="0" y="0"/>
+          <a:ext cx="0" cy="0"/>
+          <a:chOff x="0" y="0"/>
+          <a:chExt cx="0" cy="0"/>
+        </a:xfrm>
+      </p:grpSpPr>
+      <p:sp>
+        <p:nvSpPr>
+          <p:cNvPr id="5" name="Rectangle 4"/>
+          <p:cNvSpPr/>
+          <p:nvPr/>
+        </p:nvSpPr>
+        <p:spPr>
+          <a:xfrm>
+            <a:off x="2032000" y="96819"/>
+            <a:ext cx="8260080" cy="1077218"/>
+          </a:xfrm>
+          <a:prstGeom prst="rect">
+            <a:avLst/>
+          </a:prstGeom>
+        </p:spPr>
+        <p:txBody>
+          <a:bodyPr wrap="square">
+            <a:spAutoFit/>
+          </a:bodyPr>
+          <a:lstStyle/>
+          <a:p>
+            <a:r>
+              <a:rPr lang="fr-FR" sz="3200" b="1" dirty="0" smtClean="0"/>
+              <a:t>3. METHODES DE RESOLUTION DES PI</a:t>
+            </a:r>
+            <a:r>
+              <a:rPr lang="fr-FR" sz="3200" b="1" dirty="0"/>
+              <a:t/>
+            </a:r>
+            <a:br>
+              <a:rPr lang="fr-FR" sz="3200" b="1" dirty="0"/>
+            </a:br>
+            <a:endParaRPr lang="fr-FR" sz="3200" b="1" dirty="0"/>
+          </a:p>
+        </p:txBody>
+      </p:sp>
+      <p:sp>
+        <p:nvSpPr>
+          <p:cNvPr id="6" name="Rectangle 5"/>
+          <p:cNvSpPr/>
+          <p:nvPr/>
+        </p:nvSpPr>
+        <p:spPr>
+          <a:xfrm>
+            <a:off x="1117999" y="822837"/>
+            <a:ext cx="5526641" cy="1569660"/>
+          </a:xfrm>
+          <a:prstGeom prst="rect">
+            <a:avLst/>
+          </a:prstGeom>
+        </p:spPr>
+        <p:txBody>
+          <a:bodyPr wrap="none">
+            <a:spAutoFit/>
+          </a:bodyPr>
+          <a:lstStyle/>
+          <a:p>
+            <a:r>
+              <a:rPr lang="fr-FR" sz="3200" b="1" dirty="0" smtClean="0"/>
+              <a:t>3.2. </a:t>
+            </a:r>
+            <a:r>
+              <a:rPr lang="fr-FR" sz="3200" b="1" dirty="0"/>
+              <a:t>1. La méthode de Tikhonov</a:t>
+            </a:r>
+          </a:p>
+          <a:p>
+            <a:endParaRPr lang="fr-FR" sz="3200" b="1" dirty="0"/>
+          </a:p>
+          <a:p>
+            <a:endParaRPr lang="fr-FR" sz="3200" b="1" dirty="0"/>
+          </a:p>
+        </p:txBody>
+      </p:sp>
+      <mc:AlternateContent xmlns:mc="http://schemas.openxmlformats.org/markup-compatibility/2006">
+        <mc:Choice xmlns:a14="http://schemas.microsoft.com/office/drawing/2010/main" Requires="a14">
+          <p:sp>
+            <p:nvSpPr>
+              <p:cNvPr id="2" name="Rectangle 1"/>
+              <p:cNvSpPr/>
+              <p:nvPr/>
+            </p:nvSpPr>
+            <p:spPr>
+              <a:xfrm>
+                <a:off x="325120" y="1407612"/>
+                <a:ext cx="11424920" cy="3785652"/>
+              </a:xfrm>
+              <a:prstGeom prst="rect">
+                <a:avLst/>
+              </a:prstGeom>
+            </p:spPr>
+            <p:txBody>
+              <a:bodyPr wrap="square">
+                <a:spAutoFit/>
+              </a:bodyPr>
+              <a:lstStyle/>
+              <a:p>
+                <a:r>
+                  <a:rPr lang="fr-FR" sz="2400" dirty="0">
+                    <a:latin typeface="+mj-lt"/>
+                  </a:rPr>
+                  <a:t>On peut montrer que ce problème admet une solution unique, qui </a:t>
+                </a:r>
+                <a:r>
+                  <a:rPr lang="fr-FR" sz="2400" dirty="0" smtClean="0">
+                    <a:latin typeface="+mj-lt"/>
+                  </a:rPr>
+                  <a:t>dépend continûment </a:t>
+                </a:r>
+                <a:r>
+                  <a:rPr lang="fr-FR" sz="2400" dirty="0">
+                    <a:latin typeface="+mj-lt"/>
+                  </a:rPr>
+                  <a:t>de </a:t>
+                </a:r>
+                <a:r>
+                  <a:rPr lang="fr-FR" sz="2400" b="1" dirty="0">
+                    <a:latin typeface="Consolas" panose="020B0609020204030204" pitchFamily="49" charset="0"/>
+                  </a:rPr>
+                  <a:t>y</a:t>
+                </a:r>
+                <a:r>
+                  <a:rPr lang="fr-FR" sz="2400" dirty="0">
+                    <a:latin typeface="+mj-lt"/>
+                  </a:rPr>
+                  <a:t>, et qui converge lorsque </a:t>
+                </a:r>
+                <a14:m>
+                  <m:oMath xmlns:m="http://schemas.openxmlformats.org/officeDocument/2006/math">
+                    <m:r>
+                      <a:rPr lang="fr-FR" sz="2400" b="1">
+                        <a:latin typeface="Consolas" panose="020B0609020204030204" pitchFamily="49" charset="0"/>
+                      </a:rPr>
+                      <m:t>𝜺</m:t>
+                    </m:r>
+                  </m:oMath>
+                </a14:m>
+                <a:r>
+                  <a:rPr lang="fr-FR" sz="2400" b="1" dirty="0">
+                    <a:latin typeface="Consolas" panose="020B0609020204030204" pitchFamily="49" charset="0"/>
+                  </a:rPr>
+                  <a:t> </a:t>
+                </a:r>
+                <a:r>
+                  <a:rPr lang="fr-FR" sz="2400" b="1" dirty="0">
+                    <a:latin typeface="Consolas" panose="020B0609020204030204" pitchFamily="49" charset="0"/>
+                  </a:rPr>
+                  <a:t>→ 0 </a:t>
+                </a:r>
+                <a:r>
+                  <a:rPr lang="fr-FR" sz="2400" dirty="0">
+                    <a:latin typeface="+mj-lt"/>
+                  </a:rPr>
+                  <a:t>vers la solution de </a:t>
+                </a:r>
+                <a:r>
+                  <a:rPr lang="fr-FR" sz="2400" b="1" dirty="0">
+                    <a:latin typeface="Consolas" panose="020B0609020204030204" pitchFamily="49" charset="0"/>
+                  </a:rPr>
+                  <a:t>M x = </a:t>
+                </a:r>
+                <a:r>
+                  <a:rPr lang="fr-FR" sz="2400" b="1" dirty="0" smtClean="0">
+                    <a:latin typeface="Consolas" panose="020B0609020204030204" pitchFamily="49" charset="0"/>
+                  </a:rPr>
+                  <a:t>y </a:t>
+                </a:r>
+                <a:r>
+                  <a:rPr lang="fr-FR" sz="2400" dirty="0" smtClean="0">
+                    <a:latin typeface="+mj-lt"/>
+                  </a:rPr>
+                  <a:t>la </a:t>
+                </a:r>
+                <a:r>
+                  <a:rPr lang="fr-FR" sz="2400" dirty="0">
+                    <a:latin typeface="+mj-lt"/>
+                  </a:rPr>
+                  <a:t>plus proche de </a:t>
+                </a:r>
+                <a:r>
+                  <a:rPr lang="fr-FR" sz="2400" b="1" dirty="0">
+                    <a:latin typeface="Consolas" panose="020B0609020204030204" pitchFamily="49" charset="0"/>
+                  </a:rPr>
+                  <a:t>x0</a:t>
+                </a:r>
+                <a:r>
+                  <a:rPr lang="fr-FR" sz="2400" dirty="0">
+                    <a:latin typeface="+mj-lt"/>
+                  </a:rPr>
+                  <a:t>. Ce problème est donc bien posé. Évidemment, si </a:t>
+                </a:r>
+                <a:r>
+                  <a:rPr lang="fr-FR" sz="2400" dirty="0" smtClean="0">
+                    <a:latin typeface="+mj-lt"/>
+                  </a:rPr>
+                  <a:t>ǫ est </a:t>
+                </a:r>
+                <a:r>
+                  <a:rPr lang="fr-FR" sz="2400" dirty="0">
+                    <a:latin typeface="+mj-lt"/>
+                  </a:rPr>
+                  <a:t>choisi trop petit, le problème de départ et le problème régularisé </a:t>
+                </a:r>
+                <a:r>
+                  <a:rPr lang="fr-FR" sz="2400" dirty="0" smtClean="0">
+                    <a:latin typeface="+mj-lt"/>
+                  </a:rPr>
+                  <a:t>seront proches</a:t>
+                </a:r>
+                <a:r>
+                  <a:rPr lang="fr-FR" sz="2400" dirty="0">
+                    <a:latin typeface="+mj-lt"/>
+                  </a:rPr>
+                  <a:t>, donc tous les deux mal posés si celui de départ l’est, alors que si </a:t>
+                </a:r>
+                <a14:m>
+                  <m:oMath xmlns:m="http://schemas.openxmlformats.org/officeDocument/2006/math">
+                    <m:r>
+                      <a:rPr lang="fr-FR" sz="2400" b="1" i="1">
+                        <a:latin typeface="Cambria Math" panose="02040503050406030204" pitchFamily="18" charset="0"/>
+                        <a:ea typeface="Cambria Math" panose="02040503050406030204" pitchFamily="18" charset="0"/>
+                      </a:rPr>
+                      <m:t>𝜺</m:t>
+                    </m:r>
+                  </m:oMath>
+                </a14:m>
+                <a:r>
+                  <a:rPr lang="fr-FR" sz="2400" dirty="0" smtClean="0">
+                    <a:latin typeface="+mj-lt"/>
+                  </a:rPr>
+                  <a:t> est </a:t>
+                </a:r>
+                <a:r>
+                  <a:rPr lang="fr-FR" sz="2400" dirty="0">
+                    <a:latin typeface="+mj-lt"/>
+                  </a:rPr>
+                  <a:t>trop grand, le problème régularisé ne sert qu’à forcer </a:t>
+                </a:r>
+                <a:r>
+                  <a:rPr lang="fr-FR" sz="2400" b="1" dirty="0">
+                    <a:latin typeface="Consolas" panose="020B0609020204030204" pitchFamily="49" charset="0"/>
+                  </a:rPr>
+                  <a:t>x</a:t>
+                </a:r>
+                <a:r>
+                  <a:rPr lang="fr-FR" sz="2400" dirty="0">
+                    <a:latin typeface="+mj-lt"/>
+                  </a:rPr>
+                  <a:t> à être proche </a:t>
+                </a:r>
+                <a:r>
+                  <a:rPr lang="fr-FR" sz="2400" dirty="0" smtClean="0">
+                    <a:latin typeface="+mj-lt"/>
+                  </a:rPr>
+                  <a:t>de </a:t>
+                </a:r>
+                <a:r>
+                  <a:rPr lang="fr-FR" sz="2400" b="1" dirty="0">
+                    <a:latin typeface="Consolas" panose="020B0609020204030204" pitchFamily="49" charset="0"/>
+                  </a:rPr>
+                  <a:t>x0</a:t>
+                </a:r>
+                <a:r>
+                  <a:rPr lang="fr-FR" sz="2400" dirty="0">
+                    <a:latin typeface="+mj-lt"/>
+                  </a:rPr>
+                  <a:t>. Le choix optimal du paramètre de régularisation </a:t>
+                </a:r>
+                <a14:m>
+                  <m:oMath xmlns:m="http://schemas.openxmlformats.org/officeDocument/2006/math">
+                    <m:r>
+                      <a:rPr lang="fr-FR" sz="2400" b="1" i="1">
+                        <a:latin typeface="Cambria Math" panose="02040503050406030204" pitchFamily="18" charset="0"/>
+                        <a:ea typeface="Cambria Math" panose="02040503050406030204" pitchFamily="18" charset="0"/>
+                      </a:rPr>
+                      <m:t>𝜺</m:t>
+                    </m:r>
+                  </m:oMath>
+                </a14:m>
+                <a:r>
+                  <a:rPr lang="fr-FR" sz="2400" dirty="0" smtClean="0">
+                    <a:latin typeface="+mj-lt"/>
+                  </a:rPr>
+                  <a:t> </a:t>
+                </a:r>
+                <a:r>
+                  <a:rPr lang="fr-FR" sz="2400" dirty="0">
+                    <a:latin typeface="+mj-lt"/>
+                  </a:rPr>
+                  <a:t>est par </a:t>
+                </a:r>
+                <a:r>
+                  <a:rPr lang="fr-FR" sz="2400" dirty="0" smtClean="0">
+                    <a:latin typeface="+mj-lt"/>
+                  </a:rPr>
+                  <a:t>conséquent délicat.</a:t>
                 </a:r>
               </a:p>
               <a:p>
+                <a:endParaRPr lang="fr-FR" sz="2400" dirty="0">
+                  <a:latin typeface="+mj-lt"/>
+                </a:endParaRPr>
+              </a:p>
+              <a:p>
+                <a:r>
+                  <a:rPr lang="fr-FR" sz="2400" dirty="0">
+                    <a:latin typeface="+mj-lt"/>
+                  </a:rPr>
+                  <a:t>Nous voyons donc bien la nécessité d’adapter le paramètre de </a:t>
+                </a:r>
                 <a:r>
                   <a:rPr lang="fr-FR" sz="2400" dirty="0" smtClean="0">
-                    <a:effectLst/>
-                    <a:latin typeface="+mj-lt"/>
-                  </a:rPr>
-                  <a:t>([</a:t>
-                </a:r>
-                <a:r>
-                  <a:rPr lang="fr-FR" sz="2400" dirty="0" err="1" smtClean="0">
-                    <a:effectLst/>
-                    <a:latin typeface="+mj-lt"/>
-                  </a:rPr>
-                  <a:t>Kern</a:t>
+                    <a:latin typeface="+mj-lt"/>
+                  </a:rPr>
+                  <a:t>régularisation </a:t>
+                </a:r>
+                <a:r>
+                  <a:rPr lang="fr-FR" sz="2400" dirty="0">
+                    <a:latin typeface="+mj-lt"/>
+                  </a:rPr>
+                  <a:t>au niveau de bruit présent dans les données. Une telle stratégie </a:t>
                 </a:r>
                 <a:r>
                   <a:rPr lang="fr-FR" sz="2400" dirty="0" smtClean="0">
-                    <a:effectLst/>
-                    <a:latin typeface="+mj-lt"/>
-                  </a:rPr>
-                  <a:t>, 2002]).</a:t>
+                    <a:latin typeface="+mj-lt"/>
+                  </a:rPr>
+                  <a:t>de régularisation </a:t>
+                </a:r>
+                <a:r>
+                  <a:rPr lang="fr-FR" sz="2400" dirty="0">
+                    <a:latin typeface="+mj-lt"/>
+                  </a:rPr>
+                  <a:t>peut se concevoir de deux </a:t>
+                </a:r>
+                <a:r>
+                  <a:rPr lang="fr-FR" sz="2400" dirty="0" smtClean="0">
+                    <a:latin typeface="+mj-lt"/>
+                  </a:rPr>
+                  <a:t>façons:</a:t>
+                </a:r>
+                <a:endParaRPr lang="fr-FR" sz="2400" dirty="0">
+                  <a:latin typeface="+mj-lt"/>
+                </a:endParaRPr>
+              </a:p>
+            </p:txBody>
+          </p:sp>
+        </mc:Choice>
+        <mc:Fallback>
+          <p:sp>
+            <p:nvSpPr>
+              <p:cNvPr id="2" name="Rectangle 1"/>
+              <p:cNvSpPr>
+                <a:spLocks noRot="1" noChangeAspect="1" noMove="1" noResize="1" noEditPoints="1" noAdjustHandles="1" noChangeArrowheads="1" noChangeShapeType="1" noTextEdit="1"/>
+              </p:cNvSpPr>
+              <p:nvPr/>
+            </p:nvSpPr>
+            <p:spPr>
+              <a:xfrm>
+                <a:off x="325120" y="1407612"/>
+                <a:ext cx="11424920" cy="3785652"/>
+              </a:xfrm>
+              <a:prstGeom prst="rect">
+                <a:avLst/>
+              </a:prstGeom>
+              <a:blipFill>
+                <a:blip r:embed="rId2"/>
+                <a:stretch>
+                  <a:fillRect l="-800" t="-1288" r="-693" b="-2738"/>
+                </a:stretch>
+              </a:blipFill>
+            </p:spPr>
+            <p:txBody>
+              <a:bodyPr/>
+              <a:lstStyle/>
+              <a:p>
+                <a:r>
+                  <a:rPr lang="fr-FR">
+                    <a:noFill/>
+                  </a:rPr>
+                  <a:t> </a:t>
+                </a:r>
+              </a:p>
+            </p:txBody>
+          </p:sp>
+        </mc:Fallback>
+      </mc:AlternateContent>
+    </p:spTree>
+    <p:extLst>
+      <p:ext uri="{BB962C8B-B14F-4D97-AF65-F5344CB8AC3E}">
+        <p14:creationId xmlns:p14="http://schemas.microsoft.com/office/powerpoint/2010/main" val="4267183228"/>
+      </p:ext>
+    </p:extLst>
+  </p:cSld>
+  <p:clrMapOvr>
+    <a:masterClrMapping/>
+  </p:clrMapOvr>
+</p:sld>
+</file>
+
+<file path=ppt/slides/slide26.xml><?xml version="1.0" encoding="utf-8"?>
+<p:sld xmlns:a="http://schemas.openxmlformats.org/drawingml/2006/main" xmlns:r="http://schemas.openxmlformats.org/officeDocument/2006/relationships" xmlns:p="http://schemas.openxmlformats.org/presentationml/2006/main">
+  <p:cSld>
+    <p:spTree>
+      <p:nvGrpSpPr>
+        <p:cNvPr id="1" name=""/>
+        <p:cNvGrpSpPr/>
+        <p:nvPr/>
+      </p:nvGrpSpPr>
+      <p:grpSpPr>
+        <a:xfrm>
+          <a:off x="0" y="0"/>
+          <a:ext cx="0" cy="0"/>
+          <a:chOff x="0" y="0"/>
+          <a:chExt cx="0" cy="0"/>
+        </a:xfrm>
+      </p:grpSpPr>
+      <p:sp>
+        <p:nvSpPr>
+          <p:cNvPr id="5" name="Rectangle 4"/>
+          <p:cNvSpPr/>
+          <p:nvPr/>
+        </p:nvSpPr>
+        <p:spPr>
+          <a:xfrm>
+            <a:off x="2032000" y="96819"/>
+            <a:ext cx="8260080" cy="1077218"/>
+          </a:xfrm>
+          <a:prstGeom prst="rect">
+            <a:avLst/>
+          </a:prstGeom>
+        </p:spPr>
+        <p:txBody>
+          <a:bodyPr wrap="square">
+            <a:spAutoFit/>
+          </a:bodyPr>
+          <a:lstStyle/>
+          <a:p>
+            <a:r>
+              <a:rPr lang="fr-FR" sz="3200" b="1" dirty="0" smtClean="0"/>
+              <a:t>3. METHODES DE RESOLUTION DES PI</a:t>
+            </a:r>
+            <a:r>
+              <a:rPr lang="fr-FR" sz="3200" b="1" dirty="0"/>
+              <a:t/>
+            </a:r>
+            <a:br>
+              <a:rPr lang="fr-FR" sz="3200" b="1" dirty="0"/>
+            </a:br>
+            <a:endParaRPr lang="fr-FR" sz="3200" b="1" dirty="0"/>
+          </a:p>
+        </p:txBody>
+      </p:sp>
+      <p:sp>
+        <p:nvSpPr>
+          <p:cNvPr id="6" name="Rectangle 5"/>
+          <p:cNvSpPr/>
+          <p:nvPr/>
+        </p:nvSpPr>
+        <p:spPr>
+          <a:xfrm>
+            <a:off x="1117999" y="822837"/>
+            <a:ext cx="5526641" cy="1569660"/>
+          </a:xfrm>
+          <a:prstGeom prst="rect">
+            <a:avLst/>
+          </a:prstGeom>
+        </p:spPr>
+        <p:txBody>
+          <a:bodyPr wrap="none">
+            <a:spAutoFit/>
+          </a:bodyPr>
+          <a:lstStyle/>
+          <a:p>
+            <a:r>
+              <a:rPr lang="fr-FR" sz="3200" b="1" dirty="0" smtClean="0"/>
+              <a:t>3.2. </a:t>
+            </a:r>
+            <a:r>
+              <a:rPr lang="fr-FR" sz="3200" b="1" dirty="0"/>
+              <a:t>1. La méthode de Tikhonov</a:t>
+            </a:r>
+          </a:p>
+          <a:p>
+            <a:endParaRPr lang="fr-FR" sz="3200" b="1" dirty="0"/>
+          </a:p>
+          <a:p>
+            <a:endParaRPr lang="fr-FR" sz="3200" b="1" dirty="0"/>
+          </a:p>
+        </p:txBody>
+      </p:sp>
+      <p:sp>
+        <p:nvSpPr>
+          <p:cNvPr id="2" name="Rectangle 1"/>
+          <p:cNvSpPr/>
+          <p:nvPr/>
+        </p:nvSpPr>
+        <p:spPr>
+          <a:xfrm>
+            <a:off x="325120" y="1407612"/>
+            <a:ext cx="11424920" cy="4893647"/>
+          </a:xfrm>
+          <a:prstGeom prst="rect">
+            <a:avLst/>
+          </a:prstGeom>
+        </p:spPr>
+        <p:txBody>
+          <a:bodyPr wrap="square">
+            <a:spAutoFit/>
+          </a:bodyPr>
+          <a:lstStyle/>
+          <a:p>
+            <a:r>
+              <a:rPr lang="fr-FR" sz="2400" dirty="0" smtClean="0">
+                <a:latin typeface="+mj-lt"/>
+              </a:rPr>
+              <a:t>Nous </a:t>
+            </a:r>
+            <a:r>
+              <a:rPr lang="fr-FR" sz="2400" dirty="0">
+                <a:latin typeface="+mj-lt"/>
+              </a:rPr>
+              <a:t>voyons donc bien la nécessité d’adapter le paramètre de </a:t>
+            </a:r>
+            <a:r>
+              <a:rPr lang="fr-FR" sz="2400" dirty="0" smtClean="0">
+                <a:latin typeface="+mj-lt"/>
+              </a:rPr>
+              <a:t>régularisation </a:t>
+            </a:r>
+            <a:r>
+              <a:rPr lang="fr-FR" sz="2400" dirty="0">
+                <a:latin typeface="+mj-lt"/>
+              </a:rPr>
+              <a:t>au niveau de bruit présent dans les données. Une telle stratégie </a:t>
+            </a:r>
+            <a:r>
+              <a:rPr lang="fr-FR" sz="2400" dirty="0" smtClean="0">
+                <a:latin typeface="+mj-lt"/>
+              </a:rPr>
+              <a:t>de régularisation </a:t>
+            </a:r>
+            <a:r>
+              <a:rPr lang="fr-FR" sz="2400" dirty="0">
+                <a:latin typeface="+mj-lt"/>
+              </a:rPr>
+              <a:t>peut se concevoir de deux façons :</a:t>
+            </a:r>
+          </a:p>
+          <a:p>
+            <a:pPr marL="342900" indent="-342900">
+              <a:buFont typeface="Arial" panose="020B0604020202020204" pitchFamily="34" charset="0"/>
+              <a:buChar char="•"/>
+            </a:pPr>
+            <a:r>
+              <a:rPr lang="fr-FR" sz="2400" dirty="0" smtClean="0">
+                <a:latin typeface="+mj-lt"/>
+              </a:rPr>
+              <a:t>Si </a:t>
+            </a:r>
+            <a:r>
+              <a:rPr lang="fr-FR" sz="2400" dirty="0">
+                <a:latin typeface="+mj-lt"/>
+              </a:rPr>
+              <a:t>l’on possède une estimation du niveau de bruit, on peut en </a:t>
+            </a:r>
+            <a:r>
+              <a:rPr lang="fr-FR" sz="2400" dirty="0" smtClean="0">
+                <a:latin typeface="+mj-lt"/>
+              </a:rPr>
+              <a:t>déduire comment </a:t>
+            </a:r>
+            <a:r>
+              <a:rPr lang="fr-FR" sz="2400" dirty="0">
+                <a:latin typeface="+mj-lt"/>
+              </a:rPr>
+              <a:t>il faut choisir ǫ pour obtenir la convergence. Une telle </a:t>
+            </a:r>
+            <a:r>
+              <a:rPr lang="fr-FR" sz="2400" dirty="0" smtClean="0">
+                <a:latin typeface="+mj-lt"/>
+              </a:rPr>
+              <a:t>stratégie s’appelle </a:t>
+            </a:r>
+            <a:r>
+              <a:rPr lang="fr-FR" sz="2400" dirty="0">
+                <a:latin typeface="+mj-lt"/>
+              </a:rPr>
+              <a:t>une stratégie </a:t>
+            </a:r>
+            <a:r>
+              <a:rPr lang="fr-FR" sz="2400" dirty="0" smtClean="0">
+                <a:latin typeface="+mj-lt"/>
+              </a:rPr>
+              <a:t>de régularisation </a:t>
+            </a:r>
+            <a:r>
+              <a:rPr lang="fr-FR" sz="2400" dirty="0">
+                <a:latin typeface="+mj-lt"/>
+              </a:rPr>
+              <a:t>a priori. Elle suppose que </a:t>
+            </a:r>
+            <a:r>
+              <a:rPr lang="fr-FR" sz="2400" dirty="0" smtClean="0">
+                <a:latin typeface="+mj-lt"/>
+              </a:rPr>
+              <a:t>l’on sache </a:t>
+            </a:r>
+            <a:r>
+              <a:rPr lang="fr-FR" sz="2400" dirty="0">
+                <a:latin typeface="+mj-lt"/>
+              </a:rPr>
+              <a:t>estimer le bruit présent dans les données, ce qui n’est pas </a:t>
+            </a:r>
+            <a:r>
+              <a:rPr lang="fr-FR" sz="2400" dirty="0" smtClean="0">
+                <a:latin typeface="+mj-lt"/>
+              </a:rPr>
+              <a:t>forcément possible ;</a:t>
+            </a:r>
+          </a:p>
+          <a:p>
+            <a:pPr marL="342900" indent="-342900">
+              <a:buFont typeface="Arial" panose="020B0604020202020204" pitchFamily="34" charset="0"/>
+              <a:buChar char="•"/>
+            </a:pPr>
+            <a:endParaRPr lang="fr-FR" sz="2400" dirty="0">
+              <a:latin typeface="+mj-lt"/>
+            </a:endParaRPr>
+          </a:p>
+          <a:p>
+            <a:pPr marL="342900" indent="-342900">
+              <a:buFont typeface="Arial" panose="020B0604020202020204" pitchFamily="34" charset="0"/>
+              <a:buChar char="•"/>
+            </a:pPr>
+            <a:r>
+              <a:rPr lang="fr-FR" sz="2400" dirty="0" smtClean="0">
+                <a:latin typeface="+mj-lt"/>
+              </a:rPr>
+              <a:t>L’autre </a:t>
+            </a:r>
+            <a:r>
+              <a:rPr lang="fr-FR" sz="2400" dirty="0">
+                <a:latin typeface="+mj-lt"/>
+              </a:rPr>
+              <a:t>stratégie, appelée a posteriori, consiste à estimer au cours </a:t>
+            </a:r>
+            <a:r>
+              <a:rPr lang="fr-FR" sz="2400" dirty="0" smtClean="0">
+                <a:latin typeface="+mj-lt"/>
+              </a:rPr>
+              <a:t>du calcul </a:t>
+            </a:r>
+            <a:r>
+              <a:rPr lang="fr-FR" sz="2400" dirty="0">
+                <a:latin typeface="+mj-lt"/>
+              </a:rPr>
+              <a:t>la valeur convenable du paramètre, en utilisant uniquement </a:t>
+            </a:r>
+            <a:r>
+              <a:rPr lang="fr-FR" sz="2400" dirty="0" smtClean="0">
+                <a:latin typeface="+mj-lt"/>
+              </a:rPr>
+              <a:t>les données disponibles. Des </a:t>
+            </a:r>
+            <a:r>
+              <a:rPr lang="fr-FR" sz="2400" dirty="0">
+                <a:latin typeface="+mj-lt"/>
+              </a:rPr>
+              <a:t>informations complémentaires se trouvent dans [Petit, 2013</a:t>
+            </a:r>
+            <a:r>
+              <a:rPr lang="fr-FR" sz="2400" dirty="0" smtClean="0">
+                <a:latin typeface="+mj-lt"/>
+              </a:rPr>
+              <a:t>].Cette </a:t>
+            </a:r>
+            <a:r>
+              <a:rPr lang="fr-FR" sz="2400" dirty="0">
+                <a:latin typeface="+mj-lt"/>
+              </a:rPr>
+              <a:t>notion </a:t>
+            </a:r>
+            <a:r>
+              <a:rPr lang="fr-FR" sz="2400" dirty="0" smtClean="0">
+                <a:latin typeface="+mj-lt"/>
+              </a:rPr>
+              <a:t>de régularisation </a:t>
+            </a:r>
+            <a:r>
+              <a:rPr lang="fr-FR" sz="2400" dirty="0">
+                <a:latin typeface="+mj-lt"/>
+              </a:rPr>
+              <a:t>a été étendue. On peut également </a:t>
+            </a:r>
+            <a:r>
+              <a:rPr lang="fr-FR" sz="2400" dirty="0" smtClean="0">
+                <a:latin typeface="+mj-lt"/>
+              </a:rPr>
+              <a:t>régulariser le </a:t>
+            </a:r>
+            <a:r>
+              <a:rPr lang="fr-FR" sz="2400" dirty="0">
+                <a:latin typeface="+mj-lt"/>
+              </a:rPr>
+              <a:t>problème par une (des) contrainte(s) </a:t>
+            </a:r>
+            <a:r>
+              <a:rPr lang="fr-FR" sz="2400" b="1" dirty="0">
+                <a:latin typeface="Consolas" panose="020B0609020204030204" pitchFamily="49" charset="0"/>
+              </a:rPr>
+              <a:t>F (x) = 0 </a:t>
+            </a:r>
+            <a:r>
+              <a:rPr lang="fr-FR" sz="2400" dirty="0">
+                <a:latin typeface="+mj-lt"/>
+              </a:rPr>
+              <a:t>comme suit :</a:t>
+            </a:r>
+            <a:endParaRPr lang="fr-FR" sz="2400" dirty="0">
+              <a:latin typeface="+mj-lt"/>
+            </a:endParaRPr>
+          </a:p>
+        </p:txBody>
+      </p:sp>
+    </p:spTree>
+    <p:extLst>
+      <p:ext uri="{BB962C8B-B14F-4D97-AF65-F5344CB8AC3E}">
+        <p14:creationId xmlns:p14="http://schemas.microsoft.com/office/powerpoint/2010/main" val="2481862252"/>
+      </p:ext>
+    </p:extLst>
+  </p:cSld>
+  <p:clrMapOvr>
+    <a:masterClrMapping/>
+  </p:clrMapOvr>
+</p:sld>
+</file>
+
+<file path=ppt/slides/slide27.xml><?xml version="1.0" encoding="utf-8"?>
+<p:sld xmlns:a="http://schemas.openxmlformats.org/drawingml/2006/main" xmlns:r="http://schemas.openxmlformats.org/officeDocument/2006/relationships" xmlns:p="http://schemas.openxmlformats.org/presentationml/2006/main">
+  <p:cSld>
+    <p:spTree>
+      <p:nvGrpSpPr>
+        <p:cNvPr id="1" name=""/>
+        <p:cNvGrpSpPr/>
+        <p:nvPr/>
+      </p:nvGrpSpPr>
+      <p:grpSpPr>
+        <a:xfrm>
+          <a:off x="0" y="0"/>
+          <a:ext cx="0" cy="0"/>
+          <a:chOff x="0" y="0"/>
+          <a:chExt cx="0" cy="0"/>
+        </a:xfrm>
+      </p:grpSpPr>
+      <p:sp>
+        <p:nvSpPr>
+          <p:cNvPr id="5" name="Rectangle 4"/>
+          <p:cNvSpPr/>
+          <p:nvPr/>
+        </p:nvSpPr>
+        <p:spPr>
+          <a:xfrm>
+            <a:off x="2032000" y="96819"/>
+            <a:ext cx="8260080" cy="1077218"/>
+          </a:xfrm>
+          <a:prstGeom prst="rect">
+            <a:avLst/>
+          </a:prstGeom>
+        </p:spPr>
+        <p:txBody>
+          <a:bodyPr wrap="square">
+            <a:spAutoFit/>
+          </a:bodyPr>
+          <a:lstStyle/>
+          <a:p>
+            <a:r>
+              <a:rPr lang="fr-FR" sz="3200" b="1" dirty="0" smtClean="0"/>
+              <a:t>3. METHODES DE RESOLUTION DES PI</a:t>
+            </a:r>
+            <a:r>
+              <a:rPr lang="fr-FR" sz="3200" b="1" dirty="0"/>
+              <a:t/>
+            </a:r>
+            <a:br>
+              <a:rPr lang="fr-FR" sz="3200" b="1" dirty="0"/>
+            </a:br>
+            <a:endParaRPr lang="fr-FR" sz="3200" b="1" dirty="0"/>
+          </a:p>
+        </p:txBody>
+      </p:sp>
+      <p:sp>
+        <p:nvSpPr>
+          <p:cNvPr id="6" name="Rectangle 5"/>
+          <p:cNvSpPr/>
+          <p:nvPr/>
+        </p:nvSpPr>
+        <p:spPr>
+          <a:xfrm>
+            <a:off x="1117999" y="822837"/>
+            <a:ext cx="5526641" cy="1569660"/>
+          </a:xfrm>
+          <a:prstGeom prst="rect">
+            <a:avLst/>
+          </a:prstGeom>
+        </p:spPr>
+        <p:txBody>
+          <a:bodyPr wrap="none">
+            <a:spAutoFit/>
+          </a:bodyPr>
+          <a:lstStyle/>
+          <a:p>
+            <a:r>
+              <a:rPr lang="fr-FR" sz="3200" b="1" dirty="0" smtClean="0"/>
+              <a:t>3.2. </a:t>
+            </a:r>
+            <a:r>
+              <a:rPr lang="fr-FR" sz="3200" b="1" dirty="0"/>
+              <a:t>1. La méthode de Tikhonov</a:t>
+            </a:r>
+          </a:p>
+          <a:p>
+            <a:endParaRPr lang="fr-FR" sz="3200" b="1" dirty="0"/>
+          </a:p>
+          <a:p>
+            <a:endParaRPr lang="fr-FR" sz="3200" b="1" dirty="0"/>
+          </a:p>
+        </p:txBody>
+      </p:sp>
+      <p:sp>
+        <p:nvSpPr>
+          <p:cNvPr id="2" name="Rectangle 1"/>
+          <p:cNvSpPr/>
+          <p:nvPr/>
+        </p:nvSpPr>
+        <p:spPr>
+          <a:xfrm>
+            <a:off x="325120" y="1407612"/>
+            <a:ext cx="11424920" cy="2308324"/>
+          </a:xfrm>
+          <a:prstGeom prst="rect">
+            <a:avLst/>
+          </a:prstGeom>
+        </p:spPr>
+        <p:txBody>
+          <a:bodyPr wrap="square">
+            <a:spAutoFit/>
+          </a:bodyPr>
+          <a:lstStyle/>
+          <a:p>
+            <a:endParaRPr lang="fr-FR" sz="2400" dirty="0" smtClean="0">
+              <a:latin typeface="+mj-lt"/>
+            </a:endParaRPr>
+          </a:p>
+          <a:p>
+            <a:endParaRPr lang="fr-FR" sz="2400" dirty="0">
+              <a:latin typeface="+mj-lt"/>
+            </a:endParaRPr>
+          </a:p>
+          <a:p>
+            <a:r>
+              <a:rPr lang="fr-FR" sz="2400" dirty="0" smtClean="0">
+                <a:latin typeface="+mj-lt"/>
+              </a:rPr>
+              <a:t/>
+            </a:r>
+            <a:br>
+              <a:rPr lang="fr-FR" sz="2400" dirty="0" smtClean="0">
+                <a:latin typeface="+mj-lt"/>
+              </a:rPr>
+            </a:br>
+            <a:endParaRPr lang="fr-FR" sz="2400" dirty="0" smtClean="0">
+              <a:latin typeface="+mj-lt"/>
+            </a:endParaRPr>
+          </a:p>
+          <a:p>
+            <a:r>
+              <a:rPr lang="fr-FR" sz="2400" dirty="0" smtClean="0">
+                <a:latin typeface="+mj-lt"/>
+              </a:rPr>
+              <a:t>Nous </a:t>
+            </a:r>
+            <a:r>
+              <a:rPr lang="fr-FR" sz="2400" dirty="0">
+                <a:latin typeface="+mj-lt"/>
+              </a:rPr>
+              <a:t>verrons plus loin que le principe de régularisation étendu est </a:t>
+            </a:r>
+            <a:r>
+              <a:rPr lang="fr-FR" sz="2400" dirty="0" smtClean="0">
+                <a:latin typeface="+mj-lt"/>
+              </a:rPr>
+              <a:t>largement </a:t>
+            </a:r>
+            <a:r>
+              <a:rPr lang="fr-FR" sz="2400" dirty="0">
+                <a:latin typeface="+mj-lt"/>
+              </a:rPr>
+              <a:t>utilisé dans les problèmes inverses aveugles. Son avantage est </a:t>
+            </a:r>
+            <a:r>
+              <a:rPr lang="fr-FR" sz="2400" dirty="0" smtClean="0">
+                <a:latin typeface="+mj-lt"/>
+              </a:rPr>
+              <a:t>l’utilisation </a:t>
+            </a:r>
+            <a:r>
+              <a:rPr lang="fr-FR" sz="2400" dirty="0">
+                <a:latin typeface="+mj-lt"/>
+              </a:rPr>
+              <a:t>d’information a priori.</a:t>
+            </a:r>
+            <a:endParaRPr lang="fr-FR" sz="2400" dirty="0">
+              <a:latin typeface="+mj-lt"/>
+            </a:endParaRPr>
+          </a:p>
+        </p:txBody>
+      </p:sp>
+      <mc:AlternateContent xmlns:mc="http://schemas.openxmlformats.org/markup-compatibility/2006">
+        <mc:Choice xmlns:a14="http://schemas.microsoft.com/office/drawing/2010/main" Requires="a14">
+          <p:sp>
+            <p:nvSpPr>
+              <p:cNvPr id="7" name="ZoneTexte 6"/>
+              <p:cNvSpPr txBox="1"/>
+              <p:nvPr/>
+            </p:nvSpPr>
+            <p:spPr>
+              <a:xfrm>
+                <a:off x="1229360" y="1758812"/>
+                <a:ext cx="7660640" cy="858568"/>
+              </a:xfrm>
+              <a:prstGeom prst="rect">
+                <a:avLst/>
+              </a:prstGeom>
+              <a:noFill/>
+            </p:spPr>
+            <p:txBody>
+              <a:bodyPr wrap="square" lIns="0" tIns="0" rIns="0" bIns="0" rtlCol="0">
+                <a:spAutoFit/>
+              </a:bodyPr>
+              <a:lstStyle/>
+              <a:p>
+                <a14:m>
+                  <m:oMathPara xmlns:m="http://schemas.openxmlformats.org/officeDocument/2006/math">
+                    <m:oMathParaPr>
+                      <m:jc m:val="centerGroup"/>
+                    </m:oMathParaPr>
+                    <m:oMath xmlns:m="http://schemas.openxmlformats.org/officeDocument/2006/math">
+                      <m:sSub>
+                        <m:sSubPr>
+                          <m:ctrlPr>
+                            <a:rPr lang="fr-FR" sz="2800" b="1" i="1" smtClean="0">
+                              <a:latin typeface="Cambria Math" panose="02040503050406030204" pitchFamily="18" charset="0"/>
+                            </a:rPr>
+                          </m:ctrlPr>
+                        </m:sSubPr>
+                        <m:e>
+                          <m:r>
+                            <a:rPr lang="fr-FR" sz="2800" b="1" i="1" smtClean="0">
+                              <a:latin typeface="Cambria Math" panose="02040503050406030204" pitchFamily="18" charset="0"/>
+                            </a:rPr>
+                            <m:t>𝒎𝒊𝒏</m:t>
+                          </m:r>
+                        </m:e>
+                        <m:sub>
+                          <m:r>
+                            <a:rPr lang="fr-FR" sz="2800" b="1" i="1" smtClean="0">
+                              <a:latin typeface="Cambria Math" panose="02040503050406030204" pitchFamily="18" charset="0"/>
+                            </a:rPr>
+                            <m:t>𝒙</m:t>
+                          </m:r>
+                        </m:sub>
+                      </m:sSub>
+                      <m:r>
+                        <m:rPr>
+                          <m:nor/>
+                        </m:rPr>
+                        <a:rPr lang="fr-FR" sz="2800" b="1" dirty="0">
+                          <a:latin typeface="Consolas" panose="020B0609020204030204" pitchFamily="49" charset="0"/>
+                        </a:rPr>
+                        <m:t>‖</m:t>
+                      </m:r>
+                      <m:r>
+                        <m:rPr>
+                          <m:nor/>
+                        </m:rPr>
+                        <a:rPr lang="fr-FR" sz="2800" b="1" dirty="0">
+                          <a:latin typeface="Consolas" panose="020B0609020204030204" pitchFamily="49" charset="0"/>
+                        </a:rPr>
+                        <m:t>M</m:t>
+                      </m:r>
+                      <m:r>
+                        <m:rPr>
+                          <m:nor/>
+                        </m:rPr>
+                        <a:rPr lang="fr-FR" sz="2800" b="1" dirty="0">
+                          <a:latin typeface="Consolas" panose="020B0609020204030204" pitchFamily="49" charset="0"/>
+                        </a:rPr>
+                        <m:t> </m:t>
+                      </m:r>
+                      <m:r>
+                        <m:rPr>
+                          <m:nor/>
+                        </m:rPr>
+                        <a:rPr lang="fr-FR" sz="2800" b="1" dirty="0">
+                          <a:latin typeface="Consolas" panose="020B0609020204030204" pitchFamily="49" charset="0"/>
+                        </a:rPr>
+                        <m:t>x</m:t>
+                      </m:r>
+                      <m:r>
+                        <m:rPr>
+                          <m:nor/>
+                        </m:rPr>
+                        <a:rPr lang="fr-FR" sz="2800" b="1" dirty="0">
+                          <a:latin typeface="Consolas" panose="020B0609020204030204" pitchFamily="49" charset="0"/>
+                        </a:rPr>
+                        <m:t> − </m:t>
+                      </m:r>
+                      <m:r>
+                        <m:rPr>
+                          <m:nor/>
+                        </m:rPr>
+                        <a:rPr lang="fr-FR" sz="2800" b="1" dirty="0">
+                          <a:latin typeface="Consolas" panose="020B0609020204030204" pitchFamily="49" charset="0"/>
+                        </a:rPr>
+                        <m:t>y</m:t>
+                      </m:r>
+                      <m:r>
+                        <m:rPr>
+                          <m:nor/>
+                        </m:rPr>
+                        <a:rPr lang="fr-FR" sz="2800" b="1" dirty="0" smtClean="0">
+                          <a:latin typeface="Consolas" panose="020B0609020204030204" pitchFamily="49" charset="0"/>
+                        </a:rPr>
+                        <m:t>‖</m:t>
+                      </m:r>
+                      <m:r>
+                        <a:rPr lang="fr-FR" sz="2800" b="1" i="1" dirty="0" smtClean="0">
+                          <a:latin typeface="Cambria Math" panose="02040503050406030204" pitchFamily="18" charset="0"/>
+                        </a:rPr>
+                        <m:t>²</m:t>
+                      </m:r>
+                      <m:r>
+                        <a:rPr lang="fr-FR" sz="2800" b="1" i="1" smtClean="0">
+                          <a:latin typeface="Cambria Math" panose="02040503050406030204" pitchFamily="18" charset="0"/>
+                        </a:rPr>
+                        <m:t>= </m:t>
+                      </m:r>
+                      <m:f>
+                        <m:fPr>
+                          <m:ctrlPr>
+                            <a:rPr lang="fr-FR" sz="2800" b="1" i="1" smtClean="0">
+                              <a:latin typeface="Cambria Math" panose="02040503050406030204" pitchFamily="18" charset="0"/>
+                            </a:rPr>
+                          </m:ctrlPr>
+                        </m:fPr>
+                        <m:num>
+                          <m:r>
+                            <a:rPr lang="fr-FR" sz="2800" b="1" i="1" smtClean="0">
+                              <a:latin typeface="Cambria Math" panose="02040503050406030204" pitchFamily="18" charset="0"/>
+                              <a:ea typeface="Cambria Math" panose="02040503050406030204" pitchFamily="18" charset="0"/>
+                            </a:rPr>
+                            <m:t>𝜺</m:t>
+                          </m:r>
+                          <m:r>
+                            <a:rPr lang="fr-FR" sz="2800" b="1" i="1" smtClean="0">
+                              <a:latin typeface="Cambria Math" panose="02040503050406030204" pitchFamily="18" charset="0"/>
+                              <a:ea typeface="Cambria Math" panose="02040503050406030204" pitchFamily="18" charset="0"/>
+                            </a:rPr>
+                            <m:t>²</m:t>
+                          </m:r>
+                        </m:num>
+                        <m:den>
+                          <m:r>
+                            <a:rPr lang="fr-FR" sz="2800" b="1" i="1" smtClean="0">
+                              <a:latin typeface="Cambria Math" panose="02040503050406030204" pitchFamily="18" charset="0"/>
+                            </a:rPr>
+                            <m:t>𝟐</m:t>
+                          </m:r>
+                        </m:den>
+                      </m:f>
+                      <m:r>
+                        <m:rPr>
+                          <m:nor/>
+                        </m:rPr>
+                        <a:rPr lang="fr-FR" sz="2800" b="1" dirty="0">
+                          <a:latin typeface="Consolas" panose="020B0609020204030204" pitchFamily="49" charset="0"/>
+                        </a:rPr>
+                        <m:t>‖</m:t>
+                      </m:r>
+                      <m:r>
+                        <m:rPr>
+                          <m:nor/>
+                        </m:rPr>
+                        <a:rPr lang="fr-FR" sz="2800" b="1" i="0" dirty="0" smtClean="0">
+                          <a:latin typeface="Consolas" panose="020B0609020204030204" pitchFamily="49" charset="0"/>
+                        </a:rPr>
+                        <m:t>F</m:t>
+                      </m:r>
+                      <m:r>
+                        <m:rPr>
+                          <m:nor/>
+                        </m:rPr>
+                        <a:rPr lang="fr-FR" sz="2800" b="1" i="0" dirty="0" smtClean="0">
+                          <a:latin typeface="Consolas" panose="020B0609020204030204" pitchFamily="49" charset="0"/>
+                        </a:rPr>
+                        <m:t>(</m:t>
+                      </m:r>
+                      <m:r>
+                        <m:rPr>
+                          <m:nor/>
+                        </m:rPr>
+                        <a:rPr lang="fr-FR" sz="2800" b="1" i="0" dirty="0" smtClean="0">
+                          <a:latin typeface="Consolas" panose="020B0609020204030204" pitchFamily="49" charset="0"/>
+                        </a:rPr>
+                        <m:t>x</m:t>
+                      </m:r>
+                      <m:r>
+                        <m:rPr>
+                          <m:nor/>
+                        </m:rPr>
+                        <a:rPr lang="fr-FR" sz="2800" b="1" i="0" dirty="0" smtClean="0">
+                          <a:latin typeface="Consolas" panose="020B0609020204030204" pitchFamily="49" charset="0"/>
+                        </a:rPr>
+                        <m:t>)‖²</m:t>
+                      </m:r>
+                    </m:oMath>
+                  </m:oMathPara>
+                </a14:m>
+                <a:endParaRPr lang="fr-FR" sz="2800" b="1" dirty="0">
+                  <a:latin typeface="Consolas" panose="020B0609020204030204" pitchFamily="49" charset="0"/>
+                </a:endParaRPr>
+              </a:p>
+            </p:txBody>
+          </p:sp>
+        </mc:Choice>
+        <mc:Fallback>
+          <p:sp>
+            <p:nvSpPr>
+              <p:cNvPr id="7" name="ZoneTexte 6"/>
+              <p:cNvSpPr txBox="1">
+                <a:spLocks noRot="1" noChangeAspect="1" noMove="1" noResize="1" noEditPoints="1" noAdjustHandles="1" noChangeArrowheads="1" noChangeShapeType="1" noTextEdit="1"/>
+              </p:cNvSpPr>
+              <p:nvPr/>
+            </p:nvSpPr>
+            <p:spPr>
+              <a:xfrm>
+                <a:off x="1229360" y="1758812"/>
+                <a:ext cx="7660640" cy="858568"/>
+              </a:xfrm>
+              <a:prstGeom prst="rect">
+                <a:avLst/>
+              </a:prstGeom>
+              <a:blipFill>
+                <a:blip r:embed="rId2"/>
+                <a:stretch>
+                  <a:fillRect/>
+                </a:stretch>
+              </a:blipFill>
+            </p:spPr>
+            <p:txBody>
+              <a:bodyPr/>
+              <a:lstStyle/>
+              <a:p>
+                <a:r>
+                  <a:rPr lang="fr-FR">
+                    <a:noFill/>
+                  </a:rPr>
+                  <a:t> </a:t>
+                </a:r>
+              </a:p>
+            </p:txBody>
+          </p:sp>
+        </mc:Fallback>
+      </mc:AlternateContent>
+    </p:spTree>
+    <p:extLst>
+      <p:ext uri="{BB962C8B-B14F-4D97-AF65-F5344CB8AC3E}">
+        <p14:creationId xmlns:p14="http://schemas.microsoft.com/office/powerpoint/2010/main" val="175194415"/>
+      </p:ext>
+    </p:extLst>
+  </p:cSld>
+  <p:clrMapOvr>
+    <a:masterClrMapping/>
+  </p:clrMapOvr>
+</p:sld>
+</file>
+
+<file path=ppt/slides/slide28.xml><?xml version="1.0" encoding="utf-8"?>
+<p:sld xmlns:a="http://schemas.openxmlformats.org/drawingml/2006/main" xmlns:r="http://schemas.openxmlformats.org/officeDocument/2006/relationships" xmlns:p="http://schemas.openxmlformats.org/presentationml/2006/main">
+  <p:cSld>
+    <p:spTree>
+      <p:nvGrpSpPr>
+        <p:cNvPr id="1" name=""/>
+        <p:cNvGrpSpPr/>
+        <p:nvPr/>
+      </p:nvGrpSpPr>
+      <p:grpSpPr>
+        <a:xfrm>
+          <a:off x="0" y="0"/>
+          <a:ext cx="0" cy="0"/>
+          <a:chOff x="0" y="0"/>
+          <a:chExt cx="0" cy="0"/>
+        </a:xfrm>
+      </p:grpSpPr>
+      <p:sp>
+        <p:nvSpPr>
+          <p:cNvPr id="5" name="Rectangle 4"/>
+          <p:cNvSpPr/>
+          <p:nvPr/>
+        </p:nvSpPr>
+        <p:spPr>
+          <a:xfrm>
+            <a:off x="2032000" y="96819"/>
+            <a:ext cx="8260080" cy="1077218"/>
+          </a:xfrm>
+          <a:prstGeom prst="rect">
+            <a:avLst/>
+          </a:prstGeom>
+        </p:spPr>
+        <p:txBody>
+          <a:bodyPr wrap="square">
+            <a:spAutoFit/>
+          </a:bodyPr>
+          <a:lstStyle/>
+          <a:p>
+            <a:r>
+              <a:rPr lang="fr-FR" sz="3200" b="1" dirty="0" smtClean="0"/>
+              <a:t>3. METHODES DE RESOLUTION DES PI</a:t>
+            </a:r>
+            <a:r>
+              <a:rPr lang="fr-FR" sz="3200" b="1" dirty="0"/>
+              <a:t/>
+            </a:r>
+            <a:br>
+              <a:rPr lang="fr-FR" sz="3200" b="1" dirty="0"/>
+            </a:br>
+            <a:endParaRPr lang="fr-FR" sz="3200" b="1" dirty="0"/>
+          </a:p>
+        </p:txBody>
+      </p:sp>
+      <p:sp>
+        <p:nvSpPr>
+          <p:cNvPr id="6" name="Rectangle 5"/>
+          <p:cNvSpPr/>
+          <p:nvPr/>
+        </p:nvSpPr>
+        <p:spPr>
+          <a:xfrm>
+            <a:off x="1117999" y="822837"/>
+            <a:ext cx="5236498" cy="2062103"/>
+          </a:xfrm>
+          <a:prstGeom prst="rect">
+            <a:avLst/>
+          </a:prstGeom>
+        </p:spPr>
+        <p:txBody>
+          <a:bodyPr wrap="none">
+            <a:spAutoFit/>
+          </a:bodyPr>
+          <a:lstStyle/>
+          <a:p>
+            <a:r>
+              <a:rPr lang="fr-FR" sz="3200" b="1" dirty="0" smtClean="0"/>
+              <a:t>3.2. 2</a:t>
+            </a:r>
+            <a:r>
+              <a:rPr lang="fr-FR" sz="3200" b="1" dirty="0" smtClean="0"/>
+              <a:t>. </a:t>
+            </a:r>
+            <a:r>
+              <a:rPr lang="fr-FR" sz="3200" b="1" dirty="0"/>
+              <a:t>La troncature spectrale</a:t>
+            </a:r>
+          </a:p>
+          <a:p>
+            <a:endParaRPr lang="fr-FR" sz="3200" b="1" dirty="0"/>
+          </a:p>
+          <a:p>
+            <a:endParaRPr lang="fr-FR" sz="3200" b="1" dirty="0"/>
+          </a:p>
+          <a:p>
+            <a:endParaRPr lang="fr-FR" sz="3200" b="1" dirty="0"/>
+          </a:p>
+        </p:txBody>
+      </p:sp>
+      <p:sp>
+        <p:nvSpPr>
+          <p:cNvPr id="2" name="Rectangle 1"/>
+          <p:cNvSpPr/>
+          <p:nvPr/>
+        </p:nvSpPr>
+        <p:spPr>
+          <a:xfrm>
+            <a:off x="325120" y="1407612"/>
+            <a:ext cx="11308080" cy="4893647"/>
+          </a:xfrm>
+          <a:prstGeom prst="rect">
+            <a:avLst/>
+          </a:prstGeom>
+        </p:spPr>
+        <p:txBody>
+          <a:bodyPr wrap="square">
+            <a:spAutoFit/>
+          </a:bodyPr>
+          <a:lstStyle/>
+          <a:p>
+            <a:endParaRPr lang="fr-FR" sz="2400" dirty="0" smtClean="0">
+              <a:latin typeface="+mj-lt"/>
+            </a:endParaRPr>
+          </a:p>
+          <a:p>
+            <a:r>
+              <a:rPr lang="fr-FR" sz="2400" dirty="0" smtClean="0">
+                <a:latin typeface="+mj-lt"/>
+              </a:rPr>
+              <a:t>Il </a:t>
+            </a:r>
+            <a:r>
+              <a:rPr lang="fr-FR" sz="2400" dirty="0">
+                <a:latin typeface="+mj-lt"/>
+              </a:rPr>
+              <a:t>s’agit d’utiliser </a:t>
+            </a:r>
+            <a:r>
+              <a:rPr lang="fr-FR" sz="2400" b="1" dirty="0">
+                <a:latin typeface="Consolas" panose="020B0609020204030204" pitchFamily="49" charset="0"/>
+              </a:rPr>
+              <a:t>la factorisation SVD </a:t>
+            </a:r>
+            <a:r>
+              <a:rPr lang="fr-FR" sz="2400" dirty="0">
+                <a:latin typeface="+mj-lt"/>
+              </a:rPr>
+              <a:t>développée à la section 4.1.1. et </a:t>
+            </a:r>
+            <a:r>
+              <a:rPr lang="fr-FR" sz="2400" dirty="0" smtClean="0">
+                <a:latin typeface="+mj-lt"/>
+              </a:rPr>
+              <a:t>de mettre </a:t>
+            </a:r>
+            <a:r>
+              <a:rPr lang="fr-FR" sz="2400" b="1" dirty="0" err="1">
+                <a:latin typeface="Consolas" panose="020B0609020204030204" pitchFamily="49" charset="0"/>
+              </a:rPr>
+              <a:t>zi</a:t>
+            </a:r>
+            <a:r>
+              <a:rPr lang="fr-FR" sz="2400" b="1" dirty="0">
+                <a:latin typeface="Consolas" panose="020B0609020204030204" pitchFamily="49" charset="0"/>
+              </a:rPr>
+              <a:t> = 0 </a:t>
+            </a:r>
+            <a:r>
+              <a:rPr lang="fr-FR" sz="2400" dirty="0">
+                <a:latin typeface="+mj-lt"/>
+              </a:rPr>
+              <a:t>dans l’équation (1) non seulement pour </a:t>
+            </a:r>
+            <a:r>
+              <a:rPr lang="fr-FR" sz="2400" b="1" dirty="0">
+                <a:latin typeface="Consolas" panose="020B0609020204030204" pitchFamily="49" charset="0"/>
+              </a:rPr>
+              <a:t>i ≥ r + 1 </a:t>
+            </a:r>
+            <a:r>
+              <a:rPr lang="fr-FR" sz="2400" dirty="0">
+                <a:latin typeface="+mj-lt"/>
+              </a:rPr>
+              <a:t>mais </a:t>
+            </a:r>
+            <a:r>
+              <a:rPr lang="fr-FR" sz="2400" dirty="0" smtClean="0">
+                <a:latin typeface="+mj-lt"/>
+              </a:rPr>
+              <a:t>pour tous </a:t>
+            </a:r>
+            <a:r>
+              <a:rPr lang="fr-FR" sz="2400" dirty="0">
+                <a:latin typeface="+mj-lt"/>
+              </a:rPr>
+              <a:t>les </a:t>
+            </a:r>
+            <a:r>
+              <a:rPr lang="fr-FR" sz="2400" b="1" dirty="0">
+                <a:latin typeface="Consolas" panose="020B0609020204030204" pitchFamily="49" charset="0"/>
+              </a:rPr>
+              <a:t>i ≥ s </a:t>
+            </a:r>
+            <a:r>
+              <a:rPr lang="fr-FR" sz="2400" dirty="0">
+                <a:latin typeface="+mj-lt"/>
+              </a:rPr>
+              <a:t>avec </a:t>
+            </a:r>
+            <a:r>
+              <a:rPr lang="fr-FR" sz="2400" b="1" dirty="0">
+                <a:latin typeface="Consolas" panose="020B0609020204030204" pitchFamily="49" charset="0"/>
+              </a:rPr>
+              <a:t>s</a:t>
+            </a:r>
+            <a:r>
+              <a:rPr lang="fr-FR" sz="2400" dirty="0">
+                <a:latin typeface="+mj-lt"/>
+              </a:rPr>
+              <a:t> à choisir inférieur ou égal à </a:t>
+            </a:r>
+            <a:r>
+              <a:rPr lang="fr-FR" sz="2400" b="1" dirty="0">
+                <a:latin typeface="Consolas" panose="020B0609020204030204" pitchFamily="49" charset="0"/>
+              </a:rPr>
+              <a:t>r</a:t>
+            </a:r>
+            <a:r>
+              <a:rPr lang="fr-FR" sz="2400" dirty="0">
+                <a:latin typeface="+mj-lt"/>
+              </a:rPr>
+              <a:t>. Le choix du </a:t>
+            </a:r>
+            <a:r>
+              <a:rPr lang="fr-FR" sz="2400" b="1" dirty="0">
+                <a:latin typeface="Consolas" panose="020B0609020204030204" pitchFamily="49" charset="0"/>
+              </a:rPr>
+              <a:t>s </a:t>
+            </a:r>
+            <a:r>
+              <a:rPr lang="fr-FR" sz="2400" dirty="0">
+                <a:latin typeface="+mj-lt"/>
+              </a:rPr>
+              <a:t>joue </a:t>
+            </a:r>
+            <a:r>
+              <a:rPr lang="fr-FR" sz="2400" dirty="0" smtClean="0">
+                <a:latin typeface="+mj-lt"/>
+              </a:rPr>
+              <a:t>le paramètre </a:t>
+            </a:r>
+            <a:r>
+              <a:rPr lang="fr-FR" sz="2400" dirty="0">
+                <a:latin typeface="+mj-lt"/>
+              </a:rPr>
+              <a:t>de régularisation, et, comme pour la méthode de Tikhonov, </a:t>
+            </a:r>
+            <a:r>
+              <a:rPr lang="fr-FR" sz="2400" dirty="0" smtClean="0">
+                <a:latin typeface="+mj-lt"/>
+              </a:rPr>
+              <a:t>le choix </a:t>
+            </a:r>
+            <a:r>
+              <a:rPr lang="fr-FR" sz="2400" dirty="0">
+                <a:latin typeface="+mj-lt"/>
+              </a:rPr>
+              <a:t>du paramètre de régularisation est à la fois important et délicat. </a:t>
+            </a:r>
+            <a:endParaRPr lang="fr-FR" sz="2400" dirty="0" smtClean="0">
+              <a:latin typeface="+mj-lt"/>
+            </a:endParaRPr>
+          </a:p>
+          <a:p>
+            <a:endParaRPr lang="fr-FR" sz="2400" dirty="0" smtClean="0">
+              <a:latin typeface="+mj-lt"/>
+            </a:endParaRPr>
+          </a:p>
+          <a:p>
+            <a:r>
+              <a:rPr lang="fr-FR" sz="2400" dirty="0" smtClean="0">
+                <a:latin typeface="+mj-lt"/>
+              </a:rPr>
+              <a:t>Si s </a:t>
+            </a:r>
+            <a:r>
+              <a:rPr lang="fr-FR" sz="2400" dirty="0">
+                <a:latin typeface="+mj-lt"/>
+              </a:rPr>
+              <a:t>est choisi trop grand, l’influence des petites valeurs singulières conduit </a:t>
+            </a:r>
+            <a:r>
+              <a:rPr lang="fr-FR" sz="2400" dirty="0" smtClean="0">
+                <a:latin typeface="+mj-lt"/>
+              </a:rPr>
+              <a:t>à l’instabilité</a:t>
+            </a:r>
+            <a:r>
+              <a:rPr lang="fr-FR" sz="2400" dirty="0">
+                <a:latin typeface="+mj-lt"/>
+              </a:rPr>
+              <a:t>. Si </a:t>
+            </a:r>
+            <a:r>
+              <a:rPr lang="fr-FR" sz="2400" b="1" dirty="0">
+                <a:latin typeface="Consolas" panose="020B0609020204030204" pitchFamily="49" charset="0"/>
+              </a:rPr>
+              <a:t>s</a:t>
+            </a:r>
+            <a:r>
+              <a:rPr lang="fr-FR" sz="2400" dirty="0">
+                <a:latin typeface="+mj-lt"/>
+              </a:rPr>
+              <a:t> est trop petit, la solution obtenue sera éloignée de la </a:t>
+            </a:r>
+            <a:r>
+              <a:rPr lang="fr-FR" sz="2400" dirty="0" smtClean="0">
+                <a:latin typeface="+mj-lt"/>
+              </a:rPr>
+              <a:t>vraie solution.</a:t>
+            </a:r>
+          </a:p>
+          <a:p>
+            <a:endParaRPr lang="fr-FR" sz="2400" dirty="0">
+              <a:latin typeface="+mj-lt"/>
+            </a:endParaRPr>
+          </a:p>
+          <a:p>
+            <a:r>
+              <a:rPr lang="fr-FR" sz="2400" dirty="0" smtClean="0">
+                <a:latin typeface="+mj-lt"/>
+              </a:rPr>
+              <a:t> </a:t>
+            </a:r>
+            <a:r>
+              <a:rPr lang="fr-FR" sz="2400" dirty="0">
+                <a:latin typeface="+mj-lt"/>
+              </a:rPr>
+              <a:t>Dans cette discussion, il faut bien entendu prendre en compte </a:t>
+            </a:r>
+            <a:r>
+              <a:rPr lang="fr-FR" sz="2400" dirty="0" smtClean="0">
+                <a:latin typeface="+mj-lt"/>
+              </a:rPr>
+              <a:t>la rapidité </a:t>
+            </a:r>
+            <a:r>
+              <a:rPr lang="fr-FR" sz="2400" dirty="0">
+                <a:latin typeface="+mj-lt"/>
+              </a:rPr>
+              <a:t>plus ou moins grande avec laquelle </a:t>
+            </a:r>
+            <a:r>
+              <a:rPr lang="fr-FR" sz="2400" b="1" dirty="0">
+                <a:latin typeface="Consolas" panose="020B0609020204030204" pitchFamily="49" charset="0"/>
+              </a:rPr>
+              <a:t>les valeurs singulières </a:t>
+            </a:r>
+            <a:r>
+              <a:rPr lang="fr-FR" sz="2400" b="1" dirty="0">
+                <a:latin typeface="Consolas" panose="020B0609020204030204" pitchFamily="49" charset="0"/>
+              </a:rPr>
+              <a:t>tendent vers </a:t>
+            </a:r>
+            <a:r>
+              <a:rPr lang="fr-FR" sz="2400" b="1" dirty="0">
+                <a:latin typeface="Consolas" panose="020B0609020204030204" pitchFamily="49" charset="0"/>
+              </a:rPr>
+              <a:t>0</a:t>
+            </a:r>
+            <a:r>
+              <a:rPr lang="fr-FR" sz="2400" dirty="0">
+                <a:latin typeface="+mj-lt"/>
+              </a:rPr>
+              <a:t>. Plus cette décroissance est rapide, plus </a:t>
+            </a:r>
+            <a:r>
+              <a:rPr lang="fr-FR" sz="2400" b="1" dirty="0">
+                <a:latin typeface="Consolas" panose="020B0609020204030204" pitchFamily="49" charset="0"/>
+              </a:rPr>
+              <a:t>s</a:t>
+            </a:r>
+            <a:r>
+              <a:rPr lang="fr-FR" sz="2400" dirty="0">
+                <a:latin typeface="+mj-lt"/>
+              </a:rPr>
+              <a:t> devra être choisi petit</a:t>
+            </a:r>
+            <a:endParaRPr lang="fr-FR" sz="2400" dirty="0">
+              <a:latin typeface="+mj-lt"/>
+            </a:endParaRPr>
+          </a:p>
+        </p:txBody>
+      </p:sp>
+    </p:spTree>
+    <p:extLst>
+      <p:ext uri="{BB962C8B-B14F-4D97-AF65-F5344CB8AC3E}">
+        <p14:creationId xmlns:p14="http://schemas.microsoft.com/office/powerpoint/2010/main" val="3338760801"/>
+      </p:ext>
+    </p:extLst>
+  </p:cSld>
+  <p:clrMapOvr>
+    <a:masterClrMapping/>
+  </p:clrMapOvr>
+</p:sld>
+</file>
+
+<file path=ppt/slides/slide29.xml><?xml version="1.0" encoding="utf-8"?>
+<p:sld xmlns:a="http://schemas.openxmlformats.org/drawingml/2006/main" xmlns:r="http://schemas.openxmlformats.org/officeDocument/2006/relationships" xmlns:p="http://schemas.openxmlformats.org/presentationml/2006/main">
+  <p:cSld>
+    <p:spTree>
+      <p:nvGrpSpPr>
+        <p:cNvPr id="1" name=""/>
+        <p:cNvGrpSpPr/>
+        <p:nvPr/>
+      </p:nvGrpSpPr>
+      <p:grpSpPr>
+        <a:xfrm>
+          <a:off x="0" y="0"/>
+          <a:ext cx="0" cy="0"/>
+          <a:chOff x="0" y="0"/>
+          <a:chExt cx="0" cy="0"/>
+        </a:xfrm>
+      </p:grpSpPr>
+      <p:sp>
+        <p:nvSpPr>
+          <p:cNvPr id="5" name="Rectangle 4"/>
+          <p:cNvSpPr/>
+          <p:nvPr/>
+        </p:nvSpPr>
+        <p:spPr>
+          <a:xfrm>
+            <a:off x="2032000" y="96819"/>
+            <a:ext cx="8260080" cy="1077218"/>
+          </a:xfrm>
+          <a:prstGeom prst="rect">
+            <a:avLst/>
+          </a:prstGeom>
+        </p:spPr>
+        <p:txBody>
+          <a:bodyPr wrap="square">
+            <a:spAutoFit/>
+          </a:bodyPr>
+          <a:lstStyle/>
+          <a:p>
+            <a:r>
+              <a:rPr lang="fr-FR" sz="3200" b="1" dirty="0" smtClean="0"/>
+              <a:t>3. METHODES DE RESOLUTION DES PI</a:t>
+            </a:r>
+            <a:r>
+              <a:rPr lang="fr-FR" sz="3200" b="1" dirty="0"/>
+              <a:t/>
+            </a:r>
+            <a:br>
+              <a:rPr lang="fr-FR" sz="3200" b="1" dirty="0"/>
+            </a:br>
+            <a:endParaRPr lang="fr-FR" sz="3200" b="1" dirty="0"/>
+          </a:p>
+        </p:txBody>
+      </p:sp>
+      <p:sp>
+        <p:nvSpPr>
+          <p:cNvPr id="6" name="Rectangle 5"/>
+          <p:cNvSpPr/>
+          <p:nvPr/>
+        </p:nvSpPr>
+        <p:spPr>
+          <a:xfrm>
+            <a:off x="1117998" y="822837"/>
+            <a:ext cx="7680561" cy="2062103"/>
+          </a:xfrm>
+          <a:prstGeom prst="rect">
+            <a:avLst/>
+          </a:prstGeom>
+        </p:spPr>
+        <p:txBody>
+          <a:bodyPr wrap="square">
+            <a:spAutoFit/>
+          </a:bodyPr>
+          <a:lstStyle/>
+          <a:p>
+            <a:r>
+              <a:rPr lang="fr-FR" sz="3200" b="1" dirty="0" smtClean="0"/>
+              <a:t>3.2. </a:t>
+            </a:r>
+            <a:r>
+              <a:rPr lang="fr-FR" sz="3200" b="1" dirty="0"/>
+              <a:t>3</a:t>
+            </a:r>
+            <a:r>
+              <a:rPr lang="fr-FR" sz="3200" b="1" dirty="0" smtClean="0"/>
+              <a:t>. Méthodes itératives</a:t>
+            </a:r>
+            <a:endParaRPr lang="fr-FR" sz="3200" b="1" dirty="0"/>
+          </a:p>
+          <a:p>
+            <a:endParaRPr lang="fr-FR" sz="3200" b="1" dirty="0"/>
+          </a:p>
+          <a:p>
+            <a:endParaRPr lang="fr-FR" sz="3200" b="1" dirty="0"/>
+          </a:p>
+          <a:p>
+            <a:endParaRPr lang="fr-FR" sz="3200" b="1" dirty="0"/>
+          </a:p>
+        </p:txBody>
+      </p:sp>
+      <mc:AlternateContent xmlns:mc="http://schemas.openxmlformats.org/markup-compatibility/2006">
+        <mc:Choice xmlns:a14="http://schemas.microsoft.com/office/drawing/2010/main" Requires="a14">
+          <p:sp>
+            <p:nvSpPr>
+              <p:cNvPr id="2" name="Rectangle 1"/>
+              <p:cNvSpPr/>
+              <p:nvPr/>
+            </p:nvSpPr>
+            <p:spPr>
+              <a:xfrm>
+                <a:off x="325120" y="1407612"/>
+                <a:ext cx="11308080" cy="3792192"/>
+              </a:xfrm>
+              <a:prstGeom prst="rect">
+                <a:avLst/>
+              </a:prstGeom>
+            </p:spPr>
+            <p:txBody>
+              <a:bodyPr wrap="square">
+                <a:spAutoFit/>
+              </a:bodyPr>
+              <a:lstStyle/>
+              <a:p>
+                <a:endParaRPr lang="fr-FR" sz="2400" dirty="0" smtClean="0">
+                  <a:latin typeface="+mj-lt"/>
+                </a:endParaRPr>
+              </a:p>
+              <a:p>
+                <a:r>
+                  <a:rPr lang="fr-FR" sz="2400" dirty="0">
+                    <a:latin typeface="+mj-lt"/>
+                  </a:rPr>
+                  <a:t>Les deux méthodes de régularisation (régularisation de Tikhonov, </a:t>
+                </a:r>
+                <a:r>
+                  <a:rPr lang="fr-FR" sz="2400" dirty="0" smtClean="0">
+                    <a:latin typeface="+mj-lt"/>
+                  </a:rPr>
+                  <a:t>troncature </a:t>
+                </a:r>
+                <a:r>
+                  <a:rPr lang="fr-FR" sz="2400" dirty="0">
+                    <a:latin typeface="+mj-lt"/>
+                  </a:rPr>
+                  <a:t>spectrale) vues précédemment sont qualifiées de "directes" </a:t>
+                </a:r>
+                <a:r>
+                  <a:rPr lang="fr-FR" sz="2400" dirty="0" smtClean="0">
+                    <a:latin typeface="+mj-lt"/>
+                  </a:rPr>
+                  <a:t>parce qu’elles </a:t>
+                </a:r>
+                <a:r>
+                  <a:rPr lang="fr-FR" sz="2400" dirty="0">
+                    <a:latin typeface="+mj-lt"/>
+                  </a:rPr>
+                  <a:t>donnent (dans le cas de la dimension finie) la solution exacte </a:t>
+                </a:r>
+                <a:r>
+                  <a:rPr lang="fr-FR" sz="2400" dirty="0" smtClean="0">
+                    <a:latin typeface="+mj-lt"/>
+                  </a:rPr>
+                  <a:t>du problème </a:t>
+                </a:r>
+                <a:r>
+                  <a:rPr lang="fr-FR" sz="2400" dirty="0">
+                    <a:latin typeface="+mj-lt"/>
+                  </a:rPr>
+                  <a:t>régularisé (aux erreurs d’arrondis près) en un nombre fini </a:t>
+                </a:r>
+                <a:r>
+                  <a:rPr lang="fr-FR" sz="2400" dirty="0" smtClean="0">
+                    <a:latin typeface="+mj-lt"/>
+                  </a:rPr>
+                  <a:t>d’opérations</a:t>
+                </a:r>
+                <a:r>
+                  <a:rPr lang="fr-FR" sz="2400" dirty="0">
+                    <a:latin typeface="+mj-lt"/>
+                  </a:rPr>
+                  <a:t>. Pour des problèmes de taille modérée, ces méthodes sont les </a:t>
+                </a:r>
+                <a:r>
+                  <a:rPr lang="fr-FR" sz="2400" dirty="0" smtClean="0">
+                    <a:latin typeface="+mj-lt"/>
+                  </a:rPr>
+                  <a:t>plus utilisées</a:t>
+                </a:r>
+              </a:p>
+              <a:p>
+                <a:endParaRPr lang="fr-FR" sz="2400" dirty="0">
+                  <a:latin typeface="+mj-lt"/>
+                </a:endParaRPr>
+              </a:p>
+              <a:p>
+                <a:r>
+                  <a:rPr lang="fr-FR" sz="2400" dirty="0">
+                    <a:latin typeface="+mj-lt"/>
+                  </a:rPr>
+                  <a:t>Étant donné un paramètre de relaxation </a:t>
+                </a:r>
+                <a:r>
+                  <a:rPr lang="fr-FR" sz="2400" b="1" dirty="0">
+                    <a:latin typeface="Consolas" panose="020B0609020204030204" pitchFamily="49" charset="0"/>
+                  </a:rPr>
+                  <a:t>w</a:t>
+                </a:r>
+                <a:r>
+                  <a:rPr lang="fr-FR" sz="2400" dirty="0">
+                    <a:latin typeface="+mj-lt"/>
+                  </a:rPr>
+                  <a:t>, la méthode de </a:t>
+                </a:r>
+                <a:r>
+                  <a:rPr lang="fr-FR" sz="2400" dirty="0" err="1">
+                    <a:latin typeface="+mj-lt"/>
+                  </a:rPr>
+                  <a:t>Landweber</a:t>
+                </a:r>
+                <a:r>
+                  <a:rPr lang="fr-FR" sz="2400" dirty="0">
+                    <a:latin typeface="+mj-lt"/>
+                  </a:rPr>
+                  <a:t> pour</a:t>
+                </a:r>
+              </a:p>
+              <a:p>
+                <a:r>
+                  <a:rPr lang="fr-FR" sz="2400" dirty="0">
+                    <a:latin typeface="+mj-lt"/>
+                  </a:rPr>
+                  <a:t>résoudre le problème de moindres carrés </a:t>
+                </a:r>
+                <a14:m>
+                  <m:oMath xmlns:m="http://schemas.openxmlformats.org/officeDocument/2006/math">
+                    <m:sSup>
+                      <m:sSupPr>
+                        <m:ctrlPr>
+                          <a:rPr lang="fr-FR" sz="2400" b="1" i="1" smtClean="0">
+                            <a:latin typeface="Cambria Math" panose="02040503050406030204" pitchFamily="18" charset="0"/>
+                          </a:rPr>
+                        </m:ctrlPr>
+                      </m:sSupPr>
+                      <m:e>
+                        <m:r>
+                          <a:rPr lang="fr-FR" sz="2400" b="1" i="1" smtClean="0">
+                            <a:latin typeface="Cambria Math" panose="02040503050406030204" pitchFamily="18" charset="0"/>
+                          </a:rPr>
+                          <m:t>𝑴</m:t>
+                        </m:r>
+                      </m:e>
+                      <m:sup>
+                        <m:r>
+                          <a:rPr lang="fr-FR" sz="2400" b="1" i="1" smtClean="0">
+                            <a:latin typeface="Cambria Math" panose="02040503050406030204" pitchFamily="18" charset="0"/>
+                          </a:rPr>
+                          <m:t>𝑻</m:t>
+                        </m:r>
+                      </m:sup>
+                    </m:sSup>
+                  </m:oMath>
+                </a14:m>
+                <a:r>
+                  <a:rPr lang="fr-FR" sz="2400" b="1" dirty="0" err="1" smtClean="0">
+                    <a:latin typeface="Consolas" panose="020B0609020204030204" pitchFamily="49" charset="0"/>
+                  </a:rPr>
+                  <a:t>Mx</a:t>
+                </a:r>
+                <a:r>
+                  <a:rPr lang="fr-FR" sz="2400" b="1" dirty="0" smtClean="0">
+                    <a:latin typeface="Consolas" panose="020B0609020204030204" pitchFamily="49" charset="0"/>
+                  </a:rPr>
+                  <a:t> </a:t>
+                </a:r>
+                <a:r>
+                  <a:rPr lang="fr-FR" sz="2400" b="1" dirty="0">
+                    <a:latin typeface="Consolas" panose="020B0609020204030204" pitchFamily="49" charset="0"/>
+                  </a:rPr>
+                  <a:t>= </a:t>
+                </a:r>
+                <a14:m>
+                  <m:oMath xmlns:m="http://schemas.openxmlformats.org/officeDocument/2006/math">
+                    <m:sSup>
+                      <m:sSupPr>
+                        <m:ctrlPr>
+                          <a:rPr lang="fr-FR" sz="2400" b="1" i="1">
+                            <a:latin typeface="Cambria Math" panose="02040503050406030204" pitchFamily="18" charset="0"/>
+                          </a:rPr>
+                        </m:ctrlPr>
+                      </m:sSupPr>
+                      <m:e>
+                        <m:r>
+                          <a:rPr lang="fr-FR" sz="2400" b="1" i="1">
+                            <a:latin typeface="Cambria Math" panose="02040503050406030204" pitchFamily="18" charset="0"/>
+                          </a:rPr>
+                          <m:t>𝑴</m:t>
+                        </m:r>
+                      </m:e>
+                      <m:sup>
+                        <m:r>
+                          <a:rPr lang="fr-FR" sz="2400" b="1" i="1">
+                            <a:latin typeface="Cambria Math" panose="02040503050406030204" pitchFamily="18" charset="0"/>
+                          </a:rPr>
+                          <m:t>𝑻</m:t>
+                        </m:r>
+                      </m:sup>
+                    </m:sSup>
+                  </m:oMath>
+                </a14:m>
+                <a:r>
+                  <a:rPr lang="fr-FR" sz="2400" b="1" dirty="0" smtClean="0">
+                    <a:latin typeface="Consolas" panose="020B0609020204030204" pitchFamily="49" charset="0"/>
+                  </a:rPr>
+                  <a:t>y </a:t>
+                </a:r>
+                <a:r>
+                  <a:rPr lang="fr-FR" sz="2400" dirty="0">
+                    <a:latin typeface="+mj-lt"/>
+                  </a:rPr>
+                  <a:t>est définie par </a:t>
+                </a:r>
+                <a:r>
+                  <a:rPr lang="fr-FR" sz="2400" dirty="0" smtClean="0">
+                    <a:latin typeface="+mj-lt"/>
+                  </a:rPr>
+                  <a:t>la formule </a:t>
+                </a:r>
+                <a:r>
+                  <a:rPr lang="fr-FR" sz="2400" dirty="0">
+                    <a:latin typeface="+mj-lt"/>
+                  </a:rPr>
+                  <a:t>de </a:t>
+                </a:r>
+                <a:r>
+                  <a:rPr lang="fr-FR" sz="2400" dirty="0" smtClean="0">
+                    <a:latin typeface="+mj-lt"/>
+                  </a:rPr>
+                  <a:t>récurrence </a:t>
+                </a:r>
+                <a:r>
+                  <a:rPr lang="fr-FR" sz="2400" b="1" dirty="0" smtClean="0">
+                    <a:latin typeface="Consolas" panose="020B0609020204030204" pitchFamily="49" charset="0"/>
+                  </a:rPr>
+                  <a:t>x(n+1) </a:t>
+                </a:r>
+                <a:r>
+                  <a:rPr lang="fr-FR" sz="2400" b="1" dirty="0">
+                    <a:latin typeface="Consolas" panose="020B0609020204030204" pitchFamily="49" charset="0"/>
+                  </a:rPr>
+                  <a:t>= </a:t>
+                </a:r>
+                <a:r>
+                  <a:rPr lang="fr-FR" sz="2400" b="1" dirty="0" smtClean="0">
+                    <a:latin typeface="Consolas" panose="020B0609020204030204" pitchFamily="49" charset="0"/>
+                  </a:rPr>
+                  <a:t>x(n) </a:t>
+                </a:r>
+                <a:r>
+                  <a:rPr lang="fr-FR" sz="2400" b="1" dirty="0">
+                    <a:latin typeface="Consolas" panose="020B0609020204030204" pitchFamily="49" charset="0"/>
+                  </a:rPr>
+                  <a:t>+ w(</a:t>
+                </a:r>
+                <a14:m>
+                  <m:oMath xmlns:m="http://schemas.openxmlformats.org/officeDocument/2006/math">
+                    <m:sSup>
+                      <m:sSupPr>
+                        <m:ctrlPr>
+                          <a:rPr lang="fr-FR" sz="2400" b="1" i="1">
+                            <a:latin typeface="Cambria Math" panose="02040503050406030204" pitchFamily="18" charset="0"/>
+                          </a:rPr>
+                        </m:ctrlPr>
+                      </m:sSupPr>
+                      <m:e>
+                        <m:r>
+                          <a:rPr lang="fr-FR" sz="2400" b="1" i="1">
+                            <a:latin typeface="Cambria Math" panose="02040503050406030204" pitchFamily="18" charset="0"/>
+                          </a:rPr>
+                          <m:t>𝑴</m:t>
+                        </m:r>
+                      </m:e>
+                      <m:sup>
+                        <m:r>
+                          <a:rPr lang="fr-FR" sz="2400" b="1" i="1">
+                            <a:latin typeface="Cambria Math" panose="02040503050406030204" pitchFamily="18" charset="0"/>
+                          </a:rPr>
+                          <m:t>𝑻</m:t>
+                        </m:r>
+                      </m:sup>
+                    </m:sSup>
+                  </m:oMath>
+                </a14:m>
+                <a:r>
+                  <a:rPr lang="fr-FR" sz="2400" b="1" dirty="0">
+                    <a:latin typeface="Consolas" panose="020B0609020204030204" pitchFamily="49" charset="0"/>
+                  </a:rPr>
+                  <a:t>y − </a:t>
+                </a:r>
+                <a14:m>
+                  <m:oMath xmlns:m="http://schemas.openxmlformats.org/officeDocument/2006/math">
+                    <m:sSup>
+                      <m:sSupPr>
+                        <m:ctrlPr>
+                          <a:rPr lang="fr-FR" sz="2400" b="1" i="1">
+                            <a:latin typeface="Cambria Math" panose="02040503050406030204" pitchFamily="18" charset="0"/>
+                          </a:rPr>
+                        </m:ctrlPr>
+                      </m:sSupPr>
+                      <m:e>
+                        <m:r>
+                          <a:rPr lang="fr-FR" sz="2400" b="1" i="1">
+                            <a:latin typeface="Cambria Math" panose="02040503050406030204" pitchFamily="18" charset="0"/>
+                          </a:rPr>
+                          <m:t>𝑴</m:t>
+                        </m:r>
+                      </m:e>
+                      <m:sup>
+                        <m:r>
+                          <a:rPr lang="fr-FR" sz="2400" b="1" i="1">
+                            <a:latin typeface="Cambria Math" panose="02040503050406030204" pitchFamily="18" charset="0"/>
+                          </a:rPr>
+                          <m:t>𝑻</m:t>
+                        </m:r>
+                      </m:sup>
+                    </m:sSup>
+                  </m:oMath>
+                </a14:m>
+                <a:r>
+                  <a:rPr lang="fr-FR" sz="2400" b="1" dirty="0" smtClean="0">
+                    <a:latin typeface="Consolas" panose="020B0609020204030204" pitchFamily="49" charset="0"/>
+                  </a:rPr>
+                  <a:t>Mx(n))</a:t>
                 </a:r>
                 <a:endParaRPr lang="fr-FR" sz="2400" b="1" dirty="0">
                   <a:latin typeface="Consolas" panose="020B0609020204030204" pitchFamily="49" charset="0"/>
@@ -7696,7 +12130,7 @@
             <p:spPr>
               <a:xfrm>
                 <a:off x="325120" y="1407612"/>
-                <a:ext cx="11424920" cy="4893647"/>
+                <a:ext cx="11308080" cy="3792192"/>
               </a:xfrm>
               <a:prstGeom prst="rect">
                 <a:avLst/>
@@ -7704,7 +12138,7 @@
               <a:blipFill>
                 <a:blip r:embed="rId2"/>
                 <a:stretch>
-                  <a:fillRect l="-800" b="-2366"/>
+                  <a:fillRect l="-809" r="-701" b="-2894"/>
                 </a:stretch>
               </a:blipFill>
             </p:spPr>
@@ -7726,7 +12160,7 @@
     </p:spTree>
     <p:extLst>
       <p:ext uri="{BB962C8B-B14F-4D97-AF65-F5344CB8AC3E}">
-        <p14:creationId xmlns:p14="http://schemas.microsoft.com/office/powerpoint/2010/main" val="3500098887"/>
+        <p14:creationId xmlns:p14="http://schemas.microsoft.com/office/powerpoint/2010/main" val="4075624003"/>
       </p:ext>
     </p:extLst>
   </p:cSld>
@@ -7779,7 +12213,6 @@
               <a:rPr lang="fr-FR" sz="3100" b="1" dirty="0" smtClean="0"/>
               <a:t>1. INTRODUCTION</a:t>
             </a:r>
-            <a:endParaRPr lang="fr-FR" sz="3100" b="1" dirty="0" smtClean="0"/>
           </a:p>
         </p:txBody>
       </p:sp>
@@ -7923,6 +12356,1063 @@
       </p:par>
     </p:tnLst>
   </p:timing>
+</p:sld>
+</file>
+
+<file path=ppt/slides/slide30.xml><?xml version="1.0" encoding="utf-8"?>
+<p:sld xmlns:a="http://schemas.openxmlformats.org/drawingml/2006/main" xmlns:r="http://schemas.openxmlformats.org/officeDocument/2006/relationships" xmlns:p="http://schemas.openxmlformats.org/presentationml/2006/main">
+  <p:cSld>
+    <p:spTree>
+      <p:nvGrpSpPr>
+        <p:cNvPr id="1" name=""/>
+        <p:cNvGrpSpPr/>
+        <p:nvPr/>
+      </p:nvGrpSpPr>
+      <p:grpSpPr>
+        <a:xfrm>
+          <a:off x="0" y="0"/>
+          <a:ext cx="0" cy="0"/>
+          <a:chOff x="0" y="0"/>
+          <a:chExt cx="0" cy="0"/>
+        </a:xfrm>
+      </p:grpSpPr>
+      <p:sp>
+        <p:nvSpPr>
+          <p:cNvPr id="5" name="Rectangle 4"/>
+          <p:cNvSpPr/>
+          <p:nvPr/>
+        </p:nvSpPr>
+        <p:spPr>
+          <a:xfrm>
+            <a:off x="2032000" y="96819"/>
+            <a:ext cx="8260080" cy="1077218"/>
+          </a:xfrm>
+          <a:prstGeom prst="rect">
+            <a:avLst/>
+          </a:prstGeom>
+        </p:spPr>
+        <p:txBody>
+          <a:bodyPr wrap="square">
+            <a:spAutoFit/>
+          </a:bodyPr>
+          <a:lstStyle/>
+          <a:p>
+            <a:r>
+              <a:rPr lang="fr-FR" sz="3200" b="1" dirty="0" smtClean="0"/>
+              <a:t>3. METHODES DE RESOLUTION DES PI</a:t>
+            </a:r>
+            <a:r>
+              <a:rPr lang="fr-FR" sz="3200" b="1" dirty="0"/>
+              <a:t/>
+            </a:r>
+            <a:br>
+              <a:rPr lang="fr-FR" sz="3200" b="1" dirty="0"/>
+            </a:br>
+            <a:endParaRPr lang="fr-FR" sz="3200" b="1" dirty="0"/>
+          </a:p>
+        </p:txBody>
+      </p:sp>
+      <p:sp>
+        <p:nvSpPr>
+          <p:cNvPr id="6" name="Rectangle 5"/>
+          <p:cNvSpPr/>
+          <p:nvPr/>
+        </p:nvSpPr>
+        <p:spPr>
+          <a:xfrm>
+            <a:off x="1117998" y="822837"/>
+            <a:ext cx="7680561" cy="2062103"/>
+          </a:xfrm>
+          <a:prstGeom prst="rect">
+            <a:avLst/>
+          </a:prstGeom>
+        </p:spPr>
+        <p:txBody>
+          <a:bodyPr wrap="square">
+            <a:spAutoFit/>
+          </a:bodyPr>
+          <a:lstStyle/>
+          <a:p>
+            <a:r>
+              <a:rPr lang="fr-FR" sz="3200" b="1" dirty="0" smtClean="0"/>
+              <a:t>3.2. 4</a:t>
+            </a:r>
+            <a:r>
+              <a:rPr lang="fr-FR" sz="3200" b="1" dirty="0" smtClean="0"/>
+              <a:t>. </a:t>
+            </a:r>
+            <a:r>
+              <a:rPr lang="fr-FR" sz="3200" b="1" dirty="0"/>
+              <a:t>Méthodes probabilistes</a:t>
+            </a:r>
+          </a:p>
+          <a:p>
+            <a:endParaRPr lang="fr-FR" sz="3200" b="1" dirty="0"/>
+          </a:p>
+          <a:p>
+            <a:endParaRPr lang="fr-FR" sz="3200" b="1" dirty="0"/>
+          </a:p>
+          <a:p>
+            <a:endParaRPr lang="fr-FR" sz="3200" b="1" dirty="0"/>
+          </a:p>
+        </p:txBody>
+      </p:sp>
+      <p:sp>
+        <p:nvSpPr>
+          <p:cNvPr id="2" name="Rectangle 1"/>
+          <p:cNvSpPr/>
+          <p:nvPr/>
+        </p:nvSpPr>
+        <p:spPr>
+          <a:xfrm>
+            <a:off x="325120" y="1407612"/>
+            <a:ext cx="11308080" cy="3046988"/>
+          </a:xfrm>
+          <a:prstGeom prst="rect">
+            <a:avLst/>
+          </a:prstGeom>
+        </p:spPr>
+        <p:txBody>
+          <a:bodyPr wrap="square">
+            <a:spAutoFit/>
+          </a:bodyPr>
+          <a:lstStyle/>
+          <a:p>
+            <a:endParaRPr lang="fr-FR" sz="2400" dirty="0" smtClean="0">
+              <a:latin typeface="+mj-lt"/>
+            </a:endParaRPr>
+          </a:p>
+          <a:p>
+            <a:r>
+              <a:rPr lang="fr-FR" sz="2400" dirty="0" smtClean="0">
+                <a:latin typeface="+mj-lt"/>
+              </a:rPr>
+              <a:t>L’inversion </a:t>
+            </a:r>
+            <a:r>
+              <a:rPr lang="fr-FR" sz="2400" dirty="0">
+                <a:latin typeface="+mj-lt"/>
+              </a:rPr>
+              <a:t>stochastique a été développée par </a:t>
+            </a:r>
+            <a:r>
+              <a:rPr lang="fr-FR" sz="2400" dirty="0" err="1">
+                <a:latin typeface="+mj-lt"/>
+              </a:rPr>
+              <a:t>Tarantola</a:t>
+            </a:r>
+            <a:r>
+              <a:rPr lang="fr-FR" sz="2400" dirty="0">
+                <a:latin typeface="+mj-lt"/>
+              </a:rPr>
+              <a:t> et </a:t>
+            </a:r>
+            <a:r>
+              <a:rPr lang="fr-FR" sz="2400" dirty="0" err="1">
+                <a:latin typeface="+mj-lt"/>
+              </a:rPr>
+              <a:t>Menke</a:t>
+            </a:r>
+            <a:r>
+              <a:rPr lang="fr-FR" sz="2400" dirty="0">
+                <a:latin typeface="+mj-lt"/>
+              </a:rPr>
+              <a:t>. Le </a:t>
+            </a:r>
+            <a:r>
+              <a:rPr lang="fr-FR" sz="2400" dirty="0" smtClean="0">
+                <a:latin typeface="+mj-lt"/>
+              </a:rPr>
+              <a:t>principe </a:t>
+            </a:r>
+            <a:r>
+              <a:rPr lang="fr-FR" sz="2400" dirty="0">
+                <a:latin typeface="+mj-lt"/>
+              </a:rPr>
+              <a:t>est de considérer toutes les variables comme aléatoires afin de </a:t>
+            </a:r>
+            <a:r>
+              <a:rPr lang="fr-FR" sz="2400" dirty="0" smtClean="0">
+                <a:latin typeface="+mj-lt"/>
+              </a:rPr>
+              <a:t>représenter toutes </a:t>
+            </a:r>
+            <a:r>
+              <a:rPr lang="fr-FR" sz="2400" dirty="0">
+                <a:latin typeface="+mj-lt"/>
+              </a:rPr>
+              <a:t>les incertitudes. La solution du problème inverse est la fonction de </a:t>
+            </a:r>
+            <a:r>
+              <a:rPr lang="fr-FR" sz="2400" dirty="0" smtClean="0">
+                <a:latin typeface="+mj-lt"/>
+              </a:rPr>
+              <a:t>densité de </a:t>
+            </a:r>
+            <a:r>
+              <a:rPr lang="fr-FR" sz="2400" dirty="0">
+                <a:latin typeface="+mj-lt"/>
+              </a:rPr>
+              <a:t>probabilité associée à l’inconnue x et la mesure y, à partir de laquelle on </a:t>
+            </a:r>
+            <a:r>
+              <a:rPr lang="fr-FR" sz="2400" dirty="0" smtClean="0">
+                <a:latin typeface="+mj-lt"/>
+              </a:rPr>
+              <a:t>peut chercher </a:t>
+            </a:r>
+            <a:r>
+              <a:rPr lang="fr-FR" sz="2400" dirty="0">
+                <a:latin typeface="+mj-lt"/>
+              </a:rPr>
+              <a:t>des grandeurs caractéristiques : valeur moyenne, valeur de plus </a:t>
+            </a:r>
+            <a:r>
+              <a:rPr lang="fr-FR" sz="2400" dirty="0" smtClean="0">
+                <a:latin typeface="+mj-lt"/>
+              </a:rPr>
+              <a:t>grande probabilité</a:t>
+            </a:r>
+            <a:r>
+              <a:rPr lang="fr-FR" sz="2400" dirty="0">
+                <a:latin typeface="+mj-lt"/>
+              </a:rPr>
+              <a:t>, </a:t>
+            </a:r>
+            <a:r>
+              <a:rPr lang="fr-FR" sz="2400" dirty="0" smtClean="0">
+                <a:latin typeface="+mj-lt"/>
+              </a:rPr>
+              <a:t>dispersion, corrélations</a:t>
+            </a:r>
+            <a:r>
+              <a:rPr lang="fr-FR" sz="2400" dirty="0">
+                <a:latin typeface="+mj-lt"/>
+              </a:rPr>
+              <a:t>. Les principes de ces méthodes sont détaillés</a:t>
+            </a:r>
+          </a:p>
+          <a:p>
+            <a:r>
+              <a:rPr lang="fr-FR" sz="2400" dirty="0">
+                <a:latin typeface="+mj-lt"/>
+              </a:rPr>
+              <a:t>dans [Bonnet, 2008]</a:t>
+            </a:r>
+            <a:endParaRPr lang="fr-FR" sz="2400" b="1" dirty="0">
+              <a:latin typeface="Consolas" panose="020B0609020204030204" pitchFamily="49" charset="0"/>
+            </a:endParaRPr>
+          </a:p>
+        </p:txBody>
+      </p:sp>
+    </p:spTree>
+    <p:extLst>
+      <p:ext uri="{BB962C8B-B14F-4D97-AF65-F5344CB8AC3E}">
+        <p14:creationId xmlns:p14="http://schemas.microsoft.com/office/powerpoint/2010/main" val="1732330216"/>
+      </p:ext>
+    </p:extLst>
+  </p:cSld>
+  <p:clrMapOvr>
+    <a:masterClrMapping/>
+  </p:clrMapOvr>
+</p:sld>
+</file>
+
+<file path=ppt/slides/slide31.xml><?xml version="1.0" encoding="utf-8"?>
+<p:sld xmlns:a="http://schemas.openxmlformats.org/drawingml/2006/main" xmlns:r="http://schemas.openxmlformats.org/officeDocument/2006/relationships" xmlns:p="http://schemas.openxmlformats.org/presentationml/2006/main">
+  <p:cSld>
+    <p:spTree>
+      <p:nvGrpSpPr>
+        <p:cNvPr id="1" name=""/>
+        <p:cNvGrpSpPr/>
+        <p:nvPr/>
+      </p:nvGrpSpPr>
+      <p:grpSpPr>
+        <a:xfrm>
+          <a:off x="0" y="0"/>
+          <a:ext cx="0" cy="0"/>
+          <a:chOff x="0" y="0"/>
+          <a:chExt cx="0" cy="0"/>
+        </a:xfrm>
+      </p:grpSpPr>
+      <p:sp>
+        <p:nvSpPr>
+          <p:cNvPr id="6" name="Rectangle 5"/>
+          <p:cNvSpPr/>
+          <p:nvPr/>
+        </p:nvSpPr>
+        <p:spPr>
+          <a:xfrm>
+            <a:off x="894478" y="0"/>
+            <a:ext cx="7680561" cy="2062103"/>
+          </a:xfrm>
+          <a:prstGeom prst="rect">
+            <a:avLst/>
+          </a:prstGeom>
+        </p:spPr>
+        <p:txBody>
+          <a:bodyPr wrap="square">
+            <a:spAutoFit/>
+          </a:bodyPr>
+          <a:lstStyle/>
+          <a:p>
+            <a:r>
+              <a:rPr lang="fr-FR" sz="3200" b="1" dirty="0"/>
+              <a:t>Références</a:t>
+            </a:r>
+          </a:p>
+          <a:p>
+            <a:endParaRPr lang="fr-FR" sz="3200" b="1" dirty="0"/>
+          </a:p>
+          <a:p>
+            <a:endParaRPr lang="fr-FR" sz="3200" b="1" dirty="0"/>
+          </a:p>
+          <a:p>
+            <a:endParaRPr lang="fr-FR" sz="3200" b="1" dirty="0"/>
+          </a:p>
+        </p:txBody>
+      </p:sp>
+      <p:sp>
+        <p:nvSpPr>
+          <p:cNvPr id="2" name="Rectangle 1"/>
+          <p:cNvSpPr/>
+          <p:nvPr/>
+        </p:nvSpPr>
+        <p:spPr>
+          <a:xfrm>
+            <a:off x="325120" y="686252"/>
+            <a:ext cx="11308080" cy="5632311"/>
+          </a:xfrm>
+          <a:prstGeom prst="rect">
+            <a:avLst/>
+          </a:prstGeom>
+        </p:spPr>
+        <p:txBody>
+          <a:bodyPr wrap="square">
+            <a:spAutoFit/>
+          </a:bodyPr>
+          <a:lstStyle/>
+          <a:p>
+            <a:r>
+              <a:rPr lang="fr-FR" dirty="0" smtClean="0">
+                <a:latin typeface="+mj-lt"/>
+              </a:rPr>
+              <a:t>[</a:t>
+            </a:r>
+            <a:r>
+              <a:rPr lang="fr-FR" dirty="0">
+                <a:latin typeface="+mj-lt"/>
+              </a:rPr>
+              <a:t>Aster et al., 2012] Aster R.C., </a:t>
+            </a:r>
+            <a:r>
+              <a:rPr lang="fr-FR" dirty="0" err="1">
+                <a:latin typeface="+mj-lt"/>
+              </a:rPr>
+              <a:t>Borchers</a:t>
+            </a:r>
+            <a:r>
+              <a:rPr lang="fr-FR" dirty="0">
+                <a:latin typeface="+mj-lt"/>
+              </a:rPr>
+              <a:t> B., Thurber C. [2012]. </a:t>
+            </a:r>
+            <a:r>
+              <a:rPr lang="fr-FR" dirty="0" err="1" smtClean="0">
+                <a:latin typeface="+mj-lt"/>
+              </a:rPr>
+              <a:t>Parameter</a:t>
+            </a:r>
+            <a:r>
+              <a:rPr lang="fr-FR" dirty="0" smtClean="0">
+                <a:latin typeface="+mj-lt"/>
+              </a:rPr>
+              <a:t> </a:t>
+            </a:r>
+            <a:r>
+              <a:rPr lang="fr-FR" dirty="0">
+                <a:latin typeface="+mj-lt"/>
+              </a:rPr>
+              <a:t>estimation and inverse </a:t>
+            </a:r>
+            <a:r>
+              <a:rPr lang="fr-FR" dirty="0" err="1">
+                <a:latin typeface="+mj-lt"/>
+              </a:rPr>
+              <a:t>problems</a:t>
+            </a:r>
+            <a:r>
+              <a:rPr lang="fr-FR" dirty="0">
+                <a:latin typeface="+mj-lt"/>
+              </a:rPr>
+              <a:t>. </a:t>
+            </a:r>
+            <a:r>
+              <a:rPr lang="fr-FR" dirty="0" err="1">
+                <a:latin typeface="+mj-lt"/>
+              </a:rPr>
+              <a:t>Academic</a:t>
+            </a:r>
+            <a:r>
+              <a:rPr lang="fr-FR" dirty="0">
+                <a:latin typeface="+mj-lt"/>
+              </a:rPr>
+              <a:t> </a:t>
+            </a:r>
+            <a:r>
+              <a:rPr lang="fr-FR" dirty="0" err="1">
+                <a:latin typeface="+mj-lt"/>
+              </a:rPr>
+              <a:t>Press</a:t>
+            </a:r>
+            <a:r>
+              <a:rPr lang="fr-FR" dirty="0">
+                <a:latin typeface="+mj-lt"/>
+              </a:rPr>
+              <a:t>.</a:t>
+            </a:r>
+          </a:p>
+          <a:p>
+            <a:r>
+              <a:rPr lang="fr-FR" dirty="0">
+                <a:latin typeface="+mj-lt"/>
+              </a:rPr>
+              <a:t>[</a:t>
+            </a:r>
+            <a:r>
+              <a:rPr lang="fr-FR" dirty="0" err="1">
+                <a:latin typeface="+mj-lt"/>
+              </a:rPr>
+              <a:t>Ayers</a:t>
+            </a:r>
+            <a:r>
+              <a:rPr lang="fr-FR" dirty="0">
+                <a:latin typeface="+mj-lt"/>
+              </a:rPr>
+              <a:t> et al., 1988] </a:t>
+            </a:r>
+            <a:r>
+              <a:rPr lang="fr-FR" dirty="0" err="1">
+                <a:latin typeface="+mj-lt"/>
+              </a:rPr>
+              <a:t>Ayers</a:t>
+            </a:r>
+            <a:r>
+              <a:rPr lang="fr-FR" dirty="0">
+                <a:latin typeface="+mj-lt"/>
+              </a:rPr>
+              <a:t> G.R. </a:t>
+            </a:r>
+            <a:r>
+              <a:rPr lang="fr-FR" dirty="0" err="1">
+                <a:latin typeface="+mj-lt"/>
+              </a:rPr>
+              <a:t>Dainty</a:t>
+            </a:r>
+            <a:r>
+              <a:rPr lang="fr-FR" dirty="0">
+                <a:latin typeface="+mj-lt"/>
+              </a:rPr>
+              <a:t> J.C. [1988]. </a:t>
+            </a:r>
+            <a:r>
+              <a:rPr lang="fr-FR" dirty="0" err="1">
+                <a:latin typeface="+mj-lt"/>
+              </a:rPr>
+              <a:t>Iterative</a:t>
+            </a:r>
+            <a:r>
+              <a:rPr lang="fr-FR" dirty="0">
+                <a:latin typeface="+mj-lt"/>
+              </a:rPr>
+              <a:t> </a:t>
+            </a:r>
+            <a:r>
+              <a:rPr lang="fr-FR" dirty="0" err="1">
+                <a:latin typeface="+mj-lt"/>
+              </a:rPr>
+              <a:t>blind</a:t>
+            </a:r>
+            <a:r>
+              <a:rPr lang="fr-FR" dirty="0">
+                <a:latin typeface="+mj-lt"/>
+              </a:rPr>
+              <a:t> </a:t>
+            </a:r>
+            <a:r>
+              <a:rPr lang="fr-FR" dirty="0" err="1" smtClean="0">
+                <a:latin typeface="+mj-lt"/>
+              </a:rPr>
+              <a:t>deconvolution</a:t>
+            </a:r>
+            <a:r>
+              <a:rPr lang="fr-FR" dirty="0" smtClean="0">
+                <a:latin typeface="+mj-lt"/>
+              </a:rPr>
+              <a:t> </a:t>
+            </a:r>
+            <a:r>
+              <a:rPr lang="fr-FR" dirty="0" err="1">
+                <a:latin typeface="+mj-lt"/>
+              </a:rPr>
+              <a:t>method</a:t>
+            </a:r>
+            <a:r>
+              <a:rPr lang="fr-FR" dirty="0">
+                <a:latin typeface="+mj-lt"/>
+              </a:rPr>
+              <a:t> and </a:t>
+            </a:r>
+            <a:r>
+              <a:rPr lang="fr-FR" dirty="0" err="1">
+                <a:latin typeface="+mj-lt"/>
+              </a:rPr>
+              <a:t>its</a:t>
+            </a:r>
+            <a:r>
+              <a:rPr lang="fr-FR" dirty="0">
+                <a:latin typeface="+mj-lt"/>
+              </a:rPr>
+              <a:t> applications. </a:t>
+            </a:r>
+            <a:r>
+              <a:rPr lang="fr-FR" dirty="0" err="1">
+                <a:latin typeface="+mj-lt"/>
+              </a:rPr>
+              <a:t>Optics</a:t>
+            </a:r>
+            <a:r>
+              <a:rPr lang="fr-FR" dirty="0">
+                <a:latin typeface="+mj-lt"/>
+              </a:rPr>
+              <a:t> </a:t>
+            </a:r>
+            <a:r>
+              <a:rPr lang="fr-FR" dirty="0" err="1">
+                <a:latin typeface="+mj-lt"/>
+              </a:rPr>
+              <a:t>Letters</a:t>
+            </a:r>
+            <a:r>
+              <a:rPr lang="fr-FR" dirty="0">
+                <a:latin typeface="+mj-lt"/>
+              </a:rPr>
+              <a:t>, Vol. 13, Issue 7, </a:t>
+            </a:r>
+            <a:r>
+              <a:rPr lang="fr-FR" dirty="0" smtClean="0">
+                <a:latin typeface="+mj-lt"/>
+              </a:rPr>
+              <a:t>pp.547-549</a:t>
+            </a:r>
+            <a:r>
+              <a:rPr lang="fr-FR" dirty="0">
+                <a:latin typeface="+mj-lt"/>
+              </a:rPr>
+              <a:t>.</a:t>
+            </a:r>
+          </a:p>
+          <a:p>
+            <a:r>
+              <a:rPr lang="fr-FR" dirty="0">
+                <a:latin typeface="+mj-lt"/>
+              </a:rPr>
+              <a:t>[Bonnet, 2008] Bonnet M. [2008]. Problèmes inverses. Syllabus du cours </a:t>
+            </a:r>
+            <a:r>
+              <a:rPr lang="fr-FR" dirty="0" smtClean="0">
+                <a:latin typeface="+mj-lt"/>
+              </a:rPr>
+              <a:t>à l’Ecole </a:t>
+            </a:r>
+            <a:r>
+              <a:rPr lang="fr-FR" dirty="0">
+                <a:latin typeface="+mj-lt"/>
+              </a:rPr>
+              <a:t>Centrale de Paris.</a:t>
+            </a:r>
+          </a:p>
+          <a:p>
+            <a:r>
+              <a:rPr lang="fr-FR" dirty="0">
+                <a:latin typeface="+mj-lt"/>
+              </a:rPr>
+              <a:t>[Cavalier, 2003] Cavalier L. [2003]. Problèmes inverses en statistique. </a:t>
+            </a:r>
+            <a:r>
+              <a:rPr lang="fr-FR" dirty="0" smtClean="0">
+                <a:latin typeface="+mj-lt"/>
+              </a:rPr>
+              <a:t>Mémoire </a:t>
+            </a:r>
+            <a:r>
+              <a:rPr lang="fr-FR" dirty="0">
+                <a:latin typeface="+mj-lt"/>
+              </a:rPr>
+              <a:t>présenté pour obtenir l’habilitation à diriger des recherches.</a:t>
+            </a:r>
+          </a:p>
+          <a:p>
+            <a:r>
+              <a:rPr lang="fr-FR" dirty="0">
+                <a:latin typeface="+mj-lt"/>
+              </a:rPr>
+              <a:t>[Fish et al., 1995] Fish D.A., </a:t>
+            </a:r>
+            <a:r>
+              <a:rPr lang="fr-FR" dirty="0" err="1">
+                <a:latin typeface="+mj-lt"/>
+              </a:rPr>
+              <a:t>Brinicombe</a:t>
+            </a:r>
+            <a:r>
+              <a:rPr lang="fr-FR" dirty="0">
+                <a:latin typeface="+mj-lt"/>
+              </a:rPr>
+              <a:t> A.M., Pike E.R., </a:t>
+            </a:r>
+            <a:r>
+              <a:rPr lang="fr-FR" dirty="0" smtClean="0">
+                <a:latin typeface="+mj-lt"/>
+              </a:rPr>
+              <a:t>Walker J.G</a:t>
+            </a:r>
+            <a:r>
+              <a:rPr lang="fr-FR" dirty="0">
+                <a:latin typeface="+mj-lt"/>
+              </a:rPr>
+              <a:t>.. [1995]. </a:t>
+            </a:r>
+            <a:r>
+              <a:rPr lang="fr-FR" dirty="0" smtClean="0">
+                <a:latin typeface="+mj-lt"/>
+              </a:rPr>
+              <a:t>Blind </a:t>
+            </a:r>
+            <a:r>
+              <a:rPr lang="fr-FR" dirty="0" err="1" smtClean="0">
+                <a:latin typeface="+mj-lt"/>
+              </a:rPr>
+              <a:t>deconvolution</a:t>
+            </a:r>
+            <a:r>
+              <a:rPr lang="fr-FR" dirty="0" smtClean="0">
+                <a:latin typeface="+mj-lt"/>
+              </a:rPr>
+              <a:t> </a:t>
+            </a:r>
+            <a:r>
+              <a:rPr lang="fr-FR" dirty="0">
+                <a:latin typeface="+mj-lt"/>
+              </a:rPr>
+              <a:t>by </a:t>
+            </a:r>
+            <a:r>
+              <a:rPr lang="fr-FR" dirty="0" err="1">
+                <a:latin typeface="+mj-lt"/>
+              </a:rPr>
+              <a:t>means</a:t>
+            </a:r>
+            <a:r>
+              <a:rPr lang="fr-FR" dirty="0">
+                <a:latin typeface="+mj-lt"/>
+              </a:rPr>
+              <a:t> of the Richardson-Lucy </a:t>
+            </a:r>
+            <a:r>
+              <a:rPr lang="fr-FR" dirty="0" err="1">
+                <a:latin typeface="+mj-lt"/>
+              </a:rPr>
+              <a:t>algo</a:t>
+            </a:r>
+            <a:r>
+              <a:rPr lang="fr-FR" dirty="0">
+                <a:latin typeface="+mj-lt"/>
+              </a:rPr>
+              <a:t>-</a:t>
+            </a:r>
+          </a:p>
+          <a:p>
+            <a:r>
+              <a:rPr lang="fr-FR" dirty="0" err="1">
+                <a:latin typeface="+mj-lt"/>
+              </a:rPr>
+              <a:t>rithm</a:t>
+            </a:r>
+            <a:r>
+              <a:rPr lang="fr-FR" dirty="0">
+                <a:latin typeface="+mj-lt"/>
+              </a:rPr>
+              <a:t>. J. </a:t>
+            </a:r>
+            <a:r>
+              <a:rPr lang="fr-FR" dirty="0" err="1">
+                <a:latin typeface="+mj-lt"/>
+              </a:rPr>
+              <a:t>Opt</a:t>
+            </a:r>
+            <a:r>
+              <a:rPr lang="fr-FR" dirty="0">
+                <a:latin typeface="+mj-lt"/>
+              </a:rPr>
+              <a:t>. Soc. Am. A 12, 58-65.</a:t>
+            </a:r>
+          </a:p>
+          <a:p>
+            <a:r>
+              <a:rPr lang="fr-FR" dirty="0">
+                <a:latin typeface="+mj-lt"/>
+              </a:rPr>
+              <a:t>[</a:t>
+            </a:r>
+            <a:r>
+              <a:rPr lang="fr-FR" dirty="0" err="1">
+                <a:latin typeface="+mj-lt"/>
+              </a:rPr>
+              <a:t>Hazart</a:t>
+            </a:r>
+            <a:r>
+              <a:rPr lang="fr-FR" dirty="0">
+                <a:latin typeface="+mj-lt"/>
+              </a:rPr>
+              <a:t> et al., 2005] </a:t>
+            </a:r>
+            <a:r>
+              <a:rPr lang="fr-FR" dirty="0" err="1">
+                <a:latin typeface="+mj-lt"/>
+              </a:rPr>
+              <a:t>Hazart</a:t>
+            </a:r>
+            <a:r>
+              <a:rPr lang="fr-FR" dirty="0">
+                <a:latin typeface="+mj-lt"/>
+              </a:rPr>
+              <a:t> A., </a:t>
+            </a:r>
+            <a:r>
+              <a:rPr lang="fr-FR" dirty="0" err="1">
+                <a:latin typeface="+mj-lt"/>
+              </a:rPr>
+              <a:t>Giovannelli</a:t>
+            </a:r>
+            <a:r>
+              <a:rPr lang="fr-FR" dirty="0">
+                <a:latin typeface="+mj-lt"/>
+              </a:rPr>
+              <a:t> J.-F., Dubois S., </a:t>
+            </a:r>
+            <a:r>
+              <a:rPr lang="fr-FR" dirty="0" err="1" smtClean="0">
+                <a:latin typeface="+mj-lt"/>
+              </a:rPr>
+              <a:t>Chatellier</a:t>
+            </a:r>
+            <a:r>
+              <a:rPr lang="fr-FR" dirty="0" smtClean="0">
+                <a:latin typeface="+mj-lt"/>
+              </a:rPr>
+              <a:t> </a:t>
+            </a:r>
+            <a:r>
+              <a:rPr lang="fr-FR" dirty="0">
+                <a:latin typeface="+mj-lt"/>
+              </a:rPr>
+              <a:t>L. [2005]. Pollution de milieux poreux : </a:t>
+            </a:r>
+            <a:r>
+              <a:rPr lang="fr-FR" dirty="0" err="1">
+                <a:latin typeface="+mj-lt"/>
+              </a:rPr>
+              <a:t>identifiabilité</a:t>
+            </a:r>
+            <a:r>
+              <a:rPr lang="fr-FR" dirty="0">
+                <a:latin typeface="+mj-lt"/>
+              </a:rPr>
+              <a:t> et </a:t>
+            </a:r>
+            <a:r>
+              <a:rPr lang="fr-FR" dirty="0" smtClean="0">
+                <a:latin typeface="+mj-lt"/>
+              </a:rPr>
+              <a:t>identification </a:t>
+            </a:r>
+            <a:r>
+              <a:rPr lang="fr-FR" dirty="0">
+                <a:latin typeface="+mj-lt"/>
+              </a:rPr>
+              <a:t>de modèles paramétriques de sources. 20ème Colloque sur le </a:t>
+            </a:r>
+            <a:r>
+              <a:rPr lang="fr-FR" dirty="0" smtClean="0">
+                <a:latin typeface="+mj-lt"/>
+              </a:rPr>
+              <a:t>traitement du </a:t>
+            </a:r>
+            <a:r>
+              <a:rPr lang="fr-FR" dirty="0">
+                <a:latin typeface="+mj-lt"/>
+              </a:rPr>
+              <a:t>signal et des images, 2005 :144-147.</a:t>
+            </a:r>
+          </a:p>
+          <a:p>
+            <a:r>
+              <a:rPr lang="fr-FR" dirty="0">
+                <a:latin typeface="+mj-lt"/>
+              </a:rPr>
+              <a:t>[</a:t>
+            </a:r>
+            <a:r>
+              <a:rPr lang="fr-FR" dirty="0" err="1">
+                <a:latin typeface="+mj-lt"/>
+              </a:rPr>
+              <a:t>Kern</a:t>
+            </a:r>
+            <a:r>
+              <a:rPr lang="fr-FR" dirty="0">
+                <a:latin typeface="+mj-lt"/>
+              </a:rPr>
+              <a:t>, 2002] </a:t>
+            </a:r>
+            <a:r>
+              <a:rPr lang="fr-FR" dirty="0" err="1">
+                <a:latin typeface="+mj-lt"/>
+              </a:rPr>
+              <a:t>Kern</a:t>
+            </a:r>
+            <a:r>
+              <a:rPr lang="fr-FR" dirty="0">
+                <a:latin typeface="+mj-lt"/>
+              </a:rPr>
+              <a:t> M. [2002]. Problèmes inverses. Syllabus du cours à l’Ecole</a:t>
+            </a:r>
+          </a:p>
+          <a:p>
+            <a:r>
+              <a:rPr lang="fr-FR" dirty="0">
+                <a:latin typeface="+mj-lt"/>
+              </a:rPr>
+              <a:t>supérieure d’ingénieurs Léonard de Vinci.</a:t>
+            </a:r>
+          </a:p>
+          <a:p>
+            <a:r>
+              <a:rPr lang="fr-FR" dirty="0">
+                <a:latin typeface="+mj-lt"/>
+              </a:rPr>
+              <a:t>[Kirsch, 1996] Kirsch A. [1996]. An Introduction to the </a:t>
+            </a:r>
+            <a:r>
+              <a:rPr lang="fr-FR" dirty="0" err="1">
+                <a:latin typeface="+mj-lt"/>
+              </a:rPr>
+              <a:t>Mathematical</a:t>
+            </a:r>
+            <a:endParaRPr lang="fr-FR" dirty="0">
+              <a:latin typeface="+mj-lt"/>
+            </a:endParaRPr>
+          </a:p>
+          <a:p>
+            <a:r>
+              <a:rPr lang="fr-FR" dirty="0">
+                <a:latin typeface="+mj-lt"/>
+              </a:rPr>
+              <a:t>Theory of Inverse </a:t>
+            </a:r>
+            <a:r>
+              <a:rPr lang="fr-FR" dirty="0" err="1">
+                <a:latin typeface="+mj-lt"/>
+              </a:rPr>
+              <a:t>Problems</a:t>
+            </a:r>
+            <a:r>
+              <a:rPr lang="fr-FR" dirty="0">
+                <a:latin typeface="+mj-lt"/>
+              </a:rPr>
+              <a:t>. </a:t>
+            </a:r>
+            <a:r>
+              <a:rPr lang="fr-FR" dirty="0" err="1">
+                <a:latin typeface="+mj-lt"/>
+              </a:rPr>
+              <a:t>Number</a:t>
+            </a:r>
+            <a:r>
+              <a:rPr lang="fr-FR" dirty="0">
+                <a:latin typeface="+mj-lt"/>
+              </a:rPr>
+              <a:t> 120 in </a:t>
+            </a:r>
+            <a:r>
+              <a:rPr lang="fr-FR" dirty="0" err="1">
+                <a:latin typeface="+mj-lt"/>
+              </a:rPr>
+              <a:t>Applied</a:t>
+            </a:r>
+            <a:r>
+              <a:rPr lang="fr-FR" dirty="0">
+                <a:latin typeface="+mj-lt"/>
+              </a:rPr>
+              <a:t> </a:t>
+            </a:r>
+            <a:r>
+              <a:rPr lang="fr-FR" dirty="0" err="1">
+                <a:latin typeface="+mj-lt"/>
+              </a:rPr>
+              <a:t>Mathematical</a:t>
+            </a:r>
+            <a:r>
+              <a:rPr lang="fr-FR" dirty="0">
+                <a:latin typeface="+mj-lt"/>
+              </a:rPr>
+              <a:t> Sciences.</a:t>
+            </a:r>
+          </a:p>
+          <a:p>
+            <a:r>
+              <a:rPr lang="fr-FR" dirty="0">
+                <a:latin typeface="+mj-lt"/>
+              </a:rPr>
+              <a:t>Springer-</a:t>
+            </a:r>
+            <a:r>
+              <a:rPr lang="fr-FR" dirty="0" err="1">
+                <a:latin typeface="+mj-lt"/>
+              </a:rPr>
+              <a:t>Verlag</a:t>
+            </a:r>
+            <a:r>
+              <a:rPr lang="fr-FR" dirty="0">
+                <a:latin typeface="+mj-lt"/>
+              </a:rPr>
+              <a:t>, New-York.</a:t>
+            </a:r>
+          </a:p>
+          <a:p>
+            <a:r>
+              <a:rPr lang="fr-FR" dirty="0">
+                <a:latin typeface="+mj-lt"/>
+              </a:rPr>
+              <a:t>[</a:t>
+            </a:r>
+            <a:r>
+              <a:rPr lang="fr-FR" dirty="0" err="1">
+                <a:latin typeface="+mj-lt"/>
+              </a:rPr>
+              <a:t>Lecharlier</a:t>
+            </a:r>
+            <a:r>
+              <a:rPr lang="fr-FR" dirty="0">
+                <a:latin typeface="+mj-lt"/>
+              </a:rPr>
+              <a:t> et al., 2013] </a:t>
+            </a:r>
+            <a:r>
+              <a:rPr lang="fr-FR" dirty="0" err="1">
+                <a:latin typeface="+mj-lt"/>
+              </a:rPr>
+              <a:t>Lecharlier</a:t>
+            </a:r>
+            <a:r>
+              <a:rPr lang="fr-FR" dirty="0">
+                <a:latin typeface="+mj-lt"/>
+              </a:rPr>
+              <a:t> L., De Mol C. [2013]. </a:t>
+            </a:r>
+            <a:r>
+              <a:rPr lang="fr-FR" dirty="0" err="1">
+                <a:latin typeface="+mj-lt"/>
+              </a:rPr>
+              <a:t>Regularized</a:t>
+            </a:r>
+            <a:endParaRPr lang="fr-FR" dirty="0">
+              <a:latin typeface="+mj-lt"/>
+            </a:endParaRPr>
+          </a:p>
+          <a:p>
+            <a:r>
+              <a:rPr lang="fr-FR" dirty="0" err="1">
+                <a:latin typeface="+mj-lt"/>
+              </a:rPr>
+              <a:t>blind</a:t>
+            </a:r>
+            <a:r>
+              <a:rPr lang="fr-FR" dirty="0">
+                <a:latin typeface="+mj-lt"/>
+              </a:rPr>
+              <a:t> </a:t>
+            </a:r>
+            <a:r>
+              <a:rPr lang="fr-FR" dirty="0" err="1">
+                <a:latin typeface="+mj-lt"/>
+              </a:rPr>
+              <a:t>deconvolution</a:t>
+            </a:r>
+            <a:r>
+              <a:rPr lang="fr-FR" dirty="0">
+                <a:latin typeface="+mj-lt"/>
+              </a:rPr>
+              <a:t> </a:t>
+            </a:r>
+            <a:r>
+              <a:rPr lang="fr-FR" dirty="0" err="1">
+                <a:latin typeface="+mj-lt"/>
+              </a:rPr>
+              <a:t>with</a:t>
+            </a:r>
+            <a:r>
+              <a:rPr lang="fr-FR" dirty="0">
+                <a:latin typeface="+mj-lt"/>
+              </a:rPr>
+              <a:t> Poisson data. Journal of </a:t>
+            </a:r>
+            <a:r>
+              <a:rPr lang="fr-FR" dirty="0" err="1">
+                <a:latin typeface="+mj-lt"/>
+              </a:rPr>
+              <a:t>Physics</a:t>
+            </a:r>
+            <a:r>
+              <a:rPr lang="fr-FR" dirty="0">
+                <a:latin typeface="+mj-lt"/>
+              </a:rPr>
+              <a:t> : </a:t>
+            </a:r>
+            <a:r>
+              <a:rPr lang="fr-FR" dirty="0" err="1">
+                <a:latin typeface="+mj-lt"/>
+              </a:rPr>
+              <a:t>Conference</a:t>
+            </a:r>
+            <a:r>
+              <a:rPr lang="fr-FR" dirty="0">
+                <a:latin typeface="+mj-lt"/>
+              </a:rPr>
+              <a:t> </a:t>
+            </a:r>
+            <a:r>
+              <a:rPr lang="fr-FR" dirty="0" err="1">
+                <a:latin typeface="+mj-lt"/>
+              </a:rPr>
+              <a:t>Series</a:t>
+            </a:r>
+            <a:endParaRPr lang="fr-FR" b="1" dirty="0">
+              <a:latin typeface="Consolas" panose="020B0609020204030204" pitchFamily="49" charset="0"/>
+            </a:endParaRPr>
+          </a:p>
+        </p:txBody>
+      </p:sp>
+    </p:spTree>
+    <p:extLst>
+      <p:ext uri="{BB962C8B-B14F-4D97-AF65-F5344CB8AC3E}">
+        <p14:creationId xmlns:p14="http://schemas.microsoft.com/office/powerpoint/2010/main" val="717004735"/>
+      </p:ext>
+    </p:extLst>
+  </p:cSld>
+  <p:clrMapOvr>
+    <a:masterClrMapping/>
+  </p:clrMapOvr>
 </p:sld>
 </file>
 
@@ -7969,7 +13459,6 @@
               <a:rPr lang="fr-FR" sz="3100" b="1" dirty="0" smtClean="0"/>
               <a:t>1. INTRODUCTION</a:t>
             </a:r>
-            <a:endParaRPr lang="fr-FR" sz="3100" b="1" dirty="0" smtClean="0"/>
           </a:p>
         </p:txBody>
       </p:sp>
@@ -8089,7 +13578,6 @@
               <a:rPr lang="fr-FR" sz="3100" b="1" dirty="0" smtClean="0"/>
               <a:t>1. INTRODUCTION</a:t>
             </a:r>
-            <a:endParaRPr lang="fr-FR" sz="3100" b="1" dirty="0" smtClean="0"/>
           </a:p>
         </p:txBody>
       </p:sp>
@@ -8595,7 +14083,19 @@
               <a:rPr lang="fr-FR" sz="2400" b="1" dirty="0" smtClean="0">
                 <a:latin typeface="Consolas" panose="020B0609020204030204" pitchFamily="49" charset="0"/>
               </a:rPr>
-              <a:t>M (y, x, θ, e) = 0</a:t>
+              <a:t>M (</a:t>
+            </a:r>
+            <a:r>
+              <a:rPr lang="fr-FR" sz="2400" b="1" dirty="0" smtClean="0">
+                <a:latin typeface="Consolas" panose="020B0609020204030204" pitchFamily="49" charset="0"/>
+              </a:rPr>
+              <a:t>y, x</a:t>
+            </a:r>
+            <a:r>
+              <a:rPr lang="fr-FR" sz="2400" b="1" dirty="0" smtClean="0">
+                <a:latin typeface="Consolas" panose="020B0609020204030204" pitchFamily="49" charset="0"/>
+              </a:rPr>
+              <a:t>, θ, e) = 0</a:t>
             </a:r>
             <a:r>
               <a:rPr lang="fr-FR" sz="2400" dirty="0" smtClean="0">
@@ -8621,7 +14121,25 @@
               <a:rPr lang="fr-FR" sz="2400" b="1" dirty="0" smtClean="0">
                 <a:latin typeface="Consolas" panose="020B0609020204030204" pitchFamily="49" charset="0"/>
               </a:rPr>
-              <a:t>y = M (x, θ) + e </a:t>
+              <a:t>y = </a:t>
+            </a:r>
+            <a:r>
+              <a:rPr lang="fr-FR" sz="2400" b="1" dirty="0" smtClean="0">
+                <a:latin typeface="Consolas" panose="020B0609020204030204" pitchFamily="49" charset="0"/>
+              </a:rPr>
+              <a:t>M(x</a:t>
+            </a:r>
+            <a:r>
+              <a:rPr lang="fr-FR" sz="2400" b="1" dirty="0" smtClean="0">
+                <a:latin typeface="Consolas" panose="020B0609020204030204" pitchFamily="49" charset="0"/>
+              </a:rPr>
+              <a:t>, θ</a:t>
+            </a:r>
+            <a:r>
+              <a:rPr lang="fr-FR" sz="2400" b="1" dirty="0" smtClean="0">
+                <a:latin typeface="Consolas" panose="020B0609020204030204" pitchFamily="49" charset="0"/>
+              </a:rPr>
+              <a:t>) + e </a:t>
             </a:r>
             <a:r>
               <a:rPr lang="fr-FR" sz="2400" dirty="0" smtClean="0">
@@ -8640,25 +14158,91 @@
               <a:rPr lang="fr-FR" sz="2400" dirty="0" smtClean="0">
                 <a:latin typeface="+mj-lt"/>
               </a:rPr>
-              <a:t>Si M est un opérateur linéaire, la relation peut s’écrire soit comme y = M x + e où M est une matrice dans le cas discret, soit comme une intégrale de </a:t>
+              <a:t>Si </a:t>
+            </a:r>
+            <a:r>
+              <a:rPr lang="fr-FR" sz="2400" b="1" dirty="0">
+                <a:latin typeface="Consolas" panose="020B0609020204030204" pitchFamily="49" charset="0"/>
+              </a:rPr>
+              <a:t>M</a:t>
+            </a:r>
+            <a:r>
+              <a:rPr lang="fr-FR" sz="2400" dirty="0" smtClean="0">
+                <a:latin typeface="+mj-lt"/>
+              </a:rPr>
+              <a:t> est un opérateur linéaire, la relation peut s’écrire soit comme </a:t>
+            </a:r>
+            <a:r>
+              <a:rPr lang="fr-FR" sz="2400" b="1" dirty="0">
+                <a:latin typeface="Consolas" panose="020B0609020204030204" pitchFamily="49" charset="0"/>
+              </a:rPr>
+              <a:t>y = </a:t>
             </a:r>
             <a:r>
               <a:rPr lang="fr-FR" sz="2400" b="1" dirty="0" err="1" smtClean="0">
-                <a:latin typeface="+mj-lt"/>
-              </a:rPr>
-              <a:t>Freedholm</a:t>
-            </a:r>
-            <a:r>
-              <a:rPr lang="fr-FR" sz="2400" dirty="0" smtClean="0">
-                <a:latin typeface="+mj-lt"/>
-              </a:rPr>
-              <a:t> dite de première espèce </a:t>
+                <a:latin typeface="Consolas" panose="020B0609020204030204" pitchFamily="49" charset="0"/>
+              </a:rPr>
+              <a:t>Mx</a:t>
             </a:r>
             <a:r>
               <a:rPr lang="fr-FR" sz="2400" b="1" dirty="0" smtClean="0">
                 <a:latin typeface="Consolas" panose="020B0609020204030204" pitchFamily="49" charset="0"/>
               </a:rPr>
-              <a:t>y(u) = ∫ x(r)h(r, u)</a:t>
+              <a:t> </a:t>
+            </a:r>
+            <a:r>
+              <a:rPr lang="fr-FR" sz="2400" b="1" dirty="0">
+                <a:latin typeface="Consolas" panose="020B0609020204030204" pitchFamily="49" charset="0"/>
+              </a:rPr>
+              <a:t>+ e </a:t>
+            </a:r>
+            <a:r>
+              <a:rPr lang="fr-FR" sz="2400" dirty="0" smtClean="0">
+                <a:latin typeface="+mj-lt"/>
+              </a:rPr>
+              <a:t>où </a:t>
+            </a:r>
+            <a:r>
+              <a:rPr lang="fr-FR" sz="2400" b="1" dirty="0">
+                <a:latin typeface="Consolas" panose="020B0609020204030204" pitchFamily="49" charset="0"/>
+              </a:rPr>
+              <a:t>M</a:t>
+            </a:r>
+            <a:r>
+              <a:rPr lang="fr-FR" sz="2400" dirty="0" smtClean="0">
+                <a:latin typeface="+mj-lt"/>
+              </a:rPr>
+              <a:t> est une matrice dans le cas discret, soit comme une intégrale de </a:t>
+            </a:r>
+            <a:r>
+              <a:rPr lang="fr-FR" sz="2400" b="1" dirty="0" err="1" smtClean="0">
+                <a:latin typeface="+mj-lt"/>
+              </a:rPr>
+              <a:t>Freedholm</a:t>
+            </a:r>
+            <a:r>
+              <a:rPr lang="fr-FR" sz="2400" dirty="0" smtClean="0">
+                <a:latin typeface="+mj-lt"/>
+              </a:rPr>
+              <a:t> dite de première espèce </a:t>
+            </a:r>
+            <a:r>
+              <a:rPr lang="fr-FR" sz="2400" b="1" dirty="0" smtClean="0">
+                <a:latin typeface="Consolas" panose="020B0609020204030204" pitchFamily="49" charset="0"/>
+              </a:rPr>
+              <a:t>y(u) = </a:t>
+            </a:r>
+            <a:r>
+              <a:rPr lang="fr-FR" sz="2400" b="1" dirty="0" smtClean="0">
+                <a:latin typeface="Consolas" panose="020B0609020204030204" pitchFamily="49" charset="0"/>
+              </a:rPr>
+              <a:t>∫x(r)h(r</a:t>
+            </a:r>
+            <a:r>
+              <a:rPr lang="fr-FR" sz="2400" b="1" dirty="0" smtClean="0">
+                <a:latin typeface="Consolas" panose="020B0609020204030204" pitchFamily="49" charset="0"/>
+              </a:rPr>
+              <a:t>, u)</a:t>
             </a:r>
             <a:r>
               <a:rPr lang="fr-FR" sz="2400" b="1" dirty="0" err="1" smtClean="0">
@@ -8709,7 +14293,25 @@
               <a:rPr lang="fr-FR" sz="2400" b="1" dirty="0" smtClean="0">
                 <a:latin typeface="Consolas" panose="020B0609020204030204" pitchFamily="49" charset="0"/>
               </a:rPr>
-              <a:t>y = M x + e </a:t>
+              <a:t>y = </a:t>
+            </a:r>
+            <a:r>
+              <a:rPr lang="fr-FR" sz="2400" b="1" dirty="0" err="1" smtClean="0">
+                <a:latin typeface="Consolas" panose="020B0609020204030204" pitchFamily="49" charset="0"/>
+              </a:rPr>
+              <a:t>Mx</a:t>
+            </a:r>
+            <a:r>
+              <a:rPr lang="fr-FR" sz="2400" b="1" dirty="0" smtClean="0">
+                <a:latin typeface="Consolas" panose="020B0609020204030204" pitchFamily="49" charset="0"/>
+              </a:rPr>
+              <a:t> </a:t>
+            </a:r>
+            <a:r>
+              <a:rPr lang="fr-FR" sz="2400" b="1" dirty="0" smtClean="0">
+                <a:latin typeface="Consolas" panose="020B0609020204030204" pitchFamily="49" charset="0"/>
+              </a:rPr>
+              <a:t>+ e </a:t>
             </a:r>
             <a:r>
               <a:rPr lang="fr-FR" sz="2400" dirty="0" smtClean="0">
@@ -8718,16 +14320,16 @@
               <a:t>où </a:t>
             </a:r>
             <a:r>
+              <a:rPr lang="fr-FR" sz="2400" b="1" dirty="0">
+                <a:latin typeface="Consolas" panose="020B0609020204030204" pitchFamily="49" charset="0"/>
+              </a:rPr>
+              <a:t>M </a:t>
+            </a:r>
+            <a:r>
               <a:rPr lang="fr-FR" sz="2400" dirty="0" smtClean="0">
-                <a:latin typeface="Consolas" panose="020B0609020204030204" pitchFamily="49" charset="0"/>
-              </a:rPr>
-              <a:t>M</a:t>
-            </a:r>
-            <a:r>
-              <a:rPr lang="fr-FR" sz="2400" dirty="0" smtClean="0">
-                <a:latin typeface="+mj-lt"/>
-              </a:rPr>
-              <a:t> est une matrice.</a:t>
+                <a:latin typeface="+mj-lt"/>
+              </a:rPr>
+              <a:t>est une matrice.</a:t>
             </a:r>
             <a:endParaRPr lang="fr-FR" sz="2400" dirty="0">
               <a:latin typeface="+mj-lt"/>
@@ -8837,7 +14439,6 @@
               <a:rPr lang="fr-FR" sz="3200" b="1" dirty="0"/>
               <a:t>Problème mal posé</a:t>
             </a:r>
-            <a:endParaRPr lang="fr-FR" sz="3200" b="1" dirty="0"/>
           </a:p>
         </p:txBody>
       </p:sp>
@@ -9068,302 +14669,401 @@
               <a:rPr lang="fr-FR" sz="3200" b="1" dirty="0"/>
               <a:t>Problème mal posé</a:t>
             </a:r>
-            <a:endParaRPr lang="fr-FR" sz="3200" b="1" dirty="0"/>
           </a:p>
         </p:txBody>
       </p:sp>
-      <p:sp>
-        <p:nvSpPr>
-          <p:cNvPr id="2" name="Rectangle 1"/>
-          <p:cNvSpPr/>
-          <p:nvPr/>
-        </p:nvSpPr>
-        <p:spPr>
-          <a:xfrm>
-            <a:off x="589280" y="1407612"/>
-            <a:ext cx="11176000" cy="4893647"/>
-          </a:xfrm>
-          <a:prstGeom prst="rect">
-            <a:avLst/>
-          </a:prstGeom>
-        </p:spPr>
-        <p:txBody>
-          <a:bodyPr wrap="square">
-            <a:spAutoFit/>
-          </a:bodyPr>
-          <a:lstStyle/>
-          <a:p>
-            <a:r>
-              <a:rPr lang="fr-FR" sz="2400" dirty="0">
-                <a:latin typeface="+mj-lt"/>
-              </a:rPr>
-              <a:t>Analysons les trois conditions d’un problème bien posé dans le cas </a:t>
-            </a:r>
-            <a:r>
-              <a:rPr lang="fr-FR" sz="2400" dirty="0" smtClean="0">
-                <a:latin typeface="+mj-lt"/>
-              </a:rPr>
-              <a:t>des problèmes </a:t>
-            </a:r>
-            <a:r>
-              <a:rPr lang="fr-FR" sz="2400" dirty="0">
-                <a:latin typeface="+mj-lt"/>
-              </a:rPr>
-              <a:t>inverses. </a:t>
-            </a:r>
-            <a:endParaRPr lang="fr-FR" sz="2400" dirty="0" smtClean="0">
-              <a:latin typeface="+mj-lt"/>
-            </a:endParaRPr>
-          </a:p>
-          <a:p>
-            <a:endParaRPr lang="fr-FR" sz="2400" dirty="0" smtClean="0">
-              <a:latin typeface="+mj-lt"/>
-            </a:endParaRPr>
-          </a:p>
-          <a:p>
-            <a:pPr marL="342900" indent="-342900">
-              <a:buFont typeface="Wingdings" panose="05000000000000000000" pitchFamily="2" charset="2"/>
-              <a:buChar char="§"/>
-            </a:pPr>
-            <a:r>
-              <a:rPr lang="fr-FR" sz="2400" dirty="0" smtClean="0">
-                <a:latin typeface="+mj-lt"/>
-              </a:rPr>
-              <a:t>Premièrement</a:t>
-            </a:r>
-            <a:r>
-              <a:rPr lang="fr-FR" sz="2400" dirty="0">
-                <a:latin typeface="+mj-lt"/>
-              </a:rPr>
-              <a:t>, le fait que la solution d’un problème </a:t>
-            </a:r>
-            <a:r>
-              <a:rPr lang="fr-FR" sz="2400" dirty="0" smtClean="0">
-                <a:latin typeface="+mj-lt"/>
-              </a:rPr>
-              <a:t>inverse puisse </a:t>
-            </a:r>
-            <a:r>
-              <a:rPr lang="fr-FR" sz="2400" dirty="0">
-                <a:latin typeface="+mj-lt"/>
-              </a:rPr>
-              <a:t>ne pas exister n’est pas une grande difficulté. Il est habituellement </a:t>
-            </a:r>
-            <a:r>
-              <a:rPr lang="fr-FR" sz="2400" dirty="0" smtClean="0">
-                <a:latin typeface="+mj-lt"/>
-              </a:rPr>
-              <a:t>possible </a:t>
-            </a:r>
-            <a:r>
-              <a:rPr lang="fr-FR" sz="2400" dirty="0">
-                <a:latin typeface="+mj-lt"/>
-              </a:rPr>
-              <a:t>de rétablir l’existence en </a:t>
-            </a:r>
-            <a:r>
-              <a:rPr lang="fr-FR" sz="2400" b="1" dirty="0">
-                <a:latin typeface="+mj-lt"/>
-              </a:rPr>
-              <a:t>relaxant la notion de solution</a:t>
-            </a:r>
-            <a:r>
-              <a:rPr lang="fr-FR" sz="2400" dirty="0">
-                <a:latin typeface="+mj-lt"/>
-              </a:rPr>
-              <a:t>. Par exemple, </a:t>
-            </a:r>
-            <a:r>
-              <a:rPr lang="fr-FR" sz="2400" dirty="0" smtClean="0">
-                <a:latin typeface="+mj-lt"/>
-              </a:rPr>
-              <a:t>dans le </a:t>
-            </a:r>
-            <a:r>
-              <a:rPr lang="fr-FR" sz="2400" dirty="0">
-                <a:latin typeface="+mj-lt"/>
-              </a:rPr>
-              <a:t>cas d’un système linéaire surdéterminé </a:t>
-            </a:r>
-            <a:r>
-              <a:rPr lang="fr-FR" sz="2400" b="1" dirty="0" err="1">
-                <a:latin typeface="Consolas" panose="020B0609020204030204" pitchFamily="49" charset="0"/>
-              </a:rPr>
-              <a:t>Ax</a:t>
-            </a:r>
-            <a:r>
-              <a:rPr lang="fr-FR" sz="2400" b="1" dirty="0">
-                <a:latin typeface="Consolas" panose="020B0609020204030204" pitchFamily="49" charset="0"/>
-              </a:rPr>
-              <a:t> = b, </a:t>
-            </a:r>
-            <a:r>
-              <a:rPr lang="fr-FR" sz="2400" dirty="0">
-                <a:latin typeface="+mj-lt"/>
-              </a:rPr>
-              <a:t>en redéfinissant le </a:t>
-            </a:r>
-            <a:r>
-              <a:rPr lang="fr-FR" sz="2400" dirty="0" smtClean="0">
-                <a:latin typeface="+mj-lt"/>
-              </a:rPr>
-              <a:t>problème avec </a:t>
-            </a:r>
-            <a:r>
-              <a:rPr lang="fr-FR" sz="2400" dirty="0">
-                <a:latin typeface="+mj-lt"/>
-              </a:rPr>
-              <a:t>moins d’équations ou en cherchant la solution au sens des moindres </a:t>
-            </a:r>
-            <a:r>
-              <a:rPr lang="fr-FR" sz="2400" dirty="0" smtClean="0">
-                <a:latin typeface="+mj-lt"/>
-              </a:rPr>
-              <a:t>carrés </a:t>
-            </a:r>
-            <a:r>
-              <a:rPr lang="fr-FR" sz="2400" b="1" dirty="0" smtClean="0">
-                <a:latin typeface="Consolas" panose="020B0609020204030204" pitchFamily="49" charset="0"/>
-              </a:rPr>
-              <a:t>(</a:t>
-            </a:r>
-            <a:r>
-              <a:rPr lang="fr-FR" sz="2400" b="1" dirty="0" smtClean="0">
-                <a:latin typeface="+mj-lt"/>
-              </a:rPr>
-              <a:t>i.e</a:t>
-            </a:r>
-            <a:r>
-              <a:rPr lang="fr-FR" sz="2400" b="1" dirty="0">
-                <a:latin typeface="+mj-lt"/>
-              </a:rPr>
-              <a:t>. </a:t>
-            </a:r>
-            <a:r>
-              <a:rPr lang="fr-FR" sz="2400" b="1" dirty="0">
-                <a:latin typeface="Consolas" panose="020B0609020204030204" pitchFamily="49" charset="0"/>
-              </a:rPr>
-              <a:t>x </a:t>
-            </a:r>
-            <a:r>
-              <a:rPr lang="fr-FR" sz="2400" b="1" dirty="0">
-                <a:latin typeface="+mj-lt"/>
-              </a:rPr>
-              <a:t>tel que </a:t>
-            </a:r>
-            <a:r>
-              <a:rPr lang="fr-FR" sz="2400" b="1" dirty="0">
-                <a:latin typeface="Consolas" panose="020B0609020204030204" pitchFamily="49" charset="0"/>
-              </a:rPr>
-              <a:t>‖</a:t>
-            </a:r>
-            <a:r>
-              <a:rPr lang="fr-FR" sz="2400" b="1" dirty="0" err="1">
-                <a:latin typeface="Consolas" panose="020B0609020204030204" pitchFamily="49" charset="0"/>
-              </a:rPr>
-              <a:t>Ax</a:t>
-            </a:r>
-            <a:r>
-              <a:rPr lang="fr-FR" sz="2400" b="1" dirty="0">
-                <a:latin typeface="Consolas" panose="020B0609020204030204" pitchFamily="49" charset="0"/>
-              </a:rPr>
-              <a:t> − b‖2 </a:t>
-            </a:r>
-            <a:r>
-              <a:rPr lang="fr-FR" sz="2400" dirty="0">
-                <a:latin typeface="+mj-lt"/>
-              </a:rPr>
-              <a:t>soit la plus petite</a:t>
-            </a:r>
-            <a:r>
-              <a:rPr lang="fr-FR" sz="2400" dirty="0" smtClean="0">
-                <a:latin typeface="+mj-lt"/>
-              </a:rPr>
-              <a:t>)</a:t>
-            </a:r>
-            <a:r>
-              <a:rPr lang="fr-FR" sz="2400" b="1" dirty="0" smtClean="0">
-                <a:latin typeface="Consolas" panose="020B0609020204030204" pitchFamily="49" charset="0"/>
-              </a:rPr>
-              <a:t>.</a:t>
-            </a:r>
-          </a:p>
-          <a:p>
-            <a:r>
-              <a:rPr lang="fr-FR" sz="2400" b="1" dirty="0" smtClean="0">
-                <a:latin typeface="Consolas" panose="020B0609020204030204" pitchFamily="49" charset="0"/>
-              </a:rPr>
-              <a:t> </a:t>
-            </a:r>
-          </a:p>
-          <a:p>
-            <a:pPr marL="342900" indent="-342900">
-              <a:buFont typeface="Wingdings" panose="05000000000000000000" pitchFamily="2" charset="2"/>
-              <a:buChar char="§"/>
-            </a:pPr>
-            <a:r>
-              <a:rPr lang="fr-FR" sz="2400" dirty="0" smtClean="0">
-                <a:latin typeface="+mj-lt"/>
-              </a:rPr>
-              <a:t>Deuxièmement</a:t>
-            </a:r>
-            <a:r>
-              <a:rPr lang="fr-FR" sz="2400" dirty="0">
-                <a:latin typeface="+mj-lt"/>
-              </a:rPr>
-              <a:t>, la non-unicité </a:t>
-            </a:r>
-            <a:r>
-              <a:rPr lang="fr-FR" sz="2400" dirty="0" smtClean="0">
-                <a:latin typeface="+mj-lt"/>
-              </a:rPr>
-              <a:t>est un </a:t>
-            </a:r>
-            <a:r>
-              <a:rPr lang="fr-FR" sz="2400" dirty="0">
-                <a:latin typeface="+mj-lt"/>
-              </a:rPr>
-              <a:t>problème un peu plus sérieux. Si un problème a plusieurs solutions, il </a:t>
-            </a:r>
-            <a:r>
-              <a:rPr lang="fr-FR" sz="2400" dirty="0" smtClean="0">
-                <a:latin typeface="+mj-lt"/>
-              </a:rPr>
-              <a:t>faut un </a:t>
-            </a:r>
-            <a:r>
-              <a:rPr lang="fr-FR" sz="2400" dirty="0">
-                <a:latin typeface="+mj-lt"/>
-              </a:rPr>
-              <a:t>moyen de choisir entre elles. Pour cela, il faut disposer d’informations </a:t>
-            </a:r>
-            <a:r>
-              <a:rPr lang="fr-FR" sz="2400" dirty="0" smtClean="0">
-                <a:latin typeface="+mj-lt"/>
-              </a:rPr>
-              <a:t>supplémentaires </a:t>
-            </a:r>
-            <a:r>
-              <a:rPr lang="fr-FR" sz="2400" dirty="0">
-                <a:latin typeface="+mj-lt"/>
-              </a:rPr>
-              <a:t>(</a:t>
-            </a:r>
-            <a:r>
-              <a:rPr lang="fr-FR" sz="2400" b="1" dirty="0">
-                <a:latin typeface="+mj-lt"/>
-              </a:rPr>
-              <a:t>une information a priori</a:t>
-            </a:r>
-            <a:r>
-              <a:rPr lang="fr-FR" sz="2400" dirty="0">
-                <a:latin typeface="+mj-lt"/>
-              </a:rPr>
-              <a:t>). </a:t>
-            </a:r>
-          </a:p>
-        </p:txBody>
-      </p:sp>
+      <mc:AlternateContent xmlns:mc="http://schemas.openxmlformats.org/markup-compatibility/2006" xmlns:a14="http://schemas.microsoft.com/office/drawing/2010/main">
+        <mc:Choice Requires="a14">
+          <p:sp>
+            <p:nvSpPr>
+              <p:cNvPr id="2" name="Rectangle 1"/>
+              <p:cNvSpPr/>
+              <p:nvPr/>
+            </p:nvSpPr>
+            <p:spPr>
+              <a:xfrm>
+                <a:off x="589280" y="1407612"/>
+                <a:ext cx="11176000" cy="4982839"/>
+              </a:xfrm>
+              <a:prstGeom prst="rect">
+                <a:avLst/>
+              </a:prstGeom>
+            </p:spPr>
+            <p:txBody>
+              <a:bodyPr wrap="square">
+                <a:spAutoFit/>
+              </a:bodyPr>
+              <a:lstStyle/>
+              <a:p>
+                <a:r>
+                  <a:rPr lang="fr-FR" sz="2400" dirty="0" smtClean="0">
+                    <a:latin typeface="+mj-lt"/>
+                  </a:rPr>
+                  <a:t>Analysons les trois conditions d’un problème bien posé dans le cas des problèmes </a:t>
+                </a:r>
+                <a:r>
+                  <a:rPr lang="fr-FR" sz="2400" dirty="0">
+                    <a:latin typeface="+mj-lt"/>
+                  </a:rPr>
+                  <a:t>inverses. </a:t>
+                </a:r>
+                <a:endParaRPr lang="fr-FR" sz="2400" dirty="0" smtClean="0">
+                  <a:latin typeface="+mj-lt"/>
+                </a:endParaRPr>
+              </a:p>
+              <a:p>
+                <a:endParaRPr lang="fr-FR" sz="2400" dirty="0" smtClean="0">
+                  <a:latin typeface="+mj-lt"/>
+                </a:endParaRPr>
+              </a:p>
+              <a:p>
+                <a:pPr marL="342900" indent="-342900">
+                  <a:buFont typeface="Wingdings" panose="05000000000000000000" pitchFamily="2" charset="2"/>
+                  <a:buChar char="§"/>
+                </a:pPr>
+                <a:r>
+                  <a:rPr lang="fr-FR" sz="2400" dirty="0" smtClean="0">
+                    <a:latin typeface="+mj-lt"/>
+                  </a:rPr>
+                  <a:t>Premièrement</a:t>
+                </a:r>
+                <a:r>
+                  <a:rPr lang="fr-FR" sz="2400" dirty="0">
+                    <a:latin typeface="+mj-lt"/>
+                  </a:rPr>
+                  <a:t>, le fait que la solution d’un problème </a:t>
+                </a:r>
+                <a:r>
+                  <a:rPr lang="fr-FR" sz="2400" dirty="0" smtClean="0">
+                    <a:latin typeface="+mj-lt"/>
+                  </a:rPr>
+                  <a:t>inverse puisse </a:t>
+                </a:r>
+                <a:r>
+                  <a:rPr lang="fr-FR" sz="2400" dirty="0">
+                    <a:latin typeface="+mj-lt"/>
+                  </a:rPr>
+                  <a:t>ne pas exister n’est pas une grande difficulté. Il est habituellement </a:t>
+                </a:r>
+                <a:r>
+                  <a:rPr lang="fr-FR" sz="2400" dirty="0" smtClean="0">
+                    <a:latin typeface="+mj-lt"/>
+                  </a:rPr>
+                  <a:t>possible </a:t>
+                </a:r>
+                <a:r>
+                  <a:rPr lang="fr-FR" sz="2400" dirty="0">
+                    <a:latin typeface="+mj-lt"/>
+                  </a:rPr>
+                  <a:t>de rétablir l’existence en </a:t>
+                </a:r>
+                <a:r>
+                  <a:rPr lang="fr-FR" sz="2400" b="1" dirty="0">
+                    <a:latin typeface="+mj-lt"/>
+                  </a:rPr>
+                  <a:t>relaxant la notion de solution</a:t>
+                </a:r>
+                <a:r>
+                  <a:rPr lang="fr-FR" sz="2400" dirty="0">
+                    <a:latin typeface="+mj-lt"/>
+                  </a:rPr>
+                  <a:t>. Par exemple, </a:t>
+                </a:r>
+                <a:r>
+                  <a:rPr lang="fr-FR" sz="2400" dirty="0" smtClean="0">
+                    <a:latin typeface="+mj-lt"/>
+                  </a:rPr>
+                  <a:t>dans le </a:t>
+                </a:r>
+                <a:r>
+                  <a:rPr lang="fr-FR" sz="2400" dirty="0">
+                    <a:latin typeface="+mj-lt"/>
+                  </a:rPr>
+                  <a:t>cas d’un système linéaire surdéterminé </a:t>
+                </a:r>
+                <a:r>
+                  <a:rPr lang="fr-FR" sz="2400" b="1" dirty="0" err="1">
+                    <a:latin typeface="Consolas" panose="020B0609020204030204" pitchFamily="49" charset="0"/>
+                  </a:rPr>
+                  <a:t>Ax</a:t>
+                </a:r>
+                <a:r>
+                  <a:rPr lang="fr-FR" sz="2400" b="1" dirty="0">
+                    <a:latin typeface="Consolas" panose="020B0609020204030204" pitchFamily="49" charset="0"/>
+                  </a:rPr>
+                  <a:t> = b, </a:t>
+                </a:r>
+                <a:r>
+                  <a:rPr lang="fr-FR" sz="2400" dirty="0">
+                    <a:latin typeface="+mj-lt"/>
+                  </a:rPr>
+                  <a:t>en redéfinissant le </a:t>
+                </a:r>
+                <a:r>
+                  <a:rPr lang="fr-FR" sz="2400" dirty="0" smtClean="0">
+                    <a:latin typeface="+mj-lt"/>
+                  </a:rPr>
+                  <a:t>problème avec </a:t>
+                </a:r>
+                <a:r>
+                  <a:rPr lang="fr-FR" sz="2400" dirty="0">
+                    <a:latin typeface="+mj-lt"/>
+                  </a:rPr>
+                  <a:t>moins d’équations ou en cherchant la solution au sens des moindres </a:t>
+                </a:r>
+                <a:r>
+                  <a:rPr lang="fr-FR" sz="2400" dirty="0" smtClean="0">
+                    <a:latin typeface="+mj-lt"/>
+                  </a:rPr>
+                  <a:t>carrés </a:t>
+                </a:r>
+                <a:r>
+                  <a:rPr lang="fr-FR" sz="2400" b="1" dirty="0" smtClean="0">
+                    <a:latin typeface="Consolas" panose="020B0609020204030204" pitchFamily="49" charset="0"/>
+                  </a:rPr>
+                  <a:t>(</a:t>
+                </a:r>
+                <a:r>
+                  <a:rPr lang="fr-FR" sz="2400" b="1" dirty="0" smtClean="0">
+                    <a:latin typeface="+mj-lt"/>
+                  </a:rPr>
+                  <a:t>i.e</a:t>
+                </a:r>
+                <a:r>
+                  <a:rPr lang="fr-FR" sz="2400" b="1" dirty="0">
+                    <a:latin typeface="+mj-lt"/>
+                  </a:rPr>
+                  <a:t>. </a:t>
+                </a:r>
+                <a:r>
+                  <a:rPr lang="fr-FR" sz="2400" b="1" dirty="0">
+                    <a:latin typeface="Consolas" panose="020B0609020204030204" pitchFamily="49" charset="0"/>
+                  </a:rPr>
+                  <a:t>x </a:t>
+                </a:r>
+                <a:r>
+                  <a:rPr lang="fr-FR" sz="2400" b="1" dirty="0">
+                    <a:latin typeface="+mj-lt"/>
+                  </a:rPr>
+                  <a:t>tel que </a:t>
+                </a:r>
+                <a14:m>
+                  <m:oMath xmlns:m="http://schemas.openxmlformats.org/officeDocument/2006/math">
+                    <m:sSubSup>
+                      <m:sSubSupPr>
+                        <m:ctrlPr>
+                          <a:rPr lang="fr-FR" sz="2400" b="1" i="1" smtClean="0">
+                            <a:latin typeface="Cambria Math" panose="02040503050406030204" pitchFamily="18" charset="0"/>
+                          </a:rPr>
+                        </m:ctrlPr>
+                      </m:sSubSupPr>
+                      <m:e>
+                        <m:r>
+                          <m:rPr>
+                            <m:nor/>
+                          </m:rPr>
+                          <a:rPr lang="fr-FR" sz="2400" b="1" dirty="0" smtClean="0">
+                            <a:latin typeface="Consolas" panose="020B0609020204030204" pitchFamily="49" charset="0"/>
+                          </a:rPr>
+                          <m:t>‖</m:t>
+                        </m:r>
+                        <m:r>
+                          <m:rPr>
+                            <m:nor/>
+                          </m:rPr>
+                          <a:rPr lang="fr-FR" sz="2400" b="1" dirty="0" smtClean="0">
+                            <a:latin typeface="Consolas" panose="020B0609020204030204" pitchFamily="49" charset="0"/>
+                          </a:rPr>
+                          <m:t>Ax</m:t>
+                        </m:r>
+                        <m:r>
+                          <m:rPr>
+                            <m:nor/>
+                          </m:rPr>
+                          <a:rPr lang="fr-FR" sz="2400" b="1" dirty="0" smtClean="0">
+                            <a:latin typeface="Consolas" panose="020B0609020204030204" pitchFamily="49" charset="0"/>
+                          </a:rPr>
+                          <m:t> − </m:t>
+                        </m:r>
+                        <m:r>
+                          <m:rPr>
+                            <m:nor/>
+                          </m:rPr>
+                          <a:rPr lang="fr-FR" sz="2400" b="1" dirty="0" smtClean="0">
+                            <a:latin typeface="Consolas" panose="020B0609020204030204" pitchFamily="49" charset="0"/>
+                          </a:rPr>
+                          <m:t>b</m:t>
+                        </m:r>
+                        <m:r>
+                          <m:rPr>
+                            <m:nor/>
+                          </m:rPr>
+                          <a:rPr lang="fr-FR" sz="2400" b="1" dirty="0" smtClean="0">
+                            <a:latin typeface="Consolas" panose="020B0609020204030204" pitchFamily="49" charset="0"/>
+                          </a:rPr>
+                          <m:t>‖</m:t>
+                        </m:r>
+                      </m:e>
+                      <m:sub>
+                        <m:r>
+                          <a:rPr lang="fr-FR" sz="2400" b="1" i="1" smtClean="0">
+                            <a:latin typeface="Cambria Math" panose="02040503050406030204" pitchFamily="18" charset="0"/>
+                          </a:rPr>
+                          <m:t>𝟐</m:t>
+                        </m:r>
+                      </m:sub>
+                      <m:sup>
+                        <m:r>
+                          <a:rPr lang="fr-FR" sz="2400" b="1" i="1" smtClean="0">
+                            <a:latin typeface="Cambria Math" panose="02040503050406030204" pitchFamily="18" charset="0"/>
+                          </a:rPr>
+                          <m:t>𝟐</m:t>
+                        </m:r>
+                      </m:sup>
+                    </m:sSubSup>
+                  </m:oMath>
+                </a14:m>
+                <a:r>
+                  <a:rPr lang="fr-FR" sz="2400" b="1" dirty="0" smtClean="0">
+                    <a:latin typeface="Consolas" panose="020B0609020204030204" pitchFamily="49" charset="0"/>
+                  </a:rPr>
+                  <a:t> </a:t>
+                </a:r>
+                <a:r>
+                  <a:rPr lang="fr-FR" sz="2400" dirty="0">
+                    <a:latin typeface="+mj-lt"/>
+                  </a:rPr>
+                  <a:t>soit la plus petite</a:t>
+                </a:r>
+                <a:r>
+                  <a:rPr lang="fr-FR" sz="2400" dirty="0" smtClean="0">
+                    <a:latin typeface="+mj-lt"/>
+                  </a:rPr>
+                  <a:t>)</a:t>
+                </a:r>
+                <a:r>
+                  <a:rPr lang="fr-FR" sz="2400" b="1" dirty="0" smtClean="0">
+                    <a:latin typeface="Consolas" panose="020B0609020204030204" pitchFamily="49" charset="0"/>
+                  </a:rPr>
+                  <a:t>.</a:t>
+                </a:r>
+              </a:p>
+              <a:p>
+                <a:r>
+                  <a:rPr lang="fr-FR" sz="2400" b="1" dirty="0" smtClean="0">
+                    <a:latin typeface="Consolas" panose="020B0609020204030204" pitchFamily="49" charset="0"/>
+                  </a:rPr>
+                  <a:t> </a:t>
+                </a:r>
+              </a:p>
+              <a:p>
+                <a:pPr marL="342900" indent="-342900">
+                  <a:buFont typeface="Wingdings" panose="05000000000000000000" pitchFamily="2" charset="2"/>
+                  <a:buChar char="§"/>
+                </a:pPr>
+                <a:r>
+                  <a:rPr lang="fr-FR" sz="2400" dirty="0" smtClean="0">
+                    <a:latin typeface="+mj-lt"/>
+                  </a:rPr>
+                  <a:t>Deuxièmement</a:t>
+                </a:r>
+                <a:r>
+                  <a:rPr lang="fr-FR" sz="2400" dirty="0">
+                    <a:latin typeface="+mj-lt"/>
+                  </a:rPr>
+                  <a:t>, la non-unicité </a:t>
+                </a:r>
+                <a:r>
+                  <a:rPr lang="fr-FR" sz="2400" dirty="0" smtClean="0">
+                    <a:latin typeface="+mj-lt"/>
+                  </a:rPr>
+                  <a:t>est un </a:t>
+                </a:r>
+                <a:r>
+                  <a:rPr lang="fr-FR" sz="2400" dirty="0">
+                    <a:latin typeface="+mj-lt"/>
+                  </a:rPr>
+                  <a:t>problème un peu plus sérieux. Si un problème a plusieurs solutions, il </a:t>
+                </a:r>
+                <a:r>
+                  <a:rPr lang="fr-FR" sz="2400" dirty="0" smtClean="0">
+                    <a:latin typeface="+mj-lt"/>
+                  </a:rPr>
+                  <a:t>faut un </a:t>
+                </a:r>
+                <a:r>
+                  <a:rPr lang="fr-FR" sz="2400" dirty="0">
+                    <a:latin typeface="+mj-lt"/>
+                  </a:rPr>
+                  <a:t>moyen de choisir entre elles. Pour cela, il faut disposer d’informations </a:t>
+                </a:r>
+                <a:r>
+                  <a:rPr lang="fr-FR" sz="2400" dirty="0" smtClean="0">
+                    <a:latin typeface="+mj-lt"/>
+                  </a:rPr>
+                  <a:t>supplémentaires </a:t>
+                </a:r>
+                <a:r>
+                  <a:rPr lang="fr-FR" sz="2400" dirty="0">
+                    <a:latin typeface="+mj-lt"/>
+                  </a:rPr>
+                  <a:t>(</a:t>
+                </a:r>
+                <a:r>
+                  <a:rPr lang="fr-FR" sz="2400" b="1" dirty="0">
+                    <a:latin typeface="+mj-lt"/>
+                  </a:rPr>
+                  <a:t>une information a priori</a:t>
+                </a:r>
+                <a:r>
+                  <a:rPr lang="fr-FR" sz="2400" dirty="0">
+                    <a:latin typeface="+mj-lt"/>
+                  </a:rPr>
+                  <a:t>). </a:t>
+                </a:r>
+              </a:p>
+            </p:txBody>
+          </p:sp>
+        </mc:Choice>
+        <mc:Fallback xmlns="">
+          <p:sp>
+            <p:nvSpPr>
+              <p:cNvPr id="2" name="Rectangle 1"/>
+              <p:cNvSpPr>
+                <a:spLocks noRot="1" noChangeAspect="1" noMove="1" noResize="1" noEditPoints="1" noAdjustHandles="1" noChangeArrowheads="1" noChangeShapeType="1" noTextEdit="1"/>
+              </p:cNvSpPr>
+              <p:nvPr/>
+            </p:nvSpPr>
+            <p:spPr>
+              <a:xfrm>
+                <a:off x="589280" y="1407612"/>
+                <a:ext cx="11176000" cy="4982839"/>
+              </a:xfrm>
+              <a:prstGeom prst="rect">
+                <a:avLst/>
+              </a:prstGeom>
+              <a:blipFill>
+                <a:blip r:embed="rId2"/>
+                <a:stretch>
+                  <a:fillRect l="-873" t="-979" b="-612"/>
+                </a:stretch>
+              </a:blipFill>
+            </p:spPr>
+            <p:txBody>
+              <a:bodyPr/>
+              <a:lstStyle/>
+              <a:p>
+                <a:r>
+                  <a:rPr lang="fr-FR">
+                    <a:noFill/>
+                  </a:rPr>
+                  <a:t> </a:t>
+                </a:r>
+              </a:p>
+            </p:txBody>
+          </p:sp>
+        </mc:Fallback>
+      </mc:AlternateContent>
     </p:spTree>
     <p:extLst>
       <p:ext uri="{BB962C8B-B14F-4D97-AF65-F5344CB8AC3E}">
